--- a/Workshop 4/Arduino_Workshop_FabLab_4.pptx
+++ b/Workshop 4/Arduino_Workshop_FabLab_4.pptx
@@ -219,7 +219,7 @@
           <a:p>
             <a:fld id="{5565C899-D94F-7D46-B594-C1ABC82DBD78}" type="datetimeFigureOut">
               <a:rPr lang="cs-CZ" smtClean="0"/>
-              <a:t>25.04.2018</a:t>
+              <a:t>07.08.2018</a:t>
             </a:fld>
             <a:endParaRPr lang="cs-CZ"/>
           </a:p>
@@ -635,7 +635,7 @@
           <a:p>
             <a:fld id="{C10D2078-D351-AC4A-9EE3-FD823847889C}" type="slidenum">
               <a:rPr lang="cs-CZ" smtClean="0"/>
-              <a:t>14</a:t>
+              <a:t>12</a:t>
             </a:fld>
             <a:endParaRPr lang="cs-CZ"/>
           </a:p>
@@ -644,7 +644,7 @@
     </p:spTree>
     <p:extLst>
       <p:ext uri="{BB962C8B-B14F-4D97-AF65-F5344CB8AC3E}">
-        <p14:creationId xmlns:p14="http://schemas.microsoft.com/office/powerpoint/2010/main" val="356145040"/>
+        <p14:creationId xmlns:p14="http://schemas.microsoft.com/office/powerpoint/2010/main" val="2491408533"/>
       </p:ext>
     </p:extLst>
   </p:cSld>
@@ -698,104 +698,7 @@
           <a:bodyPr/>
           <a:lstStyle/>
           <a:p>
-            <a:r>
-              <a:rPr lang="cs-CZ" dirty="0" smtClean="0"/>
-              <a:t>ESP8266 se objevil</a:t>
-            </a:r>
-            <a:r>
-              <a:rPr lang="cs-CZ" baseline="0" dirty="0" smtClean="0"/>
-              <a:t> v roce 2014 a původně byl určen jako převodník ze </a:t>
-            </a:r>
-            <a:r>
-              <a:rPr lang="cs-CZ" baseline="0" dirty="0" err="1" smtClean="0"/>
-              <a:t>seriové</a:t>
-            </a:r>
-            <a:r>
-              <a:rPr lang="cs-CZ" baseline="0" dirty="0" smtClean="0"/>
-              <a:t> linky na </a:t>
-            </a:r>
-            <a:r>
-              <a:rPr lang="cs-CZ" baseline="0" dirty="0" err="1" smtClean="0"/>
-              <a:t>wifi</a:t>
-            </a:r>
-            <a:r>
-              <a:rPr lang="cs-CZ" baseline="0" dirty="0" smtClean="0"/>
-              <a:t>, ale díky tomu že byl velmi levný si ho oblíbila komunita kutilů a on se velmi rychle stal jednou z nejpoužívanějších komponent když člověk potřeboval </a:t>
-            </a:r>
-            <a:r>
-              <a:rPr lang="cs-CZ" baseline="0" dirty="0" err="1" smtClean="0"/>
-              <a:t>WiFi</a:t>
-            </a:r>
-            <a:r>
-              <a:rPr lang="cs-CZ" baseline="0" dirty="0" smtClean="0"/>
-              <a:t> konektivitu. První modul vidíme vpravo nahoře, je to ESP01. Měl 8 pinů o rozteči 2 mm a nešel přímo zapojit do </a:t>
-            </a:r>
-            <a:r>
-              <a:rPr lang="cs-CZ" baseline="0" dirty="0" err="1" smtClean="0"/>
-              <a:t>breadboardu</a:t>
-            </a:r>
-            <a:r>
-              <a:rPr lang="cs-CZ" baseline="0" dirty="0" smtClean="0"/>
-              <a:t>, museli jste mít redukci. Deska na sobě neměla převodník ne sériovou linku. Ovladatelné byli jen 2 piny takže se s ním moc kutit nedalo, ale na ovládání </a:t>
-            </a:r>
-            <a:r>
-              <a:rPr lang="cs-CZ" baseline="0" dirty="0" err="1" smtClean="0"/>
-              <a:t>LEDky</a:t>
-            </a:r>
-            <a:r>
-              <a:rPr lang="cs-CZ" baseline="0" dirty="0" smtClean="0"/>
-              <a:t> nebo relé to stačilo a dodnes se prodávají moduly kterými lze ovládat například světlo nebo cokoli co potřebuje 220V. </a:t>
-            </a:r>
-          </a:p>
-          <a:p>
-            <a:endParaRPr lang="cs-CZ" baseline="0" dirty="0" smtClean="0"/>
-          </a:p>
-          <a:p>
-            <a:r>
-              <a:rPr lang="cs-CZ" baseline="0" dirty="0" smtClean="0"/>
-              <a:t>Vpravo dole vidíme </a:t>
-            </a:r>
-            <a:r>
-              <a:rPr lang="cs-CZ" baseline="0" dirty="0" err="1" smtClean="0"/>
-              <a:t>NodeMCU</a:t>
-            </a:r>
-            <a:r>
-              <a:rPr lang="cs-CZ" baseline="0" dirty="0" smtClean="0"/>
-              <a:t>, což je již </a:t>
-            </a:r>
-            <a:r>
-              <a:rPr lang="cs-CZ" baseline="0" dirty="0" err="1" smtClean="0"/>
-              <a:t>breadboard</a:t>
-            </a:r>
-            <a:r>
-              <a:rPr lang="cs-CZ" baseline="0" dirty="0" smtClean="0"/>
-              <a:t> </a:t>
-            </a:r>
-            <a:r>
-              <a:rPr lang="cs-CZ" baseline="0" dirty="0" err="1" smtClean="0"/>
-              <a:t>friendly</a:t>
-            </a:r>
-            <a:r>
-              <a:rPr lang="cs-CZ" baseline="0" dirty="0" smtClean="0"/>
-              <a:t> deska která měla 13 ovladatelných pinů, SPI, I2C, I2S a 2 </a:t>
-            </a:r>
-            <a:r>
-              <a:rPr lang="cs-CZ" baseline="0" dirty="0" err="1" smtClean="0"/>
-              <a:t>UARTy</a:t>
-            </a:r>
-            <a:r>
-              <a:rPr lang="cs-CZ" baseline="0" dirty="0" smtClean="0"/>
-              <a:t>. Tato deska již měla na sobě </a:t>
-            </a:r>
-            <a:r>
-              <a:rPr lang="cs-CZ" baseline="0" dirty="0" err="1" smtClean="0"/>
-              <a:t>seriový</a:t>
-            </a:r>
-            <a:r>
-              <a:rPr lang="cs-CZ" baseline="0" dirty="0" smtClean="0"/>
-              <a:t> převodník, takže práce s ní byla mnohem příjemnější. </a:t>
-            </a:r>
-            <a:endParaRPr lang="cs-CZ" dirty="0"/>
+            <a:endParaRPr lang="cs-CZ"/>
           </a:p>
         </p:txBody>
       </p:sp>
@@ -816,7 +719,7 @@
           <a:p>
             <a:fld id="{C10D2078-D351-AC4A-9EE3-FD823847889C}" type="slidenum">
               <a:rPr lang="cs-CZ" smtClean="0"/>
-              <a:t>15</a:t>
+              <a:t>14</a:t>
             </a:fld>
             <a:endParaRPr lang="cs-CZ"/>
           </a:p>
@@ -825,7 +728,7 @@
     </p:spTree>
     <p:extLst>
       <p:ext uri="{BB962C8B-B14F-4D97-AF65-F5344CB8AC3E}">
-        <p14:creationId xmlns:p14="http://schemas.microsoft.com/office/powerpoint/2010/main" val="1916200307"/>
+        <p14:creationId xmlns:p14="http://schemas.microsoft.com/office/powerpoint/2010/main" val="356145040"/>
       </p:ext>
     </p:extLst>
   </p:cSld>
@@ -881,31 +784,72 @@
           <a:p>
             <a:r>
               <a:rPr lang="cs-CZ" dirty="0" smtClean="0"/>
-              <a:t>My dnes, a nejen</a:t>
+              <a:t>ESP8266 se objevil</a:t>
             </a:r>
             <a:r>
               <a:rPr lang="cs-CZ" baseline="0" dirty="0" smtClean="0"/>
-              <a:t> dnes, budeme pracovat s ESP32 což je nástupce ESP8266. Porovnání mezi těmito dvěma čipy vidíte před sebou. ESP32 běží v základu na 160MHz, ale může běžet i na 240 MHz. Oproti ESP8266 má o jedno jádro navíc, více pinů, větší </a:t>
+              <a:t> v roce 2014 a původně byl určen jako převodník ze </a:t>
             </a:r>
             <a:r>
               <a:rPr lang="cs-CZ" baseline="0" dirty="0" err="1" smtClean="0"/>
-              <a:t>pamět</a:t>
+              <a:t>seriové</a:t>
             </a:r>
             <a:r>
               <a:rPr lang="cs-CZ" baseline="0" dirty="0" smtClean="0"/>
-              <a:t> SRAM, CAN bus který se používá v automobilovém průmyslu, </a:t>
+              <a:t> linky na </a:t>
             </a:r>
             <a:r>
               <a:rPr lang="cs-CZ" baseline="0" dirty="0" err="1" smtClean="0"/>
-              <a:t>Ethernet</a:t>
+              <a:t>wifi</a:t>
             </a:r>
             <a:r>
               <a:rPr lang="cs-CZ" baseline="0" dirty="0" smtClean="0"/>
-              <a:t>, můžete k ní připojit dotykové senzory. Za samostatnou zmínku stojí podpora BT 4.2 s podporou BLE (</a:t>
+              <a:t>, ale díky tomu že byl velmi levný si ho oblíbila komunita kutilů a on se velmi rychle stal jednou z nejpoužívanějších komponent když člověk potřeboval </a:t>
             </a:r>
             <a:r>
               <a:rPr lang="cs-CZ" baseline="0" dirty="0" err="1" smtClean="0"/>
-              <a:t>Bluetooth</a:t>
+              <a:t>WiFi</a:t>
+            </a:r>
+            <a:r>
+              <a:rPr lang="cs-CZ" baseline="0" dirty="0" smtClean="0"/>
+              <a:t> konektivitu. První modul vidíme vpravo nahoře, je to ESP01. Měl 8 pinů o rozteči 2 mm a nešel přímo zapojit do </a:t>
+            </a:r>
+            <a:r>
+              <a:rPr lang="cs-CZ" baseline="0" dirty="0" err="1" smtClean="0"/>
+              <a:t>breadboardu</a:t>
+            </a:r>
+            <a:r>
+              <a:rPr lang="cs-CZ" baseline="0" dirty="0" smtClean="0"/>
+              <a:t>, museli jste mít redukci. Deska na sobě neměla převodník ne sériovou linku. Ovladatelné byli jen 2 piny takže se s ním moc kutit nedalo, ale na ovládání </a:t>
+            </a:r>
+            <a:r>
+              <a:rPr lang="cs-CZ" baseline="0" dirty="0" err="1" smtClean="0"/>
+              <a:t>LEDky</a:t>
+            </a:r>
+            <a:r>
+              <a:rPr lang="cs-CZ" baseline="0" dirty="0" smtClean="0"/>
+              <a:t> nebo relé to stačilo a dodnes se prodávají moduly kterými lze ovládat například světlo nebo cokoli co potřebuje 220V. </a:t>
+            </a:r>
+          </a:p>
+          <a:p>
+            <a:endParaRPr lang="cs-CZ" baseline="0" dirty="0" smtClean="0"/>
+          </a:p>
+          <a:p>
+            <a:r>
+              <a:rPr lang="cs-CZ" baseline="0" dirty="0" smtClean="0"/>
+              <a:t>Vpravo dole vidíme </a:t>
+            </a:r>
+            <a:r>
+              <a:rPr lang="cs-CZ" baseline="0" dirty="0" err="1" smtClean="0"/>
+              <a:t>NodeMCU</a:t>
+            </a:r>
+            <a:r>
+              <a:rPr lang="cs-CZ" baseline="0" dirty="0" smtClean="0"/>
+              <a:t>, což je již </a:t>
+            </a:r>
+            <a:r>
+              <a:rPr lang="cs-CZ" baseline="0" dirty="0" err="1" smtClean="0"/>
+              <a:t>breadboard</a:t>
             </a:r>
             <a:r>
               <a:rPr lang="cs-CZ" baseline="0" dirty="0" smtClean="0"/>
@@ -913,28 +857,27 @@
             </a:r>
             <a:r>
               <a:rPr lang="cs-CZ" baseline="0" dirty="0" err="1" smtClean="0"/>
-              <a:t>Low</a:t>
+              <a:t>friendly</a:t>
             </a:r>
             <a:r>
               <a:rPr lang="cs-CZ" baseline="0" dirty="0" smtClean="0"/>
-              <a:t> </a:t>
+              <a:t> deska která měla 13 ovladatelných pinů, SPI, I2C, I2S a 2 </a:t>
             </a:r>
             <a:r>
               <a:rPr lang="cs-CZ" baseline="0" dirty="0" err="1" smtClean="0"/>
-              <a:t>Energy</a:t>
+              <a:t>UARTy</a:t>
             </a:r>
             <a:r>
               <a:rPr lang="cs-CZ" baseline="0" dirty="0" smtClean="0"/>
-              <a:t>). </a:t>
-            </a:r>
-          </a:p>
-          <a:p>
-            <a:endParaRPr lang="cs-CZ" baseline="0" dirty="0" smtClean="0"/>
-          </a:p>
-          <a:p>
+              <a:t>. Tato deska již měla na sobě </a:t>
+            </a:r>
+            <a:r>
+              <a:rPr lang="cs-CZ" baseline="0" dirty="0" err="1" smtClean="0"/>
+              <a:t>seriový</a:t>
+            </a:r>
             <a:r>
               <a:rPr lang="cs-CZ" baseline="0" dirty="0" smtClean="0"/>
-              <a:t>Tak a nyní se pustíme do praktické části. </a:t>
+              <a:t> převodník, takže práce s ní byla mnohem příjemnější. </a:t>
             </a:r>
             <a:endParaRPr lang="cs-CZ" dirty="0"/>
           </a:p>
@@ -957,7 +900,7 @@
           <a:p>
             <a:fld id="{C10D2078-D351-AC4A-9EE3-FD823847889C}" type="slidenum">
               <a:rPr lang="cs-CZ" smtClean="0"/>
-              <a:t>16</a:t>
+              <a:t>15</a:t>
             </a:fld>
             <a:endParaRPr lang="cs-CZ"/>
           </a:p>
@@ -966,7 +909,7 @@
     </p:spTree>
     <p:extLst>
       <p:ext uri="{BB962C8B-B14F-4D97-AF65-F5344CB8AC3E}">
-        <p14:creationId xmlns:p14="http://schemas.microsoft.com/office/powerpoint/2010/main" val="300209540"/>
+        <p14:creationId xmlns:p14="http://schemas.microsoft.com/office/powerpoint/2010/main" val="1916200307"/>
       </p:ext>
     </p:extLst>
   </p:cSld>
@@ -1020,7 +963,64 @@
           <a:bodyPr/>
           <a:lstStyle/>
           <a:p>
-            <a:endParaRPr lang="cs-CZ"/>
+            <a:r>
+              <a:rPr lang="cs-CZ" dirty="0" smtClean="0"/>
+              <a:t>My dnes, a nejen</a:t>
+            </a:r>
+            <a:r>
+              <a:rPr lang="cs-CZ" baseline="0" dirty="0" smtClean="0"/>
+              <a:t> dnes, budeme pracovat s ESP32 což je nástupce ESP8266. Porovnání mezi těmito dvěma čipy vidíte před sebou. ESP32 běží v základu na 160MHz, ale může běžet i na 240 MHz. Oproti ESP8266 má o jedno jádro navíc, více pinů, větší </a:t>
+            </a:r>
+            <a:r>
+              <a:rPr lang="cs-CZ" baseline="0" dirty="0" err="1" smtClean="0"/>
+              <a:t>pamět</a:t>
+            </a:r>
+            <a:r>
+              <a:rPr lang="cs-CZ" baseline="0" dirty="0" smtClean="0"/>
+              <a:t> SRAM, CAN bus který se používá v automobilovém průmyslu, </a:t>
+            </a:r>
+            <a:r>
+              <a:rPr lang="cs-CZ" baseline="0" dirty="0" err="1" smtClean="0"/>
+              <a:t>Ethernet</a:t>
+            </a:r>
+            <a:r>
+              <a:rPr lang="cs-CZ" baseline="0" dirty="0" smtClean="0"/>
+              <a:t>, můžete k ní připojit dotykové senzory. Za samostatnou zmínku stojí podpora BT 4.2 s podporou BLE (</a:t>
+            </a:r>
+            <a:r>
+              <a:rPr lang="cs-CZ" baseline="0" dirty="0" err="1" smtClean="0"/>
+              <a:t>Bluetooth</a:t>
+            </a:r>
+            <a:r>
+              <a:rPr lang="cs-CZ" baseline="0" dirty="0" smtClean="0"/>
+              <a:t> </a:t>
+            </a:r>
+            <a:r>
+              <a:rPr lang="cs-CZ" baseline="0" dirty="0" err="1" smtClean="0"/>
+              <a:t>Low</a:t>
+            </a:r>
+            <a:r>
+              <a:rPr lang="cs-CZ" baseline="0" dirty="0" smtClean="0"/>
+              <a:t> </a:t>
+            </a:r>
+            <a:r>
+              <a:rPr lang="cs-CZ" baseline="0" dirty="0" err="1" smtClean="0"/>
+              <a:t>Energy</a:t>
+            </a:r>
+            <a:r>
+              <a:rPr lang="cs-CZ" baseline="0" dirty="0" smtClean="0"/>
+              <a:t>). </a:t>
+            </a:r>
+          </a:p>
+          <a:p>
+            <a:endParaRPr lang="cs-CZ" baseline="0" dirty="0" smtClean="0"/>
+          </a:p>
+          <a:p>
+            <a:r>
+              <a:rPr lang="cs-CZ" baseline="0" dirty="0" smtClean="0"/>
+              <a:t>Tak a nyní se pustíme do praktické části. </a:t>
+            </a:r>
+            <a:endParaRPr lang="cs-CZ" dirty="0"/>
           </a:p>
         </p:txBody>
       </p:sp>
@@ -1041,7 +1041,7 @@
           <a:p>
             <a:fld id="{C10D2078-D351-AC4A-9EE3-FD823847889C}" type="slidenum">
               <a:rPr lang="cs-CZ" smtClean="0"/>
-              <a:t>17</a:t>
+              <a:t>16</a:t>
             </a:fld>
             <a:endParaRPr lang="cs-CZ"/>
           </a:p>
@@ -1050,7 +1050,7 @@
     </p:spTree>
     <p:extLst>
       <p:ext uri="{BB962C8B-B14F-4D97-AF65-F5344CB8AC3E}">
-        <p14:creationId xmlns:p14="http://schemas.microsoft.com/office/powerpoint/2010/main" val="1141683396"/>
+        <p14:creationId xmlns:p14="http://schemas.microsoft.com/office/powerpoint/2010/main" val="300209540"/>
       </p:ext>
     </p:extLst>
   </p:cSld>
@@ -1104,15 +1104,7 @@
           <a:bodyPr/>
           <a:lstStyle/>
           <a:p>
-            <a:r>
-              <a:rPr lang="cs-CZ" dirty="0" smtClean="0"/>
-              <a:t>Abychom zde ušetřili</a:t>
-            </a:r>
-            <a:r>
-              <a:rPr lang="cs-CZ" baseline="0" dirty="0" smtClean="0"/>
-              <a:t> čas, tak si prosím na svých noteboocích otevřete tuto adresu a postupujte podle návodu který napsal Luboš. Pokud by jste si s něčím nevěděli rady, tak se zeptejte a my Vám rádi pomůžeme. </a:t>
-            </a:r>
-            <a:endParaRPr lang="cs-CZ" dirty="0"/>
+            <a:endParaRPr lang="cs-CZ"/>
           </a:p>
         </p:txBody>
       </p:sp>
@@ -1133,7 +1125,7 @@
           <a:p>
             <a:fld id="{C10D2078-D351-AC4A-9EE3-FD823847889C}" type="slidenum">
               <a:rPr lang="cs-CZ" smtClean="0"/>
-              <a:t>18</a:t>
+              <a:t>17</a:t>
             </a:fld>
             <a:endParaRPr lang="cs-CZ"/>
           </a:p>
@@ -1142,7 +1134,7 @@
     </p:spTree>
     <p:extLst>
       <p:ext uri="{BB962C8B-B14F-4D97-AF65-F5344CB8AC3E}">
-        <p14:creationId xmlns:p14="http://schemas.microsoft.com/office/powerpoint/2010/main" val="3470068722"/>
+        <p14:creationId xmlns:p14="http://schemas.microsoft.com/office/powerpoint/2010/main" val="1141683396"/>
       </p:ext>
     </p:extLst>
   </p:cSld>
@@ -1196,7 +1188,15 @@
           <a:bodyPr/>
           <a:lstStyle/>
           <a:p>
-            <a:endParaRPr lang="cs-CZ"/>
+            <a:r>
+              <a:rPr lang="cs-CZ" dirty="0" smtClean="0"/>
+              <a:t>Abychom zde ušetřili</a:t>
+            </a:r>
+            <a:r>
+              <a:rPr lang="cs-CZ" baseline="0" dirty="0" smtClean="0"/>
+              <a:t> čas, tak si prosím na svých noteboocích otevřete tuto adresu a postupujte podle návodu který napsal Luboš. Pokud by jste si s něčím nevěděli rady, tak se zeptejte a my Vám rádi pomůžeme. </a:t>
+            </a:r>
+            <a:endParaRPr lang="cs-CZ" dirty="0"/>
           </a:p>
         </p:txBody>
       </p:sp>
@@ -1217,7 +1217,7 @@
           <a:p>
             <a:fld id="{C10D2078-D351-AC4A-9EE3-FD823847889C}" type="slidenum">
               <a:rPr lang="cs-CZ" smtClean="0"/>
-              <a:t>19</a:t>
+              <a:t>18</a:t>
             </a:fld>
             <a:endParaRPr lang="cs-CZ"/>
           </a:p>
@@ -1226,7 +1226,7 @@
     </p:spTree>
     <p:extLst>
       <p:ext uri="{BB962C8B-B14F-4D97-AF65-F5344CB8AC3E}">
-        <p14:creationId xmlns:p14="http://schemas.microsoft.com/office/powerpoint/2010/main" val="665420325"/>
+        <p14:creationId xmlns:p14="http://schemas.microsoft.com/office/powerpoint/2010/main" val="3470068722"/>
       </p:ext>
     </p:extLst>
   </p:cSld>
@@ -1280,7 +1280,7 @@
           <a:bodyPr/>
           <a:lstStyle/>
           <a:p>
-            <a:endParaRPr lang="cs-CZ" dirty="0"/>
+            <a:endParaRPr lang="cs-CZ"/>
           </a:p>
         </p:txBody>
       </p:sp>
@@ -1301,7 +1301,7 @@
           <a:p>
             <a:fld id="{C10D2078-D351-AC4A-9EE3-FD823847889C}" type="slidenum">
               <a:rPr lang="cs-CZ" smtClean="0"/>
-              <a:t>20</a:t>
+              <a:t>19</a:t>
             </a:fld>
             <a:endParaRPr lang="cs-CZ"/>
           </a:p>
@@ -1310,7 +1310,7 @@
     </p:spTree>
     <p:extLst>
       <p:ext uri="{BB962C8B-B14F-4D97-AF65-F5344CB8AC3E}">
-        <p14:creationId xmlns:p14="http://schemas.microsoft.com/office/powerpoint/2010/main" val="3069118016"/>
+        <p14:creationId xmlns:p14="http://schemas.microsoft.com/office/powerpoint/2010/main" val="665420325"/>
       </p:ext>
     </p:extLst>
   </p:cSld>
@@ -1364,14 +1364,6 @@
           <a:bodyPr/>
           <a:lstStyle/>
           <a:p>
-            <a:r>
-              <a:rPr lang="cs-CZ" dirty="0" smtClean="0"/>
-              <a:t>Abychom zde ušetřili</a:t>
-            </a:r>
-            <a:r>
-              <a:rPr lang="cs-CZ" baseline="0" dirty="0" smtClean="0"/>
-              <a:t> čas, tak si prosím na svých noteboocích otevřete tuto adresu a postupujte podle návodu který napsal Luboš. Pokud by jste si s něčím nevěděli rady, tak se zeptejte a my Vám rádi pomůžeme. </a:t>
-            </a:r>
             <a:endParaRPr lang="cs-CZ" dirty="0"/>
           </a:p>
         </p:txBody>
@@ -1393,7 +1385,7 @@
           <a:p>
             <a:fld id="{C10D2078-D351-AC4A-9EE3-FD823847889C}" type="slidenum">
               <a:rPr lang="cs-CZ" smtClean="0"/>
-              <a:t>21</a:t>
+              <a:t>20</a:t>
             </a:fld>
             <a:endParaRPr lang="cs-CZ"/>
           </a:p>
@@ -1402,7 +1394,7 @@
     </p:spTree>
     <p:extLst>
       <p:ext uri="{BB962C8B-B14F-4D97-AF65-F5344CB8AC3E}">
-        <p14:creationId xmlns:p14="http://schemas.microsoft.com/office/powerpoint/2010/main" val="4212357299"/>
+        <p14:creationId xmlns:p14="http://schemas.microsoft.com/office/powerpoint/2010/main" val="3069118016"/>
       </p:ext>
     </p:extLst>
   </p:cSld>
@@ -1462,8 +1454,100 @@
             </a:r>
             <a:r>
               <a:rPr lang="cs-CZ" baseline="0" dirty="0" smtClean="0"/>
-              <a:t> čas, tak si prosím na svých noteboocích otevřete tuto adresu a postupujte podle návodu který napsal Luboš. Pokud by jste si s něčím nevěděli rady, tak se zeptejte a my Vám rádi pomůžeme. </a:t>
-            </a:r>
+              <a:t> čas, tak si prosím na svých noteboocích otevřete tuto adresu </a:t>
+            </a:r>
+            <a:r>
+              <a:rPr lang="cs-CZ" baseline="0" dirty="0" smtClean="0"/>
+              <a:t>a postupujte podle návodu na této adrese. </a:t>
+            </a:r>
+            <a:r>
+              <a:rPr lang="cs-CZ" baseline="0" dirty="0" smtClean="0"/>
+              <a:t>Pokud by jste si s něčím nevěděli rady, tak se zeptejte a my Vám rádi pomůžeme. </a:t>
+            </a:r>
+            <a:endParaRPr lang="cs-CZ" dirty="0"/>
+          </a:p>
+        </p:txBody>
+      </p:sp>
+      <p:sp>
+        <p:nvSpPr>
+          <p:cNvPr id="4" name="Zástupný symbol pro číslo snímku 3"/>
+          <p:cNvSpPr>
+            <a:spLocks noGrp="1"/>
+          </p:cNvSpPr>
+          <p:nvPr>
+            <p:ph type="sldNum" sz="quarter" idx="10"/>
+          </p:nvPr>
+        </p:nvSpPr>
+        <p:spPr/>
+        <p:txBody>
+          <a:bodyPr/>
+          <a:lstStyle/>
+          <a:p>
+            <a:fld id="{C10D2078-D351-AC4A-9EE3-FD823847889C}" type="slidenum">
+              <a:rPr lang="cs-CZ" smtClean="0"/>
+              <a:t>21</a:t>
+            </a:fld>
+            <a:endParaRPr lang="cs-CZ"/>
+          </a:p>
+        </p:txBody>
+      </p:sp>
+    </p:spTree>
+    <p:extLst>
+      <p:ext uri="{BB962C8B-B14F-4D97-AF65-F5344CB8AC3E}">
+        <p14:creationId xmlns:p14="http://schemas.microsoft.com/office/powerpoint/2010/main" val="4212357299"/>
+      </p:ext>
+    </p:extLst>
+  </p:cSld>
+  <p:clrMapOvr>
+    <a:masterClrMapping/>
+  </p:clrMapOvr>
+</p:notes>
+</file>
+
+<file path=ppt/notesSlides/notesSlide19.xml><?xml version="1.0" encoding="utf-8"?>
+<p:notes xmlns:a="http://schemas.openxmlformats.org/drawingml/2006/main" xmlns:r="http://schemas.openxmlformats.org/officeDocument/2006/relationships" xmlns:p="http://schemas.openxmlformats.org/presentationml/2006/main">
+  <p:cSld>
+    <p:spTree>
+      <p:nvGrpSpPr>
+        <p:cNvPr id="1" name=""/>
+        <p:cNvGrpSpPr/>
+        <p:nvPr/>
+      </p:nvGrpSpPr>
+      <p:grpSpPr>
+        <a:xfrm>
+          <a:off x="0" y="0"/>
+          <a:ext cx="0" cy="0"/>
+          <a:chOff x="0" y="0"/>
+          <a:chExt cx="0" cy="0"/>
+        </a:xfrm>
+      </p:grpSpPr>
+      <p:sp>
+        <p:nvSpPr>
+          <p:cNvPr id="2" name="Zástupný symbol pro obrázek snímku 1"/>
+          <p:cNvSpPr>
+            <a:spLocks noGrp="1" noRot="1" noChangeAspect="1"/>
+          </p:cNvSpPr>
+          <p:nvPr>
+            <p:ph type="sldImg"/>
+          </p:nvPr>
+        </p:nvSpPr>
+        <p:spPr/>
+      </p:sp>
+      <p:sp>
+        <p:nvSpPr>
+          <p:cNvPr id="3" name="Zástupný symbol pro poznámky 2"/>
+          <p:cNvSpPr>
+            <a:spLocks noGrp="1"/>
+          </p:cNvSpPr>
+          <p:nvPr>
+            <p:ph type="body" idx="1"/>
+          </p:nvPr>
+        </p:nvSpPr>
+        <p:spPr/>
+        <p:txBody>
+          <a:bodyPr/>
+          <a:lstStyle/>
+          <a:p>
             <a:endParaRPr lang="cs-CZ" dirty="0"/>
           </a:p>
         </p:txBody>
@@ -2345,7 +2429,7 @@
           <a:bodyPr/>
           <a:lstStyle/>
           <a:p>
-            <a:endParaRPr lang="cs-CZ"/>
+            <a:endParaRPr lang="cs-CZ" dirty="0"/>
           </a:p>
         </p:txBody>
       </p:sp>
@@ -2366,7 +2450,7 @@
           <a:p>
             <a:fld id="{C10D2078-D351-AC4A-9EE3-FD823847889C}" type="slidenum">
               <a:rPr lang="cs-CZ" smtClean="0"/>
-              <a:t>12</a:t>
+              <a:t>11</a:t>
             </a:fld>
             <a:endParaRPr lang="cs-CZ"/>
           </a:p>
@@ -2375,7 +2459,7 @@
     </p:spTree>
     <p:extLst>
       <p:ext uri="{BB962C8B-B14F-4D97-AF65-F5344CB8AC3E}">
-        <p14:creationId xmlns:p14="http://schemas.microsoft.com/office/powerpoint/2010/main" val="2491408533"/>
+        <p14:creationId xmlns:p14="http://schemas.microsoft.com/office/powerpoint/2010/main" val="2212044964"/>
       </p:ext>
     </p:extLst>
   </p:cSld>
@@ -2887,7 +2971,7 @@
           <a:p>
             <a:fld id="{E752CAA9-96B5-3F44-8A42-6EEA579E4FCD}" type="datetime1">
               <a:rPr lang="cs-CZ" smtClean="0"/>
-              <a:t>25.04.2018</a:t>
+              <a:t>07.08.2018</a:t>
             </a:fld>
             <a:endParaRPr lang="en-US" dirty="0"/>
           </a:p>
@@ -3179,7 +3263,7 @@
           <a:p>
             <a:fld id="{31BCB585-F258-124F-BF7F-FA207A78F0F2}" type="datetime1">
               <a:rPr lang="cs-CZ" smtClean="0"/>
-              <a:t>25.04.2018</a:t>
+              <a:t>07.08.2018</a:t>
             </a:fld>
             <a:endParaRPr lang="en-US" dirty="0"/>
           </a:p>
@@ -3423,7 +3507,7 @@
           <a:p>
             <a:fld id="{74A2C75C-B480-A040-9D29-6C5EF76D9131}" type="datetime1">
               <a:rPr lang="cs-CZ" smtClean="0"/>
-              <a:t>25.04.2018</a:t>
+              <a:t>07.08.2018</a:t>
             </a:fld>
             <a:endParaRPr lang="en-US" dirty="0"/>
           </a:p>
@@ -3959,7 +4043,7 @@
           <a:p>
             <a:fld id="{342646FB-3663-324F-AA98-002615AED444}" type="datetime1">
               <a:rPr lang="cs-CZ" smtClean="0"/>
-              <a:t>25.04.2018</a:t>
+              <a:t>07.08.2018</a:t>
             </a:fld>
             <a:endParaRPr lang="en-US" dirty="0"/>
           </a:p>
@@ -4203,7 +4287,7 @@
           <a:p>
             <a:fld id="{EF064C2B-6E82-D64E-856C-3232E0DCFB45}" type="datetime1">
               <a:rPr lang="cs-CZ" smtClean="0"/>
-              <a:t>25.04.2018</a:t>
+              <a:t>07.08.2018</a:t>
             </a:fld>
             <a:endParaRPr lang="en-US" dirty="0"/>
           </a:p>
@@ -4731,7 +4815,7 @@
           <a:p>
             <a:fld id="{293EAD05-184E-964C-B1C5-0655002530B6}" type="datetime1">
               <a:rPr lang="cs-CZ" smtClean="0"/>
-              <a:t>25.04.2018</a:t>
+              <a:t>07.08.2018</a:t>
             </a:fld>
             <a:endParaRPr lang="en-US" dirty="0"/>
           </a:p>
@@ -5024,7 +5108,7 @@
           <a:p>
             <a:fld id="{7C9DCF0A-7AEA-A34F-B7C0-F6B9FF3A3646}" type="datetime1">
               <a:rPr lang="cs-CZ" smtClean="0"/>
-              <a:t>25.04.2018</a:t>
+              <a:t>07.08.2018</a:t>
             </a:fld>
             <a:endParaRPr lang="en-US" dirty="0"/>
           </a:p>
@@ -5194,7 +5278,7 @@
           <a:p>
             <a:fld id="{74F5DF92-8455-E84E-879C-71323DEF0ADF}" type="datetime1">
               <a:rPr lang="cs-CZ" smtClean="0"/>
-              <a:t>25.04.2018</a:t>
+              <a:t>07.08.2018</a:t>
             </a:fld>
             <a:endParaRPr lang="en-US" dirty="0"/>
           </a:p>
@@ -5370,7 +5454,7 @@
           <a:p>
             <a:fld id="{D055ED42-00BF-3C45-8E36-A23DE53A8289}" type="datetime1">
               <a:rPr lang="cs-CZ" smtClean="0"/>
-              <a:t>25.04.2018</a:t>
+              <a:t>07.08.2018</a:t>
             </a:fld>
             <a:endParaRPr lang="en-US" dirty="0"/>
           </a:p>
@@ -5536,7 +5620,7 @@
           <a:p>
             <a:fld id="{2EF1BBEC-19BE-5C49-BA0D-CF19E5B9B00E}" type="datetime1">
               <a:rPr lang="cs-CZ" smtClean="0"/>
-              <a:t>25.04.2018</a:t>
+              <a:t>07.08.2018</a:t>
             </a:fld>
             <a:endParaRPr lang="en-US" dirty="0"/>
           </a:p>
@@ -5783,7 +5867,7 @@
           <a:p>
             <a:fld id="{178088CD-723A-8B40-89D7-89660B3DD48D}" type="datetime1">
               <a:rPr lang="cs-CZ" smtClean="0"/>
-              <a:t>25.04.2018</a:t>
+              <a:t>07.08.2018</a:t>
             </a:fld>
             <a:endParaRPr lang="en-US" dirty="0"/>
           </a:p>
@@ -6076,7 +6160,7 @@
           <a:p>
             <a:fld id="{D4204A87-6492-9A48-9499-30EDE7034375}" type="datetime1">
               <a:rPr lang="cs-CZ" smtClean="0"/>
-              <a:t>25.04.2018</a:t>
+              <a:t>07.08.2018</a:t>
             </a:fld>
             <a:endParaRPr lang="en-US" dirty="0"/>
           </a:p>
@@ -6514,7 +6598,7 @@
           <a:p>
             <a:fld id="{07FC920A-F3B2-0642-BA2E-597E2BA2EB95}" type="datetime1">
               <a:rPr lang="cs-CZ" smtClean="0"/>
-              <a:t>25.04.2018</a:t>
+              <a:t>07.08.2018</a:t>
             </a:fld>
             <a:endParaRPr lang="en-US" dirty="0"/>
           </a:p>
@@ -6628,7 +6712,7 @@
           <a:p>
             <a:fld id="{089458EC-3233-5446-BD35-5BD03E3B392A}" type="datetime1">
               <a:rPr lang="cs-CZ" smtClean="0"/>
-              <a:t>25.04.2018</a:t>
+              <a:t>07.08.2018</a:t>
             </a:fld>
             <a:endParaRPr lang="en-US" dirty="0"/>
           </a:p>
@@ -6719,7 +6803,7 @@
           <a:p>
             <a:fld id="{12FEC062-09BC-624D-9A51-18C9FAD2F1D8}" type="datetime1">
               <a:rPr lang="cs-CZ" smtClean="0"/>
-              <a:t>25.04.2018</a:t>
+              <a:t>07.08.2018</a:t>
             </a:fld>
             <a:endParaRPr lang="en-US" dirty="0"/>
           </a:p>
@@ -6998,7 +7082,7 @@
           <a:p>
             <a:fld id="{877420B1-C1EC-5C4E-944B-F4F6A88A080C}" type="datetime1">
               <a:rPr lang="cs-CZ" smtClean="0"/>
-              <a:t>25.04.2018</a:t>
+              <a:t>07.08.2018</a:t>
             </a:fld>
             <a:endParaRPr lang="en-US" dirty="0"/>
           </a:p>
@@ -7285,7 +7369,7 @@
           <a:p>
             <a:fld id="{D15B0330-CF02-7D4F-B4D9-CB68A09CF1DF}" type="datetime1">
               <a:rPr lang="cs-CZ" smtClean="0"/>
-              <a:t>25.04.2018</a:t>
+              <a:t>07.08.2018</a:t>
             </a:fld>
             <a:endParaRPr lang="en-US" dirty="0"/>
           </a:p>
@@ -7811,7 +7895,7 @@
           <a:p>
             <a:fld id="{6ECF23EE-C21C-644B-BBE9-CAEDE10E2CFC}" type="datetime1">
               <a:rPr lang="cs-CZ" smtClean="0"/>
-              <a:t>25.04.2018</a:t>
+              <a:t>07.08.2018</a:t>
             </a:fld>
             <a:endParaRPr lang="en-US" dirty="0"/>
           </a:p>
@@ -9137,7 +9221,7 @@
             </a:r>
             <a:r>
               <a:rPr lang="cs-CZ" dirty="0" err="1" smtClean="0"/>
-              <a:t>Twiter</a:t>
+              <a:t>Twitter</a:t>
             </a:r>
             <a:r>
               <a:rPr lang="cs-CZ" dirty="0" smtClean="0"/>
@@ -9434,7 +9518,7 @@
         </p:nvSpPr>
         <p:spPr>
           <a:xfrm>
-            <a:off x="1814249" y="2715019"/>
+            <a:off x="1823676" y="2715019"/>
             <a:ext cx="9688774" cy="559324"/>
           </a:xfrm>
           <a:prstGeom prst="rect">
@@ -12161,18 +12245,128 @@
             <p:ph idx="1"/>
           </p:nvPr>
         </p:nvSpPr>
-        <p:spPr/>
+        <p:spPr>
+          <a:xfrm>
+            <a:off x="1484310" y="1252979"/>
+            <a:ext cx="10018713" cy="745504"/>
+          </a:xfrm>
+        </p:spPr>
         <p:txBody>
           <a:bodyPr/>
           <a:lstStyle/>
           <a:p>
             <a:r>
-              <a:rPr lang="cs-CZ" dirty="0"/>
-              <a:t>http://navody.arduino-shop.cz/navody-k-produktum/vyvojova-deska-esp32.html</a:t>
-            </a:r>
-          </a:p>
-        </p:txBody>
-      </p:sp>
+              <a:rPr lang="cs-CZ" dirty="0">
+                <a:hlinkClick r:id="rId3"/>
+              </a:rPr>
+              <a:t>https://</a:t>
+            </a:r>
+            <a:r>
+              <a:rPr lang="cs-CZ" dirty="0" smtClean="0">
+                <a:hlinkClick r:id="rId3"/>
+              </a:rPr>
+              <a:t>github.com/espressif/arduino-esp32</a:t>
+            </a:r>
+            <a:endParaRPr lang="cs-CZ" dirty="0" smtClean="0"/>
+          </a:p>
+        </p:txBody>
+      </p:sp>
+      <p:pic>
+        <p:nvPicPr>
+          <p:cNvPr id="3" name="Obrázek 2"/>
+          <p:cNvPicPr>
+            <a:picLocks noChangeAspect="1"/>
+          </p:cNvPicPr>
+          <p:nvPr/>
+        </p:nvPicPr>
+        <p:blipFill>
+          <a:blip r:embed="rId4"/>
+          <a:stretch>
+            <a:fillRect/>
+          </a:stretch>
+        </p:blipFill>
+        <p:spPr>
+          <a:xfrm>
+            <a:off x="1601427" y="1998483"/>
+            <a:ext cx="3998095" cy="2550038"/>
+          </a:xfrm>
+          <a:prstGeom prst="rect">
+            <a:avLst/>
+          </a:prstGeom>
+        </p:spPr>
+      </p:pic>
+      <p:sp>
+        <p:nvSpPr>
+          <p:cNvPr id="5" name="Šipka doprava 4"/>
+          <p:cNvSpPr/>
+          <p:nvPr/>
+        </p:nvSpPr>
+        <p:spPr>
+          <a:xfrm rot="10800000">
+            <a:off x="4666268" y="2903455"/>
+            <a:ext cx="480767" cy="197963"/>
+          </a:xfrm>
+          <a:prstGeom prst="rightArrow">
+            <a:avLst/>
+          </a:prstGeom>
+          <a:solidFill>
+            <a:srgbClr val="FF0000"/>
+          </a:solidFill>
+          <a:ln>
+            <a:solidFill>
+              <a:srgbClr val="FF0000"/>
+            </a:solidFill>
+          </a:ln>
+        </p:spPr>
+        <p:style>
+          <a:lnRef idx="2">
+            <a:schemeClr val="accent1">
+              <a:shade val="50000"/>
+            </a:schemeClr>
+          </a:lnRef>
+          <a:fillRef idx="1">
+            <a:schemeClr val="accent1"/>
+          </a:fillRef>
+          <a:effectRef idx="0">
+            <a:schemeClr val="accent1"/>
+          </a:effectRef>
+          <a:fontRef idx="minor">
+            <a:schemeClr val="lt1"/>
+          </a:fontRef>
+        </p:style>
+        <p:txBody>
+          <a:bodyPr rtlCol="0" anchor="ctr"/>
+          <a:lstStyle/>
+          <a:p>
+            <a:pPr algn="ctr"/>
+            <a:endParaRPr lang="cs-CZ"/>
+          </a:p>
+        </p:txBody>
+      </p:sp>
+      <p:pic>
+        <p:nvPicPr>
+          <p:cNvPr id="7" name="Obrázek 6"/>
+          <p:cNvPicPr>
+            <a:picLocks noChangeAspect="1"/>
+          </p:cNvPicPr>
+          <p:nvPr/>
+        </p:nvPicPr>
+        <p:blipFill>
+          <a:blip r:embed="rId5"/>
+          <a:stretch>
+            <a:fillRect/>
+          </a:stretch>
+        </p:blipFill>
+        <p:spPr>
+          <a:xfrm>
+            <a:off x="5839807" y="1991926"/>
+            <a:ext cx="5990069" cy="2551794"/>
+          </a:xfrm>
+          <a:prstGeom prst="rect">
+            <a:avLst/>
+          </a:prstGeom>
+        </p:spPr>
+      </p:pic>
     </p:spTree>
     <p:extLst>
       <p:ext uri="{BB962C8B-B14F-4D97-AF65-F5344CB8AC3E}">
@@ -13554,6 +13748,190 @@
           </a:p>
         </p:txBody>
       </p:sp>
+      <p:sp>
+        <p:nvSpPr>
+          <p:cNvPr id="5" name="Obdélník 4"/>
+          <p:cNvSpPr/>
+          <p:nvPr/>
+        </p:nvSpPr>
+        <p:spPr>
+          <a:xfrm>
+            <a:off x="6137598" y="1246287"/>
+            <a:ext cx="712135" cy="363084"/>
+          </a:xfrm>
+          <a:prstGeom prst="rect">
+            <a:avLst/>
+          </a:prstGeom>
+          <a:noFill/>
+          <a:ln w="38100">
+            <a:solidFill>
+              <a:srgbClr val="FF0000"/>
+            </a:solidFill>
+          </a:ln>
+        </p:spPr>
+        <p:style>
+          <a:lnRef idx="2">
+            <a:schemeClr val="accent1">
+              <a:shade val="50000"/>
+            </a:schemeClr>
+          </a:lnRef>
+          <a:fillRef idx="1">
+            <a:schemeClr val="accent1"/>
+          </a:fillRef>
+          <a:effectRef idx="0">
+            <a:schemeClr val="accent1"/>
+          </a:effectRef>
+          <a:fontRef idx="minor">
+            <a:schemeClr val="lt1"/>
+          </a:fontRef>
+        </p:style>
+        <p:txBody>
+          <a:bodyPr rtlCol="0" anchor="ctr"/>
+          <a:lstStyle/>
+          <a:p>
+            <a:pPr algn="ctr"/>
+            <a:endParaRPr lang="cs-CZ"/>
+          </a:p>
+        </p:txBody>
+      </p:sp>
+      <p:sp>
+        <p:nvSpPr>
+          <p:cNvPr id="10" name="Obdélník 9"/>
+          <p:cNvSpPr/>
+          <p:nvPr/>
+        </p:nvSpPr>
+        <p:spPr>
+          <a:xfrm>
+            <a:off x="7875682" y="6000549"/>
+            <a:ext cx="712135" cy="462306"/>
+          </a:xfrm>
+          <a:prstGeom prst="rect">
+            <a:avLst/>
+          </a:prstGeom>
+          <a:noFill/>
+          <a:ln w="38100">
+            <a:solidFill>
+              <a:srgbClr val="FF0000"/>
+            </a:solidFill>
+          </a:ln>
+        </p:spPr>
+        <p:style>
+          <a:lnRef idx="2">
+            <a:schemeClr val="accent1">
+              <a:shade val="50000"/>
+            </a:schemeClr>
+          </a:lnRef>
+          <a:fillRef idx="1">
+            <a:schemeClr val="accent1"/>
+          </a:fillRef>
+          <a:effectRef idx="0">
+            <a:schemeClr val="accent1"/>
+          </a:effectRef>
+          <a:fontRef idx="minor">
+            <a:schemeClr val="lt1"/>
+          </a:fontRef>
+        </p:style>
+        <p:txBody>
+          <a:bodyPr rtlCol="0" anchor="ctr"/>
+          <a:lstStyle/>
+          <a:p>
+            <a:pPr algn="ctr"/>
+            <a:endParaRPr lang="cs-CZ"/>
+          </a:p>
+        </p:txBody>
+      </p:sp>
+      <p:sp>
+        <p:nvSpPr>
+          <p:cNvPr id="11" name="Obdélník 10"/>
+          <p:cNvSpPr/>
+          <p:nvPr/>
+        </p:nvSpPr>
+        <p:spPr>
+          <a:xfrm>
+            <a:off x="5425462" y="1246287"/>
+            <a:ext cx="712135" cy="363084"/>
+          </a:xfrm>
+          <a:prstGeom prst="rect">
+            <a:avLst/>
+          </a:prstGeom>
+          <a:noFill/>
+          <a:ln w="38100">
+            <a:solidFill>
+              <a:srgbClr val="FF0000"/>
+            </a:solidFill>
+          </a:ln>
+        </p:spPr>
+        <p:style>
+          <a:lnRef idx="2">
+            <a:schemeClr val="accent1">
+              <a:shade val="50000"/>
+            </a:schemeClr>
+          </a:lnRef>
+          <a:fillRef idx="1">
+            <a:schemeClr val="accent1"/>
+          </a:fillRef>
+          <a:effectRef idx="0">
+            <a:schemeClr val="accent1"/>
+          </a:effectRef>
+          <a:fontRef idx="minor">
+            <a:schemeClr val="lt1"/>
+          </a:fontRef>
+        </p:style>
+        <p:txBody>
+          <a:bodyPr rtlCol="0" anchor="ctr"/>
+          <a:lstStyle/>
+          <a:p>
+            <a:pPr algn="ctr"/>
+            <a:endParaRPr lang="cs-CZ"/>
+          </a:p>
+        </p:txBody>
+      </p:sp>
+      <p:sp>
+        <p:nvSpPr>
+          <p:cNvPr id="12" name="Obdélník 11"/>
+          <p:cNvSpPr/>
+          <p:nvPr/>
+        </p:nvSpPr>
+        <p:spPr>
+          <a:xfrm>
+            <a:off x="4704593" y="1246287"/>
+            <a:ext cx="712135" cy="363084"/>
+          </a:xfrm>
+          <a:prstGeom prst="rect">
+            <a:avLst/>
+          </a:prstGeom>
+          <a:noFill/>
+          <a:ln w="38100">
+            <a:solidFill>
+              <a:srgbClr val="FF0000"/>
+            </a:solidFill>
+          </a:ln>
+        </p:spPr>
+        <p:style>
+          <a:lnRef idx="2">
+            <a:schemeClr val="accent1">
+              <a:shade val="50000"/>
+            </a:schemeClr>
+          </a:lnRef>
+          <a:fillRef idx="1">
+            <a:schemeClr val="accent1"/>
+          </a:fillRef>
+          <a:effectRef idx="0">
+            <a:schemeClr val="accent1"/>
+          </a:effectRef>
+          <a:fontRef idx="minor">
+            <a:schemeClr val="lt1"/>
+          </a:fontRef>
+        </p:style>
+        <p:txBody>
+          <a:bodyPr rtlCol="0" anchor="ctr"/>
+          <a:lstStyle/>
+          <a:p>
+            <a:pPr algn="ctr"/>
+            <a:endParaRPr lang="cs-CZ"/>
+          </a:p>
+        </p:txBody>
+      </p:sp>
     </p:spTree>
     <p:extLst>
       <p:ext uri="{BB962C8B-B14F-4D97-AF65-F5344CB8AC3E}">
@@ -13892,14 +14270,76 @@
           <a:p>
             <a:pPr lvl="2"/>
             <a:r>
+              <a:rPr lang="cs-CZ" dirty="0">
+                <a:hlinkClick r:id="rId6"/>
+              </a:rPr>
+              <a:t>https://</a:t>
+            </a:r>
+            <a:r>
+              <a:rPr lang="cs-CZ" dirty="0" smtClean="0">
+                <a:hlinkClick r:id="rId6"/>
+              </a:rPr>
+              <a:t>github.com/fablab-brno/Arduino-Akademie</a:t>
+            </a:r>
+            <a:r>
               <a:rPr lang="cs-CZ" dirty="0" smtClean="0"/>
-              <a:t>http://bastlir.cz/blynk.ino</a:t>
+              <a:t> -&gt; Workshop 4 -&gt; </a:t>
+            </a:r>
+            <a:r>
+              <a:rPr lang="cs-CZ" dirty="0" err="1" smtClean="0"/>
+              <a:t>Blynk_Workshop</a:t>
             </a:r>
             <a:endParaRPr lang="cs-CZ" dirty="0"/>
           </a:p>
           <a:p>
             <a:pPr lvl="1"/>
             <a:endParaRPr lang="cs-CZ" dirty="0"/>
+          </a:p>
+        </p:txBody>
+      </p:sp>
+      <p:sp>
+        <p:nvSpPr>
+          <p:cNvPr id="3" name="Obdélník 2"/>
+          <p:cNvSpPr/>
+          <p:nvPr/>
+        </p:nvSpPr>
+        <p:spPr>
+          <a:xfrm>
+            <a:off x="4091528" y="1485899"/>
+            <a:ext cx="1035303" cy="364331"/>
+          </a:xfrm>
+          <a:prstGeom prst="rect">
+            <a:avLst/>
+          </a:prstGeom>
+          <a:noFill/>
+          <a:ln w="38100">
+            <a:solidFill>
+              <a:srgbClr val="FF0000"/>
+            </a:solidFill>
+          </a:ln>
+        </p:spPr>
+        <p:style>
+          <a:lnRef idx="2">
+            <a:schemeClr val="accent1">
+              <a:shade val="50000"/>
+            </a:schemeClr>
+          </a:lnRef>
+          <a:fillRef idx="1">
+            <a:schemeClr val="accent1"/>
+          </a:fillRef>
+          <a:effectRef idx="0">
+            <a:schemeClr val="accent1"/>
+          </a:effectRef>
+          <a:fontRef idx="minor">
+            <a:schemeClr val="lt1"/>
+          </a:fontRef>
+        </p:style>
+        <p:txBody>
+          <a:bodyPr rtlCol="0" anchor="ctr"/>
+          <a:lstStyle/>
+          <a:p>
+            <a:pPr algn="ctr"/>
+            <a:endParaRPr lang="cs-CZ"/>
           </a:p>
         </p:txBody>
       </p:sp>
@@ -14064,20 +14504,16 @@
           </a:lstStyle>
           <a:p>
             <a:r>
-              <a:rPr lang="cs-CZ" dirty="0" err="1" smtClean="0"/>
-              <a:t>Arduino</a:t>
-            </a:r>
-            <a:r>
-              <a:rPr lang="cs-CZ" dirty="0" smtClean="0"/>
-              <a:t> IDE - </a:t>
-            </a:r>
-            <a:r>
-              <a:rPr lang="cs-CZ" dirty="0" err="1" smtClean="0"/>
-              <a:t>sketch</a:t>
-            </a:r>
-            <a:r>
-              <a:rPr lang="cs-CZ" dirty="0" smtClean="0"/>
-              <a:t> </a:t>
+              <a:rPr lang="cs-CZ" dirty="0"/>
+              <a:t>Nastavení </a:t>
+            </a:r>
+            <a:r>
+              <a:rPr lang="cs-CZ" dirty="0" err="1"/>
+              <a:t>Blynk</a:t>
+            </a:r>
+            <a:r>
+              <a:rPr lang="cs-CZ" dirty="0"/>
+              <a:t> aplikace </a:t>
             </a:r>
             <a:endParaRPr lang="cs-CZ" dirty="0"/>
           </a:p>
@@ -14095,8 +14531,8 @@
         </p:nvSpPr>
         <p:spPr>
           <a:xfrm>
-            <a:off x="1484310" y="715651"/>
-            <a:ext cx="10018713" cy="5666295"/>
+            <a:off x="1484310" y="715652"/>
+            <a:ext cx="10018713" cy="1377099"/>
           </a:xfrm>
         </p:spPr>
         <p:txBody>
@@ -14105,25 +14541,12 @@
           </a:bodyPr>
           <a:lstStyle/>
           <a:p>
-            <a:r>
-              <a:rPr lang="cs-CZ" dirty="0" smtClean="0"/>
-              <a:t>Nastavení </a:t>
-            </a:r>
-            <a:r>
-              <a:rPr lang="cs-CZ" dirty="0" err="1" smtClean="0"/>
-              <a:t>Blynk</a:t>
-            </a:r>
-            <a:r>
-              <a:rPr lang="cs-CZ" dirty="0" smtClean="0"/>
-              <a:t> aplikace:</a:t>
-            </a:r>
-          </a:p>
-          <a:p>
             <a:pPr lvl="1"/>
             <a:r>
               <a:rPr lang="cs-CZ" dirty="0" smtClean="0"/>
               <a:t>mtm.fablabbrno.cz</a:t>
             </a:r>
+            <a:endParaRPr lang="cs-CZ" dirty="0" smtClean="0"/>
           </a:p>
           <a:p>
             <a:pPr lvl="1"/>
@@ -14148,9 +14571,239 @@
             </a:r>
             <a:endParaRPr lang="cs-CZ" dirty="0"/>
           </a:p>
-          <a:p>
-            <a:pPr lvl="1"/>
-            <a:endParaRPr lang="cs-CZ" dirty="0"/>
+        </p:txBody>
+      </p:sp>
+      <p:pic>
+        <p:nvPicPr>
+          <p:cNvPr id="3" name="Obrázek 2"/>
+          <p:cNvPicPr>
+            <a:picLocks noChangeAspect="1"/>
+          </p:cNvPicPr>
+          <p:nvPr/>
+        </p:nvPicPr>
+        <p:blipFill>
+          <a:blip r:embed="rId3"/>
+          <a:stretch>
+            <a:fillRect/>
+          </a:stretch>
+        </p:blipFill>
+        <p:spPr>
+          <a:xfrm>
+            <a:off x="1598967" y="2168156"/>
+            <a:ext cx="2146053" cy="3625409"/>
+          </a:xfrm>
+          <a:prstGeom prst="rect">
+            <a:avLst/>
+          </a:prstGeom>
+        </p:spPr>
+      </p:pic>
+      <p:pic>
+        <p:nvPicPr>
+          <p:cNvPr id="5" name="Obrázek 4"/>
+          <p:cNvPicPr>
+            <a:picLocks noChangeAspect="1"/>
+          </p:cNvPicPr>
+          <p:nvPr/>
+        </p:nvPicPr>
+        <p:blipFill>
+          <a:blip r:embed="rId4"/>
+          <a:stretch>
+            <a:fillRect/>
+          </a:stretch>
+        </p:blipFill>
+        <p:spPr>
+          <a:xfrm>
+            <a:off x="6493666" y="2167236"/>
+            <a:ext cx="2144007" cy="3625606"/>
+          </a:xfrm>
+          <a:prstGeom prst="rect">
+            <a:avLst/>
+          </a:prstGeom>
+        </p:spPr>
+      </p:pic>
+      <p:pic>
+        <p:nvPicPr>
+          <p:cNvPr id="7" name="Obrázek 6"/>
+          <p:cNvPicPr>
+            <a:picLocks noChangeAspect="1"/>
+          </p:cNvPicPr>
+          <p:nvPr/>
+        </p:nvPicPr>
+        <p:blipFill>
+          <a:blip r:embed="rId5"/>
+          <a:stretch>
+            <a:fillRect/>
+          </a:stretch>
+        </p:blipFill>
+        <p:spPr>
+          <a:xfrm>
+            <a:off x="3997299" y="2167236"/>
+            <a:ext cx="2308613" cy="3625409"/>
+          </a:xfrm>
+          <a:prstGeom prst="rect">
+            <a:avLst/>
+          </a:prstGeom>
+        </p:spPr>
+      </p:pic>
+      <p:pic>
+        <p:nvPicPr>
+          <p:cNvPr id="8" name="Obrázek 7"/>
+          <p:cNvPicPr>
+            <a:picLocks noChangeAspect="1"/>
+          </p:cNvPicPr>
+          <p:nvPr/>
+        </p:nvPicPr>
+        <p:blipFill>
+          <a:blip r:embed="rId6"/>
+          <a:stretch>
+            <a:fillRect/>
+          </a:stretch>
+        </p:blipFill>
+        <p:spPr>
+          <a:xfrm>
+            <a:off x="8914704" y="2168156"/>
+            <a:ext cx="2312735" cy="3624686"/>
+          </a:xfrm>
+          <a:prstGeom prst="rect">
+            <a:avLst/>
+          </a:prstGeom>
+        </p:spPr>
+      </p:pic>
+      <p:sp>
+        <p:nvSpPr>
+          <p:cNvPr id="9" name="Obdélník 8"/>
+          <p:cNvSpPr/>
+          <p:nvPr/>
+        </p:nvSpPr>
+        <p:spPr>
+          <a:xfrm>
+            <a:off x="1988343" y="3610466"/>
+            <a:ext cx="321469" cy="282804"/>
+          </a:xfrm>
+          <a:prstGeom prst="rect">
+            <a:avLst/>
+          </a:prstGeom>
+          <a:noFill/>
+          <a:ln w="38100">
+            <a:solidFill>
+              <a:srgbClr val="FF0000"/>
+            </a:solidFill>
+          </a:ln>
+        </p:spPr>
+        <p:style>
+          <a:lnRef idx="2">
+            <a:schemeClr val="accent1">
+              <a:shade val="50000"/>
+            </a:schemeClr>
+          </a:lnRef>
+          <a:fillRef idx="1">
+            <a:schemeClr val="accent1"/>
+          </a:fillRef>
+          <a:effectRef idx="0">
+            <a:schemeClr val="accent1"/>
+          </a:effectRef>
+          <a:fontRef idx="minor">
+            <a:schemeClr val="lt1"/>
+          </a:fontRef>
+        </p:style>
+        <p:txBody>
+          <a:bodyPr rtlCol="0" anchor="ctr"/>
+          <a:lstStyle/>
+          <a:p>
+            <a:pPr algn="ctr"/>
+            <a:endParaRPr lang="cs-CZ"/>
+          </a:p>
+        </p:txBody>
+      </p:sp>
+      <p:sp>
+        <p:nvSpPr>
+          <p:cNvPr id="10" name="Obdélník 9"/>
+          <p:cNvSpPr/>
+          <p:nvPr/>
+        </p:nvSpPr>
+        <p:spPr>
+          <a:xfrm>
+            <a:off x="4958608" y="5219700"/>
+            <a:ext cx="451592" cy="457200"/>
+          </a:xfrm>
+          <a:prstGeom prst="rect">
+            <a:avLst/>
+          </a:prstGeom>
+          <a:noFill/>
+          <a:ln w="38100">
+            <a:solidFill>
+              <a:srgbClr val="FF0000"/>
+            </a:solidFill>
+          </a:ln>
+        </p:spPr>
+        <p:style>
+          <a:lnRef idx="2">
+            <a:schemeClr val="accent1">
+              <a:shade val="50000"/>
+            </a:schemeClr>
+          </a:lnRef>
+          <a:fillRef idx="1">
+            <a:schemeClr val="accent1"/>
+          </a:fillRef>
+          <a:effectRef idx="0">
+            <a:schemeClr val="accent1"/>
+          </a:effectRef>
+          <a:fontRef idx="minor">
+            <a:schemeClr val="lt1"/>
+          </a:fontRef>
+        </p:style>
+        <p:txBody>
+          <a:bodyPr rtlCol="0" anchor="ctr"/>
+          <a:lstStyle/>
+          <a:p>
+            <a:pPr algn="ctr"/>
+            <a:endParaRPr lang="cs-CZ"/>
+          </a:p>
+        </p:txBody>
+      </p:sp>
+      <p:sp>
+        <p:nvSpPr>
+          <p:cNvPr id="12" name="Obdélník 11"/>
+          <p:cNvSpPr/>
+          <p:nvPr/>
+        </p:nvSpPr>
+        <p:spPr>
+          <a:xfrm>
+            <a:off x="6711208" y="5295900"/>
+            <a:ext cx="1265980" cy="381000"/>
+          </a:xfrm>
+          <a:prstGeom prst="rect">
+            <a:avLst/>
+          </a:prstGeom>
+          <a:noFill/>
+          <a:ln w="38100">
+            <a:solidFill>
+              <a:srgbClr val="FF0000"/>
+            </a:solidFill>
+          </a:ln>
+        </p:spPr>
+        <p:style>
+          <a:lnRef idx="2">
+            <a:schemeClr val="accent1">
+              <a:shade val="50000"/>
+            </a:schemeClr>
+          </a:lnRef>
+          <a:fillRef idx="1">
+            <a:schemeClr val="accent1"/>
+          </a:fillRef>
+          <a:effectRef idx="0">
+            <a:schemeClr val="accent1"/>
+          </a:effectRef>
+          <a:fontRef idx="minor">
+            <a:schemeClr val="lt1"/>
+          </a:fontRef>
+        </p:style>
+        <p:txBody>
+          <a:bodyPr rtlCol="0" anchor="ctr"/>
+          <a:lstStyle/>
+          <a:p>
+            <a:pPr algn="ctr"/>
+            <a:endParaRPr lang="cs-CZ"/>
           </a:p>
         </p:txBody>
       </p:sp>

--- a/Workshop 4/Arduino_Workshop_FabLab_4.pptx
+++ b/Workshop 4/Arduino_Workshop_FabLab_4.pptx
@@ -27,8 +27,8 @@
     <p:sldId id="307" r:id="rId18"/>
     <p:sldId id="308" r:id="rId19"/>
     <p:sldId id="309" r:id="rId20"/>
-    <p:sldId id="310" r:id="rId21"/>
-    <p:sldId id="311" r:id="rId22"/>
+    <p:sldId id="311" r:id="rId21"/>
+    <p:sldId id="310" r:id="rId22"/>
     <p:sldId id="312" r:id="rId23"/>
     <p:sldId id="277" r:id="rId24"/>
   </p:sldIdLst>
@@ -219,7 +219,7 @@
           <a:p>
             <a:fld id="{5565C899-D94F-7D46-B594-C1ABC82DBD78}" type="datetimeFigureOut">
               <a:rPr lang="cs-CZ" smtClean="0"/>
-              <a:t>07.08.2018</a:t>
+              <a:t>30.10.2019</a:t>
             </a:fld>
             <a:endParaRPr lang="cs-CZ"/>
           </a:p>
@@ -1364,6 +1364,14 @@
           <a:bodyPr/>
           <a:lstStyle/>
           <a:p>
+            <a:r>
+              <a:rPr lang="cs-CZ" dirty="0" smtClean="0"/>
+              <a:t>Abychom zde ušetřili</a:t>
+            </a:r>
+            <a:r>
+              <a:rPr lang="cs-CZ" baseline="0" dirty="0" smtClean="0"/>
+              <a:t> čas, tak si prosím na svých noteboocích otevřete tuto adresu a postupujte podle návodu na této adrese. Pokud by jste si s něčím nevěděli rady, tak se zeptejte a my Vám rádi pomůžeme. </a:t>
+            </a:r>
             <a:endParaRPr lang="cs-CZ" dirty="0"/>
           </a:p>
         </p:txBody>
@@ -1394,7 +1402,7 @@
     </p:spTree>
     <p:extLst>
       <p:ext uri="{BB962C8B-B14F-4D97-AF65-F5344CB8AC3E}">
-        <p14:creationId xmlns:p14="http://schemas.microsoft.com/office/powerpoint/2010/main" val="3069118016"/>
+        <p14:creationId xmlns:p14="http://schemas.microsoft.com/office/powerpoint/2010/main" val="4212357299"/>
       </p:ext>
     </p:extLst>
   </p:cSld>
@@ -1448,22 +1456,6 @@
           <a:bodyPr/>
           <a:lstStyle/>
           <a:p>
-            <a:r>
-              <a:rPr lang="cs-CZ" dirty="0" smtClean="0"/>
-              <a:t>Abychom zde ušetřili</a:t>
-            </a:r>
-            <a:r>
-              <a:rPr lang="cs-CZ" baseline="0" dirty="0" smtClean="0"/>
-              <a:t> čas, tak si prosím na svých noteboocích otevřete tuto adresu </a:t>
-            </a:r>
-            <a:r>
-              <a:rPr lang="cs-CZ" baseline="0" dirty="0" smtClean="0"/>
-              <a:t>a postupujte podle návodu na této adrese. </a:t>
-            </a:r>
-            <a:r>
-              <a:rPr lang="cs-CZ" baseline="0" dirty="0" smtClean="0"/>
-              <a:t>Pokud by jste si s něčím nevěděli rady, tak se zeptejte a my Vám rádi pomůžeme. </a:t>
-            </a:r>
             <a:endParaRPr lang="cs-CZ" dirty="0"/>
           </a:p>
         </p:txBody>
@@ -1494,7 +1486,7 @@
     </p:spTree>
     <p:extLst>
       <p:ext uri="{BB962C8B-B14F-4D97-AF65-F5344CB8AC3E}">
-        <p14:creationId xmlns:p14="http://schemas.microsoft.com/office/powerpoint/2010/main" val="4212357299"/>
+        <p14:creationId xmlns:p14="http://schemas.microsoft.com/office/powerpoint/2010/main" val="3069118016"/>
       </p:ext>
     </p:extLst>
   </p:cSld>
@@ -2971,7 +2963,7 @@
           <a:p>
             <a:fld id="{E752CAA9-96B5-3F44-8A42-6EEA579E4FCD}" type="datetime1">
               <a:rPr lang="cs-CZ" smtClean="0"/>
-              <a:t>07.08.2018</a:t>
+              <a:t>30.10.2019</a:t>
             </a:fld>
             <a:endParaRPr lang="en-US" dirty="0"/>
           </a:p>
@@ -3263,7 +3255,7 @@
           <a:p>
             <a:fld id="{31BCB585-F258-124F-BF7F-FA207A78F0F2}" type="datetime1">
               <a:rPr lang="cs-CZ" smtClean="0"/>
-              <a:t>07.08.2018</a:t>
+              <a:t>30.10.2019</a:t>
             </a:fld>
             <a:endParaRPr lang="en-US" dirty="0"/>
           </a:p>
@@ -3507,7 +3499,7 @@
           <a:p>
             <a:fld id="{74A2C75C-B480-A040-9D29-6C5EF76D9131}" type="datetime1">
               <a:rPr lang="cs-CZ" smtClean="0"/>
-              <a:t>07.08.2018</a:t>
+              <a:t>30.10.2019</a:t>
             </a:fld>
             <a:endParaRPr lang="en-US" dirty="0"/>
           </a:p>
@@ -4043,7 +4035,7 @@
           <a:p>
             <a:fld id="{342646FB-3663-324F-AA98-002615AED444}" type="datetime1">
               <a:rPr lang="cs-CZ" smtClean="0"/>
-              <a:t>07.08.2018</a:t>
+              <a:t>30.10.2019</a:t>
             </a:fld>
             <a:endParaRPr lang="en-US" dirty="0"/>
           </a:p>
@@ -4287,7 +4279,7 @@
           <a:p>
             <a:fld id="{EF064C2B-6E82-D64E-856C-3232E0DCFB45}" type="datetime1">
               <a:rPr lang="cs-CZ" smtClean="0"/>
-              <a:t>07.08.2018</a:t>
+              <a:t>30.10.2019</a:t>
             </a:fld>
             <a:endParaRPr lang="en-US" dirty="0"/>
           </a:p>
@@ -4815,7 +4807,7 @@
           <a:p>
             <a:fld id="{293EAD05-184E-964C-B1C5-0655002530B6}" type="datetime1">
               <a:rPr lang="cs-CZ" smtClean="0"/>
-              <a:t>07.08.2018</a:t>
+              <a:t>30.10.2019</a:t>
             </a:fld>
             <a:endParaRPr lang="en-US" dirty="0"/>
           </a:p>
@@ -5108,7 +5100,7 @@
           <a:p>
             <a:fld id="{7C9DCF0A-7AEA-A34F-B7C0-F6B9FF3A3646}" type="datetime1">
               <a:rPr lang="cs-CZ" smtClean="0"/>
-              <a:t>07.08.2018</a:t>
+              <a:t>30.10.2019</a:t>
             </a:fld>
             <a:endParaRPr lang="en-US" dirty="0"/>
           </a:p>
@@ -5278,7 +5270,7 @@
           <a:p>
             <a:fld id="{74F5DF92-8455-E84E-879C-71323DEF0ADF}" type="datetime1">
               <a:rPr lang="cs-CZ" smtClean="0"/>
-              <a:t>07.08.2018</a:t>
+              <a:t>30.10.2019</a:t>
             </a:fld>
             <a:endParaRPr lang="en-US" dirty="0"/>
           </a:p>
@@ -5454,7 +5446,7 @@
           <a:p>
             <a:fld id="{D055ED42-00BF-3C45-8E36-A23DE53A8289}" type="datetime1">
               <a:rPr lang="cs-CZ" smtClean="0"/>
-              <a:t>07.08.2018</a:t>
+              <a:t>30.10.2019</a:t>
             </a:fld>
             <a:endParaRPr lang="en-US" dirty="0"/>
           </a:p>
@@ -5620,7 +5612,7 @@
           <a:p>
             <a:fld id="{2EF1BBEC-19BE-5C49-BA0D-CF19E5B9B00E}" type="datetime1">
               <a:rPr lang="cs-CZ" smtClean="0"/>
-              <a:t>07.08.2018</a:t>
+              <a:t>30.10.2019</a:t>
             </a:fld>
             <a:endParaRPr lang="en-US" dirty="0"/>
           </a:p>
@@ -5867,7 +5859,7 @@
           <a:p>
             <a:fld id="{178088CD-723A-8B40-89D7-89660B3DD48D}" type="datetime1">
               <a:rPr lang="cs-CZ" smtClean="0"/>
-              <a:t>07.08.2018</a:t>
+              <a:t>30.10.2019</a:t>
             </a:fld>
             <a:endParaRPr lang="en-US" dirty="0"/>
           </a:p>
@@ -6160,7 +6152,7 @@
           <a:p>
             <a:fld id="{D4204A87-6492-9A48-9499-30EDE7034375}" type="datetime1">
               <a:rPr lang="cs-CZ" smtClean="0"/>
-              <a:t>07.08.2018</a:t>
+              <a:t>30.10.2019</a:t>
             </a:fld>
             <a:endParaRPr lang="en-US" dirty="0"/>
           </a:p>
@@ -6598,7 +6590,7 @@
           <a:p>
             <a:fld id="{07FC920A-F3B2-0642-BA2E-597E2BA2EB95}" type="datetime1">
               <a:rPr lang="cs-CZ" smtClean="0"/>
-              <a:t>07.08.2018</a:t>
+              <a:t>30.10.2019</a:t>
             </a:fld>
             <a:endParaRPr lang="en-US" dirty="0"/>
           </a:p>
@@ -6712,7 +6704,7 @@
           <a:p>
             <a:fld id="{089458EC-3233-5446-BD35-5BD03E3B392A}" type="datetime1">
               <a:rPr lang="cs-CZ" smtClean="0"/>
-              <a:t>07.08.2018</a:t>
+              <a:t>30.10.2019</a:t>
             </a:fld>
             <a:endParaRPr lang="en-US" dirty="0"/>
           </a:p>
@@ -6803,7 +6795,7 @@
           <a:p>
             <a:fld id="{12FEC062-09BC-624D-9A51-18C9FAD2F1D8}" type="datetime1">
               <a:rPr lang="cs-CZ" smtClean="0"/>
-              <a:t>07.08.2018</a:t>
+              <a:t>30.10.2019</a:t>
             </a:fld>
             <a:endParaRPr lang="en-US" dirty="0"/>
           </a:p>
@@ -7082,7 +7074,7 @@
           <a:p>
             <a:fld id="{877420B1-C1EC-5C4E-944B-F4F6A88A080C}" type="datetime1">
               <a:rPr lang="cs-CZ" smtClean="0"/>
-              <a:t>07.08.2018</a:t>
+              <a:t>30.10.2019</a:t>
             </a:fld>
             <a:endParaRPr lang="en-US" dirty="0"/>
           </a:p>
@@ -7369,7 +7361,7 @@
           <a:p>
             <a:fld id="{D15B0330-CF02-7D4F-B4D9-CB68A09CF1DF}" type="datetime1">
               <a:rPr lang="cs-CZ" smtClean="0"/>
-              <a:t>07.08.2018</a:t>
+              <a:t>30.10.2019</a:t>
             </a:fld>
             <a:endParaRPr lang="en-US" dirty="0"/>
           </a:p>
@@ -7895,7 +7887,7 @@
           <a:p>
             <a:fld id="{6ECF23EE-C21C-644B-BBE9-CAEDE10E2CFC}" type="datetime1">
               <a:rPr lang="cs-CZ" smtClean="0"/>
-              <a:t>07.08.2018</a:t>
+              <a:t>30.10.2019</a:t>
             </a:fld>
             <a:endParaRPr lang="en-US" dirty="0"/>
           </a:p>
@@ -12895,8 +12887,20 @@
           </a:lstStyle>
           <a:p>
             <a:r>
+              <a:rPr lang="cs-CZ" dirty="0" err="1" smtClean="0"/>
+              <a:t>Arduino</a:t>
+            </a:r>
+            <a:r>
               <a:rPr lang="cs-CZ" dirty="0" smtClean="0"/>
-              <a:t>Zapojení součástek</a:t>
+              <a:t> IDE - </a:t>
+            </a:r>
+            <a:r>
+              <a:rPr lang="cs-CZ" dirty="0" err="1" smtClean="0"/>
+              <a:t>sketch</a:t>
+            </a:r>
+            <a:r>
+              <a:rPr lang="cs-CZ" dirty="0" smtClean="0"/>
+              <a:t> </a:t>
             </a:r>
             <a:endParaRPr lang="cs-CZ" dirty="0"/>
           </a:p>
@@ -12914,8 +12918,8 @@
         </p:nvSpPr>
         <p:spPr>
           <a:xfrm>
-            <a:off x="7875683" y="6001103"/>
-            <a:ext cx="712135" cy="462306"/>
+            <a:off x="1484310" y="715651"/>
+            <a:ext cx="10018713" cy="5666295"/>
           </a:xfrm>
         </p:spPr>
         <p:txBody>
@@ -12924,840 +12928,225 @@
           </a:bodyPr>
           <a:lstStyle/>
           <a:p>
-            <a:pPr marL="0" indent="0">
-              <a:buNone/>
-            </a:pPr>
-            <a:r>
-              <a:rPr lang="cs-CZ" sz="1600" dirty="0" smtClean="0"/>
-              <a:t>Pin 14</a:t>
-            </a:r>
-            <a:endParaRPr lang="cs-CZ" sz="1600" dirty="0"/>
-          </a:p>
-        </p:txBody>
-      </p:sp>
-      <p:pic>
-        <p:nvPicPr>
-          <p:cNvPr id="3" name="Obrázek 2"/>
-          <p:cNvPicPr>
-            <a:picLocks noChangeAspect="1"/>
-          </p:cNvPicPr>
+            <a:endParaRPr lang="cs-CZ" dirty="0" smtClean="0"/>
+          </a:p>
+          <a:p>
+            <a:r>
+              <a:rPr lang="cs-CZ" dirty="0" smtClean="0"/>
+              <a:t>Podpora pro ESP32: </a:t>
+            </a:r>
+            <a:r>
+              <a:rPr lang="cs-CZ" dirty="0">
+                <a:hlinkClick r:id="rId3"/>
+              </a:rPr>
+              <a:t>https://</a:t>
+            </a:r>
+            <a:r>
+              <a:rPr lang="cs-CZ" dirty="0" smtClean="0">
+                <a:hlinkClick r:id="rId3"/>
+              </a:rPr>
+              <a:t>raw.githubusercontent.com/espressif/arduino-esp32/gh-pages/package_esp32_index.json</a:t>
+            </a:r>
+            <a:r>
+              <a:rPr lang="cs-CZ" dirty="0" smtClean="0"/>
+              <a:t> </a:t>
+            </a:r>
+            <a:endParaRPr lang="cs-CZ" dirty="0"/>
+          </a:p>
+          <a:p>
+            <a:r>
+              <a:rPr lang="cs-CZ" dirty="0" smtClean="0"/>
+              <a:t>Knihovny </a:t>
+            </a:r>
+            <a:r>
+              <a:rPr lang="cs-CZ" dirty="0" smtClean="0"/>
+              <a:t>které je potřeba nainstalovat:</a:t>
+            </a:r>
+          </a:p>
+          <a:p>
+            <a:pPr lvl="1"/>
+            <a:r>
+              <a:rPr lang="cs-CZ" dirty="0">
+                <a:hlinkClick r:id="rId4"/>
+              </a:rPr>
+              <a:t>https://</a:t>
+            </a:r>
+            <a:r>
+              <a:rPr lang="cs-CZ" dirty="0" smtClean="0">
+                <a:hlinkClick r:id="rId4"/>
+              </a:rPr>
+              <a:t>github.com/bertmelis/Ticker-esp32</a:t>
+            </a:r>
+            <a:r>
+              <a:rPr lang="cs-CZ" dirty="0" smtClean="0"/>
+              <a:t> (instalovat ze zipu)</a:t>
+            </a:r>
+          </a:p>
+          <a:p>
+            <a:pPr lvl="1"/>
+            <a:r>
+              <a:rPr lang="cs-CZ" dirty="0" smtClean="0">
+                <a:hlinkClick r:id="rId5"/>
+              </a:rPr>
+              <a:t>https</a:t>
+            </a:r>
+            <a:r>
+              <a:rPr lang="cs-CZ" dirty="0">
+                <a:hlinkClick r:id="rId5"/>
+              </a:rPr>
+              <a:t>://</a:t>
+            </a:r>
+            <a:r>
+              <a:rPr lang="cs-CZ" dirty="0" smtClean="0">
+                <a:hlinkClick r:id="rId5"/>
+              </a:rPr>
+              <a:t>github.com/jfturcot/SimpleTimer</a:t>
+            </a:r>
+            <a:r>
+              <a:rPr lang="cs-CZ" dirty="0" smtClean="0"/>
+              <a:t> </a:t>
+            </a:r>
+            <a:r>
+              <a:rPr lang="cs-CZ" dirty="0"/>
+              <a:t>(instalovat ze zipu</a:t>
+            </a:r>
+            <a:r>
+              <a:rPr lang="cs-CZ" dirty="0" smtClean="0"/>
+              <a:t>)</a:t>
+            </a:r>
+          </a:p>
+          <a:p>
+            <a:pPr lvl="1"/>
+            <a:r>
+              <a:rPr lang="cs-CZ" dirty="0">
+                <a:hlinkClick r:id="rId6"/>
+              </a:rPr>
+              <a:t>https://github.com/beegee-tokyo/DHTesp</a:t>
+            </a:r>
+            <a:r>
+              <a:rPr lang="cs-CZ" dirty="0"/>
+              <a:t> (manažer knihoven: </a:t>
+            </a:r>
+            <a:r>
+              <a:rPr lang="cs-CZ" b="1" dirty="0"/>
+              <a:t>DHT sensor </a:t>
+            </a:r>
+            <a:r>
+              <a:rPr lang="cs-CZ" b="1" dirty="0" err="1"/>
+              <a:t>library</a:t>
+            </a:r>
+            <a:r>
+              <a:rPr lang="cs-CZ" b="1" dirty="0"/>
+              <a:t> </a:t>
+            </a:r>
+            <a:r>
+              <a:rPr lang="cs-CZ" b="1" dirty="0" err="1"/>
+              <a:t>for</a:t>
+            </a:r>
+            <a:r>
+              <a:rPr lang="cs-CZ" b="1" dirty="0"/>
+              <a:t> </a:t>
+            </a:r>
+            <a:r>
+              <a:rPr lang="cs-CZ" b="1" dirty="0" err="1"/>
+              <a:t>ESPx</a:t>
+            </a:r>
+            <a:r>
+              <a:rPr lang="cs-CZ" dirty="0"/>
+              <a:t>)</a:t>
+            </a:r>
+          </a:p>
+          <a:p>
+            <a:pPr lvl="1"/>
+            <a:r>
+              <a:rPr lang="cs-CZ" b="1" dirty="0" smtClean="0"/>
+              <a:t>Blynk</a:t>
+            </a:r>
+            <a:r>
+              <a:rPr lang="cs-CZ" dirty="0" smtClean="0"/>
+              <a:t> </a:t>
+            </a:r>
+            <a:r>
+              <a:rPr lang="cs-CZ" dirty="0"/>
+              <a:t>(manažer knihoven: </a:t>
+            </a:r>
+            <a:r>
+              <a:rPr lang="cs-CZ" dirty="0" smtClean="0"/>
+              <a:t>Blynk</a:t>
+            </a:r>
+            <a:r>
+              <a:rPr lang="cs-CZ" dirty="0" smtClean="0"/>
+              <a:t>) – </a:t>
+            </a:r>
+            <a:r>
+              <a:rPr lang="cs-CZ" b="1" dirty="0" smtClean="0">
+                <a:solidFill>
+                  <a:srgbClr val="FF0000"/>
+                </a:solidFill>
+              </a:rPr>
+              <a:t>NEZAPOMENOUT NAINSTALOVAT</a:t>
+            </a:r>
+            <a:endParaRPr lang="cs-CZ" b="1" dirty="0">
+              <a:solidFill>
+                <a:srgbClr val="FF0000"/>
+              </a:solidFill>
+            </a:endParaRPr>
+          </a:p>
+          <a:p>
+            <a:pPr lvl="1"/>
+            <a:endParaRPr lang="cs-CZ" dirty="0" smtClean="0"/>
+          </a:p>
+          <a:p>
+            <a:pPr lvl="1"/>
+            <a:r>
+              <a:rPr lang="cs-CZ" dirty="0" err="1" smtClean="0"/>
+              <a:t>Sketch</a:t>
+            </a:r>
+            <a:r>
+              <a:rPr lang="cs-CZ" dirty="0" smtClean="0"/>
+              <a:t> si stáhněte z webové stránky:</a:t>
+            </a:r>
+          </a:p>
+          <a:p>
+            <a:pPr lvl="2"/>
+            <a:r>
+              <a:rPr lang="cs-CZ" dirty="0">
+                <a:hlinkClick r:id="rId7"/>
+              </a:rPr>
+              <a:t>https://</a:t>
+            </a:r>
+            <a:r>
+              <a:rPr lang="cs-CZ" dirty="0" smtClean="0">
+                <a:hlinkClick r:id="rId7"/>
+              </a:rPr>
+              <a:t>github.com/fablab-brno/Arduino-Akademie</a:t>
+            </a:r>
+            <a:r>
+              <a:rPr lang="cs-CZ" dirty="0" smtClean="0"/>
+              <a:t> -&gt; Workshop 4 -&gt; </a:t>
+            </a:r>
+            <a:r>
+              <a:rPr lang="cs-CZ" dirty="0" err="1" smtClean="0"/>
+              <a:t>Blynk_Workshop</a:t>
+            </a:r>
+            <a:endParaRPr lang="cs-CZ" dirty="0"/>
+          </a:p>
+          <a:p>
+            <a:pPr lvl="1"/>
+            <a:endParaRPr lang="cs-CZ" dirty="0"/>
+          </a:p>
+        </p:txBody>
+      </p:sp>
+      <p:sp>
+        <p:nvSpPr>
+          <p:cNvPr id="3" name="Obdélník 2"/>
+          <p:cNvSpPr/>
           <p:nvPr/>
-        </p:nvPicPr>
-        <p:blipFill>
-          <a:blip r:embed="rId3">
-            <a:extLst>
-              <a:ext uri="{28A0092B-C50C-407E-A947-70E740481C1C}">
-                <a14:useLocalDpi xmlns:a14="http://schemas.microsoft.com/office/drawing/2010/main" val="0"/>
-              </a:ext>
-            </a:extLst>
-          </a:blip>
-          <a:stretch>
-            <a:fillRect/>
-          </a:stretch>
-        </p:blipFill>
+        </p:nvSpPr>
         <p:spPr>
           <a:xfrm>
-            <a:off x="2172590" y="1804581"/>
-            <a:ext cx="8642152" cy="4062550"/>
-          </a:xfrm>
-          <a:prstGeom prst="rect">
-            <a:avLst/>
-          </a:prstGeom>
-        </p:spPr>
-      </p:pic>
-      <p:sp>
-        <p:nvSpPr>
-          <p:cNvPr id="7" name="Zástupný symbol pro obsah 1"/>
-          <p:cNvSpPr txBox="1">
-            <a:spLocks/>
-          </p:cNvSpPr>
-          <p:nvPr/>
-        </p:nvSpPr>
-        <p:spPr>
-          <a:xfrm>
-            <a:off x="6137598" y="1196676"/>
-            <a:ext cx="712135" cy="462306"/>
-          </a:xfrm>
-          <a:prstGeom prst="rect">
-            <a:avLst/>
-          </a:prstGeom>
-        </p:spPr>
-        <p:txBody>
-          <a:bodyPr vert="horz" lIns="91440" tIns="45720" rIns="91440" bIns="45720" rtlCol="0" anchor="ctr">
-            <a:normAutofit/>
-          </a:bodyPr>
-          <a:lstStyle>
-            <a:lvl1pPr marL="285750" indent="-285750" algn="l" defTabSz="457200" rtl="0" eaLnBrk="1" latinLnBrk="0" hangingPunct="1">
-              <a:spcBef>
-                <a:spcPct val="20000"/>
-              </a:spcBef>
-              <a:spcAft>
-                <a:spcPts val="600"/>
-              </a:spcAft>
-              <a:buClr>
-                <a:schemeClr val="accent1">
-                  <a:lumMod val="75000"/>
-                </a:schemeClr>
-              </a:buClr>
-              <a:buSzPct val="145000"/>
-              <a:buFont typeface="Arial"/>
-              <a:buChar char="•"/>
-              <a:defRPr sz="2400" kern="1200" cap="none">
-                <a:solidFill>
-                  <a:schemeClr val="tx1"/>
-                </a:solidFill>
-                <a:effectLst/>
-                <a:latin typeface="+mn-lt"/>
-                <a:ea typeface="+mn-ea"/>
-                <a:cs typeface="+mn-cs"/>
-              </a:defRPr>
-            </a:lvl1pPr>
-            <a:lvl2pPr marL="742950" indent="-285750" algn="l" defTabSz="457200" rtl="0" eaLnBrk="1" latinLnBrk="0" hangingPunct="1">
-              <a:spcBef>
-                <a:spcPct val="20000"/>
-              </a:spcBef>
-              <a:spcAft>
-                <a:spcPts val="600"/>
-              </a:spcAft>
-              <a:buClr>
-                <a:schemeClr val="accent1">
-                  <a:lumMod val="75000"/>
-                </a:schemeClr>
-              </a:buClr>
-              <a:buSzPct val="145000"/>
-              <a:buFont typeface="Arial"/>
-              <a:buChar char="•"/>
-              <a:defRPr sz="2000" kern="1200" cap="none">
-                <a:solidFill>
-                  <a:schemeClr val="tx1"/>
-                </a:solidFill>
-                <a:effectLst/>
-                <a:latin typeface="+mn-lt"/>
-                <a:ea typeface="+mn-ea"/>
-                <a:cs typeface="+mn-cs"/>
-              </a:defRPr>
-            </a:lvl2pPr>
-            <a:lvl3pPr marL="1200150" indent="-285750" algn="l" defTabSz="457200" rtl="0" eaLnBrk="1" latinLnBrk="0" hangingPunct="1">
-              <a:spcBef>
-                <a:spcPct val="20000"/>
-              </a:spcBef>
-              <a:spcAft>
-                <a:spcPts val="600"/>
-              </a:spcAft>
-              <a:buClr>
-                <a:schemeClr val="accent1">
-                  <a:lumMod val="75000"/>
-                </a:schemeClr>
-              </a:buClr>
-              <a:buSzPct val="145000"/>
-              <a:buFont typeface="Arial"/>
-              <a:buChar char="•"/>
-              <a:defRPr sz="1800" kern="1200" cap="none">
-                <a:solidFill>
-                  <a:schemeClr val="tx1"/>
-                </a:solidFill>
-                <a:effectLst/>
-                <a:latin typeface="+mn-lt"/>
-                <a:ea typeface="+mn-ea"/>
-                <a:cs typeface="+mn-cs"/>
-              </a:defRPr>
-            </a:lvl3pPr>
-            <a:lvl4pPr marL="1543050" indent="-171450" algn="l" defTabSz="457200" rtl="0" eaLnBrk="1" latinLnBrk="0" hangingPunct="1">
-              <a:spcBef>
-                <a:spcPct val="20000"/>
-              </a:spcBef>
-              <a:spcAft>
-                <a:spcPts val="600"/>
-              </a:spcAft>
-              <a:buClr>
-                <a:schemeClr val="accent1">
-                  <a:lumMod val="75000"/>
-                </a:schemeClr>
-              </a:buClr>
-              <a:buSzPct val="145000"/>
-              <a:buFont typeface="Arial"/>
-              <a:buChar char="•"/>
-              <a:defRPr sz="1600" kern="1200" cap="none">
-                <a:solidFill>
-                  <a:schemeClr val="tx1"/>
-                </a:solidFill>
-                <a:effectLst/>
-                <a:latin typeface="+mn-lt"/>
-                <a:ea typeface="+mn-ea"/>
-                <a:cs typeface="+mn-cs"/>
-              </a:defRPr>
-            </a:lvl4pPr>
-            <a:lvl5pPr marL="2000250" indent="-171450" algn="l" defTabSz="457200" rtl="0" eaLnBrk="1" latinLnBrk="0" hangingPunct="1">
-              <a:spcBef>
-                <a:spcPct val="20000"/>
-              </a:spcBef>
-              <a:spcAft>
-                <a:spcPts val="600"/>
-              </a:spcAft>
-              <a:buClr>
-                <a:schemeClr val="accent1">
-                  <a:lumMod val="75000"/>
-                </a:schemeClr>
-              </a:buClr>
-              <a:buSzPct val="145000"/>
-              <a:buFont typeface="Arial"/>
-              <a:buChar char="•"/>
-              <a:defRPr sz="1400" kern="1200" cap="none">
-                <a:solidFill>
-                  <a:schemeClr val="tx1"/>
-                </a:solidFill>
-                <a:effectLst/>
-                <a:latin typeface="+mn-lt"/>
-                <a:ea typeface="+mn-ea"/>
-                <a:cs typeface="+mn-cs"/>
-              </a:defRPr>
-            </a:lvl5pPr>
-            <a:lvl6pPr marL="2514600" indent="-228600" algn="l" defTabSz="457200" rtl="0" eaLnBrk="1" latinLnBrk="0" hangingPunct="1">
-              <a:spcBef>
-                <a:spcPct val="20000"/>
-              </a:spcBef>
-              <a:spcAft>
-                <a:spcPts val="600"/>
-              </a:spcAft>
-              <a:buClr>
-                <a:schemeClr val="accent1">
-                  <a:lumMod val="75000"/>
-                </a:schemeClr>
-              </a:buClr>
-              <a:buSzPct val="145000"/>
-              <a:buFont typeface="Arial"/>
-              <a:buChar char="•"/>
-              <a:defRPr sz="1400" kern="1200" cap="none">
-                <a:solidFill>
-                  <a:schemeClr val="tx1"/>
-                </a:solidFill>
-                <a:effectLst/>
-                <a:latin typeface="+mn-lt"/>
-                <a:ea typeface="+mn-ea"/>
-                <a:cs typeface="+mn-cs"/>
-              </a:defRPr>
-            </a:lvl6pPr>
-            <a:lvl7pPr marL="2971800" indent="-228600" algn="l" defTabSz="457200" rtl="0" eaLnBrk="1" latinLnBrk="0" hangingPunct="1">
-              <a:spcBef>
-                <a:spcPct val="20000"/>
-              </a:spcBef>
-              <a:spcAft>
-                <a:spcPts val="600"/>
-              </a:spcAft>
-              <a:buClr>
-                <a:schemeClr val="accent1">
-                  <a:lumMod val="75000"/>
-                </a:schemeClr>
-              </a:buClr>
-              <a:buSzPct val="145000"/>
-              <a:buFont typeface="Arial"/>
-              <a:buChar char="•"/>
-              <a:defRPr sz="1400" kern="1200" cap="none">
-                <a:solidFill>
-                  <a:schemeClr val="tx1"/>
-                </a:solidFill>
-                <a:effectLst/>
-                <a:latin typeface="+mn-lt"/>
-                <a:ea typeface="+mn-ea"/>
-                <a:cs typeface="+mn-cs"/>
-              </a:defRPr>
-            </a:lvl7pPr>
-            <a:lvl8pPr marL="3429000" indent="-228600" algn="l" defTabSz="457200" rtl="0" eaLnBrk="1" latinLnBrk="0" hangingPunct="1">
-              <a:spcBef>
-                <a:spcPct val="20000"/>
-              </a:spcBef>
-              <a:spcAft>
-                <a:spcPts val="600"/>
-              </a:spcAft>
-              <a:buClr>
-                <a:schemeClr val="accent1">
-                  <a:lumMod val="75000"/>
-                </a:schemeClr>
-              </a:buClr>
-              <a:buSzPct val="145000"/>
-              <a:buFont typeface="Arial"/>
-              <a:buChar char="•"/>
-              <a:defRPr sz="1400" kern="1200" cap="none">
-                <a:solidFill>
-                  <a:schemeClr val="tx1"/>
-                </a:solidFill>
-                <a:effectLst/>
-                <a:latin typeface="+mn-lt"/>
-                <a:ea typeface="+mn-ea"/>
-                <a:cs typeface="+mn-cs"/>
-              </a:defRPr>
-            </a:lvl8pPr>
-            <a:lvl9pPr marL="3886200" indent="-228600" algn="l" defTabSz="457200" rtl="0" eaLnBrk="1" latinLnBrk="0" hangingPunct="1">
-              <a:spcBef>
-                <a:spcPct val="20000"/>
-              </a:spcBef>
-              <a:spcAft>
-                <a:spcPts val="600"/>
-              </a:spcAft>
-              <a:buClr>
-                <a:schemeClr val="accent1">
-                  <a:lumMod val="75000"/>
-                </a:schemeClr>
-              </a:buClr>
-              <a:buSzPct val="145000"/>
-              <a:buFont typeface="Arial"/>
-              <a:buChar char="•"/>
-              <a:defRPr sz="1400" kern="1200" cap="none">
-                <a:solidFill>
-                  <a:schemeClr val="tx1"/>
-                </a:solidFill>
-                <a:effectLst/>
-                <a:latin typeface="+mn-lt"/>
-                <a:ea typeface="+mn-ea"/>
-                <a:cs typeface="+mn-cs"/>
-              </a:defRPr>
-            </a:lvl9pPr>
-          </a:lstStyle>
-          <a:p>
-            <a:pPr marL="0" indent="0">
-              <a:buFont typeface="Arial"/>
-              <a:buNone/>
-            </a:pPr>
-            <a:r>
-              <a:rPr lang="cs-CZ" sz="1600" dirty="0" smtClean="0"/>
-              <a:t>Pin 32</a:t>
-            </a:r>
-            <a:endParaRPr lang="cs-CZ" sz="1600" dirty="0"/>
-          </a:p>
-        </p:txBody>
-      </p:sp>
-      <p:sp>
-        <p:nvSpPr>
-          <p:cNvPr id="8" name="Zástupný symbol pro obsah 1"/>
-          <p:cNvSpPr txBox="1">
-            <a:spLocks/>
-          </p:cNvSpPr>
-          <p:nvPr/>
-        </p:nvSpPr>
-        <p:spPr>
-          <a:xfrm>
-            <a:off x="5425463" y="1196676"/>
-            <a:ext cx="712135" cy="462306"/>
-          </a:xfrm>
-          <a:prstGeom prst="rect">
-            <a:avLst/>
-          </a:prstGeom>
-        </p:spPr>
-        <p:txBody>
-          <a:bodyPr vert="horz" lIns="91440" tIns="45720" rIns="91440" bIns="45720" rtlCol="0" anchor="ctr">
-            <a:normAutofit/>
-          </a:bodyPr>
-          <a:lstStyle>
-            <a:lvl1pPr marL="285750" indent="-285750" algn="l" defTabSz="457200" rtl="0" eaLnBrk="1" latinLnBrk="0" hangingPunct="1">
-              <a:spcBef>
-                <a:spcPct val="20000"/>
-              </a:spcBef>
-              <a:spcAft>
-                <a:spcPts val="600"/>
-              </a:spcAft>
-              <a:buClr>
-                <a:schemeClr val="accent1">
-                  <a:lumMod val="75000"/>
-                </a:schemeClr>
-              </a:buClr>
-              <a:buSzPct val="145000"/>
-              <a:buFont typeface="Arial"/>
-              <a:buChar char="•"/>
-              <a:defRPr sz="2400" kern="1200" cap="none">
-                <a:solidFill>
-                  <a:schemeClr val="tx1"/>
-                </a:solidFill>
-                <a:effectLst/>
-                <a:latin typeface="+mn-lt"/>
-                <a:ea typeface="+mn-ea"/>
-                <a:cs typeface="+mn-cs"/>
-              </a:defRPr>
-            </a:lvl1pPr>
-            <a:lvl2pPr marL="742950" indent="-285750" algn="l" defTabSz="457200" rtl="0" eaLnBrk="1" latinLnBrk="0" hangingPunct="1">
-              <a:spcBef>
-                <a:spcPct val="20000"/>
-              </a:spcBef>
-              <a:spcAft>
-                <a:spcPts val="600"/>
-              </a:spcAft>
-              <a:buClr>
-                <a:schemeClr val="accent1">
-                  <a:lumMod val="75000"/>
-                </a:schemeClr>
-              </a:buClr>
-              <a:buSzPct val="145000"/>
-              <a:buFont typeface="Arial"/>
-              <a:buChar char="•"/>
-              <a:defRPr sz="2000" kern="1200" cap="none">
-                <a:solidFill>
-                  <a:schemeClr val="tx1"/>
-                </a:solidFill>
-                <a:effectLst/>
-                <a:latin typeface="+mn-lt"/>
-                <a:ea typeface="+mn-ea"/>
-                <a:cs typeface="+mn-cs"/>
-              </a:defRPr>
-            </a:lvl2pPr>
-            <a:lvl3pPr marL="1200150" indent="-285750" algn="l" defTabSz="457200" rtl="0" eaLnBrk="1" latinLnBrk="0" hangingPunct="1">
-              <a:spcBef>
-                <a:spcPct val="20000"/>
-              </a:spcBef>
-              <a:spcAft>
-                <a:spcPts val="600"/>
-              </a:spcAft>
-              <a:buClr>
-                <a:schemeClr val="accent1">
-                  <a:lumMod val="75000"/>
-                </a:schemeClr>
-              </a:buClr>
-              <a:buSzPct val="145000"/>
-              <a:buFont typeface="Arial"/>
-              <a:buChar char="•"/>
-              <a:defRPr sz="1800" kern="1200" cap="none">
-                <a:solidFill>
-                  <a:schemeClr val="tx1"/>
-                </a:solidFill>
-                <a:effectLst/>
-                <a:latin typeface="+mn-lt"/>
-                <a:ea typeface="+mn-ea"/>
-                <a:cs typeface="+mn-cs"/>
-              </a:defRPr>
-            </a:lvl3pPr>
-            <a:lvl4pPr marL="1543050" indent="-171450" algn="l" defTabSz="457200" rtl="0" eaLnBrk="1" latinLnBrk="0" hangingPunct="1">
-              <a:spcBef>
-                <a:spcPct val="20000"/>
-              </a:spcBef>
-              <a:spcAft>
-                <a:spcPts val="600"/>
-              </a:spcAft>
-              <a:buClr>
-                <a:schemeClr val="accent1">
-                  <a:lumMod val="75000"/>
-                </a:schemeClr>
-              </a:buClr>
-              <a:buSzPct val="145000"/>
-              <a:buFont typeface="Arial"/>
-              <a:buChar char="•"/>
-              <a:defRPr sz="1600" kern="1200" cap="none">
-                <a:solidFill>
-                  <a:schemeClr val="tx1"/>
-                </a:solidFill>
-                <a:effectLst/>
-                <a:latin typeface="+mn-lt"/>
-                <a:ea typeface="+mn-ea"/>
-                <a:cs typeface="+mn-cs"/>
-              </a:defRPr>
-            </a:lvl4pPr>
-            <a:lvl5pPr marL="2000250" indent="-171450" algn="l" defTabSz="457200" rtl="0" eaLnBrk="1" latinLnBrk="0" hangingPunct="1">
-              <a:spcBef>
-                <a:spcPct val="20000"/>
-              </a:spcBef>
-              <a:spcAft>
-                <a:spcPts val="600"/>
-              </a:spcAft>
-              <a:buClr>
-                <a:schemeClr val="accent1">
-                  <a:lumMod val="75000"/>
-                </a:schemeClr>
-              </a:buClr>
-              <a:buSzPct val="145000"/>
-              <a:buFont typeface="Arial"/>
-              <a:buChar char="•"/>
-              <a:defRPr sz="1400" kern="1200" cap="none">
-                <a:solidFill>
-                  <a:schemeClr val="tx1"/>
-                </a:solidFill>
-                <a:effectLst/>
-                <a:latin typeface="+mn-lt"/>
-                <a:ea typeface="+mn-ea"/>
-                <a:cs typeface="+mn-cs"/>
-              </a:defRPr>
-            </a:lvl5pPr>
-            <a:lvl6pPr marL="2514600" indent="-228600" algn="l" defTabSz="457200" rtl="0" eaLnBrk="1" latinLnBrk="0" hangingPunct="1">
-              <a:spcBef>
-                <a:spcPct val="20000"/>
-              </a:spcBef>
-              <a:spcAft>
-                <a:spcPts val="600"/>
-              </a:spcAft>
-              <a:buClr>
-                <a:schemeClr val="accent1">
-                  <a:lumMod val="75000"/>
-                </a:schemeClr>
-              </a:buClr>
-              <a:buSzPct val="145000"/>
-              <a:buFont typeface="Arial"/>
-              <a:buChar char="•"/>
-              <a:defRPr sz="1400" kern="1200" cap="none">
-                <a:solidFill>
-                  <a:schemeClr val="tx1"/>
-                </a:solidFill>
-                <a:effectLst/>
-                <a:latin typeface="+mn-lt"/>
-                <a:ea typeface="+mn-ea"/>
-                <a:cs typeface="+mn-cs"/>
-              </a:defRPr>
-            </a:lvl6pPr>
-            <a:lvl7pPr marL="2971800" indent="-228600" algn="l" defTabSz="457200" rtl="0" eaLnBrk="1" latinLnBrk="0" hangingPunct="1">
-              <a:spcBef>
-                <a:spcPct val="20000"/>
-              </a:spcBef>
-              <a:spcAft>
-                <a:spcPts val="600"/>
-              </a:spcAft>
-              <a:buClr>
-                <a:schemeClr val="accent1">
-                  <a:lumMod val="75000"/>
-                </a:schemeClr>
-              </a:buClr>
-              <a:buSzPct val="145000"/>
-              <a:buFont typeface="Arial"/>
-              <a:buChar char="•"/>
-              <a:defRPr sz="1400" kern="1200" cap="none">
-                <a:solidFill>
-                  <a:schemeClr val="tx1"/>
-                </a:solidFill>
-                <a:effectLst/>
-                <a:latin typeface="+mn-lt"/>
-                <a:ea typeface="+mn-ea"/>
-                <a:cs typeface="+mn-cs"/>
-              </a:defRPr>
-            </a:lvl7pPr>
-            <a:lvl8pPr marL="3429000" indent="-228600" algn="l" defTabSz="457200" rtl="0" eaLnBrk="1" latinLnBrk="0" hangingPunct="1">
-              <a:spcBef>
-                <a:spcPct val="20000"/>
-              </a:spcBef>
-              <a:spcAft>
-                <a:spcPts val="600"/>
-              </a:spcAft>
-              <a:buClr>
-                <a:schemeClr val="accent1">
-                  <a:lumMod val="75000"/>
-                </a:schemeClr>
-              </a:buClr>
-              <a:buSzPct val="145000"/>
-              <a:buFont typeface="Arial"/>
-              <a:buChar char="•"/>
-              <a:defRPr sz="1400" kern="1200" cap="none">
-                <a:solidFill>
-                  <a:schemeClr val="tx1"/>
-                </a:solidFill>
-                <a:effectLst/>
-                <a:latin typeface="+mn-lt"/>
-                <a:ea typeface="+mn-ea"/>
-                <a:cs typeface="+mn-cs"/>
-              </a:defRPr>
-            </a:lvl8pPr>
-            <a:lvl9pPr marL="3886200" indent="-228600" algn="l" defTabSz="457200" rtl="0" eaLnBrk="1" latinLnBrk="0" hangingPunct="1">
-              <a:spcBef>
-                <a:spcPct val="20000"/>
-              </a:spcBef>
-              <a:spcAft>
-                <a:spcPts val="600"/>
-              </a:spcAft>
-              <a:buClr>
-                <a:schemeClr val="accent1">
-                  <a:lumMod val="75000"/>
-                </a:schemeClr>
-              </a:buClr>
-              <a:buSzPct val="145000"/>
-              <a:buFont typeface="Arial"/>
-              <a:buChar char="•"/>
-              <a:defRPr sz="1400" kern="1200" cap="none">
-                <a:solidFill>
-                  <a:schemeClr val="tx1"/>
-                </a:solidFill>
-                <a:effectLst/>
-                <a:latin typeface="+mn-lt"/>
-                <a:ea typeface="+mn-ea"/>
-                <a:cs typeface="+mn-cs"/>
-              </a:defRPr>
-            </a:lvl9pPr>
-          </a:lstStyle>
-          <a:p>
-            <a:pPr marL="0" indent="0">
-              <a:buFont typeface="Arial"/>
-              <a:buNone/>
-            </a:pPr>
-            <a:r>
-              <a:rPr lang="cs-CZ" sz="1600" dirty="0" smtClean="0"/>
-              <a:t>Pin 12</a:t>
-            </a:r>
-            <a:endParaRPr lang="cs-CZ" sz="1600" dirty="0"/>
-          </a:p>
-        </p:txBody>
-      </p:sp>
-      <p:sp>
-        <p:nvSpPr>
-          <p:cNvPr id="9" name="Zástupný symbol pro obsah 1"/>
-          <p:cNvSpPr txBox="1">
-            <a:spLocks/>
-          </p:cNvSpPr>
-          <p:nvPr/>
-        </p:nvSpPr>
-        <p:spPr>
-          <a:xfrm>
-            <a:off x="4741608" y="1196676"/>
-            <a:ext cx="712135" cy="462306"/>
-          </a:xfrm>
-          <a:prstGeom prst="rect">
-            <a:avLst/>
-          </a:prstGeom>
-        </p:spPr>
-        <p:txBody>
-          <a:bodyPr vert="horz" lIns="91440" tIns="45720" rIns="91440" bIns="45720" rtlCol="0" anchor="ctr">
-            <a:normAutofit/>
-          </a:bodyPr>
-          <a:lstStyle>
-            <a:lvl1pPr marL="285750" indent="-285750" algn="l" defTabSz="457200" rtl="0" eaLnBrk="1" latinLnBrk="0" hangingPunct="1">
-              <a:spcBef>
-                <a:spcPct val="20000"/>
-              </a:spcBef>
-              <a:spcAft>
-                <a:spcPts val="600"/>
-              </a:spcAft>
-              <a:buClr>
-                <a:schemeClr val="accent1">
-                  <a:lumMod val="75000"/>
-                </a:schemeClr>
-              </a:buClr>
-              <a:buSzPct val="145000"/>
-              <a:buFont typeface="Arial"/>
-              <a:buChar char="•"/>
-              <a:defRPr sz="2400" kern="1200" cap="none">
-                <a:solidFill>
-                  <a:schemeClr val="tx1"/>
-                </a:solidFill>
-                <a:effectLst/>
-                <a:latin typeface="+mn-lt"/>
-                <a:ea typeface="+mn-ea"/>
-                <a:cs typeface="+mn-cs"/>
-              </a:defRPr>
-            </a:lvl1pPr>
-            <a:lvl2pPr marL="742950" indent="-285750" algn="l" defTabSz="457200" rtl="0" eaLnBrk="1" latinLnBrk="0" hangingPunct="1">
-              <a:spcBef>
-                <a:spcPct val="20000"/>
-              </a:spcBef>
-              <a:spcAft>
-                <a:spcPts val="600"/>
-              </a:spcAft>
-              <a:buClr>
-                <a:schemeClr val="accent1">
-                  <a:lumMod val="75000"/>
-                </a:schemeClr>
-              </a:buClr>
-              <a:buSzPct val="145000"/>
-              <a:buFont typeface="Arial"/>
-              <a:buChar char="•"/>
-              <a:defRPr sz="2000" kern="1200" cap="none">
-                <a:solidFill>
-                  <a:schemeClr val="tx1"/>
-                </a:solidFill>
-                <a:effectLst/>
-                <a:latin typeface="+mn-lt"/>
-                <a:ea typeface="+mn-ea"/>
-                <a:cs typeface="+mn-cs"/>
-              </a:defRPr>
-            </a:lvl2pPr>
-            <a:lvl3pPr marL="1200150" indent="-285750" algn="l" defTabSz="457200" rtl="0" eaLnBrk="1" latinLnBrk="0" hangingPunct="1">
-              <a:spcBef>
-                <a:spcPct val="20000"/>
-              </a:spcBef>
-              <a:spcAft>
-                <a:spcPts val="600"/>
-              </a:spcAft>
-              <a:buClr>
-                <a:schemeClr val="accent1">
-                  <a:lumMod val="75000"/>
-                </a:schemeClr>
-              </a:buClr>
-              <a:buSzPct val="145000"/>
-              <a:buFont typeface="Arial"/>
-              <a:buChar char="•"/>
-              <a:defRPr sz="1800" kern="1200" cap="none">
-                <a:solidFill>
-                  <a:schemeClr val="tx1"/>
-                </a:solidFill>
-                <a:effectLst/>
-                <a:latin typeface="+mn-lt"/>
-                <a:ea typeface="+mn-ea"/>
-                <a:cs typeface="+mn-cs"/>
-              </a:defRPr>
-            </a:lvl3pPr>
-            <a:lvl4pPr marL="1543050" indent="-171450" algn="l" defTabSz="457200" rtl="0" eaLnBrk="1" latinLnBrk="0" hangingPunct="1">
-              <a:spcBef>
-                <a:spcPct val="20000"/>
-              </a:spcBef>
-              <a:spcAft>
-                <a:spcPts val="600"/>
-              </a:spcAft>
-              <a:buClr>
-                <a:schemeClr val="accent1">
-                  <a:lumMod val="75000"/>
-                </a:schemeClr>
-              </a:buClr>
-              <a:buSzPct val="145000"/>
-              <a:buFont typeface="Arial"/>
-              <a:buChar char="•"/>
-              <a:defRPr sz="1600" kern="1200" cap="none">
-                <a:solidFill>
-                  <a:schemeClr val="tx1"/>
-                </a:solidFill>
-                <a:effectLst/>
-                <a:latin typeface="+mn-lt"/>
-                <a:ea typeface="+mn-ea"/>
-                <a:cs typeface="+mn-cs"/>
-              </a:defRPr>
-            </a:lvl4pPr>
-            <a:lvl5pPr marL="2000250" indent="-171450" algn="l" defTabSz="457200" rtl="0" eaLnBrk="1" latinLnBrk="0" hangingPunct="1">
-              <a:spcBef>
-                <a:spcPct val="20000"/>
-              </a:spcBef>
-              <a:spcAft>
-                <a:spcPts val="600"/>
-              </a:spcAft>
-              <a:buClr>
-                <a:schemeClr val="accent1">
-                  <a:lumMod val="75000"/>
-                </a:schemeClr>
-              </a:buClr>
-              <a:buSzPct val="145000"/>
-              <a:buFont typeface="Arial"/>
-              <a:buChar char="•"/>
-              <a:defRPr sz="1400" kern="1200" cap="none">
-                <a:solidFill>
-                  <a:schemeClr val="tx1"/>
-                </a:solidFill>
-                <a:effectLst/>
-                <a:latin typeface="+mn-lt"/>
-                <a:ea typeface="+mn-ea"/>
-                <a:cs typeface="+mn-cs"/>
-              </a:defRPr>
-            </a:lvl5pPr>
-            <a:lvl6pPr marL="2514600" indent="-228600" algn="l" defTabSz="457200" rtl="0" eaLnBrk="1" latinLnBrk="0" hangingPunct="1">
-              <a:spcBef>
-                <a:spcPct val="20000"/>
-              </a:spcBef>
-              <a:spcAft>
-                <a:spcPts val="600"/>
-              </a:spcAft>
-              <a:buClr>
-                <a:schemeClr val="accent1">
-                  <a:lumMod val="75000"/>
-                </a:schemeClr>
-              </a:buClr>
-              <a:buSzPct val="145000"/>
-              <a:buFont typeface="Arial"/>
-              <a:buChar char="•"/>
-              <a:defRPr sz="1400" kern="1200" cap="none">
-                <a:solidFill>
-                  <a:schemeClr val="tx1"/>
-                </a:solidFill>
-                <a:effectLst/>
-                <a:latin typeface="+mn-lt"/>
-                <a:ea typeface="+mn-ea"/>
-                <a:cs typeface="+mn-cs"/>
-              </a:defRPr>
-            </a:lvl6pPr>
-            <a:lvl7pPr marL="2971800" indent="-228600" algn="l" defTabSz="457200" rtl="0" eaLnBrk="1" latinLnBrk="0" hangingPunct="1">
-              <a:spcBef>
-                <a:spcPct val="20000"/>
-              </a:spcBef>
-              <a:spcAft>
-                <a:spcPts val="600"/>
-              </a:spcAft>
-              <a:buClr>
-                <a:schemeClr val="accent1">
-                  <a:lumMod val="75000"/>
-                </a:schemeClr>
-              </a:buClr>
-              <a:buSzPct val="145000"/>
-              <a:buFont typeface="Arial"/>
-              <a:buChar char="•"/>
-              <a:defRPr sz="1400" kern="1200" cap="none">
-                <a:solidFill>
-                  <a:schemeClr val="tx1"/>
-                </a:solidFill>
-                <a:effectLst/>
-                <a:latin typeface="+mn-lt"/>
-                <a:ea typeface="+mn-ea"/>
-                <a:cs typeface="+mn-cs"/>
-              </a:defRPr>
-            </a:lvl7pPr>
-            <a:lvl8pPr marL="3429000" indent="-228600" algn="l" defTabSz="457200" rtl="0" eaLnBrk="1" latinLnBrk="0" hangingPunct="1">
-              <a:spcBef>
-                <a:spcPct val="20000"/>
-              </a:spcBef>
-              <a:spcAft>
-                <a:spcPts val="600"/>
-              </a:spcAft>
-              <a:buClr>
-                <a:schemeClr val="accent1">
-                  <a:lumMod val="75000"/>
-                </a:schemeClr>
-              </a:buClr>
-              <a:buSzPct val="145000"/>
-              <a:buFont typeface="Arial"/>
-              <a:buChar char="•"/>
-              <a:defRPr sz="1400" kern="1200" cap="none">
-                <a:solidFill>
-                  <a:schemeClr val="tx1"/>
-                </a:solidFill>
-                <a:effectLst/>
-                <a:latin typeface="+mn-lt"/>
-                <a:ea typeface="+mn-ea"/>
-                <a:cs typeface="+mn-cs"/>
-              </a:defRPr>
-            </a:lvl8pPr>
-            <a:lvl9pPr marL="3886200" indent="-228600" algn="l" defTabSz="457200" rtl="0" eaLnBrk="1" latinLnBrk="0" hangingPunct="1">
-              <a:spcBef>
-                <a:spcPct val="20000"/>
-              </a:spcBef>
-              <a:spcAft>
-                <a:spcPts val="600"/>
-              </a:spcAft>
-              <a:buClr>
-                <a:schemeClr val="accent1">
-                  <a:lumMod val="75000"/>
-                </a:schemeClr>
-              </a:buClr>
-              <a:buSzPct val="145000"/>
-              <a:buFont typeface="Arial"/>
-              <a:buChar char="•"/>
-              <a:defRPr sz="1400" kern="1200" cap="none">
-                <a:solidFill>
-                  <a:schemeClr val="tx1"/>
-                </a:solidFill>
-                <a:effectLst/>
-                <a:latin typeface="+mn-lt"/>
-                <a:ea typeface="+mn-ea"/>
-                <a:cs typeface="+mn-cs"/>
-              </a:defRPr>
-            </a:lvl9pPr>
-          </a:lstStyle>
-          <a:p>
-            <a:pPr marL="0" indent="0">
-              <a:buFont typeface="Arial"/>
-              <a:buNone/>
-            </a:pPr>
-            <a:r>
-              <a:rPr lang="cs-CZ" sz="1600" dirty="0" smtClean="0"/>
-              <a:t>Pin 27</a:t>
-            </a:r>
-            <a:endParaRPr lang="cs-CZ" sz="1600" dirty="0"/>
-          </a:p>
-        </p:txBody>
-      </p:sp>
-      <p:sp>
-        <p:nvSpPr>
-          <p:cNvPr id="5" name="Obdélník 4"/>
-          <p:cNvSpPr/>
-          <p:nvPr/>
-        </p:nvSpPr>
-        <p:spPr>
-          <a:xfrm>
-            <a:off x="6137598" y="1246287"/>
-            <a:ext cx="712135" cy="363084"/>
+            <a:off x="4091528" y="2136348"/>
+            <a:ext cx="1035303" cy="437169"/>
           </a:xfrm>
           <a:prstGeom prst="rect">
             <a:avLst/>
@@ -13794,148 +13183,10 @@
           </a:p>
         </p:txBody>
       </p:sp>
-      <p:sp>
-        <p:nvSpPr>
-          <p:cNvPr id="10" name="Obdélník 9"/>
-          <p:cNvSpPr/>
-          <p:nvPr/>
-        </p:nvSpPr>
-        <p:spPr>
-          <a:xfrm>
-            <a:off x="7875682" y="6000549"/>
-            <a:ext cx="712135" cy="462306"/>
-          </a:xfrm>
-          <a:prstGeom prst="rect">
-            <a:avLst/>
-          </a:prstGeom>
-          <a:noFill/>
-          <a:ln w="38100">
-            <a:solidFill>
-              <a:srgbClr val="FF0000"/>
-            </a:solidFill>
-          </a:ln>
-        </p:spPr>
-        <p:style>
-          <a:lnRef idx="2">
-            <a:schemeClr val="accent1">
-              <a:shade val="50000"/>
-            </a:schemeClr>
-          </a:lnRef>
-          <a:fillRef idx="1">
-            <a:schemeClr val="accent1"/>
-          </a:fillRef>
-          <a:effectRef idx="0">
-            <a:schemeClr val="accent1"/>
-          </a:effectRef>
-          <a:fontRef idx="minor">
-            <a:schemeClr val="lt1"/>
-          </a:fontRef>
-        </p:style>
-        <p:txBody>
-          <a:bodyPr rtlCol="0" anchor="ctr"/>
-          <a:lstStyle/>
-          <a:p>
-            <a:pPr algn="ctr"/>
-            <a:endParaRPr lang="cs-CZ"/>
-          </a:p>
-        </p:txBody>
-      </p:sp>
-      <p:sp>
-        <p:nvSpPr>
-          <p:cNvPr id="11" name="Obdélník 10"/>
-          <p:cNvSpPr/>
-          <p:nvPr/>
-        </p:nvSpPr>
-        <p:spPr>
-          <a:xfrm>
-            <a:off x="5425462" y="1246287"/>
-            <a:ext cx="712135" cy="363084"/>
-          </a:xfrm>
-          <a:prstGeom prst="rect">
-            <a:avLst/>
-          </a:prstGeom>
-          <a:noFill/>
-          <a:ln w="38100">
-            <a:solidFill>
-              <a:srgbClr val="FF0000"/>
-            </a:solidFill>
-          </a:ln>
-        </p:spPr>
-        <p:style>
-          <a:lnRef idx="2">
-            <a:schemeClr val="accent1">
-              <a:shade val="50000"/>
-            </a:schemeClr>
-          </a:lnRef>
-          <a:fillRef idx="1">
-            <a:schemeClr val="accent1"/>
-          </a:fillRef>
-          <a:effectRef idx="0">
-            <a:schemeClr val="accent1"/>
-          </a:effectRef>
-          <a:fontRef idx="minor">
-            <a:schemeClr val="lt1"/>
-          </a:fontRef>
-        </p:style>
-        <p:txBody>
-          <a:bodyPr rtlCol="0" anchor="ctr"/>
-          <a:lstStyle/>
-          <a:p>
-            <a:pPr algn="ctr"/>
-            <a:endParaRPr lang="cs-CZ"/>
-          </a:p>
-        </p:txBody>
-      </p:sp>
-      <p:sp>
-        <p:nvSpPr>
-          <p:cNvPr id="12" name="Obdélník 11"/>
-          <p:cNvSpPr/>
-          <p:nvPr/>
-        </p:nvSpPr>
-        <p:spPr>
-          <a:xfrm>
-            <a:off x="4704593" y="1246287"/>
-            <a:ext cx="712135" cy="363084"/>
-          </a:xfrm>
-          <a:prstGeom prst="rect">
-            <a:avLst/>
-          </a:prstGeom>
-          <a:noFill/>
-          <a:ln w="38100">
-            <a:solidFill>
-              <a:srgbClr val="FF0000"/>
-            </a:solidFill>
-          </a:ln>
-        </p:spPr>
-        <p:style>
-          <a:lnRef idx="2">
-            <a:schemeClr val="accent1">
-              <a:shade val="50000"/>
-            </a:schemeClr>
-          </a:lnRef>
-          <a:fillRef idx="1">
-            <a:schemeClr val="accent1"/>
-          </a:fillRef>
-          <a:effectRef idx="0">
-            <a:schemeClr val="accent1"/>
-          </a:effectRef>
-          <a:fontRef idx="minor">
-            <a:schemeClr val="lt1"/>
-          </a:fontRef>
-        </p:style>
-        <p:txBody>
-          <a:bodyPr rtlCol="0" anchor="ctr"/>
-          <a:lstStyle/>
-          <a:p>
-            <a:pPr algn="ctr"/>
-            <a:endParaRPr lang="cs-CZ"/>
-          </a:p>
-        </p:txBody>
-      </p:sp>
     </p:spTree>
     <p:extLst>
       <p:ext uri="{BB962C8B-B14F-4D97-AF65-F5344CB8AC3E}">
-        <p14:creationId xmlns:p14="http://schemas.microsoft.com/office/powerpoint/2010/main" val="1620030877"/>
+        <p14:creationId xmlns:p14="http://schemas.microsoft.com/office/powerpoint/2010/main" val="2944603715"/>
       </p:ext>
     </p:extLst>
   </p:cSld>
@@ -14093,20 +13344,8 @@
           </a:lstStyle>
           <a:p>
             <a:r>
-              <a:rPr lang="cs-CZ" dirty="0" err="1" smtClean="0"/>
-              <a:t>Arduino</a:t>
-            </a:r>
-            <a:r>
               <a:rPr lang="cs-CZ" dirty="0" smtClean="0"/>
-              <a:t> IDE - </a:t>
-            </a:r>
-            <a:r>
-              <a:rPr lang="cs-CZ" dirty="0" err="1" smtClean="0"/>
-              <a:t>sketch</a:t>
-            </a:r>
-            <a:r>
-              <a:rPr lang="cs-CZ" dirty="0" smtClean="0"/>
-              <a:t> </a:t>
+              <a:t>Zapojení součástek</a:t>
             </a:r>
             <a:endParaRPr lang="cs-CZ" dirty="0"/>
           </a:p>
@@ -14124,8 +13363,8 @@
         </p:nvSpPr>
         <p:spPr>
           <a:xfrm>
-            <a:off x="1484310" y="715651"/>
-            <a:ext cx="10018713" cy="5666295"/>
+            <a:off x="7875683" y="6001103"/>
+            <a:ext cx="712135" cy="462306"/>
           </a:xfrm>
         </p:spPr>
         <p:txBody>
@@ -14134,179 +13373,840 @@
           </a:bodyPr>
           <a:lstStyle/>
           <a:p>
-            <a:r>
-              <a:rPr lang="cs-CZ" dirty="0" smtClean="0"/>
-              <a:t>Knihovny které je potřeba nainstalovat:</a:t>
-            </a:r>
-          </a:p>
-          <a:p>
-            <a:pPr lvl="1"/>
-            <a:r>
-              <a:rPr lang="cs-CZ" dirty="0">
-                <a:hlinkClick r:id="rId3"/>
-              </a:rPr>
-              <a:t>https://</a:t>
-            </a:r>
-            <a:r>
-              <a:rPr lang="cs-CZ" dirty="0" smtClean="0">
-                <a:hlinkClick r:id="rId3"/>
-              </a:rPr>
-              <a:t>github.com/bertmelis/Ticker-esp32</a:t>
-            </a:r>
-            <a:r>
-              <a:rPr lang="cs-CZ" dirty="0" smtClean="0"/>
-              <a:t> (instalovat ze zipu)</a:t>
-            </a:r>
-          </a:p>
-          <a:p>
-            <a:pPr lvl="1"/>
-            <a:r>
-              <a:rPr lang="cs-CZ" dirty="0" smtClean="0">
-                <a:hlinkClick r:id="rId4"/>
-              </a:rPr>
-              <a:t>https</a:t>
-            </a:r>
-            <a:r>
-              <a:rPr lang="cs-CZ" dirty="0">
-                <a:hlinkClick r:id="rId4"/>
-              </a:rPr>
-              <a:t>://</a:t>
-            </a:r>
-            <a:r>
-              <a:rPr lang="cs-CZ" dirty="0" smtClean="0">
-                <a:hlinkClick r:id="rId4"/>
-              </a:rPr>
-              <a:t>github.com/jfturcot/SimpleTimer</a:t>
-            </a:r>
-            <a:r>
-              <a:rPr lang="cs-CZ" dirty="0" smtClean="0"/>
-              <a:t> </a:t>
-            </a:r>
-            <a:r>
-              <a:rPr lang="cs-CZ" dirty="0"/>
-              <a:t>(instalovat ze zipu</a:t>
-            </a:r>
-            <a:r>
-              <a:rPr lang="cs-CZ" dirty="0" smtClean="0"/>
-              <a:t>)</a:t>
-            </a:r>
-          </a:p>
-          <a:p>
-            <a:pPr lvl="1"/>
-            <a:r>
-              <a:rPr lang="cs-CZ" dirty="0">
-                <a:hlinkClick r:id="rId5"/>
-              </a:rPr>
-              <a:t>https://github.com/beegee-tokyo/DHTesp</a:t>
-            </a:r>
-            <a:r>
-              <a:rPr lang="cs-CZ" dirty="0"/>
-              <a:t> (manažer knihoven: DHT sensor </a:t>
-            </a:r>
-            <a:r>
-              <a:rPr lang="cs-CZ" dirty="0" err="1"/>
-              <a:t>library</a:t>
-            </a:r>
-            <a:r>
-              <a:rPr lang="cs-CZ" dirty="0"/>
-              <a:t> </a:t>
-            </a:r>
-            <a:r>
-              <a:rPr lang="cs-CZ" dirty="0" err="1"/>
-              <a:t>for</a:t>
-            </a:r>
-            <a:r>
-              <a:rPr lang="cs-CZ" dirty="0"/>
-              <a:t> </a:t>
-            </a:r>
-            <a:r>
-              <a:rPr lang="cs-CZ" dirty="0" err="1"/>
-              <a:t>ESPx</a:t>
-            </a:r>
-            <a:r>
-              <a:rPr lang="cs-CZ" dirty="0"/>
-              <a:t>)</a:t>
-            </a:r>
-          </a:p>
-          <a:p>
-            <a:pPr lvl="1"/>
-            <a:r>
-              <a:rPr lang="cs-CZ" dirty="0" err="1" smtClean="0"/>
-              <a:t>Blynk</a:t>
-            </a:r>
-            <a:r>
-              <a:rPr lang="cs-CZ" dirty="0" smtClean="0"/>
-              <a:t> </a:t>
-            </a:r>
-            <a:r>
-              <a:rPr lang="cs-CZ" dirty="0"/>
-              <a:t>(manažer knihoven: </a:t>
-            </a:r>
-            <a:r>
-              <a:rPr lang="cs-CZ" dirty="0" err="1" smtClean="0"/>
-              <a:t>Blynk</a:t>
-            </a:r>
-            <a:r>
-              <a:rPr lang="cs-CZ" dirty="0" smtClean="0"/>
-              <a:t>)</a:t>
-            </a:r>
-            <a:endParaRPr lang="cs-CZ" dirty="0"/>
-          </a:p>
-          <a:p>
-            <a:pPr lvl="1"/>
-            <a:endParaRPr lang="cs-CZ" dirty="0" smtClean="0"/>
-          </a:p>
-          <a:p>
-            <a:pPr lvl="1"/>
-            <a:r>
-              <a:rPr lang="cs-CZ" dirty="0" err="1" smtClean="0"/>
-              <a:t>Sketch</a:t>
-            </a:r>
-            <a:r>
-              <a:rPr lang="cs-CZ" dirty="0" smtClean="0"/>
-              <a:t> si stáhněte z webové stránky:</a:t>
-            </a:r>
-          </a:p>
-          <a:p>
-            <a:pPr lvl="2"/>
-            <a:r>
-              <a:rPr lang="cs-CZ" dirty="0">
-                <a:hlinkClick r:id="rId6"/>
-              </a:rPr>
-              <a:t>https://</a:t>
-            </a:r>
-            <a:r>
-              <a:rPr lang="cs-CZ" dirty="0" smtClean="0">
-                <a:hlinkClick r:id="rId6"/>
-              </a:rPr>
-              <a:t>github.com/fablab-brno/Arduino-Akademie</a:t>
-            </a:r>
-            <a:r>
-              <a:rPr lang="cs-CZ" dirty="0" smtClean="0"/>
-              <a:t> -&gt; Workshop 4 -&gt; </a:t>
-            </a:r>
-            <a:r>
-              <a:rPr lang="cs-CZ" dirty="0" err="1" smtClean="0"/>
-              <a:t>Blynk_Workshop</a:t>
-            </a:r>
-            <a:endParaRPr lang="cs-CZ" dirty="0"/>
-          </a:p>
-          <a:p>
-            <a:pPr lvl="1"/>
-            <a:endParaRPr lang="cs-CZ" dirty="0"/>
-          </a:p>
-        </p:txBody>
-      </p:sp>
-      <p:sp>
-        <p:nvSpPr>
-          <p:cNvPr id="3" name="Obdélník 2"/>
+            <a:pPr marL="0" indent="0">
+              <a:buNone/>
+            </a:pPr>
+            <a:r>
+              <a:rPr lang="cs-CZ" sz="1600" dirty="0" smtClean="0"/>
+              <a:t>Pin 14</a:t>
+            </a:r>
+            <a:endParaRPr lang="cs-CZ" sz="1600" dirty="0"/>
+          </a:p>
+        </p:txBody>
+      </p:sp>
+      <p:pic>
+        <p:nvPicPr>
+          <p:cNvPr id="3" name="Obrázek 2"/>
+          <p:cNvPicPr>
+            <a:picLocks noChangeAspect="1"/>
+          </p:cNvPicPr>
+          <p:nvPr/>
+        </p:nvPicPr>
+        <p:blipFill>
+          <a:blip r:embed="rId3">
+            <a:extLst>
+              <a:ext uri="{28A0092B-C50C-407E-A947-70E740481C1C}">
+                <a14:useLocalDpi xmlns:a14="http://schemas.microsoft.com/office/drawing/2010/main" val="0"/>
+              </a:ext>
+            </a:extLst>
+          </a:blip>
+          <a:stretch>
+            <a:fillRect/>
+          </a:stretch>
+        </p:blipFill>
+        <p:spPr>
+          <a:xfrm>
+            <a:off x="2172590" y="1804581"/>
+            <a:ext cx="8642152" cy="4062550"/>
+          </a:xfrm>
+          <a:prstGeom prst="rect">
+            <a:avLst/>
+          </a:prstGeom>
+        </p:spPr>
+      </p:pic>
+      <p:sp>
+        <p:nvSpPr>
+          <p:cNvPr id="7" name="Zástupný symbol pro obsah 1"/>
+          <p:cNvSpPr txBox="1">
+            <a:spLocks/>
+          </p:cNvSpPr>
+          <p:nvPr/>
+        </p:nvSpPr>
+        <p:spPr>
+          <a:xfrm>
+            <a:off x="6137598" y="1196676"/>
+            <a:ext cx="712135" cy="462306"/>
+          </a:xfrm>
+          <a:prstGeom prst="rect">
+            <a:avLst/>
+          </a:prstGeom>
+        </p:spPr>
+        <p:txBody>
+          <a:bodyPr vert="horz" lIns="91440" tIns="45720" rIns="91440" bIns="45720" rtlCol="0" anchor="ctr">
+            <a:normAutofit/>
+          </a:bodyPr>
+          <a:lstStyle>
+            <a:lvl1pPr marL="285750" indent="-285750" algn="l" defTabSz="457200" rtl="0" eaLnBrk="1" latinLnBrk="0" hangingPunct="1">
+              <a:spcBef>
+                <a:spcPct val="20000"/>
+              </a:spcBef>
+              <a:spcAft>
+                <a:spcPts val="600"/>
+              </a:spcAft>
+              <a:buClr>
+                <a:schemeClr val="accent1">
+                  <a:lumMod val="75000"/>
+                </a:schemeClr>
+              </a:buClr>
+              <a:buSzPct val="145000"/>
+              <a:buFont typeface="Arial"/>
+              <a:buChar char="•"/>
+              <a:defRPr sz="2400" kern="1200" cap="none">
+                <a:solidFill>
+                  <a:schemeClr val="tx1"/>
+                </a:solidFill>
+                <a:effectLst/>
+                <a:latin typeface="+mn-lt"/>
+                <a:ea typeface="+mn-ea"/>
+                <a:cs typeface="+mn-cs"/>
+              </a:defRPr>
+            </a:lvl1pPr>
+            <a:lvl2pPr marL="742950" indent="-285750" algn="l" defTabSz="457200" rtl="0" eaLnBrk="1" latinLnBrk="0" hangingPunct="1">
+              <a:spcBef>
+                <a:spcPct val="20000"/>
+              </a:spcBef>
+              <a:spcAft>
+                <a:spcPts val="600"/>
+              </a:spcAft>
+              <a:buClr>
+                <a:schemeClr val="accent1">
+                  <a:lumMod val="75000"/>
+                </a:schemeClr>
+              </a:buClr>
+              <a:buSzPct val="145000"/>
+              <a:buFont typeface="Arial"/>
+              <a:buChar char="•"/>
+              <a:defRPr sz="2000" kern="1200" cap="none">
+                <a:solidFill>
+                  <a:schemeClr val="tx1"/>
+                </a:solidFill>
+                <a:effectLst/>
+                <a:latin typeface="+mn-lt"/>
+                <a:ea typeface="+mn-ea"/>
+                <a:cs typeface="+mn-cs"/>
+              </a:defRPr>
+            </a:lvl2pPr>
+            <a:lvl3pPr marL="1200150" indent="-285750" algn="l" defTabSz="457200" rtl="0" eaLnBrk="1" latinLnBrk="0" hangingPunct="1">
+              <a:spcBef>
+                <a:spcPct val="20000"/>
+              </a:spcBef>
+              <a:spcAft>
+                <a:spcPts val="600"/>
+              </a:spcAft>
+              <a:buClr>
+                <a:schemeClr val="accent1">
+                  <a:lumMod val="75000"/>
+                </a:schemeClr>
+              </a:buClr>
+              <a:buSzPct val="145000"/>
+              <a:buFont typeface="Arial"/>
+              <a:buChar char="•"/>
+              <a:defRPr sz="1800" kern="1200" cap="none">
+                <a:solidFill>
+                  <a:schemeClr val="tx1"/>
+                </a:solidFill>
+                <a:effectLst/>
+                <a:latin typeface="+mn-lt"/>
+                <a:ea typeface="+mn-ea"/>
+                <a:cs typeface="+mn-cs"/>
+              </a:defRPr>
+            </a:lvl3pPr>
+            <a:lvl4pPr marL="1543050" indent="-171450" algn="l" defTabSz="457200" rtl="0" eaLnBrk="1" latinLnBrk="0" hangingPunct="1">
+              <a:spcBef>
+                <a:spcPct val="20000"/>
+              </a:spcBef>
+              <a:spcAft>
+                <a:spcPts val="600"/>
+              </a:spcAft>
+              <a:buClr>
+                <a:schemeClr val="accent1">
+                  <a:lumMod val="75000"/>
+                </a:schemeClr>
+              </a:buClr>
+              <a:buSzPct val="145000"/>
+              <a:buFont typeface="Arial"/>
+              <a:buChar char="•"/>
+              <a:defRPr sz="1600" kern="1200" cap="none">
+                <a:solidFill>
+                  <a:schemeClr val="tx1"/>
+                </a:solidFill>
+                <a:effectLst/>
+                <a:latin typeface="+mn-lt"/>
+                <a:ea typeface="+mn-ea"/>
+                <a:cs typeface="+mn-cs"/>
+              </a:defRPr>
+            </a:lvl4pPr>
+            <a:lvl5pPr marL="2000250" indent="-171450" algn="l" defTabSz="457200" rtl="0" eaLnBrk="1" latinLnBrk="0" hangingPunct="1">
+              <a:spcBef>
+                <a:spcPct val="20000"/>
+              </a:spcBef>
+              <a:spcAft>
+                <a:spcPts val="600"/>
+              </a:spcAft>
+              <a:buClr>
+                <a:schemeClr val="accent1">
+                  <a:lumMod val="75000"/>
+                </a:schemeClr>
+              </a:buClr>
+              <a:buSzPct val="145000"/>
+              <a:buFont typeface="Arial"/>
+              <a:buChar char="•"/>
+              <a:defRPr sz="1400" kern="1200" cap="none">
+                <a:solidFill>
+                  <a:schemeClr val="tx1"/>
+                </a:solidFill>
+                <a:effectLst/>
+                <a:latin typeface="+mn-lt"/>
+                <a:ea typeface="+mn-ea"/>
+                <a:cs typeface="+mn-cs"/>
+              </a:defRPr>
+            </a:lvl5pPr>
+            <a:lvl6pPr marL="2514600" indent="-228600" algn="l" defTabSz="457200" rtl="0" eaLnBrk="1" latinLnBrk="0" hangingPunct="1">
+              <a:spcBef>
+                <a:spcPct val="20000"/>
+              </a:spcBef>
+              <a:spcAft>
+                <a:spcPts val="600"/>
+              </a:spcAft>
+              <a:buClr>
+                <a:schemeClr val="accent1">
+                  <a:lumMod val="75000"/>
+                </a:schemeClr>
+              </a:buClr>
+              <a:buSzPct val="145000"/>
+              <a:buFont typeface="Arial"/>
+              <a:buChar char="•"/>
+              <a:defRPr sz="1400" kern="1200" cap="none">
+                <a:solidFill>
+                  <a:schemeClr val="tx1"/>
+                </a:solidFill>
+                <a:effectLst/>
+                <a:latin typeface="+mn-lt"/>
+                <a:ea typeface="+mn-ea"/>
+                <a:cs typeface="+mn-cs"/>
+              </a:defRPr>
+            </a:lvl6pPr>
+            <a:lvl7pPr marL="2971800" indent="-228600" algn="l" defTabSz="457200" rtl="0" eaLnBrk="1" latinLnBrk="0" hangingPunct="1">
+              <a:spcBef>
+                <a:spcPct val="20000"/>
+              </a:spcBef>
+              <a:spcAft>
+                <a:spcPts val="600"/>
+              </a:spcAft>
+              <a:buClr>
+                <a:schemeClr val="accent1">
+                  <a:lumMod val="75000"/>
+                </a:schemeClr>
+              </a:buClr>
+              <a:buSzPct val="145000"/>
+              <a:buFont typeface="Arial"/>
+              <a:buChar char="•"/>
+              <a:defRPr sz="1400" kern="1200" cap="none">
+                <a:solidFill>
+                  <a:schemeClr val="tx1"/>
+                </a:solidFill>
+                <a:effectLst/>
+                <a:latin typeface="+mn-lt"/>
+                <a:ea typeface="+mn-ea"/>
+                <a:cs typeface="+mn-cs"/>
+              </a:defRPr>
+            </a:lvl7pPr>
+            <a:lvl8pPr marL="3429000" indent="-228600" algn="l" defTabSz="457200" rtl="0" eaLnBrk="1" latinLnBrk="0" hangingPunct="1">
+              <a:spcBef>
+                <a:spcPct val="20000"/>
+              </a:spcBef>
+              <a:spcAft>
+                <a:spcPts val="600"/>
+              </a:spcAft>
+              <a:buClr>
+                <a:schemeClr val="accent1">
+                  <a:lumMod val="75000"/>
+                </a:schemeClr>
+              </a:buClr>
+              <a:buSzPct val="145000"/>
+              <a:buFont typeface="Arial"/>
+              <a:buChar char="•"/>
+              <a:defRPr sz="1400" kern="1200" cap="none">
+                <a:solidFill>
+                  <a:schemeClr val="tx1"/>
+                </a:solidFill>
+                <a:effectLst/>
+                <a:latin typeface="+mn-lt"/>
+                <a:ea typeface="+mn-ea"/>
+                <a:cs typeface="+mn-cs"/>
+              </a:defRPr>
+            </a:lvl8pPr>
+            <a:lvl9pPr marL="3886200" indent="-228600" algn="l" defTabSz="457200" rtl="0" eaLnBrk="1" latinLnBrk="0" hangingPunct="1">
+              <a:spcBef>
+                <a:spcPct val="20000"/>
+              </a:spcBef>
+              <a:spcAft>
+                <a:spcPts val="600"/>
+              </a:spcAft>
+              <a:buClr>
+                <a:schemeClr val="accent1">
+                  <a:lumMod val="75000"/>
+                </a:schemeClr>
+              </a:buClr>
+              <a:buSzPct val="145000"/>
+              <a:buFont typeface="Arial"/>
+              <a:buChar char="•"/>
+              <a:defRPr sz="1400" kern="1200" cap="none">
+                <a:solidFill>
+                  <a:schemeClr val="tx1"/>
+                </a:solidFill>
+                <a:effectLst/>
+                <a:latin typeface="+mn-lt"/>
+                <a:ea typeface="+mn-ea"/>
+                <a:cs typeface="+mn-cs"/>
+              </a:defRPr>
+            </a:lvl9pPr>
+          </a:lstStyle>
+          <a:p>
+            <a:pPr marL="0" indent="0">
+              <a:buFont typeface="Arial"/>
+              <a:buNone/>
+            </a:pPr>
+            <a:r>
+              <a:rPr lang="cs-CZ" sz="1600" dirty="0" smtClean="0"/>
+              <a:t>Pin 32</a:t>
+            </a:r>
+            <a:endParaRPr lang="cs-CZ" sz="1600" dirty="0"/>
+          </a:p>
+        </p:txBody>
+      </p:sp>
+      <p:sp>
+        <p:nvSpPr>
+          <p:cNvPr id="8" name="Zástupný symbol pro obsah 1"/>
+          <p:cNvSpPr txBox="1">
+            <a:spLocks/>
+          </p:cNvSpPr>
+          <p:nvPr/>
+        </p:nvSpPr>
+        <p:spPr>
+          <a:xfrm>
+            <a:off x="5425463" y="1196676"/>
+            <a:ext cx="712135" cy="462306"/>
+          </a:xfrm>
+          <a:prstGeom prst="rect">
+            <a:avLst/>
+          </a:prstGeom>
+        </p:spPr>
+        <p:txBody>
+          <a:bodyPr vert="horz" lIns="91440" tIns="45720" rIns="91440" bIns="45720" rtlCol="0" anchor="ctr">
+            <a:normAutofit/>
+          </a:bodyPr>
+          <a:lstStyle>
+            <a:lvl1pPr marL="285750" indent="-285750" algn="l" defTabSz="457200" rtl="0" eaLnBrk="1" latinLnBrk="0" hangingPunct="1">
+              <a:spcBef>
+                <a:spcPct val="20000"/>
+              </a:spcBef>
+              <a:spcAft>
+                <a:spcPts val="600"/>
+              </a:spcAft>
+              <a:buClr>
+                <a:schemeClr val="accent1">
+                  <a:lumMod val="75000"/>
+                </a:schemeClr>
+              </a:buClr>
+              <a:buSzPct val="145000"/>
+              <a:buFont typeface="Arial"/>
+              <a:buChar char="•"/>
+              <a:defRPr sz="2400" kern="1200" cap="none">
+                <a:solidFill>
+                  <a:schemeClr val="tx1"/>
+                </a:solidFill>
+                <a:effectLst/>
+                <a:latin typeface="+mn-lt"/>
+                <a:ea typeface="+mn-ea"/>
+                <a:cs typeface="+mn-cs"/>
+              </a:defRPr>
+            </a:lvl1pPr>
+            <a:lvl2pPr marL="742950" indent="-285750" algn="l" defTabSz="457200" rtl="0" eaLnBrk="1" latinLnBrk="0" hangingPunct="1">
+              <a:spcBef>
+                <a:spcPct val="20000"/>
+              </a:spcBef>
+              <a:spcAft>
+                <a:spcPts val="600"/>
+              </a:spcAft>
+              <a:buClr>
+                <a:schemeClr val="accent1">
+                  <a:lumMod val="75000"/>
+                </a:schemeClr>
+              </a:buClr>
+              <a:buSzPct val="145000"/>
+              <a:buFont typeface="Arial"/>
+              <a:buChar char="•"/>
+              <a:defRPr sz="2000" kern="1200" cap="none">
+                <a:solidFill>
+                  <a:schemeClr val="tx1"/>
+                </a:solidFill>
+                <a:effectLst/>
+                <a:latin typeface="+mn-lt"/>
+                <a:ea typeface="+mn-ea"/>
+                <a:cs typeface="+mn-cs"/>
+              </a:defRPr>
+            </a:lvl2pPr>
+            <a:lvl3pPr marL="1200150" indent="-285750" algn="l" defTabSz="457200" rtl="0" eaLnBrk="1" latinLnBrk="0" hangingPunct="1">
+              <a:spcBef>
+                <a:spcPct val="20000"/>
+              </a:spcBef>
+              <a:spcAft>
+                <a:spcPts val="600"/>
+              </a:spcAft>
+              <a:buClr>
+                <a:schemeClr val="accent1">
+                  <a:lumMod val="75000"/>
+                </a:schemeClr>
+              </a:buClr>
+              <a:buSzPct val="145000"/>
+              <a:buFont typeface="Arial"/>
+              <a:buChar char="•"/>
+              <a:defRPr sz="1800" kern="1200" cap="none">
+                <a:solidFill>
+                  <a:schemeClr val="tx1"/>
+                </a:solidFill>
+                <a:effectLst/>
+                <a:latin typeface="+mn-lt"/>
+                <a:ea typeface="+mn-ea"/>
+                <a:cs typeface="+mn-cs"/>
+              </a:defRPr>
+            </a:lvl3pPr>
+            <a:lvl4pPr marL="1543050" indent="-171450" algn="l" defTabSz="457200" rtl="0" eaLnBrk="1" latinLnBrk="0" hangingPunct="1">
+              <a:spcBef>
+                <a:spcPct val="20000"/>
+              </a:spcBef>
+              <a:spcAft>
+                <a:spcPts val="600"/>
+              </a:spcAft>
+              <a:buClr>
+                <a:schemeClr val="accent1">
+                  <a:lumMod val="75000"/>
+                </a:schemeClr>
+              </a:buClr>
+              <a:buSzPct val="145000"/>
+              <a:buFont typeface="Arial"/>
+              <a:buChar char="•"/>
+              <a:defRPr sz="1600" kern="1200" cap="none">
+                <a:solidFill>
+                  <a:schemeClr val="tx1"/>
+                </a:solidFill>
+                <a:effectLst/>
+                <a:latin typeface="+mn-lt"/>
+                <a:ea typeface="+mn-ea"/>
+                <a:cs typeface="+mn-cs"/>
+              </a:defRPr>
+            </a:lvl4pPr>
+            <a:lvl5pPr marL="2000250" indent="-171450" algn="l" defTabSz="457200" rtl="0" eaLnBrk="1" latinLnBrk="0" hangingPunct="1">
+              <a:spcBef>
+                <a:spcPct val="20000"/>
+              </a:spcBef>
+              <a:spcAft>
+                <a:spcPts val="600"/>
+              </a:spcAft>
+              <a:buClr>
+                <a:schemeClr val="accent1">
+                  <a:lumMod val="75000"/>
+                </a:schemeClr>
+              </a:buClr>
+              <a:buSzPct val="145000"/>
+              <a:buFont typeface="Arial"/>
+              <a:buChar char="•"/>
+              <a:defRPr sz="1400" kern="1200" cap="none">
+                <a:solidFill>
+                  <a:schemeClr val="tx1"/>
+                </a:solidFill>
+                <a:effectLst/>
+                <a:latin typeface="+mn-lt"/>
+                <a:ea typeface="+mn-ea"/>
+                <a:cs typeface="+mn-cs"/>
+              </a:defRPr>
+            </a:lvl5pPr>
+            <a:lvl6pPr marL="2514600" indent="-228600" algn="l" defTabSz="457200" rtl="0" eaLnBrk="1" latinLnBrk="0" hangingPunct="1">
+              <a:spcBef>
+                <a:spcPct val="20000"/>
+              </a:spcBef>
+              <a:spcAft>
+                <a:spcPts val="600"/>
+              </a:spcAft>
+              <a:buClr>
+                <a:schemeClr val="accent1">
+                  <a:lumMod val="75000"/>
+                </a:schemeClr>
+              </a:buClr>
+              <a:buSzPct val="145000"/>
+              <a:buFont typeface="Arial"/>
+              <a:buChar char="•"/>
+              <a:defRPr sz="1400" kern="1200" cap="none">
+                <a:solidFill>
+                  <a:schemeClr val="tx1"/>
+                </a:solidFill>
+                <a:effectLst/>
+                <a:latin typeface="+mn-lt"/>
+                <a:ea typeface="+mn-ea"/>
+                <a:cs typeface="+mn-cs"/>
+              </a:defRPr>
+            </a:lvl6pPr>
+            <a:lvl7pPr marL="2971800" indent="-228600" algn="l" defTabSz="457200" rtl="0" eaLnBrk="1" latinLnBrk="0" hangingPunct="1">
+              <a:spcBef>
+                <a:spcPct val="20000"/>
+              </a:spcBef>
+              <a:spcAft>
+                <a:spcPts val="600"/>
+              </a:spcAft>
+              <a:buClr>
+                <a:schemeClr val="accent1">
+                  <a:lumMod val="75000"/>
+                </a:schemeClr>
+              </a:buClr>
+              <a:buSzPct val="145000"/>
+              <a:buFont typeface="Arial"/>
+              <a:buChar char="•"/>
+              <a:defRPr sz="1400" kern="1200" cap="none">
+                <a:solidFill>
+                  <a:schemeClr val="tx1"/>
+                </a:solidFill>
+                <a:effectLst/>
+                <a:latin typeface="+mn-lt"/>
+                <a:ea typeface="+mn-ea"/>
+                <a:cs typeface="+mn-cs"/>
+              </a:defRPr>
+            </a:lvl7pPr>
+            <a:lvl8pPr marL="3429000" indent="-228600" algn="l" defTabSz="457200" rtl="0" eaLnBrk="1" latinLnBrk="0" hangingPunct="1">
+              <a:spcBef>
+                <a:spcPct val="20000"/>
+              </a:spcBef>
+              <a:spcAft>
+                <a:spcPts val="600"/>
+              </a:spcAft>
+              <a:buClr>
+                <a:schemeClr val="accent1">
+                  <a:lumMod val="75000"/>
+                </a:schemeClr>
+              </a:buClr>
+              <a:buSzPct val="145000"/>
+              <a:buFont typeface="Arial"/>
+              <a:buChar char="•"/>
+              <a:defRPr sz="1400" kern="1200" cap="none">
+                <a:solidFill>
+                  <a:schemeClr val="tx1"/>
+                </a:solidFill>
+                <a:effectLst/>
+                <a:latin typeface="+mn-lt"/>
+                <a:ea typeface="+mn-ea"/>
+                <a:cs typeface="+mn-cs"/>
+              </a:defRPr>
+            </a:lvl8pPr>
+            <a:lvl9pPr marL="3886200" indent="-228600" algn="l" defTabSz="457200" rtl="0" eaLnBrk="1" latinLnBrk="0" hangingPunct="1">
+              <a:spcBef>
+                <a:spcPct val="20000"/>
+              </a:spcBef>
+              <a:spcAft>
+                <a:spcPts val="600"/>
+              </a:spcAft>
+              <a:buClr>
+                <a:schemeClr val="accent1">
+                  <a:lumMod val="75000"/>
+                </a:schemeClr>
+              </a:buClr>
+              <a:buSzPct val="145000"/>
+              <a:buFont typeface="Arial"/>
+              <a:buChar char="•"/>
+              <a:defRPr sz="1400" kern="1200" cap="none">
+                <a:solidFill>
+                  <a:schemeClr val="tx1"/>
+                </a:solidFill>
+                <a:effectLst/>
+                <a:latin typeface="+mn-lt"/>
+                <a:ea typeface="+mn-ea"/>
+                <a:cs typeface="+mn-cs"/>
+              </a:defRPr>
+            </a:lvl9pPr>
+          </a:lstStyle>
+          <a:p>
+            <a:pPr marL="0" indent="0">
+              <a:buFont typeface="Arial"/>
+              <a:buNone/>
+            </a:pPr>
+            <a:r>
+              <a:rPr lang="cs-CZ" sz="1600" dirty="0" smtClean="0"/>
+              <a:t>Pin 12</a:t>
+            </a:r>
+            <a:endParaRPr lang="cs-CZ" sz="1600" dirty="0"/>
+          </a:p>
+        </p:txBody>
+      </p:sp>
+      <p:sp>
+        <p:nvSpPr>
+          <p:cNvPr id="9" name="Zástupný symbol pro obsah 1"/>
+          <p:cNvSpPr txBox="1">
+            <a:spLocks/>
+          </p:cNvSpPr>
+          <p:nvPr/>
+        </p:nvSpPr>
+        <p:spPr>
+          <a:xfrm>
+            <a:off x="4741608" y="1196676"/>
+            <a:ext cx="712135" cy="462306"/>
+          </a:xfrm>
+          <a:prstGeom prst="rect">
+            <a:avLst/>
+          </a:prstGeom>
+        </p:spPr>
+        <p:txBody>
+          <a:bodyPr vert="horz" lIns="91440" tIns="45720" rIns="91440" bIns="45720" rtlCol="0" anchor="ctr">
+            <a:normAutofit/>
+          </a:bodyPr>
+          <a:lstStyle>
+            <a:lvl1pPr marL="285750" indent="-285750" algn="l" defTabSz="457200" rtl="0" eaLnBrk="1" latinLnBrk="0" hangingPunct="1">
+              <a:spcBef>
+                <a:spcPct val="20000"/>
+              </a:spcBef>
+              <a:spcAft>
+                <a:spcPts val="600"/>
+              </a:spcAft>
+              <a:buClr>
+                <a:schemeClr val="accent1">
+                  <a:lumMod val="75000"/>
+                </a:schemeClr>
+              </a:buClr>
+              <a:buSzPct val="145000"/>
+              <a:buFont typeface="Arial"/>
+              <a:buChar char="•"/>
+              <a:defRPr sz="2400" kern="1200" cap="none">
+                <a:solidFill>
+                  <a:schemeClr val="tx1"/>
+                </a:solidFill>
+                <a:effectLst/>
+                <a:latin typeface="+mn-lt"/>
+                <a:ea typeface="+mn-ea"/>
+                <a:cs typeface="+mn-cs"/>
+              </a:defRPr>
+            </a:lvl1pPr>
+            <a:lvl2pPr marL="742950" indent="-285750" algn="l" defTabSz="457200" rtl="0" eaLnBrk="1" latinLnBrk="0" hangingPunct="1">
+              <a:spcBef>
+                <a:spcPct val="20000"/>
+              </a:spcBef>
+              <a:spcAft>
+                <a:spcPts val="600"/>
+              </a:spcAft>
+              <a:buClr>
+                <a:schemeClr val="accent1">
+                  <a:lumMod val="75000"/>
+                </a:schemeClr>
+              </a:buClr>
+              <a:buSzPct val="145000"/>
+              <a:buFont typeface="Arial"/>
+              <a:buChar char="•"/>
+              <a:defRPr sz="2000" kern="1200" cap="none">
+                <a:solidFill>
+                  <a:schemeClr val="tx1"/>
+                </a:solidFill>
+                <a:effectLst/>
+                <a:latin typeface="+mn-lt"/>
+                <a:ea typeface="+mn-ea"/>
+                <a:cs typeface="+mn-cs"/>
+              </a:defRPr>
+            </a:lvl2pPr>
+            <a:lvl3pPr marL="1200150" indent="-285750" algn="l" defTabSz="457200" rtl="0" eaLnBrk="1" latinLnBrk="0" hangingPunct="1">
+              <a:spcBef>
+                <a:spcPct val="20000"/>
+              </a:spcBef>
+              <a:spcAft>
+                <a:spcPts val="600"/>
+              </a:spcAft>
+              <a:buClr>
+                <a:schemeClr val="accent1">
+                  <a:lumMod val="75000"/>
+                </a:schemeClr>
+              </a:buClr>
+              <a:buSzPct val="145000"/>
+              <a:buFont typeface="Arial"/>
+              <a:buChar char="•"/>
+              <a:defRPr sz="1800" kern="1200" cap="none">
+                <a:solidFill>
+                  <a:schemeClr val="tx1"/>
+                </a:solidFill>
+                <a:effectLst/>
+                <a:latin typeface="+mn-lt"/>
+                <a:ea typeface="+mn-ea"/>
+                <a:cs typeface="+mn-cs"/>
+              </a:defRPr>
+            </a:lvl3pPr>
+            <a:lvl4pPr marL="1543050" indent="-171450" algn="l" defTabSz="457200" rtl="0" eaLnBrk="1" latinLnBrk="0" hangingPunct="1">
+              <a:spcBef>
+                <a:spcPct val="20000"/>
+              </a:spcBef>
+              <a:spcAft>
+                <a:spcPts val="600"/>
+              </a:spcAft>
+              <a:buClr>
+                <a:schemeClr val="accent1">
+                  <a:lumMod val="75000"/>
+                </a:schemeClr>
+              </a:buClr>
+              <a:buSzPct val="145000"/>
+              <a:buFont typeface="Arial"/>
+              <a:buChar char="•"/>
+              <a:defRPr sz="1600" kern="1200" cap="none">
+                <a:solidFill>
+                  <a:schemeClr val="tx1"/>
+                </a:solidFill>
+                <a:effectLst/>
+                <a:latin typeface="+mn-lt"/>
+                <a:ea typeface="+mn-ea"/>
+                <a:cs typeface="+mn-cs"/>
+              </a:defRPr>
+            </a:lvl4pPr>
+            <a:lvl5pPr marL="2000250" indent="-171450" algn="l" defTabSz="457200" rtl="0" eaLnBrk="1" latinLnBrk="0" hangingPunct="1">
+              <a:spcBef>
+                <a:spcPct val="20000"/>
+              </a:spcBef>
+              <a:spcAft>
+                <a:spcPts val="600"/>
+              </a:spcAft>
+              <a:buClr>
+                <a:schemeClr val="accent1">
+                  <a:lumMod val="75000"/>
+                </a:schemeClr>
+              </a:buClr>
+              <a:buSzPct val="145000"/>
+              <a:buFont typeface="Arial"/>
+              <a:buChar char="•"/>
+              <a:defRPr sz="1400" kern="1200" cap="none">
+                <a:solidFill>
+                  <a:schemeClr val="tx1"/>
+                </a:solidFill>
+                <a:effectLst/>
+                <a:latin typeface="+mn-lt"/>
+                <a:ea typeface="+mn-ea"/>
+                <a:cs typeface="+mn-cs"/>
+              </a:defRPr>
+            </a:lvl5pPr>
+            <a:lvl6pPr marL="2514600" indent="-228600" algn="l" defTabSz="457200" rtl="0" eaLnBrk="1" latinLnBrk="0" hangingPunct="1">
+              <a:spcBef>
+                <a:spcPct val="20000"/>
+              </a:spcBef>
+              <a:spcAft>
+                <a:spcPts val="600"/>
+              </a:spcAft>
+              <a:buClr>
+                <a:schemeClr val="accent1">
+                  <a:lumMod val="75000"/>
+                </a:schemeClr>
+              </a:buClr>
+              <a:buSzPct val="145000"/>
+              <a:buFont typeface="Arial"/>
+              <a:buChar char="•"/>
+              <a:defRPr sz="1400" kern="1200" cap="none">
+                <a:solidFill>
+                  <a:schemeClr val="tx1"/>
+                </a:solidFill>
+                <a:effectLst/>
+                <a:latin typeface="+mn-lt"/>
+                <a:ea typeface="+mn-ea"/>
+                <a:cs typeface="+mn-cs"/>
+              </a:defRPr>
+            </a:lvl6pPr>
+            <a:lvl7pPr marL="2971800" indent="-228600" algn="l" defTabSz="457200" rtl="0" eaLnBrk="1" latinLnBrk="0" hangingPunct="1">
+              <a:spcBef>
+                <a:spcPct val="20000"/>
+              </a:spcBef>
+              <a:spcAft>
+                <a:spcPts val="600"/>
+              </a:spcAft>
+              <a:buClr>
+                <a:schemeClr val="accent1">
+                  <a:lumMod val="75000"/>
+                </a:schemeClr>
+              </a:buClr>
+              <a:buSzPct val="145000"/>
+              <a:buFont typeface="Arial"/>
+              <a:buChar char="•"/>
+              <a:defRPr sz="1400" kern="1200" cap="none">
+                <a:solidFill>
+                  <a:schemeClr val="tx1"/>
+                </a:solidFill>
+                <a:effectLst/>
+                <a:latin typeface="+mn-lt"/>
+                <a:ea typeface="+mn-ea"/>
+                <a:cs typeface="+mn-cs"/>
+              </a:defRPr>
+            </a:lvl7pPr>
+            <a:lvl8pPr marL="3429000" indent="-228600" algn="l" defTabSz="457200" rtl="0" eaLnBrk="1" latinLnBrk="0" hangingPunct="1">
+              <a:spcBef>
+                <a:spcPct val="20000"/>
+              </a:spcBef>
+              <a:spcAft>
+                <a:spcPts val="600"/>
+              </a:spcAft>
+              <a:buClr>
+                <a:schemeClr val="accent1">
+                  <a:lumMod val="75000"/>
+                </a:schemeClr>
+              </a:buClr>
+              <a:buSzPct val="145000"/>
+              <a:buFont typeface="Arial"/>
+              <a:buChar char="•"/>
+              <a:defRPr sz="1400" kern="1200" cap="none">
+                <a:solidFill>
+                  <a:schemeClr val="tx1"/>
+                </a:solidFill>
+                <a:effectLst/>
+                <a:latin typeface="+mn-lt"/>
+                <a:ea typeface="+mn-ea"/>
+                <a:cs typeface="+mn-cs"/>
+              </a:defRPr>
+            </a:lvl8pPr>
+            <a:lvl9pPr marL="3886200" indent="-228600" algn="l" defTabSz="457200" rtl="0" eaLnBrk="1" latinLnBrk="0" hangingPunct="1">
+              <a:spcBef>
+                <a:spcPct val="20000"/>
+              </a:spcBef>
+              <a:spcAft>
+                <a:spcPts val="600"/>
+              </a:spcAft>
+              <a:buClr>
+                <a:schemeClr val="accent1">
+                  <a:lumMod val="75000"/>
+                </a:schemeClr>
+              </a:buClr>
+              <a:buSzPct val="145000"/>
+              <a:buFont typeface="Arial"/>
+              <a:buChar char="•"/>
+              <a:defRPr sz="1400" kern="1200" cap="none">
+                <a:solidFill>
+                  <a:schemeClr val="tx1"/>
+                </a:solidFill>
+                <a:effectLst/>
+                <a:latin typeface="+mn-lt"/>
+                <a:ea typeface="+mn-ea"/>
+                <a:cs typeface="+mn-cs"/>
+              </a:defRPr>
+            </a:lvl9pPr>
+          </a:lstStyle>
+          <a:p>
+            <a:pPr marL="0" indent="0">
+              <a:buFont typeface="Arial"/>
+              <a:buNone/>
+            </a:pPr>
+            <a:r>
+              <a:rPr lang="cs-CZ" sz="1600" dirty="0" smtClean="0"/>
+              <a:t>Pin 27</a:t>
+            </a:r>
+            <a:endParaRPr lang="cs-CZ" sz="1600" dirty="0"/>
+          </a:p>
+        </p:txBody>
+      </p:sp>
+      <p:sp>
+        <p:nvSpPr>
+          <p:cNvPr id="5" name="Obdélník 4"/>
           <p:cNvSpPr/>
           <p:nvPr/>
         </p:nvSpPr>
         <p:spPr>
           <a:xfrm>
-            <a:off x="4091528" y="1485899"/>
-            <a:ext cx="1035303" cy="364331"/>
+            <a:off x="6137598" y="1246287"/>
+            <a:ext cx="712135" cy="363084"/>
           </a:xfrm>
           <a:prstGeom prst="rect">
             <a:avLst/>
@@ -14343,10 +14243,148 @@
           </a:p>
         </p:txBody>
       </p:sp>
+      <p:sp>
+        <p:nvSpPr>
+          <p:cNvPr id="10" name="Obdélník 9"/>
+          <p:cNvSpPr/>
+          <p:nvPr/>
+        </p:nvSpPr>
+        <p:spPr>
+          <a:xfrm>
+            <a:off x="7875682" y="6000549"/>
+            <a:ext cx="712135" cy="462306"/>
+          </a:xfrm>
+          <a:prstGeom prst="rect">
+            <a:avLst/>
+          </a:prstGeom>
+          <a:noFill/>
+          <a:ln w="38100">
+            <a:solidFill>
+              <a:srgbClr val="FF0000"/>
+            </a:solidFill>
+          </a:ln>
+        </p:spPr>
+        <p:style>
+          <a:lnRef idx="2">
+            <a:schemeClr val="accent1">
+              <a:shade val="50000"/>
+            </a:schemeClr>
+          </a:lnRef>
+          <a:fillRef idx="1">
+            <a:schemeClr val="accent1"/>
+          </a:fillRef>
+          <a:effectRef idx="0">
+            <a:schemeClr val="accent1"/>
+          </a:effectRef>
+          <a:fontRef idx="minor">
+            <a:schemeClr val="lt1"/>
+          </a:fontRef>
+        </p:style>
+        <p:txBody>
+          <a:bodyPr rtlCol="0" anchor="ctr"/>
+          <a:lstStyle/>
+          <a:p>
+            <a:pPr algn="ctr"/>
+            <a:endParaRPr lang="cs-CZ"/>
+          </a:p>
+        </p:txBody>
+      </p:sp>
+      <p:sp>
+        <p:nvSpPr>
+          <p:cNvPr id="11" name="Obdélník 10"/>
+          <p:cNvSpPr/>
+          <p:nvPr/>
+        </p:nvSpPr>
+        <p:spPr>
+          <a:xfrm>
+            <a:off x="5425462" y="1246287"/>
+            <a:ext cx="712135" cy="363084"/>
+          </a:xfrm>
+          <a:prstGeom prst="rect">
+            <a:avLst/>
+          </a:prstGeom>
+          <a:noFill/>
+          <a:ln w="38100">
+            <a:solidFill>
+              <a:srgbClr val="FF0000"/>
+            </a:solidFill>
+          </a:ln>
+        </p:spPr>
+        <p:style>
+          <a:lnRef idx="2">
+            <a:schemeClr val="accent1">
+              <a:shade val="50000"/>
+            </a:schemeClr>
+          </a:lnRef>
+          <a:fillRef idx="1">
+            <a:schemeClr val="accent1"/>
+          </a:fillRef>
+          <a:effectRef idx="0">
+            <a:schemeClr val="accent1"/>
+          </a:effectRef>
+          <a:fontRef idx="minor">
+            <a:schemeClr val="lt1"/>
+          </a:fontRef>
+        </p:style>
+        <p:txBody>
+          <a:bodyPr rtlCol="0" anchor="ctr"/>
+          <a:lstStyle/>
+          <a:p>
+            <a:pPr algn="ctr"/>
+            <a:endParaRPr lang="cs-CZ"/>
+          </a:p>
+        </p:txBody>
+      </p:sp>
+      <p:sp>
+        <p:nvSpPr>
+          <p:cNvPr id="12" name="Obdélník 11"/>
+          <p:cNvSpPr/>
+          <p:nvPr/>
+        </p:nvSpPr>
+        <p:spPr>
+          <a:xfrm>
+            <a:off x="4704593" y="1246287"/>
+            <a:ext cx="712135" cy="363084"/>
+          </a:xfrm>
+          <a:prstGeom prst="rect">
+            <a:avLst/>
+          </a:prstGeom>
+          <a:noFill/>
+          <a:ln w="38100">
+            <a:solidFill>
+              <a:srgbClr val="FF0000"/>
+            </a:solidFill>
+          </a:ln>
+        </p:spPr>
+        <p:style>
+          <a:lnRef idx="2">
+            <a:schemeClr val="accent1">
+              <a:shade val="50000"/>
+            </a:schemeClr>
+          </a:lnRef>
+          <a:fillRef idx="1">
+            <a:schemeClr val="accent1"/>
+          </a:fillRef>
+          <a:effectRef idx="0">
+            <a:schemeClr val="accent1"/>
+          </a:effectRef>
+          <a:fontRef idx="minor">
+            <a:schemeClr val="lt1"/>
+          </a:fontRef>
+        </p:style>
+        <p:txBody>
+          <a:bodyPr rtlCol="0" anchor="ctr"/>
+          <a:lstStyle/>
+          <a:p>
+            <a:pPr algn="ctr"/>
+            <a:endParaRPr lang="cs-CZ"/>
+          </a:p>
+        </p:txBody>
+      </p:sp>
     </p:spTree>
     <p:extLst>
       <p:ext uri="{BB962C8B-B14F-4D97-AF65-F5344CB8AC3E}">
-        <p14:creationId xmlns:p14="http://schemas.microsoft.com/office/powerpoint/2010/main" val="2944603715"/>
+        <p14:creationId xmlns:p14="http://schemas.microsoft.com/office/powerpoint/2010/main" val="1620030877"/>
       </p:ext>
     </p:extLst>
   </p:cSld>
@@ -14424,7 +14462,7 @@
         </p:spPr>
         <p:txBody>
           <a:bodyPr vert="horz" lIns="91440" tIns="45720" rIns="91440" bIns="45720" rtlCol="0" anchor="ctr">
-            <a:normAutofit/>
+            <a:normAutofit fontScale="62500" lnSpcReduction="20000"/>
           </a:bodyPr>
           <a:lstStyle>
             <a:lvl1pPr algn="ctr" defTabSz="457200" rtl="0" eaLnBrk="1" latinLnBrk="0" hangingPunct="1">
@@ -14505,15 +14543,11 @@
           <a:p>
             <a:r>
               <a:rPr lang="cs-CZ" dirty="0"/>
-              <a:t>Nastavení </a:t>
-            </a:r>
-            <a:r>
-              <a:rPr lang="cs-CZ" dirty="0" err="1"/>
-              <a:t>Blynk</a:t>
-            </a:r>
-            <a:r>
-              <a:rPr lang="cs-CZ" dirty="0"/>
-              <a:t> aplikace </a:t>
+              <a:t>Nastavení Blynk </a:t>
+            </a:r>
+            <a:r>
+              <a:rPr lang="cs-CZ" dirty="0" smtClean="0"/>
+              <a:t>aplikace pro Blynk server ve FL </a:t>
             </a:r>
             <a:endParaRPr lang="cs-CZ" dirty="0"/>
           </a:p>
@@ -14546,7 +14580,6 @@
               <a:rPr lang="cs-CZ" dirty="0" smtClean="0"/>
               <a:t>mtm.fablabbrno.cz</a:t>
             </a:r>
-            <a:endParaRPr lang="cs-CZ" dirty="0" smtClean="0"/>
           </a:p>
           <a:p>
             <a:pPr lvl="1"/>

--- a/Workshop 4/Arduino_Workshop_FabLab_4.pptx
+++ b/Workshop 4/Arduino_Workshop_FabLab_4.pptx
@@ -5,7 +5,7 @@
     <p:sldMasterId id="2147483648" r:id="rId1"/>
   </p:sldMasterIdLst>
   <p:notesMasterIdLst>
-    <p:notesMasterId r:id="rId25"/>
+    <p:notesMasterId r:id="rId28"/>
   </p:notesMasterIdLst>
   <p:sldIdLst>
     <p:sldId id="256" r:id="rId2"/>
@@ -24,13 +24,16 @@
     <p:sldId id="304" r:id="rId15"/>
     <p:sldId id="305" r:id="rId16"/>
     <p:sldId id="306" r:id="rId17"/>
-    <p:sldId id="307" r:id="rId18"/>
-    <p:sldId id="308" r:id="rId19"/>
-    <p:sldId id="309" r:id="rId20"/>
-    <p:sldId id="311" r:id="rId21"/>
-    <p:sldId id="310" r:id="rId22"/>
-    <p:sldId id="312" r:id="rId23"/>
-    <p:sldId id="277" r:id="rId24"/>
+    <p:sldId id="314" r:id="rId18"/>
+    <p:sldId id="307" r:id="rId19"/>
+    <p:sldId id="308" r:id="rId20"/>
+    <p:sldId id="315" r:id="rId21"/>
+    <p:sldId id="316" r:id="rId22"/>
+    <p:sldId id="309" r:id="rId23"/>
+    <p:sldId id="311" r:id="rId24"/>
+    <p:sldId id="317" r:id="rId25"/>
+    <p:sldId id="310" r:id="rId26"/>
+    <p:sldId id="277" r:id="rId27"/>
   </p:sldIdLst>
   <p:sldSz cx="12192000" cy="6858000"/>
   <p:notesSz cx="6858000" cy="9144000"/>
@@ -219,7 +222,7 @@
           <a:p>
             <a:fld id="{5565C899-D94F-7D46-B594-C1ABC82DBD78}" type="datetimeFigureOut">
               <a:rPr lang="cs-CZ" smtClean="0"/>
-              <a:t>30.10.2019</a:t>
+              <a:t>13.10.2021</a:t>
             </a:fld>
             <a:endParaRPr lang="cs-CZ"/>
           </a:p>
@@ -783,100 +786,100 @@
           <a:lstStyle/>
           <a:p>
             <a:r>
-              <a:rPr lang="cs-CZ" dirty="0" smtClean="0"/>
+              <a:rPr lang="cs-CZ" dirty="0"/>
               <a:t>ESP8266 se objevil</a:t>
             </a:r>
             <a:r>
-              <a:rPr lang="cs-CZ" baseline="0" dirty="0" smtClean="0"/>
+              <a:rPr lang="cs-CZ" baseline="0" dirty="0"/>
               <a:t> v roce 2014 a původně byl určen jako převodník ze </a:t>
             </a:r>
             <a:r>
-              <a:rPr lang="cs-CZ" baseline="0" dirty="0" err="1" smtClean="0"/>
+              <a:rPr lang="cs-CZ" baseline="0" dirty="0" err="1"/>
               <a:t>seriové</a:t>
             </a:r>
             <a:r>
-              <a:rPr lang="cs-CZ" baseline="0" dirty="0" smtClean="0"/>
+              <a:rPr lang="cs-CZ" baseline="0" dirty="0"/>
               <a:t> linky na </a:t>
             </a:r>
             <a:r>
-              <a:rPr lang="cs-CZ" baseline="0" dirty="0" err="1" smtClean="0"/>
+              <a:rPr lang="cs-CZ" baseline="0" dirty="0" err="1"/>
               <a:t>wifi</a:t>
             </a:r>
             <a:r>
-              <a:rPr lang="cs-CZ" baseline="0" dirty="0" smtClean="0"/>
+              <a:rPr lang="cs-CZ" baseline="0" dirty="0"/>
               <a:t>, ale díky tomu že byl velmi levný si ho oblíbila komunita kutilů a on se velmi rychle stal jednou z nejpoužívanějších komponent když člověk potřeboval </a:t>
             </a:r>
             <a:r>
-              <a:rPr lang="cs-CZ" baseline="0" dirty="0" err="1" smtClean="0"/>
+              <a:rPr lang="cs-CZ" baseline="0" dirty="0" err="1"/>
               <a:t>WiFi</a:t>
             </a:r>
             <a:r>
-              <a:rPr lang="cs-CZ" baseline="0" dirty="0" smtClean="0"/>
+              <a:rPr lang="cs-CZ" baseline="0" dirty="0"/>
               <a:t> konektivitu. První modul vidíme vpravo nahoře, je to ESP01. Měl 8 pinů o rozteči 2 mm a nešel přímo zapojit do </a:t>
             </a:r>
             <a:r>
-              <a:rPr lang="cs-CZ" baseline="0" dirty="0" err="1" smtClean="0"/>
+              <a:rPr lang="cs-CZ" baseline="0" dirty="0" err="1"/>
               <a:t>breadboardu</a:t>
             </a:r>
             <a:r>
-              <a:rPr lang="cs-CZ" baseline="0" dirty="0" smtClean="0"/>
+              <a:rPr lang="cs-CZ" baseline="0" dirty="0"/>
               <a:t>, museli jste mít redukci. Deska na sobě neměla převodník ne sériovou linku. Ovladatelné byli jen 2 piny takže se s ním moc kutit nedalo, ale na ovládání </a:t>
             </a:r>
             <a:r>
-              <a:rPr lang="cs-CZ" baseline="0" dirty="0" err="1" smtClean="0"/>
+              <a:rPr lang="cs-CZ" baseline="0" dirty="0" err="1"/>
               <a:t>LEDky</a:t>
             </a:r>
             <a:r>
-              <a:rPr lang="cs-CZ" baseline="0" dirty="0" smtClean="0"/>
+              <a:rPr lang="cs-CZ" baseline="0" dirty="0"/>
               <a:t> nebo relé to stačilo a dodnes se prodávají moduly kterými lze ovládat například světlo nebo cokoli co potřebuje 220V. </a:t>
             </a:r>
           </a:p>
           <a:p>
-            <a:endParaRPr lang="cs-CZ" baseline="0" dirty="0" smtClean="0"/>
-          </a:p>
-          <a:p>
-            <a:r>
-              <a:rPr lang="cs-CZ" baseline="0" dirty="0" smtClean="0"/>
+            <a:endParaRPr lang="cs-CZ" baseline="0" dirty="0"/>
+          </a:p>
+          <a:p>
+            <a:r>
+              <a:rPr lang="cs-CZ" baseline="0" dirty="0"/>
               <a:t>Vpravo dole vidíme </a:t>
             </a:r>
             <a:r>
-              <a:rPr lang="cs-CZ" baseline="0" dirty="0" err="1" smtClean="0"/>
+              <a:rPr lang="cs-CZ" baseline="0" dirty="0" err="1"/>
               <a:t>NodeMCU</a:t>
             </a:r>
             <a:r>
-              <a:rPr lang="cs-CZ" baseline="0" dirty="0" smtClean="0"/>
+              <a:rPr lang="cs-CZ" baseline="0" dirty="0"/>
               <a:t>, což je již </a:t>
             </a:r>
             <a:r>
-              <a:rPr lang="cs-CZ" baseline="0" dirty="0" err="1" smtClean="0"/>
+              <a:rPr lang="cs-CZ" baseline="0" dirty="0" err="1"/>
               <a:t>breadboard</a:t>
             </a:r>
             <a:r>
-              <a:rPr lang="cs-CZ" baseline="0" dirty="0" smtClean="0"/>
+              <a:rPr lang="cs-CZ" baseline="0" dirty="0"/>
               <a:t> </a:t>
             </a:r>
             <a:r>
-              <a:rPr lang="cs-CZ" baseline="0" dirty="0" err="1" smtClean="0"/>
+              <a:rPr lang="cs-CZ" baseline="0" dirty="0" err="1"/>
               <a:t>friendly</a:t>
             </a:r>
             <a:r>
-              <a:rPr lang="cs-CZ" baseline="0" dirty="0" smtClean="0"/>
+              <a:rPr lang="cs-CZ" baseline="0" dirty="0"/>
               <a:t> deska která měla 13 ovladatelných pinů, SPI, I2C, I2S a 2 </a:t>
             </a:r>
             <a:r>
-              <a:rPr lang="cs-CZ" baseline="0" dirty="0" err="1" smtClean="0"/>
+              <a:rPr lang="cs-CZ" baseline="0" dirty="0" err="1"/>
               <a:t>UARTy</a:t>
             </a:r>
             <a:r>
-              <a:rPr lang="cs-CZ" baseline="0" dirty="0" smtClean="0"/>
+              <a:rPr lang="cs-CZ" baseline="0" dirty="0"/>
               <a:t>. Tato deska již měla na sobě </a:t>
             </a:r>
             <a:r>
-              <a:rPr lang="cs-CZ" baseline="0" dirty="0" err="1" smtClean="0"/>
+              <a:rPr lang="cs-CZ" baseline="0" dirty="0" err="1"/>
               <a:t>seriový</a:t>
             </a:r>
             <a:r>
-              <a:rPr lang="cs-CZ" baseline="0" dirty="0" smtClean="0"/>
+              <a:rPr lang="cs-CZ" baseline="0" dirty="0"/>
               <a:t> převodník, takže práce s ní byla mnohem příjemnější. </a:t>
             </a:r>
             <a:endParaRPr lang="cs-CZ" dirty="0"/>
@@ -964,63 +967,45 @@
           <a:lstStyle/>
           <a:p>
             <a:r>
-              <a:rPr lang="cs-CZ" dirty="0" smtClean="0"/>
+              <a:rPr lang="cs-CZ" dirty="0"/>
               <a:t>My dnes, a nejen</a:t>
             </a:r>
             <a:r>
-              <a:rPr lang="cs-CZ" baseline="0" dirty="0" smtClean="0"/>
+              <a:rPr lang="cs-CZ" baseline="0" dirty="0"/>
               <a:t> dnes, budeme pracovat s ESP32 což je nástupce ESP8266. Porovnání mezi těmito dvěma čipy vidíte před sebou. ESP32 běží v základu na 160MHz, ale může běžet i na 240 MHz. Oproti ESP8266 má o jedno jádro navíc, více pinů, větší </a:t>
             </a:r>
             <a:r>
-              <a:rPr lang="cs-CZ" baseline="0" dirty="0" err="1" smtClean="0"/>
+              <a:rPr lang="cs-CZ" baseline="0" dirty="0" err="1"/>
               <a:t>pamět</a:t>
             </a:r>
             <a:r>
-              <a:rPr lang="cs-CZ" baseline="0" dirty="0" smtClean="0"/>
+              <a:rPr lang="cs-CZ" baseline="0" dirty="0"/>
               <a:t> SRAM, CAN bus který se používá v automobilovém průmyslu, </a:t>
             </a:r>
             <a:r>
-              <a:rPr lang="cs-CZ" baseline="0" dirty="0" err="1" smtClean="0"/>
+              <a:rPr lang="cs-CZ" baseline="0" dirty="0" err="1"/>
               <a:t>Ethernet</a:t>
             </a:r>
             <a:r>
-              <a:rPr lang="cs-CZ" baseline="0" dirty="0" smtClean="0"/>
-              <a:t>, můžete k ní připojit dotykové senzory. Za samostatnou zmínku stojí podpora BT 4.2 s podporou BLE (</a:t>
-            </a:r>
-            <a:r>
-              <a:rPr lang="cs-CZ" baseline="0" dirty="0" err="1" smtClean="0"/>
-              <a:t>Bluetooth</a:t>
-            </a:r>
-            <a:r>
-              <a:rPr lang="cs-CZ" baseline="0" dirty="0" smtClean="0"/>
+              <a:rPr lang="cs-CZ" baseline="0" dirty="0"/>
+              <a:t>, můžete k ní připojit dotykové senzory. Za samostatnou zmínku stojí podpora BT 4.2 s podporou BLE (Bluetooth </a:t>
+            </a:r>
+            <a:r>
+              <a:rPr lang="cs-CZ" baseline="0" dirty="0" err="1"/>
+              <a:t>Low</a:t>
+            </a:r>
+            <a:r>
+              <a:rPr lang="cs-CZ" baseline="0" dirty="0"/>
               <a:t> </a:t>
             </a:r>
             <a:r>
-              <a:rPr lang="cs-CZ" baseline="0" dirty="0" err="1" smtClean="0"/>
-              <a:t>Low</a:t>
-            </a:r>
-            <a:r>
-              <a:rPr lang="cs-CZ" baseline="0" dirty="0" smtClean="0"/>
-              <a:t> </a:t>
-            </a:r>
-            <a:r>
-              <a:rPr lang="cs-CZ" baseline="0" dirty="0" err="1" smtClean="0"/>
+              <a:rPr lang="cs-CZ" baseline="0" dirty="0" err="1"/>
               <a:t>Energy</a:t>
             </a:r>
             <a:r>
-              <a:rPr lang="cs-CZ" baseline="0" dirty="0" smtClean="0"/>
+              <a:rPr lang="cs-CZ" baseline="0" dirty="0"/>
               <a:t>). </a:t>
             </a:r>
-          </a:p>
-          <a:p>
-            <a:endParaRPr lang="cs-CZ" baseline="0" dirty="0" smtClean="0"/>
-          </a:p>
-          <a:p>
-            <a:r>
-              <a:rPr lang="cs-CZ" baseline="0" dirty="0" smtClean="0"/>
-              <a:t>Tak a nyní se pustíme do praktické části. </a:t>
-            </a:r>
-            <a:endParaRPr lang="cs-CZ" dirty="0"/>
           </a:p>
         </p:txBody>
       </p:sp>
@@ -1104,7 +1089,7 @@
           <a:bodyPr/>
           <a:lstStyle/>
           <a:p>
-            <a:endParaRPr lang="cs-CZ"/>
+            <a:endParaRPr lang="cs-CZ" dirty="0"/>
           </a:p>
         </p:txBody>
       </p:sp>
@@ -1134,7 +1119,7 @@
     </p:spTree>
     <p:extLst>
       <p:ext uri="{BB962C8B-B14F-4D97-AF65-F5344CB8AC3E}">
-        <p14:creationId xmlns:p14="http://schemas.microsoft.com/office/powerpoint/2010/main" val="1141683396"/>
+        <p14:creationId xmlns:p14="http://schemas.microsoft.com/office/powerpoint/2010/main" val="3493733471"/>
       </p:ext>
     </p:extLst>
   </p:cSld>
@@ -1188,15 +1173,7 @@
           <a:bodyPr/>
           <a:lstStyle/>
           <a:p>
-            <a:r>
-              <a:rPr lang="cs-CZ" dirty="0" smtClean="0"/>
-              <a:t>Abychom zde ušetřili</a:t>
-            </a:r>
-            <a:r>
-              <a:rPr lang="cs-CZ" baseline="0" dirty="0" smtClean="0"/>
-              <a:t> čas, tak si prosím na svých noteboocích otevřete tuto adresu a postupujte podle návodu který napsal Luboš. Pokud by jste si s něčím nevěděli rady, tak se zeptejte a my Vám rádi pomůžeme. </a:t>
-            </a:r>
-            <a:endParaRPr lang="cs-CZ" dirty="0"/>
+            <a:endParaRPr lang="cs-CZ"/>
           </a:p>
         </p:txBody>
       </p:sp>
@@ -1226,7 +1203,7 @@
     </p:spTree>
     <p:extLst>
       <p:ext uri="{BB962C8B-B14F-4D97-AF65-F5344CB8AC3E}">
-        <p14:creationId xmlns:p14="http://schemas.microsoft.com/office/powerpoint/2010/main" val="3470068722"/>
+        <p14:creationId xmlns:p14="http://schemas.microsoft.com/office/powerpoint/2010/main" val="1141683396"/>
       </p:ext>
     </p:extLst>
   </p:cSld>
@@ -1280,7 +1257,15 @@
           <a:bodyPr/>
           <a:lstStyle/>
           <a:p>
-            <a:endParaRPr lang="cs-CZ"/>
+            <a:r>
+              <a:rPr lang="cs-CZ" dirty="0"/>
+              <a:t>Abychom zde ušetřili</a:t>
+            </a:r>
+            <a:r>
+              <a:rPr lang="cs-CZ" baseline="0" dirty="0"/>
+              <a:t> čas, tak si prosím na svých noteboocích otevřete tuto adresu a postupujte podle návodu který napsal Luboš. Pokud by jste si s něčím nevěděli rady, tak se zeptejte a my Vám rádi pomůžeme. </a:t>
+            </a:r>
+            <a:endParaRPr lang="cs-CZ" dirty="0"/>
           </a:p>
         </p:txBody>
       </p:sp>
@@ -1310,7 +1295,7 @@
     </p:spTree>
     <p:extLst>
       <p:ext uri="{BB962C8B-B14F-4D97-AF65-F5344CB8AC3E}">
-        <p14:creationId xmlns:p14="http://schemas.microsoft.com/office/powerpoint/2010/main" val="665420325"/>
+        <p14:creationId xmlns:p14="http://schemas.microsoft.com/office/powerpoint/2010/main" val="3470068722"/>
       </p:ext>
     </p:extLst>
   </p:cSld>
@@ -1365,12 +1350,12 @@
           <a:lstStyle/>
           <a:p>
             <a:r>
-              <a:rPr lang="cs-CZ" dirty="0" smtClean="0"/>
+              <a:rPr lang="cs-CZ" dirty="0"/>
               <a:t>Abychom zde ušetřili</a:t>
             </a:r>
             <a:r>
-              <a:rPr lang="cs-CZ" baseline="0" dirty="0" smtClean="0"/>
-              <a:t> čas, tak si prosím na svých noteboocích otevřete tuto adresu a postupujte podle návodu na této adrese. Pokud by jste si s něčím nevěděli rady, tak se zeptejte a my Vám rádi pomůžeme. </a:t>
+              <a:rPr lang="cs-CZ" baseline="0" dirty="0"/>
+              <a:t> čas, tak si prosím na svých noteboocích otevřete tuto adresu a postupujte podle návodu který napsal Luboš. Pokud by jste si s něčím nevěděli rady, tak se zeptejte a my Vám rádi pomůžeme. </a:t>
             </a:r>
             <a:endParaRPr lang="cs-CZ" dirty="0"/>
           </a:p>
@@ -1402,7 +1387,7 @@
     </p:spTree>
     <p:extLst>
       <p:ext uri="{BB962C8B-B14F-4D97-AF65-F5344CB8AC3E}">
-        <p14:creationId xmlns:p14="http://schemas.microsoft.com/office/powerpoint/2010/main" val="4212357299"/>
+        <p14:creationId xmlns:p14="http://schemas.microsoft.com/office/powerpoint/2010/main" val="379424911"/>
       </p:ext>
     </p:extLst>
   </p:cSld>
@@ -1456,6 +1441,14 @@
           <a:bodyPr/>
           <a:lstStyle/>
           <a:p>
+            <a:r>
+              <a:rPr lang="cs-CZ" dirty="0"/>
+              <a:t>Abychom zde ušetřili</a:t>
+            </a:r>
+            <a:r>
+              <a:rPr lang="cs-CZ" baseline="0" dirty="0"/>
+              <a:t> čas, tak si prosím na svých noteboocích otevřete tuto adresu a postupujte podle návodu který napsal Luboš. Pokud by jste si s něčím nevěděli rady, tak se zeptejte a my Vám rádi pomůžeme. </a:t>
+            </a:r>
             <a:endParaRPr lang="cs-CZ" dirty="0"/>
           </a:p>
         </p:txBody>
@@ -1486,7 +1479,7 @@
     </p:spTree>
     <p:extLst>
       <p:ext uri="{BB962C8B-B14F-4D97-AF65-F5344CB8AC3E}">
-        <p14:creationId xmlns:p14="http://schemas.microsoft.com/office/powerpoint/2010/main" val="3069118016"/>
+        <p14:creationId xmlns:p14="http://schemas.microsoft.com/office/powerpoint/2010/main" val="2151785781"/>
       </p:ext>
     </p:extLst>
   </p:cSld>
@@ -1540,7 +1533,7 @@
           <a:bodyPr/>
           <a:lstStyle/>
           <a:p>
-            <a:endParaRPr lang="cs-CZ" dirty="0"/>
+            <a:endParaRPr lang="cs-CZ"/>
           </a:p>
         </p:txBody>
       </p:sp>
@@ -1570,7 +1563,7 @@
     </p:spTree>
     <p:extLst>
       <p:ext uri="{BB962C8B-B14F-4D97-AF65-F5344CB8AC3E}">
-        <p14:creationId xmlns:p14="http://schemas.microsoft.com/office/powerpoint/2010/main" val="4262542332"/>
+        <p14:creationId xmlns:p14="http://schemas.microsoft.com/office/powerpoint/2010/main" val="665420325"/>
       </p:ext>
     </p:extLst>
   </p:cSld>
@@ -1655,6 +1648,266 @@
     <p:extLst>
       <p:ext uri="{BB962C8B-B14F-4D97-AF65-F5344CB8AC3E}">
         <p14:creationId xmlns:p14="http://schemas.microsoft.com/office/powerpoint/2010/main" val="146382592"/>
+      </p:ext>
+    </p:extLst>
+  </p:cSld>
+  <p:clrMapOvr>
+    <a:masterClrMapping/>
+  </p:clrMapOvr>
+</p:notes>
+</file>
+
+<file path=ppt/notesSlides/notesSlide20.xml><?xml version="1.0" encoding="utf-8"?>
+<p:notes xmlns:a="http://schemas.openxmlformats.org/drawingml/2006/main" xmlns:r="http://schemas.openxmlformats.org/officeDocument/2006/relationships" xmlns:p="http://schemas.openxmlformats.org/presentationml/2006/main">
+  <p:cSld>
+    <p:spTree>
+      <p:nvGrpSpPr>
+        <p:cNvPr id="1" name=""/>
+        <p:cNvGrpSpPr/>
+        <p:nvPr/>
+      </p:nvGrpSpPr>
+      <p:grpSpPr>
+        <a:xfrm>
+          <a:off x="0" y="0"/>
+          <a:ext cx="0" cy="0"/>
+          <a:chOff x="0" y="0"/>
+          <a:chExt cx="0" cy="0"/>
+        </a:xfrm>
+      </p:grpSpPr>
+      <p:sp>
+        <p:nvSpPr>
+          <p:cNvPr id="2" name="Zástupný symbol pro obrázek snímku 1"/>
+          <p:cNvSpPr>
+            <a:spLocks noGrp="1" noRot="1" noChangeAspect="1"/>
+          </p:cNvSpPr>
+          <p:nvPr>
+            <p:ph type="sldImg"/>
+          </p:nvPr>
+        </p:nvSpPr>
+        <p:spPr/>
+      </p:sp>
+      <p:sp>
+        <p:nvSpPr>
+          <p:cNvPr id="3" name="Zástupný symbol pro poznámky 2"/>
+          <p:cNvSpPr>
+            <a:spLocks noGrp="1"/>
+          </p:cNvSpPr>
+          <p:nvPr>
+            <p:ph type="body" idx="1"/>
+          </p:nvPr>
+        </p:nvSpPr>
+        <p:spPr/>
+        <p:txBody>
+          <a:bodyPr/>
+          <a:lstStyle/>
+          <a:p>
+            <a:r>
+              <a:rPr lang="cs-CZ" dirty="0"/>
+              <a:t>Abychom zde ušetřili</a:t>
+            </a:r>
+            <a:r>
+              <a:rPr lang="cs-CZ" baseline="0" dirty="0"/>
+              <a:t> čas, tak si prosím na svých noteboocích otevřete tuto adresu a postupujte podle návodu na této adrese. Pokud by jste si s něčím nevěděli rady, tak se zeptejte a my Vám rádi pomůžeme. </a:t>
+            </a:r>
+            <a:endParaRPr lang="cs-CZ" dirty="0"/>
+          </a:p>
+        </p:txBody>
+      </p:sp>
+      <p:sp>
+        <p:nvSpPr>
+          <p:cNvPr id="4" name="Zástupný symbol pro číslo snímku 3"/>
+          <p:cNvSpPr>
+            <a:spLocks noGrp="1"/>
+          </p:cNvSpPr>
+          <p:nvPr>
+            <p:ph type="sldNum" sz="quarter" idx="10"/>
+          </p:nvPr>
+        </p:nvSpPr>
+        <p:spPr/>
+        <p:txBody>
+          <a:bodyPr/>
+          <a:lstStyle/>
+          <a:p>
+            <a:fld id="{C10D2078-D351-AC4A-9EE3-FD823847889C}" type="slidenum">
+              <a:rPr lang="cs-CZ" smtClean="0"/>
+              <a:t>23</a:t>
+            </a:fld>
+            <a:endParaRPr lang="cs-CZ"/>
+          </a:p>
+        </p:txBody>
+      </p:sp>
+    </p:spTree>
+    <p:extLst>
+      <p:ext uri="{BB962C8B-B14F-4D97-AF65-F5344CB8AC3E}">
+        <p14:creationId xmlns:p14="http://schemas.microsoft.com/office/powerpoint/2010/main" val="4212357299"/>
+      </p:ext>
+    </p:extLst>
+  </p:cSld>
+  <p:clrMapOvr>
+    <a:masterClrMapping/>
+  </p:clrMapOvr>
+</p:notes>
+</file>
+
+<file path=ppt/notesSlides/notesSlide21.xml><?xml version="1.0" encoding="utf-8"?>
+<p:notes xmlns:a="http://schemas.openxmlformats.org/drawingml/2006/main" xmlns:r="http://schemas.openxmlformats.org/officeDocument/2006/relationships" xmlns:p="http://schemas.openxmlformats.org/presentationml/2006/main">
+  <p:cSld>
+    <p:spTree>
+      <p:nvGrpSpPr>
+        <p:cNvPr id="1" name=""/>
+        <p:cNvGrpSpPr/>
+        <p:nvPr/>
+      </p:nvGrpSpPr>
+      <p:grpSpPr>
+        <a:xfrm>
+          <a:off x="0" y="0"/>
+          <a:ext cx="0" cy="0"/>
+          <a:chOff x="0" y="0"/>
+          <a:chExt cx="0" cy="0"/>
+        </a:xfrm>
+      </p:grpSpPr>
+      <p:sp>
+        <p:nvSpPr>
+          <p:cNvPr id="2" name="Zástupný symbol pro obrázek snímku 1"/>
+          <p:cNvSpPr>
+            <a:spLocks noGrp="1" noRot="1" noChangeAspect="1"/>
+          </p:cNvSpPr>
+          <p:nvPr>
+            <p:ph type="sldImg"/>
+          </p:nvPr>
+        </p:nvSpPr>
+        <p:spPr/>
+      </p:sp>
+      <p:sp>
+        <p:nvSpPr>
+          <p:cNvPr id="3" name="Zástupný symbol pro poznámky 2"/>
+          <p:cNvSpPr>
+            <a:spLocks noGrp="1"/>
+          </p:cNvSpPr>
+          <p:nvPr>
+            <p:ph type="body" idx="1"/>
+          </p:nvPr>
+        </p:nvSpPr>
+        <p:spPr/>
+        <p:txBody>
+          <a:bodyPr/>
+          <a:lstStyle/>
+          <a:p>
+            <a:endParaRPr lang="cs-CZ"/>
+          </a:p>
+        </p:txBody>
+      </p:sp>
+      <p:sp>
+        <p:nvSpPr>
+          <p:cNvPr id="4" name="Zástupný symbol pro číslo snímku 3"/>
+          <p:cNvSpPr>
+            <a:spLocks noGrp="1"/>
+          </p:cNvSpPr>
+          <p:nvPr>
+            <p:ph type="sldNum" sz="quarter" idx="10"/>
+          </p:nvPr>
+        </p:nvSpPr>
+        <p:spPr/>
+        <p:txBody>
+          <a:bodyPr/>
+          <a:lstStyle/>
+          <a:p>
+            <a:fld id="{C10D2078-D351-AC4A-9EE3-FD823847889C}" type="slidenum">
+              <a:rPr lang="cs-CZ" smtClean="0"/>
+              <a:t>24</a:t>
+            </a:fld>
+            <a:endParaRPr lang="cs-CZ"/>
+          </a:p>
+        </p:txBody>
+      </p:sp>
+    </p:spTree>
+    <p:extLst>
+      <p:ext uri="{BB962C8B-B14F-4D97-AF65-F5344CB8AC3E}">
+        <p14:creationId xmlns:p14="http://schemas.microsoft.com/office/powerpoint/2010/main" val="1256792337"/>
+      </p:ext>
+    </p:extLst>
+  </p:cSld>
+  <p:clrMapOvr>
+    <a:masterClrMapping/>
+  </p:clrMapOvr>
+</p:notes>
+</file>
+
+<file path=ppt/notesSlides/notesSlide22.xml><?xml version="1.0" encoding="utf-8"?>
+<p:notes xmlns:a="http://schemas.openxmlformats.org/drawingml/2006/main" xmlns:r="http://schemas.openxmlformats.org/officeDocument/2006/relationships" xmlns:p="http://schemas.openxmlformats.org/presentationml/2006/main">
+  <p:cSld>
+    <p:spTree>
+      <p:nvGrpSpPr>
+        <p:cNvPr id="1" name=""/>
+        <p:cNvGrpSpPr/>
+        <p:nvPr/>
+      </p:nvGrpSpPr>
+      <p:grpSpPr>
+        <a:xfrm>
+          <a:off x="0" y="0"/>
+          <a:ext cx="0" cy="0"/>
+          <a:chOff x="0" y="0"/>
+          <a:chExt cx="0" cy="0"/>
+        </a:xfrm>
+      </p:grpSpPr>
+      <p:sp>
+        <p:nvSpPr>
+          <p:cNvPr id="2" name="Zástupný symbol pro obrázek snímku 1"/>
+          <p:cNvSpPr>
+            <a:spLocks noGrp="1" noRot="1" noChangeAspect="1"/>
+          </p:cNvSpPr>
+          <p:nvPr>
+            <p:ph type="sldImg"/>
+          </p:nvPr>
+        </p:nvSpPr>
+        <p:spPr/>
+      </p:sp>
+      <p:sp>
+        <p:nvSpPr>
+          <p:cNvPr id="3" name="Zástupný symbol pro poznámky 2"/>
+          <p:cNvSpPr>
+            <a:spLocks noGrp="1"/>
+          </p:cNvSpPr>
+          <p:nvPr>
+            <p:ph type="body" idx="1"/>
+          </p:nvPr>
+        </p:nvSpPr>
+        <p:spPr/>
+        <p:txBody>
+          <a:bodyPr/>
+          <a:lstStyle/>
+          <a:p>
+            <a:endParaRPr lang="cs-CZ" dirty="0"/>
+          </a:p>
+        </p:txBody>
+      </p:sp>
+      <p:sp>
+        <p:nvSpPr>
+          <p:cNvPr id="4" name="Zástupný symbol pro číslo snímku 3"/>
+          <p:cNvSpPr>
+            <a:spLocks noGrp="1"/>
+          </p:cNvSpPr>
+          <p:nvPr>
+            <p:ph type="sldNum" sz="quarter" idx="10"/>
+          </p:nvPr>
+        </p:nvSpPr>
+        <p:spPr/>
+        <p:txBody>
+          <a:bodyPr/>
+          <a:lstStyle/>
+          <a:p>
+            <a:fld id="{C10D2078-D351-AC4A-9EE3-FD823847889C}" type="slidenum">
+              <a:rPr lang="cs-CZ" smtClean="0"/>
+              <a:t>25</a:t>
+            </a:fld>
+            <a:endParaRPr lang="cs-CZ"/>
+          </a:p>
+        </p:txBody>
+      </p:sp>
+    </p:spTree>
+    <p:extLst>
+      <p:ext uri="{BB962C8B-B14F-4D97-AF65-F5344CB8AC3E}">
+        <p14:creationId xmlns:p14="http://schemas.microsoft.com/office/powerpoint/2010/main" val="3069118016"/>
       </p:ext>
     </p:extLst>
   </p:cSld>
@@ -1793,181 +2046,181 @@
           <a:lstStyle/>
           <a:p>
             <a:r>
-              <a:rPr lang="cs-CZ" dirty="0" err="1" smtClean="0"/>
+              <a:rPr lang="cs-CZ" dirty="0" err="1"/>
               <a:t>Blynk</a:t>
             </a:r>
             <a:r>
-              <a:rPr lang="cs-CZ" dirty="0" smtClean="0"/>
+              <a:rPr lang="cs-CZ" dirty="0"/>
               <a:t> je platforma</a:t>
             </a:r>
             <a:r>
-              <a:rPr lang="cs-CZ" baseline="0" dirty="0" smtClean="0"/>
+              <a:rPr lang="cs-CZ" baseline="0" dirty="0"/>
               <a:t> s mobilní aplikací pro </a:t>
             </a:r>
             <a:r>
-              <a:rPr lang="cs-CZ" baseline="0" dirty="0" err="1" smtClean="0"/>
+              <a:rPr lang="cs-CZ" baseline="0" dirty="0" err="1"/>
               <a:t>iOS</a:t>
             </a:r>
             <a:r>
-              <a:rPr lang="cs-CZ" baseline="0" dirty="0" smtClean="0"/>
+              <a:rPr lang="cs-CZ" baseline="0" dirty="0"/>
               <a:t> a Android, kterou můžete ovládat </a:t>
             </a:r>
             <a:r>
-              <a:rPr lang="cs-CZ" baseline="0" dirty="0" err="1" smtClean="0"/>
+              <a:rPr lang="cs-CZ" baseline="0" dirty="0" err="1"/>
               <a:t>Arduino</a:t>
             </a:r>
             <a:r>
-              <a:rPr lang="cs-CZ" baseline="0" dirty="0" smtClean="0"/>
+              <a:rPr lang="cs-CZ" baseline="0" dirty="0"/>
               <a:t>, </a:t>
             </a:r>
             <a:r>
-              <a:rPr lang="cs-CZ" baseline="0" dirty="0" err="1" smtClean="0"/>
+              <a:rPr lang="cs-CZ" baseline="0" dirty="0" err="1"/>
               <a:t>Raspberry</a:t>
             </a:r>
             <a:r>
-              <a:rPr lang="cs-CZ" baseline="0" dirty="0" smtClean="0"/>
+              <a:rPr lang="cs-CZ" baseline="0" dirty="0"/>
               <a:t> </a:t>
             </a:r>
             <a:r>
-              <a:rPr lang="cs-CZ" baseline="0" dirty="0" err="1" smtClean="0"/>
+              <a:rPr lang="cs-CZ" baseline="0" dirty="0" err="1"/>
               <a:t>Pi</a:t>
             </a:r>
             <a:r>
-              <a:rPr lang="cs-CZ" baseline="0" dirty="0" smtClean="0"/>
+              <a:rPr lang="cs-CZ" baseline="0" dirty="0"/>
               <a:t> a jim podobné desky v lokální síti nebo přes internet. </a:t>
             </a:r>
           </a:p>
           <a:p>
-            <a:endParaRPr lang="cs-CZ" baseline="0" dirty="0" smtClean="0"/>
-          </a:p>
-          <a:p>
-            <a:r>
-              <a:rPr lang="cs-CZ" baseline="0" dirty="0" smtClean="0"/>
+            <a:endParaRPr lang="cs-CZ" baseline="0" dirty="0"/>
+          </a:p>
+          <a:p>
+            <a:r>
+              <a:rPr lang="cs-CZ" baseline="0" dirty="0"/>
               <a:t>V aplikaci je digitální </a:t>
             </a:r>
             <a:r>
-              <a:rPr lang="cs-CZ" baseline="0" dirty="0" err="1" smtClean="0"/>
+              <a:rPr lang="cs-CZ" baseline="0" dirty="0" err="1"/>
               <a:t>dashboard</a:t>
             </a:r>
             <a:r>
-              <a:rPr lang="cs-CZ" baseline="0" dirty="0" smtClean="0"/>
+              <a:rPr lang="cs-CZ" baseline="0" dirty="0"/>
               <a:t>. kde si vytvoříte grafické rozhraní pro Váš projekt jednoduchým přetahováním </a:t>
             </a:r>
             <a:r>
-              <a:rPr lang="cs-CZ" baseline="0" dirty="0" err="1" smtClean="0"/>
+              <a:rPr lang="cs-CZ" baseline="0" dirty="0" err="1"/>
               <a:t>widgetů</a:t>
             </a:r>
             <a:r>
-              <a:rPr lang="cs-CZ" baseline="0" dirty="0" smtClean="0"/>
+              <a:rPr lang="cs-CZ" baseline="0" dirty="0"/>
               <a:t>, což jsou konfigurovatelní zástupci fyzických objektů. </a:t>
             </a:r>
           </a:p>
           <a:p>
-            <a:endParaRPr lang="cs-CZ" baseline="0" dirty="0" smtClean="0"/>
-          </a:p>
-          <a:p>
-            <a:r>
-              <a:rPr lang="cs-CZ" baseline="0" dirty="0" err="1" smtClean="0"/>
+            <a:endParaRPr lang="cs-CZ" baseline="0" dirty="0"/>
+          </a:p>
+          <a:p>
+            <a:r>
+              <a:rPr lang="cs-CZ" baseline="0" dirty="0" err="1"/>
               <a:t>Blynk</a:t>
             </a:r>
             <a:r>
-              <a:rPr lang="cs-CZ" baseline="0" dirty="0" smtClean="0"/>
+              <a:rPr lang="cs-CZ" baseline="0" dirty="0"/>
               <a:t> jako platforma není svázána jen s jednou deskou, ale snaží se být univerzální v </a:t>
             </a:r>
             <a:r>
-              <a:rPr lang="cs-CZ" baseline="0" dirty="0" err="1" smtClean="0"/>
+              <a:rPr lang="cs-CZ" baseline="0" dirty="0" err="1"/>
               <a:t>IoT</a:t>
             </a:r>
             <a:r>
-              <a:rPr lang="cs-CZ" baseline="0" dirty="0" smtClean="0"/>
+              <a:rPr lang="cs-CZ" baseline="0" dirty="0"/>
               <a:t> světě a je podporována mnoha partnery, jak lze vidět na projektoru vpravo nahoře. Také můžete využít několika způsobů komunikace, ať už je to USB, </a:t>
             </a:r>
             <a:r>
-              <a:rPr lang="cs-CZ" baseline="0" dirty="0" err="1" smtClean="0"/>
+              <a:rPr lang="cs-CZ" baseline="0" dirty="0" err="1"/>
               <a:t>Wifi</a:t>
             </a:r>
             <a:r>
-              <a:rPr lang="cs-CZ" baseline="0" dirty="0" smtClean="0"/>
+              <a:rPr lang="cs-CZ" baseline="0" dirty="0"/>
               <a:t>, </a:t>
             </a:r>
             <a:r>
-              <a:rPr lang="cs-CZ" baseline="0" dirty="0" err="1" smtClean="0"/>
+              <a:rPr lang="cs-CZ" baseline="0" dirty="0" err="1"/>
               <a:t>Ehernet</a:t>
             </a:r>
             <a:r>
-              <a:rPr lang="cs-CZ" baseline="0" dirty="0" smtClean="0"/>
+              <a:rPr lang="cs-CZ" baseline="0" dirty="0"/>
               <a:t>, BT nebo GSM sítě.  </a:t>
             </a:r>
           </a:p>
           <a:p>
-            <a:endParaRPr lang="cs-CZ" baseline="0" dirty="0" smtClean="0"/>
-          </a:p>
-          <a:p>
-            <a:r>
-              <a:rPr lang="cs-CZ" baseline="0" dirty="0" smtClean="0"/>
+            <a:endParaRPr lang="cs-CZ" baseline="0" dirty="0"/>
+          </a:p>
+          <a:p>
+            <a:r>
+              <a:rPr lang="cs-CZ" baseline="0" dirty="0"/>
               <a:t>Jak to funguje si dnes vyzkoušíme na živo, ale pro začátek to </a:t>
             </a:r>
             <a:r>
-              <a:rPr lang="cs-CZ" baseline="0" dirty="0" err="1" smtClean="0"/>
+              <a:rPr lang="cs-CZ" baseline="0" dirty="0" err="1"/>
               <a:t>zhrnu</a:t>
             </a:r>
             <a:r>
-              <a:rPr lang="cs-CZ" baseline="0" dirty="0" smtClean="0"/>
+              <a:rPr lang="cs-CZ" baseline="0" dirty="0"/>
               <a:t> jak funguje komunikace:</a:t>
             </a:r>
           </a:p>
           <a:p>
             <a:r>
-              <a:rPr lang="cs-CZ" baseline="0" dirty="0" smtClean="0"/>
+              <a:rPr lang="cs-CZ" baseline="0" dirty="0"/>
               <a:t>	1) v telefonu máte aplikaci, kde si vytvoříte zdarma účet na serveru v Internetu nebo si tento server můžete nastavit doma na PC nebo někde na VPS</a:t>
             </a:r>
           </a:p>
           <a:p>
             <a:r>
-              <a:rPr lang="cs-CZ" baseline="0" dirty="0" smtClean="0"/>
+              <a:rPr lang="cs-CZ" baseline="0" dirty="0"/>
               <a:t>	2) pak si vytvoříte projekt, například pro monitorování vlhkosti půdy v květináči a v něm si navolíte </a:t>
             </a:r>
             <a:r>
-              <a:rPr lang="cs-CZ" baseline="0" dirty="0" err="1" smtClean="0"/>
+              <a:rPr lang="cs-CZ" baseline="0" dirty="0" err="1"/>
               <a:t>widgety</a:t>
             </a:r>
             <a:r>
-              <a:rPr lang="cs-CZ" baseline="0" dirty="0" smtClean="0"/>
+              <a:rPr lang="cs-CZ" baseline="0" dirty="0"/>
               <a:t> které budete používat</a:t>
             </a:r>
           </a:p>
           <a:p>
             <a:r>
-              <a:rPr lang="cs-CZ" baseline="0" dirty="0" smtClean="0"/>
+              <a:rPr lang="cs-CZ" baseline="0" dirty="0"/>
               <a:t>	3) v tomto projektu se Vám vygeneruje ID které bude pro Váš HW pojítkem k tomuto projektu</a:t>
             </a:r>
           </a:p>
           <a:p>
             <a:r>
-              <a:rPr lang="cs-CZ" baseline="0" dirty="0" smtClean="0"/>
+              <a:rPr lang="cs-CZ" baseline="0" dirty="0"/>
               <a:t>	4) do </a:t>
             </a:r>
             <a:r>
-              <a:rPr lang="cs-CZ" baseline="0" dirty="0" err="1" smtClean="0"/>
+              <a:rPr lang="cs-CZ" baseline="0" dirty="0" err="1"/>
               <a:t>sketche</a:t>
             </a:r>
             <a:r>
-              <a:rPr lang="cs-CZ" baseline="0" dirty="0" smtClean="0"/>
+              <a:rPr lang="cs-CZ" baseline="0" dirty="0"/>
               <a:t> pro HW pak vložíte toto ID a nahrajete ji do vašeho HW</a:t>
             </a:r>
           </a:p>
           <a:p>
             <a:r>
-              <a:rPr lang="cs-CZ" baseline="0" dirty="0" smtClean="0"/>
+              <a:rPr lang="cs-CZ" baseline="0" dirty="0"/>
               <a:t>	5) HW pak komunikuje se serverem a předává mu navolené informace které pak server předává dále Vám do aplikace v telefonu</a:t>
             </a:r>
           </a:p>
           <a:p>
-            <a:endParaRPr lang="cs-CZ" baseline="0" dirty="0" smtClean="0"/>
-          </a:p>
-          <a:p>
-            <a:r>
-              <a:rPr lang="cs-CZ" baseline="0" dirty="0" smtClean="0"/>
+            <a:endParaRPr lang="cs-CZ" baseline="0" dirty="0"/>
+          </a:p>
+          <a:p>
+            <a:r>
+              <a:rPr lang="cs-CZ" baseline="0" dirty="0"/>
               <a:t>	</a:t>
             </a:r>
           </a:p>
@@ -2137,7 +2390,7 @@
           <a:bodyPr/>
           <a:lstStyle/>
           <a:p>
-            <a:endParaRPr lang="cs-CZ" baseline="0" dirty="0" smtClean="0"/>
+            <a:endParaRPr lang="cs-CZ" baseline="0" dirty="0"/>
           </a:p>
         </p:txBody>
       </p:sp>
@@ -2306,35 +2559,35 @@
           <a:lstStyle/>
           <a:p>
             <a:r>
-              <a:rPr lang="cs-CZ" dirty="0" smtClean="0"/>
+              <a:rPr lang="cs-CZ" dirty="0"/>
               <a:t>Tohle</a:t>
             </a:r>
             <a:r>
-              <a:rPr lang="cs-CZ" baseline="0" dirty="0" smtClean="0"/>
+              <a:rPr lang="cs-CZ" baseline="0" dirty="0"/>
               <a:t> je projekt který tu vznikl v prvním kole </a:t>
             </a:r>
             <a:r>
-              <a:rPr lang="cs-CZ" baseline="0" dirty="0" err="1" smtClean="0"/>
+              <a:rPr lang="cs-CZ" baseline="0" dirty="0" err="1"/>
               <a:t>Arduino</a:t>
             </a:r>
             <a:r>
-              <a:rPr lang="cs-CZ" baseline="0" dirty="0" smtClean="0"/>
+              <a:rPr lang="cs-CZ" baseline="0" dirty="0"/>
               <a:t> Akademie a jeho autorem je </a:t>
             </a:r>
             <a:r>
-              <a:rPr lang="cs-CZ" baseline="0" dirty="0" err="1" smtClean="0"/>
+              <a:rPr lang="cs-CZ" baseline="0" dirty="0" err="1"/>
               <a:t>Marti</a:t>
             </a:r>
             <a:r>
-              <a:rPr lang="cs-CZ" baseline="0" dirty="0" smtClean="0"/>
+              <a:rPr lang="cs-CZ" baseline="0" dirty="0"/>
               <a:t> Balák. Řešil jak vzdáleně spínat kotel, tak aby doma měl optimální teplotu, kterou si navolil do </a:t>
             </a:r>
             <a:r>
-              <a:rPr lang="cs-CZ" baseline="0" dirty="0" err="1" smtClean="0"/>
+              <a:rPr lang="cs-CZ" baseline="0" dirty="0" err="1"/>
               <a:t>Blynku</a:t>
             </a:r>
             <a:r>
-              <a:rPr lang="cs-CZ" baseline="0" dirty="0" smtClean="0"/>
+              <a:rPr lang="cs-CZ" baseline="0" dirty="0"/>
               <a:t> a přes ESP32 spínal kotel.  </a:t>
             </a:r>
             <a:endParaRPr lang="cs-CZ" dirty="0"/>
@@ -2963,7 +3216,7 @@
           <a:p>
             <a:fld id="{E752CAA9-96B5-3F44-8A42-6EEA579E4FCD}" type="datetime1">
               <a:rPr lang="cs-CZ" smtClean="0"/>
-              <a:t>30.10.2019</a:t>
+              <a:t>13.10.2021</a:t>
             </a:fld>
             <a:endParaRPr lang="en-US" dirty="0"/>
           </a:p>
@@ -3255,7 +3508,7 @@
           <a:p>
             <a:fld id="{31BCB585-F258-124F-BF7F-FA207A78F0F2}" type="datetime1">
               <a:rPr lang="cs-CZ" smtClean="0"/>
-              <a:t>30.10.2019</a:t>
+              <a:t>13.10.2021</a:t>
             </a:fld>
             <a:endParaRPr lang="en-US" dirty="0"/>
           </a:p>
@@ -3499,7 +3752,7 @@
           <a:p>
             <a:fld id="{74A2C75C-B480-A040-9D29-6C5EF76D9131}" type="datetime1">
               <a:rPr lang="cs-CZ" smtClean="0"/>
-              <a:t>30.10.2019</a:t>
+              <a:t>13.10.2021</a:t>
             </a:fld>
             <a:endParaRPr lang="en-US" dirty="0"/>
           </a:p>
@@ -4035,7 +4288,7 @@
           <a:p>
             <a:fld id="{342646FB-3663-324F-AA98-002615AED444}" type="datetime1">
               <a:rPr lang="cs-CZ" smtClean="0"/>
-              <a:t>30.10.2019</a:t>
+              <a:t>13.10.2021</a:t>
             </a:fld>
             <a:endParaRPr lang="en-US" dirty="0"/>
           </a:p>
@@ -4279,7 +4532,7 @@
           <a:p>
             <a:fld id="{EF064C2B-6E82-D64E-856C-3232E0DCFB45}" type="datetime1">
               <a:rPr lang="cs-CZ" smtClean="0"/>
-              <a:t>30.10.2019</a:t>
+              <a:t>13.10.2021</a:t>
             </a:fld>
             <a:endParaRPr lang="en-US" dirty="0"/>
           </a:p>
@@ -4807,7 +5060,7 @@
           <a:p>
             <a:fld id="{293EAD05-184E-964C-B1C5-0655002530B6}" type="datetime1">
               <a:rPr lang="cs-CZ" smtClean="0"/>
-              <a:t>30.10.2019</a:t>
+              <a:t>13.10.2021</a:t>
             </a:fld>
             <a:endParaRPr lang="en-US" dirty="0"/>
           </a:p>
@@ -5100,7 +5353,7 @@
           <a:p>
             <a:fld id="{7C9DCF0A-7AEA-A34F-B7C0-F6B9FF3A3646}" type="datetime1">
               <a:rPr lang="cs-CZ" smtClean="0"/>
-              <a:t>30.10.2019</a:t>
+              <a:t>13.10.2021</a:t>
             </a:fld>
             <a:endParaRPr lang="en-US" dirty="0"/>
           </a:p>
@@ -5270,7 +5523,7 @@
           <a:p>
             <a:fld id="{74F5DF92-8455-E84E-879C-71323DEF0ADF}" type="datetime1">
               <a:rPr lang="cs-CZ" smtClean="0"/>
-              <a:t>30.10.2019</a:t>
+              <a:t>13.10.2021</a:t>
             </a:fld>
             <a:endParaRPr lang="en-US" dirty="0"/>
           </a:p>
@@ -5446,7 +5699,7 @@
           <a:p>
             <a:fld id="{D055ED42-00BF-3C45-8E36-A23DE53A8289}" type="datetime1">
               <a:rPr lang="cs-CZ" smtClean="0"/>
-              <a:t>30.10.2019</a:t>
+              <a:t>13.10.2021</a:t>
             </a:fld>
             <a:endParaRPr lang="en-US" dirty="0"/>
           </a:p>
@@ -5612,7 +5865,7 @@
           <a:p>
             <a:fld id="{2EF1BBEC-19BE-5C49-BA0D-CF19E5B9B00E}" type="datetime1">
               <a:rPr lang="cs-CZ" smtClean="0"/>
-              <a:t>30.10.2019</a:t>
+              <a:t>13.10.2021</a:t>
             </a:fld>
             <a:endParaRPr lang="en-US" dirty="0"/>
           </a:p>
@@ -5859,7 +6112,7 @@
           <a:p>
             <a:fld id="{178088CD-723A-8B40-89D7-89660B3DD48D}" type="datetime1">
               <a:rPr lang="cs-CZ" smtClean="0"/>
-              <a:t>30.10.2019</a:t>
+              <a:t>13.10.2021</a:t>
             </a:fld>
             <a:endParaRPr lang="en-US" dirty="0"/>
           </a:p>
@@ -6152,7 +6405,7 @@
           <a:p>
             <a:fld id="{D4204A87-6492-9A48-9499-30EDE7034375}" type="datetime1">
               <a:rPr lang="cs-CZ" smtClean="0"/>
-              <a:t>30.10.2019</a:t>
+              <a:t>13.10.2021</a:t>
             </a:fld>
             <a:endParaRPr lang="en-US" dirty="0"/>
           </a:p>
@@ -6590,7 +6843,7 @@
           <a:p>
             <a:fld id="{07FC920A-F3B2-0642-BA2E-597E2BA2EB95}" type="datetime1">
               <a:rPr lang="cs-CZ" smtClean="0"/>
-              <a:t>30.10.2019</a:t>
+              <a:t>13.10.2021</a:t>
             </a:fld>
             <a:endParaRPr lang="en-US" dirty="0"/>
           </a:p>
@@ -6704,7 +6957,7 @@
           <a:p>
             <a:fld id="{089458EC-3233-5446-BD35-5BD03E3B392A}" type="datetime1">
               <a:rPr lang="cs-CZ" smtClean="0"/>
-              <a:t>30.10.2019</a:t>
+              <a:t>13.10.2021</a:t>
             </a:fld>
             <a:endParaRPr lang="en-US" dirty="0"/>
           </a:p>
@@ -6795,7 +7048,7 @@
           <a:p>
             <a:fld id="{12FEC062-09BC-624D-9A51-18C9FAD2F1D8}" type="datetime1">
               <a:rPr lang="cs-CZ" smtClean="0"/>
-              <a:t>30.10.2019</a:t>
+              <a:t>13.10.2021</a:t>
             </a:fld>
             <a:endParaRPr lang="en-US" dirty="0"/>
           </a:p>
@@ -7074,7 +7327,7 @@
           <a:p>
             <a:fld id="{877420B1-C1EC-5C4E-944B-F4F6A88A080C}" type="datetime1">
               <a:rPr lang="cs-CZ" smtClean="0"/>
-              <a:t>30.10.2019</a:t>
+              <a:t>13.10.2021</a:t>
             </a:fld>
             <a:endParaRPr lang="en-US" dirty="0"/>
           </a:p>
@@ -7361,7 +7614,7 @@
           <a:p>
             <a:fld id="{D15B0330-CF02-7D4F-B4D9-CB68A09CF1DF}" type="datetime1">
               <a:rPr lang="cs-CZ" smtClean="0"/>
-              <a:t>30.10.2019</a:t>
+              <a:t>13.10.2021</a:t>
             </a:fld>
             <a:endParaRPr lang="en-US" dirty="0"/>
           </a:p>
@@ -7887,7 +8140,7 @@
           <a:p>
             <a:fld id="{6ECF23EE-C21C-644B-BBE9-CAEDE10E2CFC}" type="datetime1">
               <a:rPr lang="cs-CZ" smtClean="0"/>
-              <a:t>30.10.2019</a:t>
+              <a:t>13.10.2021</a:t>
             </a:fld>
             <a:endParaRPr lang="en-US" dirty="0"/>
           </a:p>
@@ -8432,13 +8685,8 @@
           <a:p>
             <a:r>
               <a:rPr lang="cs-CZ" dirty="0"/>
-              <a:t>Arduino Workshop </a:t>
-            </a:r>
-            <a:r>
-              <a:rPr lang="cs-CZ" dirty="0" smtClean="0"/>
-              <a:t>4</a:t>
-            </a:r>
-            <a:endParaRPr lang="cs-CZ" dirty="0"/>
+              <a:t>Arduino Workshop 4</a:t>
+            </a:r>
           </a:p>
         </p:txBody>
       </p:sp>
@@ -8458,12 +8706,8 @@
           <a:lstStyle/>
           <a:p>
             <a:r>
-              <a:rPr lang="cs-CZ" dirty="0" smtClean="0"/>
-              <a:t> </a:t>
-            </a:r>
-            <a:r>
               <a:rPr lang="cs-CZ" dirty="0"/>
-              <a:t>@</a:t>
+              <a:t> @</a:t>
             </a:r>
             <a:r>
               <a:rPr lang="cs-CZ" dirty="0" err="1"/>
@@ -8483,13 +8727,6 @@
   <p:clrMapOvr>
     <a:masterClrMapping/>
   </p:clrMapOvr>
-  <p:timing>
-    <p:tnLst>
-      <p:par>
-        <p:cTn id="1" dur="indefinite" restart="never" nodeType="tmRoot"/>
-      </p:par>
-    </p:tnLst>
-  </p:timing>
 </p:sld>
 </file>
 
@@ -8634,10 +8871,9 @@
           </a:lstStyle>
           <a:p>
             <a:r>
-              <a:rPr lang="cs-CZ" dirty="0" smtClean="0"/>
+              <a:rPr lang="cs-CZ" dirty="0"/>
               <a:t>Příklady projektů:</a:t>
             </a:r>
-            <a:endParaRPr lang="cs-CZ" dirty="0"/>
           </a:p>
         </p:txBody>
       </p:sp>
@@ -8665,10 +8901,9 @@
               <a:buNone/>
             </a:pPr>
             <a:r>
-              <a:rPr lang="cs-CZ" dirty="0" smtClean="0"/>
+              <a:rPr lang="cs-CZ" dirty="0"/>
               <a:t>Ovládání udírny</a:t>
             </a:r>
-            <a:endParaRPr lang="cs-CZ" dirty="0"/>
           </a:p>
         </p:txBody>
       </p:sp>
@@ -8764,13 +8999,6 @@
   <p:clrMapOvr>
     <a:masterClrMapping/>
   </p:clrMapOvr>
-  <p:timing>
-    <p:tnLst>
-      <p:par>
-        <p:cTn id="1" dur="indefinite" restart="never" nodeType="tmRoot"/>
-      </p:par>
-    </p:tnLst>
-  </p:timing>
 </p:sld>
 </file>
 
@@ -8915,10 +9143,9 @@
           </a:lstStyle>
           <a:p>
             <a:r>
-              <a:rPr lang="cs-CZ" dirty="0" smtClean="0"/>
+              <a:rPr lang="cs-CZ" dirty="0"/>
               <a:t>Příklady projektů:</a:t>
             </a:r>
-            <a:endParaRPr lang="cs-CZ" dirty="0"/>
           </a:p>
         </p:txBody>
       </p:sp>
@@ -8948,10 +9175,9 @@
               <a:buNone/>
             </a:pPr>
             <a:r>
-              <a:rPr lang="cs-CZ" dirty="0" smtClean="0"/>
+              <a:rPr lang="cs-CZ" dirty="0"/>
               <a:t>- vzdálené ovládání světel, žaluzii, praček, vrat od garáže..</a:t>
             </a:r>
-            <a:endParaRPr lang="cs-CZ" dirty="0"/>
           </a:p>
         </p:txBody>
       </p:sp>
@@ -9208,18 +9434,17 @@
               <a:buNone/>
             </a:pPr>
             <a:r>
-              <a:rPr lang="cs-CZ" dirty="0" smtClean="0"/>
+              <a:rPr lang="cs-CZ" dirty="0"/>
               <a:t>- odesílání notifikací na </a:t>
             </a:r>
             <a:r>
-              <a:rPr lang="cs-CZ" dirty="0" err="1" smtClean="0"/>
+              <a:rPr lang="cs-CZ" dirty="0" err="1"/>
               <a:t>Twitter</a:t>
             </a:r>
             <a:r>
-              <a:rPr lang="cs-CZ" dirty="0" smtClean="0"/>
+              <a:rPr lang="cs-CZ" dirty="0"/>
               <a:t>, email nebo přímo do telefonu o tom že Vám doprala pračka..</a:t>
             </a:r>
-            <a:endParaRPr lang="cs-CZ" dirty="0"/>
           </a:p>
         </p:txBody>
       </p:sp>
@@ -9477,26 +9702,25 @@
               <a:buNone/>
             </a:pPr>
             <a:r>
-              <a:rPr lang="cs-CZ" dirty="0" smtClean="0"/>
+              <a:rPr lang="cs-CZ" dirty="0"/>
               <a:t>- vzdálené krmení zvířat, zapínání a vypínání světel v </a:t>
             </a:r>
             <a:r>
-              <a:rPr lang="cs-CZ" dirty="0" err="1" smtClean="0"/>
+              <a:rPr lang="cs-CZ" dirty="0" err="1"/>
               <a:t>aquariu</a:t>
             </a:r>
             <a:r>
-              <a:rPr lang="cs-CZ" dirty="0" smtClean="0"/>
+              <a:rPr lang="cs-CZ" dirty="0"/>
               <a:t>/</a:t>
             </a:r>
             <a:r>
-              <a:rPr lang="cs-CZ" dirty="0" err="1" smtClean="0"/>
+              <a:rPr lang="cs-CZ" dirty="0" err="1"/>
               <a:t>terariu</a:t>
             </a:r>
             <a:r>
-              <a:rPr lang="cs-CZ" dirty="0" smtClean="0"/>
+              <a:rPr lang="cs-CZ" dirty="0"/>
               <a:t>..</a:t>
             </a:r>
-            <a:endParaRPr lang="cs-CZ" dirty="0"/>
           </a:p>
         </p:txBody>
       </p:sp>
@@ -9754,10 +9978,9 @@
               <a:buNone/>
             </a:pPr>
             <a:r>
-              <a:rPr lang="cs-CZ" dirty="0" smtClean="0"/>
+              <a:rPr lang="cs-CZ" dirty="0"/>
               <a:t>- upozornění na poštu ve schránce nebo že je někdo u Vás doma a neměl by tam být..</a:t>
             </a:r>
-            <a:endParaRPr lang="cs-CZ" dirty="0"/>
           </a:p>
         </p:txBody>
       </p:sp>
@@ -9771,8 +9994,8 @@
         </p:nvSpPr>
         <p:spPr>
           <a:xfrm>
-            <a:off x="1814249" y="4189160"/>
-            <a:ext cx="9688774" cy="559324"/>
+            <a:off x="1814249" y="4189159"/>
+            <a:ext cx="9688774" cy="1237541"/>
           </a:xfrm>
           <a:prstGeom prst="rect">
             <a:avLst/>
@@ -10015,18 +10238,40 @@
               <a:buNone/>
             </a:pPr>
             <a:r>
-              <a:rPr lang="cs-CZ" dirty="0" smtClean="0"/>
+              <a:rPr lang="cs-CZ" dirty="0"/>
               <a:t>a spoustu dalších věcí, mrkněte na </a:t>
             </a:r>
             <a:r>
-              <a:rPr lang="cs-CZ" dirty="0" err="1" smtClean="0"/>
+              <a:rPr lang="cs-CZ" dirty="0" err="1"/>
               <a:t>Instructables</a:t>
             </a:r>
             <a:r>
-              <a:rPr lang="cs-CZ" dirty="0" smtClean="0"/>
-              <a:t> ;-) </a:t>
-            </a:r>
-            <a:endParaRPr lang="cs-CZ" dirty="0"/>
+              <a:rPr lang="cs-CZ" dirty="0"/>
+              <a:t> 🙂 </a:t>
+            </a:r>
+            <a:br>
+              <a:rPr lang="cs-CZ" dirty="0"/>
+            </a:br>
+            <a:r>
+              <a:rPr lang="cs-CZ" dirty="0"/>
+              <a:t>(https://www.instructables.com/</a:t>
+            </a:r>
+            <a:r>
+              <a:rPr lang="cs-CZ" dirty="0" err="1"/>
+              <a:t>howto</a:t>
+            </a:r>
+            <a:r>
+              <a:rPr lang="cs-CZ" dirty="0"/>
+              <a:t>/</a:t>
+            </a:r>
+            <a:r>
+              <a:rPr lang="cs-CZ" dirty="0" err="1"/>
+              <a:t>blynk</a:t>
+            </a:r>
+            <a:r>
+              <a:rPr lang="cs-CZ" dirty="0"/>
+              <a:t>/) </a:t>
+            </a:r>
           </a:p>
         </p:txBody>
       </p:sp>
@@ -10040,13 +10285,6 @@
   <p:clrMapOvr>
     <a:masterClrMapping/>
   </p:clrMapOvr>
-  <p:timing>
-    <p:tnLst>
-      <p:par>
-        <p:cTn id="1" dur="indefinite" restart="never" nodeType="tmRoot"/>
-      </p:par>
-    </p:tnLst>
-  </p:timing>
 </p:sld>
 </file>
 
@@ -10084,13 +10322,8 @@
           <a:p>
             <a:r>
               <a:rPr lang="cs-CZ" dirty="0"/>
-              <a:t>Arduino Workshop </a:t>
-            </a:r>
-            <a:r>
-              <a:rPr lang="cs-CZ" dirty="0" smtClean="0"/>
-              <a:t>4</a:t>
-            </a:r>
-            <a:endParaRPr lang="cs-CZ" dirty="0"/>
+              <a:t>Arduino Workshop 4</a:t>
+            </a:r>
           </a:p>
         </p:txBody>
       </p:sp>
@@ -10117,34 +10350,31 @@
           <a:lstStyle/>
           <a:p>
             <a:r>
-              <a:rPr lang="cs-CZ" dirty="0" smtClean="0"/>
+              <a:rPr lang="cs-CZ" dirty="0"/>
               <a:t>Co je to </a:t>
             </a:r>
             <a:r>
-              <a:rPr lang="cs-CZ" dirty="0" err="1" smtClean="0"/>
+              <a:rPr lang="cs-CZ" dirty="0" err="1"/>
               <a:t>Blynk</a:t>
             </a:r>
             <a:r>
-              <a:rPr lang="cs-CZ" dirty="0" smtClean="0"/>
+              <a:rPr lang="cs-CZ" dirty="0"/>
               <a:t>?</a:t>
             </a:r>
-            <a:endParaRPr lang="cs-CZ" dirty="0"/>
           </a:p>
           <a:p>
             <a:pPr lvl="1"/>
             <a:r>
-              <a:rPr lang="cs-CZ" dirty="0" smtClean="0"/>
+              <a:rPr lang="cs-CZ" dirty="0"/>
               <a:t>Podporované HW platformy</a:t>
             </a:r>
-            <a:endParaRPr lang="cs-CZ" dirty="0"/>
           </a:p>
           <a:p>
             <a:pPr lvl="1"/>
             <a:r>
-              <a:rPr lang="cs-CZ" dirty="0" smtClean="0"/>
+              <a:rPr lang="cs-CZ" dirty="0"/>
               <a:t>Příklady projektů</a:t>
             </a:r>
-            <a:endParaRPr lang="cs-CZ" dirty="0"/>
           </a:p>
           <a:p>
             <a:pPr lvl="1"/>
@@ -10159,31 +10389,39 @@
           </a:p>
           <a:p>
             <a:r>
-              <a:rPr lang="cs-CZ" dirty="0" smtClean="0"/>
+              <a:rPr lang="cs-CZ" dirty="0"/>
               <a:t>ESP8266 &amp; ESP32</a:t>
             </a:r>
           </a:p>
           <a:p>
             <a:r>
               <a:rPr lang="cs-CZ" dirty="0"/>
-              <a:t>Praktická </a:t>
-            </a:r>
-            <a:r>
-              <a:rPr lang="cs-CZ" dirty="0" smtClean="0"/>
-              <a:t>část 	</a:t>
+              <a:t>Praktická část 	</a:t>
             </a:r>
           </a:p>
           <a:p>
             <a:pPr lvl="1"/>
             <a:r>
-              <a:rPr lang="cs-CZ" dirty="0" smtClean="0"/>
+              <a:rPr lang="cs-CZ" dirty="0"/>
               <a:t>Instalace podpory pro ESP32</a:t>
             </a:r>
           </a:p>
           <a:p>
             <a:pPr lvl="1"/>
             <a:r>
-              <a:rPr lang="cs-CZ" dirty="0" smtClean="0"/>
+              <a:rPr lang="cs-CZ" dirty="0"/>
+              <a:t>Instalace knihoven a kopírování </a:t>
+            </a:r>
+            <a:r>
+              <a:rPr lang="cs-CZ" dirty="0" err="1"/>
+              <a:t>sketche</a:t>
+            </a:r>
+            <a:endParaRPr lang="cs-CZ" dirty="0"/>
+          </a:p>
+          <a:p>
+            <a:pPr lvl="1"/>
+            <a:r>
+              <a:rPr lang="cs-CZ" dirty="0"/>
               <a:t>Zapojení HW a práce s aplikací</a:t>
             </a:r>
           </a:p>
@@ -10223,13 +10461,6 @@
   <p:clrMapOvr>
     <a:masterClrMapping/>
   </p:clrMapOvr>
-  <p:timing>
-    <p:tnLst>
-      <p:par>
-        <p:cTn id="1" dur="indefinite" restart="never" nodeType="tmRoot"/>
-      </p:par>
-    </p:tnLst>
-  </p:timing>
 </p:sld>
 </file>
 
@@ -10271,14 +10502,13 @@
           <a:lstStyle/>
           <a:p>
             <a:r>
-              <a:rPr lang="cs-CZ" dirty="0" err="1" smtClean="0"/>
+              <a:rPr lang="cs-CZ" dirty="0" err="1"/>
               <a:t>Blynk</a:t>
             </a:r>
             <a:r>
-              <a:rPr lang="cs-CZ" dirty="0" smtClean="0"/>
+              <a:rPr lang="cs-CZ" dirty="0"/>
               <a:t> server</a:t>
             </a:r>
-            <a:endParaRPr lang="cs-CZ" dirty="0"/>
           </a:p>
         </p:txBody>
       </p:sp>
@@ -10330,15 +10560,15 @@
               <a:buNone/>
             </a:pPr>
             <a:r>
-              <a:rPr lang="cs-CZ" dirty="0" err="1" smtClean="0"/>
+              <a:rPr lang="cs-CZ" dirty="0" err="1"/>
               <a:t>Blynk</a:t>
             </a:r>
             <a:r>
-              <a:rPr lang="cs-CZ" dirty="0" smtClean="0"/>
+              <a:rPr lang="cs-CZ" dirty="0"/>
               <a:t> </a:t>
             </a:r>
             <a:r>
-              <a:rPr lang="cs-CZ" dirty="0" err="1" smtClean="0"/>
+              <a:rPr lang="cs-CZ" dirty="0" err="1"/>
               <a:t>Cloud</a:t>
             </a:r>
             <a:endParaRPr lang="cs-CZ" dirty="0"/>
@@ -10348,7 +10578,7 @@
               <a:buNone/>
             </a:pPr>
             <a:r>
-              <a:rPr lang="cs-CZ" dirty="0" smtClean="0">
+              <a:rPr lang="cs-CZ" dirty="0">
                 <a:solidFill>
                   <a:srgbClr val="00B050"/>
                 </a:solidFill>
@@ -10356,7 +10586,7 @@
               <a:t>+</a:t>
             </a:r>
             <a:r>
-              <a:rPr lang="cs-CZ" dirty="0" smtClean="0"/>
+              <a:rPr lang="cs-CZ" dirty="0"/>
               <a:t> free</a:t>
             </a:r>
           </a:p>
@@ -10374,11 +10604,7 @@
             </a:r>
             <a:r>
               <a:rPr lang="cs-CZ" dirty="0"/>
-              <a:t> </a:t>
-            </a:r>
-            <a:r>
-              <a:rPr lang="cs-CZ" dirty="0" smtClean="0"/>
-              <a:t>velká komunita</a:t>
+              <a:t> velká komunita</a:t>
             </a:r>
           </a:p>
           <a:p>
@@ -10395,11 +10621,7 @@
             </a:r>
             <a:r>
               <a:rPr lang="cs-CZ" dirty="0"/>
-              <a:t> </a:t>
-            </a:r>
-            <a:r>
-              <a:rPr lang="cs-CZ" dirty="0" smtClean="0"/>
-              <a:t>jednoduché použití</a:t>
+              <a:t> jednoduché použití</a:t>
             </a:r>
           </a:p>
           <a:p>
@@ -10407,7 +10629,7 @@
               <a:buNone/>
             </a:pPr>
             <a:r>
-              <a:rPr lang="cs-CZ" dirty="0" smtClean="0">
+              <a:rPr lang="cs-CZ" dirty="0">
                 <a:solidFill>
                   <a:srgbClr val="FF0000"/>
                 </a:solidFill>
@@ -10415,14 +10637,14 @@
               <a:t>-</a:t>
             </a:r>
             <a:r>
-              <a:rPr lang="cs-CZ" dirty="0" smtClean="0"/>
+              <a:rPr lang="cs-CZ" dirty="0"/>
               <a:t> omezený kredit na </a:t>
             </a:r>
             <a:r>
-              <a:rPr lang="cs-CZ" dirty="0" err="1" smtClean="0"/>
+              <a:rPr lang="cs-CZ" dirty="0" err="1"/>
               <a:t>widgety</a:t>
             </a:r>
-            <a:endParaRPr lang="cs-CZ" dirty="0" smtClean="0"/>
+            <a:endParaRPr lang="cs-CZ" dirty="0"/>
           </a:p>
           <a:p>
             <a:pPr marL="0" indent="0">
@@ -10438,24 +10660,20 @@
             </a:r>
             <a:r>
               <a:rPr lang="cs-CZ" dirty="0"/>
-              <a:t> </a:t>
-            </a:r>
-            <a:r>
-              <a:rPr lang="cs-CZ" dirty="0" smtClean="0"/>
-              <a:t>požadováno internetové připojení</a:t>
+              <a:t> požadováno internetové připojení</a:t>
             </a:r>
           </a:p>
           <a:p>
             <a:pPr marL="0" indent="0">
               <a:buNone/>
             </a:pPr>
-            <a:endParaRPr lang="cs-CZ" dirty="0" smtClean="0"/>
+            <a:endParaRPr lang="cs-CZ" dirty="0"/>
           </a:p>
           <a:p>
             <a:pPr marL="0" indent="0" algn="ctr">
               <a:buNone/>
             </a:pPr>
-            <a:endParaRPr lang="cs-CZ" dirty="0" smtClean="0"/>
+            <a:endParaRPr lang="cs-CZ" dirty="0"/>
           </a:p>
           <a:p>
             <a:pPr marL="0" indent="0" algn="ctr">
@@ -10481,7 +10699,7 @@
         </p:nvSpPr>
         <p:spPr>
           <a:xfrm>
-            <a:off x="6883138" y="1112865"/>
+            <a:off x="6883138" y="1484340"/>
             <a:ext cx="4772285" cy="5115714"/>
           </a:xfrm>
           <a:prstGeom prst="rect">
@@ -10725,18 +10943,18 @@
               <a:buNone/>
             </a:pPr>
             <a:r>
-              <a:rPr lang="cs-CZ" dirty="0" err="1" smtClean="0"/>
+              <a:rPr lang="cs-CZ" dirty="0" err="1"/>
               <a:t>Blynk</a:t>
             </a:r>
             <a:r>
-              <a:rPr lang="cs-CZ" dirty="0" smtClean="0"/>
+              <a:rPr lang="cs-CZ" dirty="0"/>
               <a:t> </a:t>
             </a:r>
             <a:r>
-              <a:rPr lang="cs-CZ" dirty="0" err="1" smtClean="0"/>
+              <a:rPr lang="cs-CZ" dirty="0" err="1"/>
               <a:t>local</a:t>
             </a:r>
-            <a:endParaRPr lang="cs-CZ" dirty="0" smtClean="0"/>
+            <a:endParaRPr lang="cs-CZ" dirty="0"/>
           </a:p>
           <a:p>
             <a:pPr marL="0" indent="0">
@@ -10744,7 +10962,7 @@
               <a:buNone/>
             </a:pPr>
             <a:r>
-              <a:rPr lang="cs-CZ" dirty="0" smtClean="0">
+              <a:rPr lang="cs-CZ" dirty="0">
                 <a:solidFill>
                   <a:srgbClr val="00B050"/>
                 </a:solidFill>
@@ -10752,7 +10970,7 @@
               <a:t>+</a:t>
             </a:r>
             <a:r>
-              <a:rPr lang="cs-CZ" dirty="0" smtClean="0"/>
+              <a:rPr lang="cs-CZ" dirty="0"/>
               <a:t> free</a:t>
             </a:r>
           </a:p>
@@ -10762,7 +10980,7 @@
               <a:buNone/>
             </a:pPr>
             <a:r>
-              <a:rPr lang="cs-CZ" dirty="0" smtClean="0">
+              <a:rPr lang="cs-CZ" dirty="0">
                 <a:solidFill>
                   <a:srgbClr val="00B050"/>
                 </a:solidFill>
@@ -10770,7 +10988,7 @@
               <a:t>+</a:t>
             </a:r>
             <a:r>
-              <a:rPr lang="cs-CZ" dirty="0" smtClean="0"/>
+              <a:rPr lang="cs-CZ" dirty="0"/>
               <a:t> velká komunita</a:t>
             </a:r>
           </a:p>
@@ -10788,11 +11006,7 @@
             </a:r>
             <a:r>
               <a:rPr lang="cs-CZ" dirty="0"/>
-              <a:t> jednoduché </a:t>
-            </a:r>
-            <a:r>
-              <a:rPr lang="cs-CZ" dirty="0" smtClean="0"/>
-              <a:t>použití</a:t>
+              <a:t> jednoduché použití</a:t>
             </a:r>
           </a:p>
           <a:p>
@@ -10809,14 +11023,14 @@
               <a:t>+</a:t>
             </a:r>
             <a:r>
-              <a:rPr lang="cs-CZ" dirty="0" smtClean="0"/>
+              <a:rPr lang="cs-CZ" dirty="0"/>
               <a:t> neomezený kredit na </a:t>
             </a:r>
             <a:r>
-              <a:rPr lang="cs-CZ" dirty="0" err="1" smtClean="0"/>
+              <a:rPr lang="cs-CZ" dirty="0" err="1"/>
               <a:t>widgety</a:t>
             </a:r>
-            <a:endParaRPr lang="cs-CZ" dirty="0" smtClean="0"/>
+            <a:endParaRPr lang="cs-CZ" dirty="0"/>
           </a:p>
           <a:p>
             <a:pPr marL="0" indent="0">
@@ -10832,41 +11046,82 @@
               <a:t>+</a:t>
             </a:r>
             <a:r>
-              <a:rPr lang="cs-CZ" dirty="0" smtClean="0"/>
+              <a:rPr lang="cs-CZ" dirty="0"/>
               <a:t> stačí lokální síť</a:t>
             </a:r>
           </a:p>
           <a:p>
-            <a:pPr marL="0" indent="0">
-              <a:buFont typeface="Arial"/>
-              <a:buNone/>
+            <a:pPr>
+              <a:buClr>
+                <a:schemeClr val="accent4"/>
+              </a:buClr>
+              <a:buFontTx/>
+              <a:buChar char="-"/>
             </a:pPr>
             <a:r>
-              <a:rPr lang="cs-CZ" dirty="0" smtClean="0">
-                <a:solidFill>
-                  <a:srgbClr val="FF0000"/>
+              <a:rPr lang="cs-CZ" dirty="0"/>
+              <a:t>složitější nastavení</a:t>
+            </a:r>
+          </a:p>
+          <a:p>
+            <a:pPr>
+              <a:buClr>
+                <a:schemeClr val="accent4"/>
+              </a:buClr>
+              <a:buFontTx/>
+              <a:buChar char="-"/>
+            </a:pPr>
+            <a:r>
+              <a:rPr lang="cs-CZ" sz="2000" b="1" dirty="0">
+                <a:solidFill>
+                  <a:schemeClr val="accent4"/>
                 </a:solidFill>
               </a:rPr>
-              <a:t>-</a:t>
-            </a:r>
-            <a:r>
-              <a:rPr lang="cs-CZ" dirty="0" smtClean="0"/>
-              <a:t> složitější nastavení</a:t>
-            </a:r>
+              <a:t>již se nevyvíjí a není podporovaný v </a:t>
+            </a:r>
+            <a:r>
+              <a:rPr lang="cs-CZ" sz="2000" b="1" dirty="0" err="1">
+                <a:solidFill>
+                  <a:schemeClr val="accent4"/>
+                </a:solidFill>
+              </a:rPr>
+              <a:t>Blynk</a:t>
+            </a:r>
+            <a:r>
+              <a:rPr lang="cs-CZ" sz="2000" b="1" dirty="0">
+                <a:solidFill>
+                  <a:schemeClr val="accent4"/>
+                </a:solidFill>
+              </a:rPr>
+              <a:t> 2.0, lze ho však stále najít na </a:t>
+            </a:r>
+            <a:r>
+              <a:rPr lang="cs-CZ" sz="2000" b="1" dirty="0" err="1">
+                <a:solidFill>
+                  <a:schemeClr val="accent4"/>
+                </a:solidFill>
+              </a:rPr>
+              <a:t>Githubu</a:t>
+            </a:r>
+            <a:endParaRPr lang="cs-CZ" sz="2000" b="1" dirty="0">
+              <a:solidFill>
+                <a:schemeClr val="accent4"/>
+              </a:solidFill>
+            </a:endParaRPr>
           </a:p>
           <a:p>
             <a:pPr marL="0" indent="0" algn="ctr">
               <a:buFont typeface="Arial"/>
               <a:buNone/>
             </a:pPr>
-            <a:endParaRPr lang="cs-CZ" dirty="0" smtClean="0"/>
+            <a:endParaRPr lang="cs-CZ" dirty="0"/>
           </a:p>
           <a:p>
             <a:pPr marL="0" indent="0" algn="ctr">
               <a:buFont typeface="Arial"/>
               <a:buNone/>
             </a:pPr>
-            <a:endParaRPr lang="cs-CZ" dirty="0" smtClean="0"/>
+            <a:endParaRPr lang="cs-CZ" dirty="0"/>
           </a:p>
           <a:p>
             <a:pPr marL="0" indent="0" algn="ctr">
@@ -11131,18 +11386,17 @@
               <a:buNone/>
             </a:pPr>
             <a:r>
-              <a:rPr lang="cs-CZ" b="1" dirty="0" smtClean="0"/>
+              <a:rPr lang="cs-CZ" b="1" dirty="0"/>
               <a:t>Prosím naistalujte si </a:t>
             </a:r>
             <a:r>
-              <a:rPr lang="cs-CZ" b="1" dirty="0" err="1" smtClean="0"/>
+              <a:rPr lang="cs-CZ" b="1" dirty="0" err="1"/>
               <a:t>Blynk</a:t>
             </a:r>
             <a:r>
-              <a:rPr lang="cs-CZ" b="1" dirty="0" smtClean="0"/>
+              <a:rPr lang="cs-CZ" b="1" dirty="0"/>
               <a:t> aplikaci na svůj telefon</a:t>
             </a:r>
-            <a:endParaRPr lang="cs-CZ" b="1" dirty="0"/>
           </a:p>
         </p:txBody>
       </p:sp>
@@ -11156,13 +11410,6 @@
   <p:clrMapOvr>
     <a:masterClrMapping/>
   </p:clrMapOvr>
-  <p:timing>
-    <p:tnLst>
-      <p:par>
-        <p:cTn id="1" dur="indefinite" restart="never" nodeType="tmRoot"/>
-      </p:par>
-    </p:tnLst>
-  </p:timing>
 </p:sld>
 </file>
 
@@ -11200,13 +11447,8 @@
           <a:p>
             <a:r>
               <a:rPr lang="cs-CZ" dirty="0"/>
-              <a:t>Arduino Workshop </a:t>
-            </a:r>
-            <a:r>
-              <a:rPr lang="cs-CZ" dirty="0" smtClean="0"/>
-              <a:t>4</a:t>
-            </a:r>
-            <a:endParaRPr lang="cs-CZ" dirty="0"/>
+              <a:t>Arduino Workshop 4</a:t>
+            </a:r>
           </a:p>
         </p:txBody>
       </p:sp>
@@ -11233,73 +11475,66 @@
           <a:lstStyle/>
           <a:p>
             <a:r>
-              <a:rPr lang="cs-CZ" dirty="0" smtClean="0"/>
+              <a:rPr lang="cs-CZ" dirty="0"/>
               <a:t>Co je to </a:t>
             </a:r>
-            <a:r>
-              <a:rPr lang="cs-CZ" dirty="0" err="1" smtClean="0"/>
-              <a:t>Blynk</a:t>
-            </a:r>
-            <a:r>
-              <a:rPr lang="cs-CZ" dirty="0" smtClean="0"/>
-              <a:t>?</a:t>
-            </a:r>
-            <a:endParaRPr lang="cs-CZ" dirty="0"/>
-          </a:p>
-          <a:p>
-            <a:pPr lvl="1"/>
-            <a:r>
-              <a:rPr lang="cs-CZ" dirty="0" smtClean="0"/>
-              <a:t>Podporované HW platformy</a:t>
-            </a:r>
-            <a:endParaRPr lang="cs-CZ" dirty="0"/>
-          </a:p>
-          <a:p>
-            <a:pPr lvl="1"/>
-            <a:r>
-              <a:rPr lang="cs-CZ" dirty="0" smtClean="0"/>
-              <a:t>Příklady projektů</a:t>
-            </a:r>
-            <a:endParaRPr lang="cs-CZ" dirty="0"/>
-          </a:p>
-          <a:p>
-            <a:pPr lvl="1"/>
             <a:r>
               <a:rPr lang="cs-CZ" dirty="0" err="1"/>
               <a:t>Blynk</a:t>
             </a:r>
             <a:r>
               <a:rPr lang="cs-CZ" dirty="0"/>
+              <a:t>?</a:t>
+            </a:r>
+          </a:p>
+          <a:p>
+            <a:pPr lvl="1"/>
+            <a:r>
+              <a:rPr lang="cs-CZ" dirty="0"/>
+              <a:t>Podporované HW platformy</a:t>
+            </a:r>
+          </a:p>
+          <a:p>
+            <a:pPr lvl="1"/>
+            <a:r>
+              <a:rPr lang="cs-CZ" dirty="0"/>
+              <a:t>Příklady projektů</a:t>
+            </a:r>
+          </a:p>
+          <a:p>
+            <a:pPr lvl="1"/>
+            <a:r>
+              <a:rPr lang="cs-CZ" dirty="0" err="1"/>
+              <a:t>Blynk</a:t>
+            </a:r>
+            <a:r>
+              <a:rPr lang="cs-CZ" dirty="0"/>
               <a:t> server &amp; instalace aplikace</a:t>
             </a:r>
           </a:p>
           <a:p>
             <a:r>
-              <a:rPr lang="cs-CZ" b="1" dirty="0" smtClean="0"/>
-              <a:t>ESP8266 &amp; ESP32</a:t>
+              <a:rPr lang="cs-CZ" b="1" dirty="0"/>
+              <a:t>ESP8266 &amp; ESP32 (x)</a:t>
             </a:r>
           </a:p>
           <a:p>
             <a:r>
               <a:rPr lang="cs-CZ" dirty="0"/>
-              <a:t>Praktická </a:t>
-            </a:r>
-            <a:r>
-              <a:rPr lang="cs-CZ" dirty="0" smtClean="0"/>
-              <a:t>část 	</a:t>
+              <a:t>Praktická část 	</a:t>
             </a:r>
           </a:p>
           <a:p>
             <a:pPr lvl="1"/>
             <a:r>
-              <a:rPr lang="cs-CZ" dirty="0" smtClean="0"/>
+              <a:rPr lang="cs-CZ" dirty="0"/>
               <a:t>Instalace podpory pro ESP32</a:t>
             </a:r>
           </a:p>
           <a:p>
             <a:pPr lvl="1"/>
             <a:r>
-              <a:rPr lang="cs-CZ" dirty="0" smtClean="0"/>
+              <a:rPr lang="cs-CZ" dirty="0"/>
               <a:t>Zapojení HW a práce s aplikací</a:t>
             </a:r>
           </a:p>
@@ -11339,13 +11574,6 @@
   <p:clrMapOvr>
     <a:masterClrMapping/>
   </p:clrMapOvr>
-  <p:timing>
-    <p:tnLst>
-      <p:par>
-        <p:cTn id="1" dur="indefinite" restart="never" nodeType="tmRoot"/>
-      </p:par>
-    </p:tnLst>
-  </p:timing>
 </p:sld>
 </file>
 
@@ -11490,10 +11718,9 @@
           </a:lstStyle>
           <a:p>
             <a:r>
-              <a:rPr lang="cs-CZ" dirty="0" smtClean="0"/>
+              <a:rPr lang="cs-CZ" dirty="0"/>
               <a:t>ESP8266</a:t>
             </a:r>
-            <a:endParaRPr lang="cs-CZ" dirty="0"/>
           </a:p>
         </p:txBody>
       </p:sp>
@@ -11615,13 +11842,6 @@
   <p:clrMapOvr>
     <a:masterClrMapping/>
   </p:clrMapOvr>
-  <p:timing>
-    <p:tnLst>
-      <p:par>
-        <p:cTn id="1" dur="indefinite" restart="never" nodeType="tmRoot"/>
-      </p:par>
-    </p:tnLst>
-  </p:timing>
 </p:sld>
 </file>
 
@@ -11766,10 +11986,9 @@
           </a:lstStyle>
           <a:p>
             <a:r>
-              <a:rPr lang="cs-CZ" dirty="0" smtClean="0"/>
+              <a:rPr lang="cs-CZ" dirty="0"/>
               <a:t>ESP32</a:t>
             </a:r>
-            <a:endParaRPr lang="cs-CZ" dirty="0"/>
           </a:p>
         </p:txBody>
       </p:sp>
@@ -11814,25 +12033,6 @@
           </a:extLst>
         </p:spPr>
       </p:pic>
-      <p:sp>
-        <p:nvSpPr>
-          <p:cNvPr id="2" name="Zástupný symbol pro obsah 1"/>
-          <p:cNvSpPr>
-            <a:spLocks noGrp="1"/>
-          </p:cNvSpPr>
-          <p:nvPr>
-            <p:ph idx="1"/>
-          </p:nvPr>
-        </p:nvSpPr>
-        <p:spPr/>
-        <p:txBody>
-          <a:bodyPr/>
-          <a:lstStyle/>
-          <a:p>
-            <a:endParaRPr lang="cs-CZ" dirty="0"/>
-          </a:p>
-        </p:txBody>
-      </p:sp>
       <p:pic>
         <p:nvPicPr>
           <p:cNvPr id="9220" name="Picture 4" descr="VÃ½sledek obrÃ¡zku pro esp32"/>
@@ -11884,13 +12084,6 @@
   <p:clrMapOvr>
     <a:masterClrMapping/>
   </p:clrMapOvr>
-  <p:timing>
-    <p:tnLst>
-      <p:par>
-        <p:cTn id="1" dur="indefinite" restart="never" nodeType="tmRoot"/>
-      </p:par>
-    </p:tnLst>
-  </p:timing>
 </p:sld>
 </file>
 
@@ -11913,131 +12106,7 @@
       </p:grpSpPr>
       <p:sp>
         <p:nvSpPr>
-          <p:cNvPr id="2" name="Nadpis 1"/>
-          <p:cNvSpPr>
-            <a:spLocks noGrp="1"/>
-          </p:cNvSpPr>
-          <p:nvPr>
-            <p:ph type="title"/>
-          </p:nvPr>
-        </p:nvSpPr>
-        <p:spPr/>
-        <p:txBody>
-          <a:bodyPr/>
-          <a:lstStyle/>
-          <a:p>
-            <a:r>
-              <a:rPr lang="cs-CZ" dirty="0"/>
-              <a:t>Arduino Workshop </a:t>
-            </a:r>
-            <a:r>
-              <a:rPr lang="cs-CZ" dirty="0" smtClean="0"/>
-              <a:t>4</a:t>
-            </a:r>
-            <a:endParaRPr lang="cs-CZ" dirty="0"/>
-          </a:p>
-        </p:txBody>
-      </p:sp>
-      <p:sp>
-        <p:nvSpPr>
-          <p:cNvPr id="3" name="Zástupný symbol pro obsah 2"/>
-          <p:cNvSpPr>
-            <a:spLocks noGrp="1"/>
-          </p:cNvSpPr>
-          <p:nvPr>
-            <p:ph idx="1"/>
-          </p:nvPr>
-        </p:nvSpPr>
-        <p:spPr>
-          <a:xfrm>
-            <a:off x="1484310" y="1974273"/>
-            <a:ext cx="10018713" cy="4572000"/>
-          </a:xfrm>
-        </p:spPr>
-        <p:txBody>
-          <a:bodyPr>
-            <a:normAutofit/>
-          </a:bodyPr>
-          <a:lstStyle/>
-          <a:p>
-            <a:r>
-              <a:rPr lang="cs-CZ" dirty="0" smtClean="0"/>
-              <a:t>Co je to </a:t>
-            </a:r>
-            <a:r>
-              <a:rPr lang="cs-CZ" dirty="0" err="1" smtClean="0"/>
-              <a:t>Blynk</a:t>
-            </a:r>
-            <a:r>
-              <a:rPr lang="cs-CZ" dirty="0" smtClean="0"/>
-              <a:t>?</a:t>
-            </a:r>
-            <a:endParaRPr lang="cs-CZ" dirty="0"/>
-          </a:p>
-          <a:p>
-            <a:pPr lvl="1"/>
-            <a:r>
-              <a:rPr lang="cs-CZ" dirty="0" smtClean="0"/>
-              <a:t>Podporované HW platformy</a:t>
-            </a:r>
-            <a:endParaRPr lang="cs-CZ" dirty="0"/>
-          </a:p>
-          <a:p>
-            <a:pPr lvl="1"/>
-            <a:r>
-              <a:rPr lang="cs-CZ" dirty="0" smtClean="0"/>
-              <a:t>Příklady projektů</a:t>
-            </a:r>
-            <a:endParaRPr lang="cs-CZ" dirty="0"/>
-          </a:p>
-          <a:p>
-            <a:pPr lvl="1"/>
-            <a:r>
-              <a:rPr lang="cs-CZ" dirty="0" err="1" smtClean="0"/>
-              <a:t>Blynk</a:t>
-            </a:r>
-            <a:r>
-              <a:rPr lang="cs-CZ" dirty="0" smtClean="0"/>
-              <a:t> server &amp; instalace aplikace</a:t>
-            </a:r>
-            <a:endParaRPr lang="cs-CZ" dirty="0"/>
-          </a:p>
-          <a:p>
-            <a:r>
-              <a:rPr lang="cs-CZ" dirty="0" smtClean="0"/>
-              <a:t>ESP8266 &amp; ESP32</a:t>
-            </a:r>
-          </a:p>
-          <a:p>
-            <a:r>
-              <a:rPr lang="cs-CZ" dirty="0"/>
-              <a:t>Praktická </a:t>
-            </a:r>
-            <a:r>
-              <a:rPr lang="cs-CZ" dirty="0" smtClean="0"/>
-              <a:t>část 	</a:t>
-            </a:r>
-          </a:p>
-          <a:p>
-            <a:pPr lvl="1"/>
-            <a:r>
-              <a:rPr lang="cs-CZ" b="1" dirty="0" smtClean="0"/>
-              <a:t>Instalace podpory pro ESP32</a:t>
-            </a:r>
-            <a:endParaRPr lang="cs-CZ" dirty="0" smtClean="0"/>
-          </a:p>
-          <a:p>
-            <a:pPr lvl="1"/>
-            <a:r>
-              <a:rPr lang="cs-CZ" dirty="0" smtClean="0"/>
-              <a:t>Zapojení HW a práce s aplikací</a:t>
-            </a:r>
-          </a:p>
-        </p:txBody>
-      </p:sp>
-      <p:sp>
-        <p:nvSpPr>
-          <p:cNvPr id="6" name="Zástupný symbol pro číslo snímku 5"/>
+          <p:cNvPr id="4" name="Zástupný symbol pro číslo snímku 3"/>
           <p:cNvSpPr>
             <a:spLocks noGrp="1"/>
           </p:cNvSpPr>
@@ -12059,23 +12128,152 @@
           </a:p>
         </p:txBody>
       </p:sp>
+      <p:sp>
+        <p:nvSpPr>
+          <p:cNvPr id="6" name="Nadpis 1"/>
+          <p:cNvSpPr txBox="1">
+            <a:spLocks/>
+          </p:cNvSpPr>
+          <p:nvPr/>
+        </p:nvSpPr>
+        <p:spPr>
+          <a:xfrm>
+            <a:off x="2868051" y="244556"/>
+            <a:ext cx="6455897" cy="641269"/>
+          </a:xfrm>
+          <a:prstGeom prst="rect">
+            <a:avLst/>
+          </a:prstGeom>
+          <a:effectLst/>
+        </p:spPr>
+        <p:txBody>
+          <a:bodyPr vert="horz" lIns="91440" tIns="45720" rIns="91440" bIns="45720" rtlCol="0" anchor="ctr">
+            <a:normAutofit lnSpcReduction="10000"/>
+          </a:bodyPr>
+          <a:lstStyle>
+            <a:lvl1pPr algn="ctr" defTabSz="457200" rtl="0" eaLnBrk="1" latinLnBrk="0" hangingPunct="1">
+              <a:spcBef>
+                <a:spcPct val="0"/>
+              </a:spcBef>
+              <a:buNone/>
+              <a:defRPr sz="4000" kern="1200" cap="none">
+                <a:ln w="3175" cmpd="sng">
+                  <a:noFill/>
+                </a:ln>
+                <a:solidFill>
+                  <a:schemeClr val="tx1"/>
+                </a:solidFill>
+                <a:effectLst/>
+                <a:latin typeface="+mj-lt"/>
+                <a:ea typeface="+mj-ea"/>
+                <a:cs typeface="+mj-cs"/>
+              </a:defRPr>
+            </a:lvl1pPr>
+            <a:lvl2pPr eaLnBrk="1" hangingPunct="1">
+              <a:defRPr>
+                <a:solidFill>
+                  <a:schemeClr val="tx2"/>
+                </a:solidFill>
+              </a:defRPr>
+            </a:lvl2pPr>
+            <a:lvl3pPr eaLnBrk="1" hangingPunct="1">
+              <a:defRPr>
+                <a:solidFill>
+                  <a:schemeClr val="tx2"/>
+                </a:solidFill>
+              </a:defRPr>
+            </a:lvl3pPr>
+            <a:lvl4pPr eaLnBrk="1" hangingPunct="1">
+              <a:defRPr>
+                <a:solidFill>
+                  <a:schemeClr val="tx2"/>
+                </a:solidFill>
+              </a:defRPr>
+            </a:lvl4pPr>
+            <a:lvl5pPr eaLnBrk="1" hangingPunct="1">
+              <a:defRPr>
+                <a:solidFill>
+                  <a:schemeClr val="tx2"/>
+                </a:solidFill>
+              </a:defRPr>
+            </a:lvl5pPr>
+            <a:lvl6pPr eaLnBrk="1" hangingPunct="1">
+              <a:defRPr>
+                <a:solidFill>
+                  <a:schemeClr val="tx2"/>
+                </a:solidFill>
+              </a:defRPr>
+            </a:lvl6pPr>
+            <a:lvl7pPr eaLnBrk="1" hangingPunct="1">
+              <a:defRPr>
+                <a:solidFill>
+                  <a:schemeClr val="tx2"/>
+                </a:solidFill>
+              </a:defRPr>
+            </a:lvl7pPr>
+            <a:lvl8pPr eaLnBrk="1" hangingPunct="1">
+              <a:defRPr>
+                <a:solidFill>
+                  <a:schemeClr val="tx2"/>
+                </a:solidFill>
+              </a:defRPr>
+            </a:lvl8pPr>
+            <a:lvl9pPr eaLnBrk="1" hangingPunct="1">
+              <a:defRPr>
+                <a:solidFill>
+                  <a:schemeClr val="tx2"/>
+                </a:solidFill>
+              </a:defRPr>
+            </a:lvl9pPr>
+          </a:lstStyle>
+          <a:p>
+            <a:r>
+              <a:rPr lang="cs-CZ" dirty="0"/>
+              <a:t>více ESP(x)..</a:t>
+            </a:r>
+          </a:p>
+        </p:txBody>
+      </p:sp>
+      <p:pic>
+        <p:nvPicPr>
+          <p:cNvPr id="5" name="Obrázek 4">
+            <a:extLst>
+              <a:ext uri="{FF2B5EF4-FFF2-40B4-BE49-F238E27FC236}">
+                <a16:creationId xmlns:a16="http://schemas.microsoft.com/office/drawing/2014/main" id="{F515F5AD-1CB1-4D39-A4F1-3784F3E5EDAB}"/>
+              </a:ext>
+            </a:extLst>
+          </p:cNvPr>
+          <p:cNvPicPr>
+            <a:picLocks noChangeAspect="1"/>
+          </p:cNvPicPr>
+          <p:nvPr/>
+        </p:nvPicPr>
+        <p:blipFill>
+          <a:blip r:embed="rId3"/>
+          <a:stretch>
+            <a:fillRect/>
+          </a:stretch>
+        </p:blipFill>
+        <p:spPr>
+          <a:xfrm>
+            <a:off x="1544468" y="1010073"/>
+            <a:ext cx="9958555" cy="4837854"/>
+          </a:xfrm>
+          <a:prstGeom prst="rect">
+            <a:avLst/>
+          </a:prstGeom>
+        </p:spPr>
+      </p:pic>
     </p:spTree>
     <p:extLst>
       <p:ext uri="{BB962C8B-B14F-4D97-AF65-F5344CB8AC3E}">
-        <p14:creationId xmlns:p14="http://schemas.microsoft.com/office/powerpoint/2010/main" val="1903564722"/>
+        <p14:creationId xmlns:p14="http://schemas.microsoft.com/office/powerpoint/2010/main" val="1994042796"/>
       </p:ext>
     </p:extLst>
   </p:cSld>
   <p:clrMapOvr>
     <a:masterClrMapping/>
   </p:clrMapOvr>
-  <p:timing>
-    <p:tnLst>
-      <p:par>
-        <p:cTn id="1" dur="indefinite" restart="never" nodeType="tmRoot"/>
-      </p:par>
-    </p:tnLst>
-  </p:timing>
 </p:sld>
 </file>
 
@@ -12098,7 +12296,129 @@
       </p:grpSpPr>
       <p:sp>
         <p:nvSpPr>
-          <p:cNvPr id="4" name="Zástupný symbol pro číslo snímku 3"/>
+          <p:cNvPr id="2" name="Nadpis 1"/>
+          <p:cNvSpPr>
+            <a:spLocks noGrp="1"/>
+          </p:cNvSpPr>
+          <p:nvPr>
+            <p:ph type="title"/>
+          </p:nvPr>
+        </p:nvSpPr>
+        <p:spPr/>
+        <p:txBody>
+          <a:bodyPr/>
+          <a:lstStyle/>
+          <a:p>
+            <a:r>
+              <a:rPr lang="cs-CZ" dirty="0"/>
+              <a:t>Arduino Workshop 4</a:t>
+            </a:r>
+          </a:p>
+        </p:txBody>
+      </p:sp>
+      <p:sp>
+        <p:nvSpPr>
+          <p:cNvPr id="3" name="Zástupný symbol pro obsah 2"/>
+          <p:cNvSpPr>
+            <a:spLocks noGrp="1"/>
+          </p:cNvSpPr>
+          <p:nvPr>
+            <p:ph idx="1"/>
+          </p:nvPr>
+        </p:nvSpPr>
+        <p:spPr>
+          <a:xfrm>
+            <a:off x="1484310" y="1974273"/>
+            <a:ext cx="10018713" cy="4572000"/>
+          </a:xfrm>
+        </p:spPr>
+        <p:txBody>
+          <a:bodyPr>
+            <a:normAutofit/>
+          </a:bodyPr>
+          <a:lstStyle/>
+          <a:p>
+            <a:r>
+              <a:rPr lang="cs-CZ" dirty="0"/>
+              <a:t>Co je to </a:t>
+            </a:r>
+            <a:r>
+              <a:rPr lang="cs-CZ" dirty="0" err="1"/>
+              <a:t>Blynk</a:t>
+            </a:r>
+            <a:r>
+              <a:rPr lang="cs-CZ" dirty="0"/>
+              <a:t>?</a:t>
+            </a:r>
+          </a:p>
+          <a:p>
+            <a:pPr lvl="1"/>
+            <a:r>
+              <a:rPr lang="cs-CZ" dirty="0"/>
+              <a:t>Podporované HW platformy</a:t>
+            </a:r>
+          </a:p>
+          <a:p>
+            <a:pPr lvl="1"/>
+            <a:r>
+              <a:rPr lang="cs-CZ" dirty="0"/>
+              <a:t>Příklady projektů</a:t>
+            </a:r>
+          </a:p>
+          <a:p>
+            <a:pPr lvl="1"/>
+            <a:r>
+              <a:rPr lang="cs-CZ" dirty="0" err="1"/>
+              <a:t>Blynk</a:t>
+            </a:r>
+            <a:r>
+              <a:rPr lang="cs-CZ" dirty="0"/>
+              <a:t> server &amp; instalace aplikace</a:t>
+            </a:r>
+          </a:p>
+          <a:p>
+            <a:r>
+              <a:rPr lang="cs-CZ" dirty="0"/>
+              <a:t>ESP8266 &amp; ESP32</a:t>
+            </a:r>
+          </a:p>
+          <a:p>
+            <a:r>
+              <a:rPr lang="cs-CZ" dirty="0"/>
+              <a:t>Praktická část 	</a:t>
+            </a:r>
+          </a:p>
+          <a:p>
+            <a:pPr lvl="1"/>
+            <a:r>
+              <a:rPr lang="cs-CZ" b="1" dirty="0"/>
+              <a:t>Instalace podpory pro ESP32</a:t>
+            </a:r>
+          </a:p>
+          <a:p>
+            <a:pPr lvl="1"/>
+            <a:r>
+              <a:rPr lang="cs-CZ" dirty="0"/>
+              <a:t>Instalace knihoven a kopírování </a:t>
+            </a:r>
+            <a:r>
+              <a:rPr lang="cs-CZ" dirty="0" err="1"/>
+              <a:t>sketche</a:t>
+            </a:r>
+            <a:endParaRPr lang="cs-CZ" dirty="0"/>
+          </a:p>
+          <a:p>
+            <a:pPr lvl="1"/>
+            <a:r>
+              <a:rPr lang="cs-CZ" dirty="0"/>
+              <a:t>Zapojení HW a práce s aplikací</a:t>
+            </a:r>
+          </a:p>
+        </p:txBody>
+      </p:sp>
+      <p:sp>
+        <p:nvSpPr>
+          <p:cNvPr id="6" name="Zástupný symbol pro číslo snímku 5"/>
           <p:cNvSpPr>
             <a:spLocks noGrp="1"/>
           </p:cNvSpPr>
@@ -12115,6 +12435,90 @@
               <a:rPr lang="en-US" smtClean="0"/>
               <a:pPr/>
               <a:t>18</a:t>
+            </a:fld>
+            <a:endParaRPr lang="en-US" dirty="0"/>
+          </a:p>
+        </p:txBody>
+      </p:sp>
+    </p:spTree>
+    <p:extLst>
+      <p:ext uri="{BB962C8B-B14F-4D97-AF65-F5344CB8AC3E}">
+        <p14:creationId xmlns:p14="http://schemas.microsoft.com/office/powerpoint/2010/main" val="1903564722"/>
+      </p:ext>
+    </p:extLst>
+  </p:cSld>
+  <p:clrMapOvr>
+    <a:masterClrMapping/>
+  </p:clrMapOvr>
+</p:sld>
+</file>
+
+<file path=ppt/slides/slide19.xml><?xml version="1.0" encoding="utf-8"?>
+<p:sld xmlns:a="http://schemas.openxmlformats.org/drawingml/2006/main" xmlns:r="http://schemas.openxmlformats.org/officeDocument/2006/relationships" xmlns:p="http://schemas.openxmlformats.org/presentationml/2006/main">
+  <p:cSld>
+    <p:spTree>
+      <p:nvGrpSpPr>
+        <p:cNvPr id="1" name=""/>
+        <p:cNvGrpSpPr/>
+        <p:nvPr/>
+      </p:nvGrpSpPr>
+      <p:grpSpPr>
+        <a:xfrm>
+          <a:off x="0" y="0"/>
+          <a:ext cx="0" cy="0"/>
+          <a:chOff x="0" y="0"/>
+          <a:chExt cx="0" cy="0"/>
+        </a:xfrm>
+      </p:grpSpPr>
+      <p:pic>
+        <p:nvPicPr>
+          <p:cNvPr id="9" name="Obrázek 8">
+            <a:extLst>
+              <a:ext uri="{FF2B5EF4-FFF2-40B4-BE49-F238E27FC236}">
+                <a16:creationId xmlns:a16="http://schemas.microsoft.com/office/drawing/2014/main" id="{50A419FA-2411-410A-BC54-C5C006E1A633}"/>
+              </a:ext>
+            </a:extLst>
+          </p:cNvPr>
+          <p:cNvPicPr>
+            <a:picLocks noChangeAspect="1"/>
+          </p:cNvPicPr>
+          <p:nvPr/>
+        </p:nvPicPr>
+        <p:blipFill>
+          <a:blip r:embed="rId3"/>
+          <a:stretch>
+            <a:fillRect/>
+          </a:stretch>
+        </p:blipFill>
+        <p:spPr>
+          <a:xfrm>
+            <a:off x="2261001" y="1470645"/>
+            <a:ext cx="7669997" cy="2273545"/>
+          </a:xfrm>
+          <a:prstGeom prst="rect">
+            <a:avLst/>
+          </a:prstGeom>
+        </p:spPr>
+      </p:pic>
+      <p:sp>
+        <p:nvSpPr>
+          <p:cNvPr id="4" name="Zástupný symbol pro číslo snímku 3"/>
+          <p:cNvSpPr>
+            <a:spLocks noGrp="1"/>
+          </p:cNvSpPr>
+          <p:nvPr>
+            <p:ph type="sldNum" sz="quarter" idx="12"/>
+          </p:nvPr>
+        </p:nvSpPr>
+        <p:spPr/>
+        <p:txBody>
+          <a:bodyPr/>
+          <a:lstStyle/>
+          <a:p>
+            <a:fld id="{D57F1E4F-1CFF-5643-939E-217C01CDF565}" type="slidenum">
+              <a:rPr lang="en-US" smtClean="0"/>
+              <a:pPr/>
+              <a:t>19</a:t>
             </a:fld>
             <a:endParaRPr lang="en-US" dirty="0"/>
           </a:p>
@@ -12220,10 +12624,9 @@
           </a:lstStyle>
           <a:p>
             <a:r>
-              <a:rPr lang="cs-CZ" dirty="0" smtClean="0"/>
+              <a:rPr lang="cs-CZ" dirty="0"/>
               <a:t>Instalace podpory pro ESP32 </a:t>
             </a:r>
-            <a:endParaRPr lang="cs-CZ" dirty="0"/>
           </a:p>
         </p:txBody>
       </p:sp>
@@ -12239,7 +12642,7 @@
         </p:nvSpPr>
         <p:spPr>
           <a:xfrm>
-            <a:off x="1484310" y="1252979"/>
+            <a:off x="1484310" y="824123"/>
             <a:ext cx="10018713" cy="745504"/>
           </a:xfrm>
         </p:spPr>
@@ -12249,44 +12652,17 @@
           <a:p>
             <a:r>
               <a:rPr lang="cs-CZ" dirty="0">
-                <a:hlinkClick r:id="rId3"/>
+                <a:hlinkClick r:id="rId4"/>
               </a:rPr>
-              <a:t>https://</a:t>
-            </a:r>
-            <a:r>
-              <a:rPr lang="cs-CZ" dirty="0" smtClean="0">
-                <a:hlinkClick r:id="rId3"/>
-              </a:rPr>
-              <a:t>github.com/espressif/arduino-esp32</a:t>
-            </a:r>
-            <a:endParaRPr lang="cs-CZ" dirty="0" smtClean="0"/>
-          </a:p>
-        </p:txBody>
-      </p:sp>
-      <p:pic>
-        <p:nvPicPr>
-          <p:cNvPr id="3" name="Obrázek 2"/>
-          <p:cNvPicPr>
-            <a:picLocks noChangeAspect="1"/>
-          </p:cNvPicPr>
-          <p:nvPr/>
-        </p:nvPicPr>
-        <p:blipFill>
-          <a:blip r:embed="rId4"/>
-          <a:stretch>
-            <a:fillRect/>
-          </a:stretch>
-        </p:blipFill>
-        <p:spPr>
-          <a:xfrm>
-            <a:off x="1601427" y="1998483"/>
-            <a:ext cx="3998095" cy="2550038"/>
-          </a:xfrm>
-          <a:prstGeom prst="rect">
-            <a:avLst/>
-          </a:prstGeom>
-        </p:spPr>
-      </p:pic>
+              <a:t>https://github.com/espressif/arduino-esp32</a:t>
+            </a:r>
+            <a:r>
+              <a:rPr lang="cs-CZ" dirty="0"/>
+              <a:t> nebo Google -&gt; arduino-esp32</a:t>
+            </a:r>
+          </a:p>
+        </p:txBody>
+      </p:sp>
       <p:sp>
         <p:nvSpPr>
           <p:cNvPr id="5" name="Šipka doprava 4"/>
@@ -12295,7 +12671,7 @@
         </p:nvSpPr>
         <p:spPr>
           <a:xfrm rot="10800000">
-            <a:off x="4666268" y="2903455"/>
+            <a:off x="5209193" y="2508435"/>
             <a:ext cx="480767" cy="197963"/>
           </a:xfrm>
           <a:prstGeom prst="rightArrow">
@@ -12337,7 +12713,13 @@
       </p:sp>
       <p:pic>
         <p:nvPicPr>
-          <p:cNvPr id="7" name="Obrázek 6"/>
+          <p:cNvPr id="11" name="Obrázek 10">
+            <a:extLst>
+              <a:ext uri="{FF2B5EF4-FFF2-40B4-BE49-F238E27FC236}">
+                <a16:creationId xmlns:a16="http://schemas.microsoft.com/office/drawing/2014/main" id="{97DAA015-7159-443F-A855-7E7FB4DDDC1C}"/>
+              </a:ext>
+            </a:extLst>
+          </p:cNvPr>
           <p:cNvPicPr>
             <a:picLocks noChangeAspect="1"/>
           </p:cNvPicPr>
@@ -12351,808 +12733,38 @@
         </p:blipFill>
         <p:spPr>
           <a:xfrm>
-            <a:off x="5839807" y="1991926"/>
-            <a:ext cx="5990069" cy="2551794"/>
+            <a:off x="3736180" y="3744190"/>
+            <a:ext cx="4719638" cy="3107581"/>
           </a:xfrm>
           <a:prstGeom prst="rect">
             <a:avLst/>
           </a:prstGeom>
         </p:spPr>
       </p:pic>
-    </p:spTree>
-    <p:extLst>
-      <p:ext uri="{BB962C8B-B14F-4D97-AF65-F5344CB8AC3E}">
-        <p14:creationId xmlns:p14="http://schemas.microsoft.com/office/powerpoint/2010/main" val="3529437965"/>
-      </p:ext>
-    </p:extLst>
-  </p:cSld>
-  <p:clrMapOvr>
-    <a:masterClrMapping/>
-  </p:clrMapOvr>
-  <p:timing>
-    <p:tnLst>
-      <p:par>
-        <p:cTn id="1" dur="indefinite" restart="never" nodeType="tmRoot"/>
-      </p:par>
-    </p:tnLst>
-  </p:timing>
-</p:sld>
-</file>
-
-<file path=ppt/slides/slide19.xml><?xml version="1.0" encoding="utf-8"?>
-<p:sld xmlns:a="http://schemas.openxmlformats.org/drawingml/2006/main" xmlns:r="http://schemas.openxmlformats.org/officeDocument/2006/relationships" xmlns:p="http://schemas.openxmlformats.org/presentationml/2006/main">
-  <p:cSld>
-    <p:spTree>
-      <p:nvGrpSpPr>
-        <p:cNvPr id="1" name=""/>
-        <p:cNvGrpSpPr/>
-        <p:nvPr/>
-      </p:nvGrpSpPr>
-      <p:grpSpPr>
-        <a:xfrm>
-          <a:off x="0" y="0"/>
-          <a:ext cx="0" cy="0"/>
-          <a:chOff x="0" y="0"/>
-          <a:chExt cx="0" cy="0"/>
-        </a:xfrm>
-      </p:grpSpPr>
-      <p:sp>
-        <p:nvSpPr>
-          <p:cNvPr id="2" name="Nadpis 1"/>
-          <p:cNvSpPr>
-            <a:spLocks noGrp="1"/>
-          </p:cNvSpPr>
-          <p:nvPr>
-            <p:ph type="title"/>
-          </p:nvPr>
-        </p:nvSpPr>
-        <p:spPr/>
-        <p:txBody>
-          <a:bodyPr/>
-          <a:lstStyle/>
-          <a:p>
-            <a:r>
-              <a:rPr lang="cs-CZ" dirty="0"/>
-              <a:t>Arduino Workshop </a:t>
-            </a:r>
-            <a:r>
-              <a:rPr lang="cs-CZ" dirty="0" smtClean="0"/>
-              <a:t>4</a:t>
-            </a:r>
-            <a:endParaRPr lang="cs-CZ" dirty="0"/>
-          </a:p>
-        </p:txBody>
-      </p:sp>
-      <p:sp>
-        <p:nvSpPr>
-          <p:cNvPr id="3" name="Zástupný symbol pro obsah 2"/>
-          <p:cNvSpPr>
-            <a:spLocks noGrp="1"/>
-          </p:cNvSpPr>
-          <p:nvPr>
-            <p:ph idx="1"/>
-          </p:nvPr>
+      <p:sp>
+        <p:nvSpPr>
+          <p:cNvPr id="12" name="Šipka doprava 4">
+            <a:extLst>
+              <a:ext uri="{FF2B5EF4-FFF2-40B4-BE49-F238E27FC236}">
+                <a16:creationId xmlns:a16="http://schemas.microsoft.com/office/drawing/2014/main" id="{B5E15F1B-175F-46B3-BC82-22CEF817F8CF}"/>
+              </a:ext>
+            </a:extLst>
+          </p:cNvPr>
+          <p:cNvSpPr/>
+          <p:nvPr/>
         </p:nvSpPr>
         <p:spPr>
-          <a:xfrm>
-            <a:off x="1484310" y="1974273"/>
-            <a:ext cx="10018713" cy="4572000"/>
+          <a:xfrm rot="10800000">
+            <a:off x="8407962" y="5476503"/>
+            <a:ext cx="480767" cy="197963"/>
           </a:xfrm>
-        </p:spPr>
-        <p:txBody>
-          <a:bodyPr>
-            <a:normAutofit/>
-          </a:bodyPr>
-          <a:lstStyle/>
-          <a:p>
-            <a:r>
-              <a:rPr lang="cs-CZ" dirty="0" smtClean="0"/>
-              <a:t>Co je to </a:t>
-            </a:r>
-            <a:r>
-              <a:rPr lang="cs-CZ" dirty="0" err="1" smtClean="0"/>
-              <a:t>Blynk</a:t>
-            </a:r>
-            <a:r>
-              <a:rPr lang="cs-CZ" dirty="0" smtClean="0"/>
-              <a:t>?</a:t>
-            </a:r>
-            <a:endParaRPr lang="cs-CZ" dirty="0"/>
-          </a:p>
-          <a:p>
-            <a:pPr lvl="1"/>
-            <a:r>
-              <a:rPr lang="cs-CZ" dirty="0" smtClean="0"/>
-              <a:t>Podporované HW platformy</a:t>
-            </a:r>
-            <a:endParaRPr lang="cs-CZ" dirty="0"/>
-          </a:p>
-          <a:p>
-            <a:pPr lvl="1"/>
-            <a:r>
-              <a:rPr lang="cs-CZ" dirty="0" smtClean="0"/>
-              <a:t>Příklady projektů</a:t>
-            </a:r>
-            <a:endParaRPr lang="cs-CZ" dirty="0"/>
-          </a:p>
-          <a:p>
-            <a:pPr lvl="1"/>
-            <a:r>
-              <a:rPr lang="cs-CZ" dirty="0" err="1" smtClean="0"/>
-              <a:t>Blynk</a:t>
-            </a:r>
-            <a:r>
-              <a:rPr lang="cs-CZ" dirty="0" smtClean="0"/>
-              <a:t> server &amp; instalace aplikace</a:t>
-            </a:r>
-            <a:endParaRPr lang="cs-CZ" dirty="0"/>
-          </a:p>
-          <a:p>
-            <a:r>
-              <a:rPr lang="cs-CZ" dirty="0" smtClean="0"/>
-              <a:t>ESP8266 &amp; ESP32</a:t>
-            </a:r>
-          </a:p>
-          <a:p>
-            <a:r>
-              <a:rPr lang="cs-CZ" dirty="0"/>
-              <a:t>Praktická </a:t>
-            </a:r>
-            <a:r>
-              <a:rPr lang="cs-CZ" dirty="0" smtClean="0"/>
-              <a:t>část 	</a:t>
-            </a:r>
-          </a:p>
-          <a:p>
-            <a:pPr lvl="1"/>
-            <a:r>
-              <a:rPr lang="cs-CZ" dirty="0" smtClean="0"/>
-              <a:t>Instalace podpory pro ESP32</a:t>
-            </a:r>
-          </a:p>
-          <a:p>
-            <a:pPr lvl="1"/>
-            <a:r>
-              <a:rPr lang="cs-CZ" b="1" dirty="0" smtClean="0"/>
-              <a:t>Zapojení HW a práce s aplikací</a:t>
-            </a:r>
-          </a:p>
-        </p:txBody>
-      </p:sp>
-      <p:sp>
-        <p:nvSpPr>
-          <p:cNvPr id="6" name="Zástupný symbol pro číslo snímku 5"/>
-          <p:cNvSpPr>
-            <a:spLocks noGrp="1"/>
-          </p:cNvSpPr>
-          <p:nvPr>
-            <p:ph type="sldNum" sz="quarter" idx="12"/>
-          </p:nvPr>
-        </p:nvSpPr>
-        <p:spPr/>
-        <p:txBody>
-          <a:bodyPr/>
-          <a:lstStyle/>
-          <a:p>
-            <a:fld id="{D57F1E4F-1CFF-5643-939E-217C01CDF565}" type="slidenum">
-              <a:rPr lang="en-US" smtClean="0"/>
-              <a:pPr/>
-              <a:t>19</a:t>
-            </a:fld>
-            <a:endParaRPr lang="en-US" dirty="0"/>
-          </a:p>
-        </p:txBody>
-      </p:sp>
-    </p:spTree>
-    <p:extLst>
-      <p:ext uri="{BB962C8B-B14F-4D97-AF65-F5344CB8AC3E}">
-        <p14:creationId xmlns:p14="http://schemas.microsoft.com/office/powerpoint/2010/main" val="3935052410"/>
-      </p:ext>
-    </p:extLst>
-  </p:cSld>
-  <p:clrMapOvr>
-    <a:masterClrMapping/>
-  </p:clrMapOvr>
-  <p:timing>
-    <p:tnLst>
-      <p:par>
-        <p:cTn id="1" dur="indefinite" restart="never" nodeType="tmRoot"/>
-      </p:par>
-    </p:tnLst>
-  </p:timing>
-</p:sld>
-</file>
-
-<file path=ppt/slides/slide2.xml><?xml version="1.0" encoding="utf-8"?>
-<p:sld xmlns:a="http://schemas.openxmlformats.org/drawingml/2006/main" xmlns:r="http://schemas.openxmlformats.org/officeDocument/2006/relationships" xmlns:p="http://schemas.openxmlformats.org/presentationml/2006/main">
-  <p:cSld>
-    <p:spTree>
-      <p:nvGrpSpPr>
-        <p:cNvPr id="1" name=""/>
-        <p:cNvGrpSpPr/>
-        <p:nvPr/>
-      </p:nvGrpSpPr>
-      <p:grpSpPr>
-        <a:xfrm>
-          <a:off x="0" y="0"/>
-          <a:ext cx="0" cy="0"/>
-          <a:chOff x="0" y="0"/>
-          <a:chExt cx="0" cy="0"/>
-        </a:xfrm>
-      </p:grpSpPr>
-      <p:sp>
-        <p:nvSpPr>
-          <p:cNvPr id="2" name="Nadpis 1"/>
-          <p:cNvSpPr>
-            <a:spLocks noGrp="1"/>
-          </p:cNvSpPr>
-          <p:nvPr>
-            <p:ph type="title"/>
-          </p:nvPr>
-        </p:nvSpPr>
-        <p:spPr/>
-        <p:txBody>
-          <a:bodyPr/>
-          <a:lstStyle/>
-          <a:p>
-            <a:r>
-              <a:rPr lang="cs-CZ" dirty="0"/>
-              <a:t>Arduino Workshop </a:t>
-            </a:r>
-            <a:r>
-              <a:rPr lang="cs-CZ" dirty="0" smtClean="0"/>
-              <a:t>4</a:t>
-            </a:r>
-            <a:endParaRPr lang="cs-CZ" dirty="0"/>
-          </a:p>
-        </p:txBody>
-      </p:sp>
-      <p:sp>
-        <p:nvSpPr>
-          <p:cNvPr id="3" name="Zástupný symbol pro obsah 2"/>
-          <p:cNvSpPr>
-            <a:spLocks noGrp="1"/>
-          </p:cNvSpPr>
-          <p:nvPr>
-            <p:ph idx="1"/>
-          </p:nvPr>
-        </p:nvSpPr>
-        <p:spPr>
-          <a:xfrm>
-            <a:off x="1484310" y="1974273"/>
-            <a:ext cx="10018713" cy="4572000"/>
-          </a:xfrm>
-        </p:spPr>
-        <p:txBody>
-          <a:bodyPr>
-            <a:normAutofit/>
-          </a:bodyPr>
-          <a:lstStyle/>
-          <a:p>
-            <a:r>
-              <a:rPr lang="cs-CZ" dirty="0" smtClean="0"/>
-              <a:t>Co je to </a:t>
-            </a:r>
-            <a:r>
-              <a:rPr lang="cs-CZ" dirty="0" err="1" smtClean="0"/>
-              <a:t>Blynk</a:t>
-            </a:r>
-            <a:r>
-              <a:rPr lang="cs-CZ" dirty="0" smtClean="0"/>
-              <a:t>?</a:t>
-            </a:r>
-            <a:endParaRPr lang="cs-CZ" dirty="0"/>
-          </a:p>
-          <a:p>
-            <a:pPr lvl="1"/>
-            <a:r>
-              <a:rPr lang="cs-CZ" dirty="0" smtClean="0"/>
-              <a:t>Podporované HW platformy</a:t>
-            </a:r>
-            <a:endParaRPr lang="cs-CZ" dirty="0"/>
-          </a:p>
-          <a:p>
-            <a:pPr lvl="1"/>
-            <a:r>
-              <a:rPr lang="cs-CZ" dirty="0" smtClean="0"/>
-              <a:t>Příklady projektů</a:t>
-            </a:r>
-            <a:endParaRPr lang="cs-CZ" dirty="0"/>
-          </a:p>
-          <a:p>
-            <a:pPr lvl="1"/>
-            <a:r>
-              <a:rPr lang="cs-CZ" dirty="0" err="1"/>
-              <a:t>Blynk</a:t>
-            </a:r>
-            <a:r>
-              <a:rPr lang="cs-CZ" dirty="0"/>
-              <a:t> server &amp; instalace aplikace</a:t>
-            </a:r>
-          </a:p>
-          <a:p>
-            <a:r>
-              <a:rPr lang="cs-CZ" dirty="0" smtClean="0"/>
-              <a:t>ESP8266 &amp; ESP32</a:t>
-            </a:r>
-          </a:p>
-          <a:p>
-            <a:r>
-              <a:rPr lang="cs-CZ" dirty="0"/>
-              <a:t>Praktická </a:t>
-            </a:r>
-            <a:r>
-              <a:rPr lang="cs-CZ" dirty="0" smtClean="0"/>
-              <a:t>část 	</a:t>
-            </a:r>
-          </a:p>
-          <a:p>
-            <a:pPr lvl="1"/>
-            <a:r>
-              <a:rPr lang="cs-CZ" dirty="0" smtClean="0"/>
-              <a:t>Instalace podpory pro ESP32</a:t>
-            </a:r>
-          </a:p>
-          <a:p>
-            <a:pPr lvl="1"/>
-            <a:r>
-              <a:rPr lang="cs-CZ" dirty="0" smtClean="0"/>
-              <a:t>Zapojení HW a práce s aplikací</a:t>
-            </a:r>
-          </a:p>
-        </p:txBody>
-      </p:sp>
-      <p:sp>
-        <p:nvSpPr>
-          <p:cNvPr id="6" name="Zástupný symbol pro číslo snímku 5"/>
-          <p:cNvSpPr>
-            <a:spLocks noGrp="1"/>
-          </p:cNvSpPr>
-          <p:nvPr>
-            <p:ph type="sldNum" sz="quarter" idx="12"/>
-          </p:nvPr>
-        </p:nvSpPr>
-        <p:spPr/>
-        <p:txBody>
-          <a:bodyPr/>
-          <a:lstStyle/>
-          <a:p>
-            <a:fld id="{D57F1E4F-1CFF-5643-939E-217C01CDF565}" type="slidenum">
-              <a:rPr lang="en-US" smtClean="0"/>
-              <a:pPr/>
-              <a:t>2</a:t>
-            </a:fld>
-            <a:endParaRPr lang="en-US" dirty="0"/>
-          </a:p>
-        </p:txBody>
-      </p:sp>
-    </p:spTree>
-    <p:extLst>
-      <p:ext uri="{BB962C8B-B14F-4D97-AF65-F5344CB8AC3E}">
-        <p14:creationId xmlns:p14="http://schemas.microsoft.com/office/powerpoint/2010/main" val="2067306396"/>
-      </p:ext>
-    </p:extLst>
-  </p:cSld>
-  <p:clrMapOvr>
-    <a:masterClrMapping/>
-  </p:clrMapOvr>
-  <p:timing>
-    <p:tnLst>
-      <p:par>
-        <p:cTn id="1" dur="indefinite" restart="never" nodeType="tmRoot"/>
-      </p:par>
-    </p:tnLst>
-  </p:timing>
-</p:sld>
-</file>
-
-<file path=ppt/slides/slide20.xml><?xml version="1.0" encoding="utf-8"?>
-<p:sld xmlns:a="http://schemas.openxmlformats.org/drawingml/2006/main" xmlns:r="http://schemas.openxmlformats.org/officeDocument/2006/relationships" xmlns:p="http://schemas.openxmlformats.org/presentationml/2006/main">
-  <p:cSld>
-    <p:spTree>
-      <p:nvGrpSpPr>
-        <p:cNvPr id="1" name=""/>
-        <p:cNvGrpSpPr/>
-        <p:nvPr/>
-      </p:nvGrpSpPr>
-      <p:grpSpPr>
-        <a:xfrm>
-          <a:off x="0" y="0"/>
-          <a:ext cx="0" cy="0"/>
-          <a:chOff x="0" y="0"/>
-          <a:chExt cx="0" cy="0"/>
-        </a:xfrm>
-      </p:grpSpPr>
-      <p:sp>
-        <p:nvSpPr>
-          <p:cNvPr id="4" name="Zástupný symbol pro číslo snímku 3"/>
-          <p:cNvSpPr>
-            <a:spLocks noGrp="1"/>
-          </p:cNvSpPr>
-          <p:nvPr>
-            <p:ph type="sldNum" sz="quarter" idx="12"/>
-          </p:nvPr>
-        </p:nvSpPr>
-        <p:spPr/>
-        <p:txBody>
-          <a:bodyPr/>
-          <a:lstStyle/>
-          <a:p>
-            <a:fld id="{D57F1E4F-1CFF-5643-939E-217C01CDF565}" type="slidenum">
-              <a:rPr lang="en-US" smtClean="0"/>
-              <a:pPr/>
-              <a:t>20</a:t>
-            </a:fld>
-            <a:endParaRPr lang="en-US" dirty="0"/>
-          </a:p>
-        </p:txBody>
-      </p:sp>
-      <p:sp>
-        <p:nvSpPr>
-          <p:cNvPr id="6" name="Nadpis 1"/>
-          <p:cNvSpPr txBox="1">
-            <a:spLocks/>
-          </p:cNvSpPr>
-          <p:nvPr/>
-        </p:nvSpPr>
-        <p:spPr>
-          <a:xfrm>
-            <a:off x="3271654" y="109549"/>
-            <a:ext cx="6444024" cy="724396"/>
-          </a:xfrm>
-          <a:prstGeom prst="rect">
+          <a:prstGeom prst="rightArrow">
             <a:avLst/>
           </a:prstGeom>
-          <a:effectLst/>
-        </p:spPr>
-        <p:txBody>
-          <a:bodyPr vert="horz" lIns="91440" tIns="45720" rIns="91440" bIns="45720" rtlCol="0" anchor="ctr">
-            <a:normAutofit/>
-          </a:bodyPr>
-          <a:lstStyle>
-            <a:lvl1pPr algn="ctr" defTabSz="457200" rtl="0" eaLnBrk="1" latinLnBrk="0" hangingPunct="1">
-              <a:spcBef>
-                <a:spcPct val="0"/>
-              </a:spcBef>
-              <a:buNone/>
-              <a:defRPr sz="4000" kern="1200" cap="none">
-                <a:ln w="3175" cmpd="sng">
-                  <a:noFill/>
-                </a:ln>
-                <a:solidFill>
-                  <a:schemeClr val="tx1"/>
-                </a:solidFill>
-                <a:effectLst/>
-                <a:latin typeface="+mj-lt"/>
-                <a:ea typeface="+mj-ea"/>
-                <a:cs typeface="+mj-cs"/>
-              </a:defRPr>
-            </a:lvl1pPr>
-            <a:lvl2pPr eaLnBrk="1" hangingPunct="1">
-              <a:defRPr>
-                <a:solidFill>
-                  <a:schemeClr val="tx2"/>
-                </a:solidFill>
-              </a:defRPr>
-            </a:lvl2pPr>
-            <a:lvl3pPr eaLnBrk="1" hangingPunct="1">
-              <a:defRPr>
-                <a:solidFill>
-                  <a:schemeClr val="tx2"/>
-                </a:solidFill>
-              </a:defRPr>
-            </a:lvl3pPr>
-            <a:lvl4pPr eaLnBrk="1" hangingPunct="1">
-              <a:defRPr>
-                <a:solidFill>
-                  <a:schemeClr val="tx2"/>
-                </a:solidFill>
-              </a:defRPr>
-            </a:lvl4pPr>
-            <a:lvl5pPr eaLnBrk="1" hangingPunct="1">
-              <a:defRPr>
-                <a:solidFill>
-                  <a:schemeClr val="tx2"/>
-                </a:solidFill>
-              </a:defRPr>
-            </a:lvl5pPr>
-            <a:lvl6pPr eaLnBrk="1" hangingPunct="1">
-              <a:defRPr>
-                <a:solidFill>
-                  <a:schemeClr val="tx2"/>
-                </a:solidFill>
-              </a:defRPr>
-            </a:lvl6pPr>
-            <a:lvl7pPr eaLnBrk="1" hangingPunct="1">
-              <a:defRPr>
-                <a:solidFill>
-                  <a:schemeClr val="tx2"/>
-                </a:solidFill>
-              </a:defRPr>
-            </a:lvl7pPr>
-            <a:lvl8pPr eaLnBrk="1" hangingPunct="1">
-              <a:defRPr>
-                <a:solidFill>
-                  <a:schemeClr val="tx2"/>
-                </a:solidFill>
-              </a:defRPr>
-            </a:lvl8pPr>
-            <a:lvl9pPr eaLnBrk="1" hangingPunct="1">
-              <a:defRPr>
-                <a:solidFill>
-                  <a:schemeClr val="tx2"/>
-                </a:solidFill>
-              </a:defRPr>
-            </a:lvl9pPr>
-          </a:lstStyle>
-          <a:p>
-            <a:r>
-              <a:rPr lang="cs-CZ" dirty="0" err="1" smtClean="0"/>
-              <a:t>Arduino</a:t>
-            </a:r>
-            <a:r>
-              <a:rPr lang="cs-CZ" dirty="0" smtClean="0"/>
-              <a:t> IDE - </a:t>
-            </a:r>
-            <a:r>
-              <a:rPr lang="cs-CZ" dirty="0" err="1" smtClean="0"/>
-              <a:t>sketch</a:t>
-            </a:r>
-            <a:r>
-              <a:rPr lang="cs-CZ" dirty="0" smtClean="0"/>
-              <a:t> </a:t>
-            </a:r>
-            <a:endParaRPr lang="cs-CZ" dirty="0"/>
-          </a:p>
-        </p:txBody>
-      </p:sp>
-      <p:sp>
-        <p:nvSpPr>
-          <p:cNvPr id="2" name="Zástupný symbol pro obsah 1"/>
-          <p:cNvSpPr>
-            <a:spLocks noGrp="1"/>
-          </p:cNvSpPr>
-          <p:nvPr>
-            <p:ph idx="1"/>
-          </p:nvPr>
-        </p:nvSpPr>
-        <p:spPr>
-          <a:xfrm>
-            <a:off x="1484310" y="715651"/>
-            <a:ext cx="10018713" cy="5666295"/>
-          </a:xfrm>
-        </p:spPr>
-        <p:txBody>
-          <a:bodyPr>
-            <a:normAutofit/>
-          </a:bodyPr>
-          <a:lstStyle/>
-          <a:p>
-            <a:endParaRPr lang="cs-CZ" dirty="0" smtClean="0"/>
-          </a:p>
-          <a:p>
-            <a:r>
-              <a:rPr lang="cs-CZ" dirty="0" smtClean="0"/>
-              <a:t>Podpora pro ESP32: </a:t>
-            </a:r>
-            <a:r>
-              <a:rPr lang="cs-CZ" dirty="0">
-                <a:hlinkClick r:id="rId3"/>
-              </a:rPr>
-              <a:t>https://</a:t>
-            </a:r>
-            <a:r>
-              <a:rPr lang="cs-CZ" dirty="0" smtClean="0">
-                <a:hlinkClick r:id="rId3"/>
-              </a:rPr>
-              <a:t>raw.githubusercontent.com/espressif/arduino-esp32/gh-pages/package_esp32_index.json</a:t>
-            </a:r>
-            <a:r>
-              <a:rPr lang="cs-CZ" dirty="0" smtClean="0"/>
-              <a:t> </a:t>
-            </a:r>
-            <a:endParaRPr lang="cs-CZ" dirty="0"/>
-          </a:p>
-          <a:p>
-            <a:r>
-              <a:rPr lang="cs-CZ" dirty="0" smtClean="0"/>
-              <a:t>Knihovny </a:t>
-            </a:r>
-            <a:r>
-              <a:rPr lang="cs-CZ" dirty="0" smtClean="0"/>
-              <a:t>které je potřeba nainstalovat:</a:t>
-            </a:r>
-          </a:p>
-          <a:p>
-            <a:pPr lvl="1"/>
-            <a:r>
-              <a:rPr lang="cs-CZ" dirty="0">
-                <a:hlinkClick r:id="rId4"/>
-              </a:rPr>
-              <a:t>https://</a:t>
-            </a:r>
-            <a:r>
-              <a:rPr lang="cs-CZ" dirty="0" smtClean="0">
-                <a:hlinkClick r:id="rId4"/>
-              </a:rPr>
-              <a:t>github.com/bertmelis/Ticker-esp32</a:t>
-            </a:r>
-            <a:r>
-              <a:rPr lang="cs-CZ" dirty="0" smtClean="0"/>
-              <a:t> (instalovat ze zipu)</a:t>
-            </a:r>
-          </a:p>
-          <a:p>
-            <a:pPr lvl="1"/>
-            <a:r>
-              <a:rPr lang="cs-CZ" dirty="0" smtClean="0">
-                <a:hlinkClick r:id="rId5"/>
-              </a:rPr>
-              <a:t>https</a:t>
-            </a:r>
-            <a:r>
-              <a:rPr lang="cs-CZ" dirty="0">
-                <a:hlinkClick r:id="rId5"/>
-              </a:rPr>
-              <a:t>://</a:t>
-            </a:r>
-            <a:r>
-              <a:rPr lang="cs-CZ" dirty="0" smtClean="0">
-                <a:hlinkClick r:id="rId5"/>
-              </a:rPr>
-              <a:t>github.com/jfturcot/SimpleTimer</a:t>
-            </a:r>
-            <a:r>
-              <a:rPr lang="cs-CZ" dirty="0" smtClean="0"/>
-              <a:t> </a:t>
-            </a:r>
-            <a:r>
-              <a:rPr lang="cs-CZ" dirty="0"/>
-              <a:t>(instalovat ze zipu</a:t>
-            </a:r>
-            <a:r>
-              <a:rPr lang="cs-CZ" dirty="0" smtClean="0"/>
-              <a:t>)</a:t>
-            </a:r>
-          </a:p>
-          <a:p>
-            <a:pPr lvl="1"/>
-            <a:r>
-              <a:rPr lang="cs-CZ" dirty="0">
-                <a:hlinkClick r:id="rId6"/>
-              </a:rPr>
-              <a:t>https://github.com/beegee-tokyo/DHTesp</a:t>
-            </a:r>
-            <a:r>
-              <a:rPr lang="cs-CZ" dirty="0"/>
-              <a:t> (manažer knihoven: </a:t>
-            </a:r>
-            <a:r>
-              <a:rPr lang="cs-CZ" b="1" dirty="0"/>
-              <a:t>DHT sensor </a:t>
-            </a:r>
-            <a:r>
-              <a:rPr lang="cs-CZ" b="1" dirty="0" err="1"/>
-              <a:t>library</a:t>
-            </a:r>
-            <a:r>
-              <a:rPr lang="cs-CZ" b="1" dirty="0"/>
-              <a:t> </a:t>
-            </a:r>
-            <a:r>
-              <a:rPr lang="cs-CZ" b="1" dirty="0" err="1"/>
-              <a:t>for</a:t>
-            </a:r>
-            <a:r>
-              <a:rPr lang="cs-CZ" b="1" dirty="0"/>
-              <a:t> </a:t>
-            </a:r>
-            <a:r>
-              <a:rPr lang="cs-CZ" b="1" dirty="0" err="1"/>
-              <a:t>ESPx</a:t>
-            </a:r>
-            <a:r>
-              <a:rPr lang="cs-CZ" dirty="0"/>
-              <a:t>)</a:t>
-            </a:r>
-          </a:p>
-          <a:p>
-            <a:pPr lvl="1"/>
-            <a:r>
-              <a:rPr lang="cs-CZ" b="1" dirty="0" smtClean="0"/>
-              <a:t>Blynk</a:t>
-            </a:r>
-            <a:r>
-              <a:rPr lang="cs-CZ" dirty="0" smtClean="0"/>
-              <a:t> </a:t>
-            </a:r>
-            <a:r>
-              <a:rPr lang="cs-CZ" dirty="0"/>
-              <a:t>(manažer knihoven: </a:t>
-            </a:r>
-            <a:r>
-              <a:rPr lang="cs-CZ" dirty="0" smtClean="0"/>
-              <a:t>Blynk</a:t>
-            </a:r>
-            <a:r>
-              <a:rPr lang="cs-CZ" dirty="0" smtClean="0"/>
-              <a:t>) – </a:t>
-            </a:r>
-            <a:r>
-              <a:rPr lang="cs-CZ" b="1" dirty="0" smtClean="0">
-                <a:solidFill>
-                  <a:srgbClr val="FF0000"/>
-                </a:solidFill>
-              </a:rPr>
-              <a:t>NEZAPOMENOUT NAINSTALOVAT</a:t>
-            </a:r>
-            <a:endParaRPr lang="cs-CZ" b="1" dirty="0">
-              <a:solidFill>
-                <a:srgbClr val="FF0000"/>
-              </a:solidFill>
-            </a:endParaRPr>
-          </a:p>
-          <a:p>
-            <a:pPr lvl="1"/>
-            <a:endParaRPr lang="cs-CZ" dirty="0" smtClean="0"/>
-          </a:p>
-          <a:p>
-            <a:pPr lvl="1"/>
-            <a:r>
-              <a:rPr lang="cs-CZ" dirty="0" err="1" smtClean="0"/>
-              <a:t>Sketch</a:t>
-            </a:r>
-            <a:r>
-              <a:rPr lang="cs-CZ" dirty="0" smtClean="0"/>
-              <a:t> si stáhněte z webové stránky:</a:t>
-            </a:r>
-          </a:p>
-          <a:p>
-            <a:pPr lvl="2"/>
-            <a:r>
-              <a:rPr lang="cs-CZ" dirty="0">
-                <a:hlinkClick r:id="rId7"/>
-              </a:rPr>
-              <a:t>https://</a:t>
-            </a:r>
-            <a:r>
-              <a:rPr lang="cs-CZ" dirty="0" smtClean="0">
-                <a:hlinkClick r:id="rId7"/>
-              </a:rPr>
-              <a:t>github.com/fablab-brno/Arduino-Akademie</a:t>
-            </a:r>
-            <a:r>
-              <a:rPr lang="cs-CZ" dirty="0" smtClean="0"/>
-              <a:t> -&gt; Workshop 4 -&gt; </a:t>
-            </a:r>
-            <a:r>
-              <a:rPr lang="cs-CZ" dirty="0" err="1" smtClean="0"/>
-              <a:t>Blynk_Workshop</a:t>
-            </a:r>
-            <a:endParaRPr lang="cs-CZ" dirty="0"/>
-          </a:p>
-          <a:p>
-            <a:pPr lvl="1"/>
-            <a:endParaRPr lang="cs-CZ" dirty="0"/>
-          </a:p>
-        </p:txBody>
-      </p:sp>
-      <p:sp>
-        <p:nvSpPr>
-          <p:cNvPr id="3" name="Obdélník 2"/>
-          <p:cNvSpPr/>
-          <p:nvPr/>
-        </p:nvSpPr>
-        <p:spPr>
-          <a:xfrm>
-            <a:off x="4091528" y="2136348"/>
-            <a:ext cx="1035303" cy="437169"/>
-          </a:xfrm>
-          <a:prstGeom prst="rect">
-            <a:avLst/>
-          </a:prstGeom>
-          <a:noFill/>
-          <a:ln w="38100">
+          <a:solidFill>
+            <a:srgbClr val="FF0000"/>
+          </a:solidFill>
+          <a:ln>
             <a:solidFill>
               <a:srgbClr val="FF0000"/>
             </a:solidFill>
@@ -13186,20 +12798,869 @@
     </p:spTree>
     <p:extLst>
       <p:ext uri="{BB962C8B-B14F-4D97-AF65-F5344CB8AC3E}">
-        <p14:creationId xmlns:p14="http://schemas.microsoft.com/office/powerpoint/2010/main" val="2944603715"/>
+        <p14:creationId xmlns:p14="http://schemas.microsoft.com/office/powerpoint/2010/main" val="3529437965"/>
       </p:ext>
     </p:extLst>
   </p:cSld>
   <p:clrMapOvr>
     <a:masterClrMapping/>
   </p:clrMapOvr>
-  <p:timing>
-    <p:tnLst>
-      <p:par>
-        <p:cTn id="1" dur="indefinite" restart="never" nodeType="tmRoot"/>
-      </p:par>
-    </p:tnLst>
-  </p:timing>
+</p:sld>
+</file>
+
+<file path=ppt/slides/slide2.xml><?xml version="1.0" encoding="utf-8"?>
+<p:sld xmlns:a="http://schemas.openxmlformats.org/drawingml/2006/main" xmlns:r="http://schemas.openxmlformats.org/officeDocument/2006/relationships" xmlns:p="http://schemas.openxmlformats.org/presentationml/2006/main">
+  <p:cSld>
+    <p:spTree>
+      <p:nvGrpSpPr>
+        <p:cNvPr id="1" name=""/>
+        <p:cNvGrpSpPr/>
+        <p:nvPr/>
+      </p:nvGrpSpPr>
+      <p:grpSpPr>
+        <a:xfrm>
+          <a:off x="0" y="0"/>
+          <a:ext cx="0" cy="0"/>
+          <a:chOff x="0" y="0"/>
+          <a:chExt cx="0" cy="0"/>
+        </a:xfrm>
+      </p:grpSpPr>
+      <p:sp>
+        <p:nvSpPr>
+          <p:cNvPr id="2" name="Nadpis 1"/>
+          <p:cNvSpPr>
+            <a:spLocks noGrp="1"/>
+          </p:cNvSpPr>
+          <p:nvPr>
+            <p:ph type="title"/>
+          </p:nvPr>
+        </p:nvSpPr>
+        <p:spPr/>
+        <p:txBody>
+          <a:bodyPr/>
+          <a:lstStyle/>
+          <a:p>
+            <a:r>
+              <a:rPr lang="cs-CZ" dirty="0"/>
+              <a:t>Arduino Workshop 4</a:t>
+            </a:r>
+          </a:p>
+        </p:txBody>
+      </p:sp>
+      <p:sp>
+        <p:nvSpPr>
+          <p:cNvPr id="3" name="Zástupný symbol pro obsah 2"/>
+          <p:cNvSpPr>
+            <a:spLocks noGrp="1"/>
+          </p:cNvSpPr>
+          <p:nvPr>
+            <p:ph idx="1"/>
+          </p:nvPr>
+        </p:nvSpPr>
+        <p:spPr>
+          <a:xfrm>
+            <a:off x="1484310" y="1974273"/>
+            <a:ext cx="10018713" cy="4572000"/>
+          </a:xfrm>
+        </p:spPr>
+        <p:txBody>
+          <a:bodyPr>
+            <a:normAutofit/>
+          </a:bodyPr>
+          <a:lstStyle/>
+          <a:p>
+            <a:r>
+              <a:rPr lang="cs-CZ" dirty="0"/>
+              <a:t>Co je to </a:t>
+            </a:r>
+            <a:r>
+              <a:rPr lang="cs-CZ" dirty="0" err="1"/>
+              <a:t>Blynk</a:t>
+            </a:r>
+            <a:r>
+              <a:rPr lang="cs-CZ" dirty="0"/>
+              <a:t>?</a:t>
+            </a:r>
+          </a:p>
+          <a:p>
+            <a:pPr lvl="1"/>
+            <a:r>
+              <a:rPr lang="cs-CZ" dirty="0"/>
+              <a:t>Podporované HW platformy</a:t>
+            </a:r>
+          </a:p>
+          <a:p>
+            <a:pPr lvl="1"/>
+            <a:r>
+              <a:rPr lang="cs-CZ" dirty="0"/>
+              <a:t>Příklady projektů</a:t>
+            </a:r>
+          </a:p>
+          <a:p>
+            <a:pPr lvl="1"/>
+            <a:r>
+              <a:rPr lang="cs-CZ" dirty="0" err="1"/>
+              <a:t>Blynk</a:t>
+            </a:r>
+            <a:r>
+              <a:rPr lang="cs-CZ" dirty="0"/>
+              <a:t> server &amp; instalace aplikace</a:t>
+            </a:r>
+          </a:p>
+          <a:p>
+            <a:r>
+              <a:rPr lang="cs-CZ" dirty="0"/>
+              <a:t>ESP8266 &amp; ESP32</a:t>
+            </a:r>
+          </a:p>
+          <a:p>
+            <a:r>
+              <a:rPr lang="cs-CZ" dirty="0"/>
+              <a:t>Praktická část 	</a:t>
+            </a:r>
+          </a:p>
+          <a:p>
+            <a:pPr lvl="1"/>
+            <a:r>
+              <a:rPr lang="cs-CZ" dirty="0"/>
+              <a:t>Instalace podpory pro ESP32</a:t>
+            </a:r>
+          </a:p>
+          <a:p>
+            <a:pPr lvl="1"/>
+            <a:r>
+              <a:rPr lang="cs-CZ" dirty="0"/>
+              <a:t>Instalace knihoven a kopírování </a:t>
+            </a:r>
+            <a:r>
+              <a:rPr lang="cs-CZ" dirty="0" err="1"/>
+              <a:t>sketche</a:t>
+            </a:r>
+            <a:endParaRPr lang="cs-CZ" dirty="0"/>
+          </a:p>
+          <a:p>
+            <a:pPr lvl="1"/>
+            <a:r>
+              <a:rPr lang="cs-CZ" dirty="0"/>
+              <a:t>Zapojení HW a práce s aplikací</a:t>
+            </a:r>
+          </a:p>
+        </p:txBody>
+      </p:sp>
+      <p:sp>
+        <p:nvSpPr>
+          <p:cNvPr id="6" name="Zástupný symbol pro číslo snímku 5"/>
+          <p:cNvSpPr>
+            <a:spLocks noGrp="1"/>
+          </p:cNvSpPr>
+          <p:nvPr>
+            <p:ph type="sldNum" sz="quarter" idx="12"/>
+          </p:nvPr>
+        </p:nvSpPr>
+        <p:spPr/>
+        <p:txBody>
+          <a:bodyPr/>
+          <a:lstStyle/>
+          <a:p>
+            <a:fld id="{D57F1E4F-1CFF-5643-939E-217C01CDF565}" type="slidenum">
+              <a:rPr lang="en-US" smtClean="0"/>
+              <a:pPr/>
+              <a:t>2</a:t>
+            </a:fld>
+            <a:endParaRPr lang="en-US" dirty="0"/>
+          </a:p>
+        </p:txBody>
+      </p:sp>
+    </p:spTree>
+    <p:extLst>
+      <p:ext uri="{BB962C8B-B14F-4D97-AF65-F5344CB8AC3E}">
+        <p14:creationId xmlns:p14="http://schemas.microsoft.com/office/powerpoint/2010/main" val="2067306396"/>
+      </p:ext>
+    </p:extLst>
+  </p:cSld>
+  <p:clrMapOvr>
+    <a:masterClrMapping/>
+  </p:clrMapOvr>
+</p:sld>
+</file>
+
+<file path=ppt/slides/slide20.xml><?xml version="1.0" encoding="utf-8"?>
+<p:sld xmlns:a="http://schemas.openxmlformats.org/drawingml/2006/main" xmlns:r="http://schemas.openxmlformats.org/officeDocument/2006/relationships" xmlns:p="http://schemas.openxmlformats.org/presentationml/2006/main">
+  <p:cSld>
+    <p:spTree>
+      <p:nvGrpSpPr>
+        <p:cNvPr id="1" name=""/>
+        <p:cNvGrpSpPr/>
+        <p:nvPr/>
+      </p:nvGrpSpPr>
+      <p:grpSpPr>
+        <a:xfrm>
+          <a:off x="0" y="0"/>
+          <a:ext cx="0" cy="0"/>
+          <a:chOff x="0" y="0"/>
+          <a:chExt cx="0" cy="0"/>
+        </a:xfrm>
+      </p:grpSpPr>
+      <p:pic>
+        <p:nvPicPr>
+          <p:cNvPr id="7" name="Obrázek 6">
+            <a:extLst>
+              <a:ext uri="{FF2B5EF4-FFF2-40B4-BE49-F238E27FC236}">
+                <a16:creationId xmlns:a16="http://schemas.microsoft.com/office/drawing/2014/main" id="{531D5CB4-69CD-430C-A5DC-0E1ED8736D79}"/>
+              </a:ext>
+            </a:extLst>
+          </p:cNvPr>
+          <p:cNvPicPr>
+            <a:picLocks noChangeAspect="1"/>
+          </p:cNvPicPr>
+          <p:nvPr/>
+        </p:nvPicPr>
+        <p:blipFill>
+          <a:blip r:embed="rId3"/>
+          <a:stretch>
+            <a:fillRect/>
+          </a:stretch>
+        </p:blipFill>
+        <p:spPr>
+          <a:xfrm>
+            <a:off x="1490479" y="1381125"/>
+            <a:ext cx="3562350" cy="3524250"/>
+          </a:xfrm>
+          <a:prstGeom prst="rect">
+            <a:avLst/>
+          </a:prstGeom>
+        </p:spPr>
+      </p:pic>
+      <p:sp>
+        <p:nvSpPr>
+          <p:cNvPr id="4" name="Zástupný symbol pro číslo snímku 3"/>
+          <p:cNvSpPr>
+            <a:spLocks noGrp="1"/>
+          </p:cNvSpPr>
+          <p:nvPr>
+            <p:ph type="sldNum" sz="quarter" idx="12"/>
+          </p:nvPr>
+        </p:nvSpPr>
+        <p:spPr/>
+        <p:txBody>
+          <a:bodyPr/>
+          <a:lstStyle/>
+          <a:p>
+            <a:fld id="{D57F1E4F-1CFF-5643-939E-217C01CDF565}" type="slidenum">
+              <a:rPr lang="en-US" smtClean="0"/>
+              <a:pPr/>
+              <a:t>20</a:t>
+            </a:fld>
+            <a:endParaRPr lang="en-US" dirty="0"/>
+          </a:p>
+        </p:txBody>
+      </p:sp>
+      <p:sp>
+        <p:nvSpPr>
+          <p:cNvPr id="6" name="Nadpis 1"/>
+          <p:cNvSpPr txBox="1">
+            <a:spLocks/>
+          </p:cNvSpPr>
+          <p:nvPr/>
+        </p:nvSpPr>
+        <p:spPr>
+          <a:xfrm>
+            <a:off x="3271654" y="109549"/>
+            <a:ext cx="6444024" cy="724396"/>
+          </a:xfrm>
+          <a:prstGeom prst="rect">
+            <a:avLst/>
+          </a:prstGeom>
+          <a:effectLst/>
+        </p:spPr>
+        <p:txBody>
+          <a:bodyPr vert="horz" lIns="91440" tIns="45720" rIns="91440" bIns="45720" rtlCol="0" anchor="ctr">
+            <a:normAutofit/>
+          </a:bodyPr>
+          <a:lstStyle>
+            <a:lvl1pPr algn="ctr" defTabSz="457200" rtl="0" eaLnBrk="1" latinLnBrk="0" hangingPunct="1">
+              <a:spcBef>
+                <a:spcPct val="0"/>
+              </a:spcBef>
+              <a:buNone/>
+              <a:defRPr sz="4000" kern="1200" cap="none">
+                <a:ln w="3175" cmpd="sng">
+                  <a:noFill/>
+                </a:ln>
+                <a:solidFill>
+                  <a:schemeClr val="tx1"/>
+                </a:solidFill>
+                <a:effectLst/>
+                <a:latin typeface="+mj-lt"/>
+                <a:ea typeface="+mj-ea"/>
+                <a:cs typeface="+mj-cs"/>
+              </a:defRPr>
+            </a:lvl1pPr>
+            <a:lvl2pPr eaLnBrk="1" hangingPunct="1">
+              <a:defRPr>
+                <a:solidFill>
+                  <a:schemeClr val="tx2"/>
+                </a:solidFill>
+              </a:defRPr>
+            </a:lvl2pPr>
+            <a:lvl3pPr eaLnBrk="1" hangingPunct="1">
+              <a:defRPr>
+                <a:solidFill>
+                  <a:schemeClr val="tx2"/>
+                </a:solidFill>
+              </a:defRPr>
+            </a:lvl3pPr>
+            <a:lvl4pPr eaLnBrk="1" hangingPunct="1">
+              <a:defRPr>
+                <a:solidFill>
+                  <a:schemeClr val="tx2"/>
+                </a:solidFill>
+              </a:defRPr>
+            </a:lvl4pPr>
+            <a:lvl5pPr eaLnBrk="1" hangingPunct="1">
+              <a:defRPr>
+                <a:solidFill>
+                  <a:schemeClr val="tx2"/>
+                </a:solidFill>
+              </a:defRPr>
+            </a:lvl5pPr>
+            <a:lvl6pPr eaLnBrk="1" hangingPunct="1">
+              <a:defRPr>
+                <a:solidFill>
+                  <a:schemeClr val="tx2"/>
+                </a:solidFill>
+              </a:defRPr>
+            </a:lvl6pPr>
+            <a:lvl7pPr eaLnBrk="1" hangingPunct="1">
+              <a:defRPr>
+                <a:solidFill>
+                  <a:schemeClr val="tx2"/>
+                </a:solidFill>
+              </a:defRPr>
+            </a:lvl7pPr>
+            <a:lvl8pPr eaLnBrk="1" hangingPunct="1">
+              <a:defRPr>
+                <a:solidFill>
+                  <a:schemeClr val="tx2"/>
+                </a:solidFill>
+              </a:defRPr>
+            </a:lvl8pPr>
+            <a:lvl9pPr eaLnBrk="1" hangingPunct="1">
+              <a:defRPr>
+                <a:solidFill>
+                  <a:schemeClr val="tx2"/>
+                </a:solidFill>
+              </a:defRPr>
+            </a:lvl9pPr>
+          </a:lstStyle>
+          <a:p>
+            <a:r>
+              <a:rPr lang="cs-CZ" dirty="0"/>
+              <a:t>Instalace podpory pro ESP32 </a:t>
+            </a:r>
+          </a:p>
+        </p:txBody>
+      </p:sp>
+      <p:sp>
+        <p:nvSpPr>
+          <p:cNvPr id="2" name="Zástupný symbol pro obsah 1"/>
+          <p:cNvSpPr>
+            <a:spLocks noGrp="1"/>
+          </p:cNvSpPr>
+          <p:nvPr>
+            <p:ph idx="1"/>
+          </p:nvPr>
+        </p:nvSpPr>
+        <p:spPr>
+          <a:xfrm>
+            <a:off x="1484310" y="824123"/>
+            <a:ext cx="10018713" cy="745504"/>
+          </a:xfrm>
+        </p:spPr>
+        <p:txBody>
+          <a:bodyPr/>
+          <a:lstStyle/>
+          <a:p>
+            <a:pPr marL="0" indent="0">
+              <a:buNone/>
+            </a:pPr>
+            <a:r>
+              <a:rPr lang="cs-CZ" dirty="0"/>
+              <a:t>V </a:t>
+            </a:r>
+            <a:r>
+              <a:rPr lang="cs-CZ" dirty="0" err="1"/>
+              <a:t>Arduino</a:t>
+            </a:r>
+            <a:r>
+              <a:rPr lang="cs-CZ" dirty="0"/>
+              <a:t> IDE -&gt; Soubor -&gt; Vlastnosti</a:t>
+            </a:r>
+          </a:p>
+        </p:txBody>
+      </p:sp>
+      <p:sp>
+        <p:nvSpPr>
+          <p:cNvPr id="5" name="Šipka doprava 4"/>
+          <p:cNvSpPr/>
+          <p:nvPr/>
+        </p:nvSpPr>
+        <p:spPr>
+          <a:xfrm rot="10800000">
+            <a:off x="3782701" y="4099110"/>
+            <a:ext cx="480767" cy="197963"/>
+          </a:xfrm>
+          <a:prstGeom prst="rightArrow">
+            <a:avLst/>
+          </a:prstGeom>
+          <a:solidFill>
+            <a:srgbClr val="FF0000"/>
+          </a:solidFill>
+          <a:ln>
+            <a:solidFill>
+              <a:srgbClr val="FF0000"/>
+            </a:solidFill>
+          </a:ln>
+        </p:spPr>
+        <p:style>
+          <a:lnRef idx="2">
+            <a:schemeClr val="accent1">
+              <a:shade val="50000"/>
+            </a:schemeClr>
+          </a:lnRef>
+          <a:fillRef idx="1">
+            <a:schemeClr val="accent1"/>
+          </a:fillRef>
+          <a:effectRef idx="0">
+            <a:schemeClr val="accent1"/>
+          </a:effectRef>
+          <a:fontRef idx="minor">
+            <a:schemeClr val="lt1"/>
+          </a:fontRef>
+        </p:style>
+        <p:txBody>
+          <a:bodyPr rtlCol="0" anchor="ctr"/>
+          <a:lstStyle/>
+          <a:p>
+            <a:pPr algn="ctr"/>
+            <a:endParaRPr lang="cs-CZ"/>
+          </a:p>
+        </p:txBody>
+      </p:sp>
+      <p:sp>
+        <p:nvSpPr>
+          <p:cNvPr id="12" name="Šipka doprava 4">
+            <a:extLst>
+              <a:ext uri="{FF2B5EF4-FFF2-40B4-BE49-F238E27FC236}">
+                <a16:creationId xmlns:a16="http://schemas.microsoft.com/office/drawing/2014/main" id="{B5E15F1B-175F-46B3-BC82-22CEF817F8CF}"/>
+              </a:ext>
+            </a:extLst>
+          </p:cNvPr>
+          <p:cNvSpPr/>
+          <p:nvPr/>
+        </p:nvSpPr>
+        <p:spPr>
+          <a:xfrm>
+            <a:off x="5340912" y="3039537"/>
+            <a:ext cx="480767" cy="197963"/>
+          </a:xfrm>
+          <a:prstGeom prst="rightArrow">
+            <a:avLst/>
+          </a:prstGeom>
+          <a:solidFill>
+            <a:srgbClr val="FF0000"/>
+          </a:solidFill>
+          <a:ln>
+            <a:solidFill>
+              <a:srgbClr val="FF0000"/>
+            </a:solidFill>
+          </a:ln>
+        </p:spPr>
+        <p:style>
+          <a:lnRef idx="2">
+            <a:schemeClr val="accent1">
+              <a:shade val="50000"/>
+            </a:schemeClr>
+          </a:lnRef>
+          <a:fillRef idx="1">
+            <a:schemeClr val="accent1"/>
+          </a:fillRef>
+          <a:effectRef idx="0">
+            <a:schemeClr val="accent1"/>
+          </a:effectRef>
+          <a:fontRef idx="minor">
+            <a:schemeClr val="lt1"/>
+          </a:fontRef>
+        </p:style>
+        <p:txBody>
+          <a:bodyPr rtlCol="0" anchor="ctr"/>
+          <a:lstStyle/>
+          <a:p>
+            <a:pPr algn="ctr"/>
+            <a:endParaRPr lang="cs-CZ"/>
+          </a:p>
+        </p:txBody>
+      </p:sp>
+      <p:pic>
+        <p:nvPicPr>
+          <p:cNvPr id="10" name="Obrázek 9">
+            <a:extLst>
+              <a:ext uri="{FF2B5EF4-FFF2-40B4-BE49-F238E27FC236}">
+                <a16:creationId xmlns:a16="http://schemas.microsoft.com/office/drawing/2014/main" id="{9E5AB033-9FA8-4CFE-94A6-74F11CE6911C}"/>
+              </a:ext>
+            </a:extLst>
+          </p:cNvPr>
+          <p:cNvPicPr>
+            <a:picLocks noChangeAspect="1"/>
+          </p:cNvPicPr>
+          <p:nvPr/>
+        </p:nvPicPr>
+        <p:blipFill>
+          <a:blip r:embed="rId4"/>
+          <a:stretch>
+            <a:fillRect/>
+          </a:stretch>
+        </p:blipFill>
+        <p:spPr>
+          <a:xfrm>
+            <a:off x="6179483" y="1590760"/>
+            <a:ext cx="5524359" cy="3314615"/>
+          </a:xfrm>
+          <a:prstGeom prst="rect">
+            <a:avLst/>
+          </a:prstGeom>
+        </p:spPr>
+      </p:pic>
+      <p:sp>
+        <p:nvSpPr>
+          <p:cNvPr id="13" name="Šipka doprava 4">
+            <a:extLst>
+              <a:ext uri="{FF2B5EF4-FFF2-40B4-BE49-F238E27FC236}">
+                <a16:creationId xmlns:a16="http://schemas.microsoft.com/office/drawing/2014/main" id="{8AF74B9D-7CEE-4475-BC95-5EA9779EED87}"/>
+              </a:ext>
+            </a:extLst>
+          </p:cNvPr>
+          <p:cNvSpPr/>
+          <p:nvPr/>
+        </p:nvSpPr>
+        <p:spPr>
+          <a:xfrm rot="10800000">
+            <a:off x="10951856" y="4037855"/>
+            <a:ext cx="480767" cy="197963"/>
+          </a:xfrm>
+          <a:prstGeom prst="rightArrow">
+            <a:avLst/>
+          </a:prstGeom>
+          <a:solidFill>
+            <a:srgbClr val="FF0000"/>
+          </a:solidFill>
+          <a:ln>
+            <a:solidFill>
+              <a:srgbClr val="FF0000"/>
+            </a:solidFill>
+          </a:ln>
+        </p:spPr>
+        <p:style>
+          <a:lnRef idx="2">
+            <a:schemeClr val="accent1">
+              <a:shade val="50000"/>
+            </a:schemeClr>
+          </a:lnRef>
+          <a:fillRef idx="1">
+            <a:schemeClr val="accent1"/>
+          </a:fillRef>
+          <a:effectRef idx="0">
+            <a:schemeClr val="accent1"/>
+          </a:effectRef>
+          <a:fontRef idx="minor">
+            <a:schemeClr val="lt1"/>
+          </a:fontRef>
+        </p:style>
+        <p:txBody>
+          <a:bodyPr rtlCol="0" anchor="ctr"/>
+          <a:lstStyle/>
+          <a:p>
+            <a:pPr algn="ctr"/>
+            <a:endParaRPr lang="cs-CZ"/>
+          </a:p>
+        </p:txBody>
+      </p:sp>
+      <p:sp>
+        <p:nvSpPr>
+          <p:cNvPr id="14" name="Zástupný symbol pro obsah 1">
+            <a:extLst>
+              <a:ext uri="{FF2B5EF4-FFF2-40B4-BE49-F238E27FC236}">
+                <a16:creationId xmlns:a16="http://schemas.microsoft.com/office/drawing/2014/main" id="{59FA9318-BE3C-4A27-A25D-4309F9DF952E}"/>
+              </a:ext>
+            </a:extLst>
+          </p:cNvPr>
+          <p:cNvSpPr txBox="1">
+            <a:spLocks/>
+          </p:cNvSpPr>
+          <p:nvPr/>
+        </p:nvSpPr>
+        <p:spPr>
+          <a:xfrm>
+            <a:off x="6389685" y="4824822"/>
+            <a:ext cx="4964115" cy="745504"/>
+          </a:xfrm>
+          <a:prstGeom prst="rect">
+            <a:avLst/>
+          </a:prstGeom>
+        </p:spPr>
+        <p:txBody>
+          <a:bodyPr vert="horz" lIns="91440" tIns="45720" rIns="91440" bIns="45720" rtlCol="0" anchor="ctr">
+            <a:normAutofit/>
+          </a:bodyPr>
+          <a:lstStyle>
+            <a:lvl1pPr marL="285750" indent="-285750" algn="l" defTabSz="457200" rtl="0" eaLnBrk="1" latinLnBrk="0" hangingPunct="1">
+              <a:spcBef>
+                <a:spcPct val="20000"/>
+              </a:spcBef>
+              <a:spcAft>
+                <a:spcPts val="600"/>
+              </a:spcAft>
+              <a:buClr>
+                <a:schemeClr val="accent1">
+                  <a:lumMod val="75000"/>
+                </a:schemeClr>
+              </a:buClr>
+              <a:buSzPct val="145000"/>
+              <a:buFont typeface="Arial"/>
+              <a:buChar char="•"/>
+              <a:defRPr sz="2400" kern="1200" cap="none">
+                <a:solidFill>
+                  <a:schemeClr val="tx1"/>
+                </a:solidFill>
+                <a:effectLst/>
+                <a:latin typeface="+mn-lt"/>
+                <a:ea typeface="+mn-ea"/>
+                <a:cs typeface="+mn-cs"/>
+              </a:defRPr>
+            </a:lvl1pPr>
+            <a:lvl2pPr marL="742950" indent="-285750" algn="l" defTabSz="457200" rtl="0" eaLnBrk="1" latinLnBrk="0" hangingPunct="1">
+              <a:spcBef>
+                <a:spcPct val="20000"/>
+              </a:spcBef>
+              <a:spcAft>
+                <a:spcPts val="600"/>
+              </a:spcAft>
+              <a:buClr>
+                <a:schemeClr val="accent1">
+                  <a:lumMod val="75000"/>
+                </a:schemeClr>
+              </a:buClr>
+              <a:buSzPct val="145000"/>
+              <a:buFont typeface="Arial"/>
+              <a:buChar char="•"/>
+              <a:defRPr sz="2000" kern="1200" cap="none">
+                <a:solidFill>
+                  <a:schemeClr val="tx1"/>
+                </a:solidFill>
+                <a:effectLst/>
+                <a:latin typeface="+mn-lt"/>
+                <a:ea typeface="+mn-ea"/>
+                <a:cs typeface="+mn-cs"/>
+              </a:defRPr>
+            </a:lvl2pPr>
+            <a:lvl3pPr marL="1200150" indent="-285750" algn="l" defTabSz="457200" rtl="0" eaLnBrk="1" latinLnBrk="0" hangingPunct="1">
+              <a:spcBef>
+                <a:spcPct val="20000"/>
+              </a:spcBef>
+              <a:spcAft>
+                <a:spcPts val="600"/>
+              </a:spcAft>
+              <a:buClr>
+                <a:schemeClr val="accent1">
+                  <a:lumMod val="75000"/>
+                </a:schemeClr>
+              </a:buClr>
+              <a:buSzPct val="145000"/>
+              <a:buFont typeface="Arial"/>
+              <a:buChar char="•"/>
+              <a:defRPr sz="1800" kern="1200" cap="none">
+                <a:solidFill>
+                  <a:schemeClr val="tx1"/>
+                </a:solidFill>
+                <a:effectLst/>
+                <a:latin typeface="+mn-lt"/>
+                <a:ea typeface="+mn-ea"/>
+                <a:cs typeface="+mn-cs"/>
+              </a:defRPr>
+            </a:lvl3pPr>
+            <a:lvl4pPr marL="1543050" indent="-171450" algn="l" defTabSz="457200" rtl="0" eaLnBrk="1" latinLnBrk="0" hangingPunct="1">
+              <a:spcBef>
+                <a:spcPct val="20000"/>
+              </a:spcBef>
+              <a:spcAft>
+                <a:spcPts val="600"/>
+              </a:spcAft>
+              <a:buClr>
+                <a:schemeClr val="accent1">
+                  <a:lumMod val="75000"/>
+                </a:schemeClr>
+              </a:buClr>
+              <a:buSzPct val="145000"/>
+              <a:buFont typeface="Arial"/>
+              <a:buChar char="•"/>
+              <a:defRPr sz="1600" kern="1200" cap="none">
+                <a:solidFill>
+                  <a:schemeClr val="tx1"/>
+                </a:solidFill>
+                <a:effectLst/>
+                <a:latin typeface="+mn-lt"/>
+                <a:ea typeface="+mn-ea"/>
+                <a:cs typeface="+mn-cs"/>
+              </a:defRPr>
+            </a:lvl4pPr>
+            <a:lvl5pPr marL="2000250" indent="-171450" algn="l" defTabSz="457200" rtl="0" eaLnBrk="1" latinLnBrk="0" hangingPunct="1">
+              <a:spcBef>
+                <a:spcPct val="20000"/>
+              </a:spcBef>
+              <a:spcAft>
+                <a:spcPts val="600"/>
+              </a:spcAft>
+              <a:buClr>
+                <a:schemeClr val="accent1">
+                  <a:lumMod val="75000"/>
+                </a:schemeClr>
+              </a:buClr>
+              <a:buSzPct val="145000"/>
+              <a:buFont typeface="Arial"/>
+              <a:buChar char="•"/>
+              <a:defRPr sz="1400" kern="1200" cap="none">
+                <a:solidFill>
+                  <a:schemeClr val="tx1"/>
+                </a:solidFill>
+                <a:effectLst/>
+                <a:latin typeface="+mn-lt"/>
+                <a:ea typeface="+mn-ea"/>
+                <a:cs typeface="+mn-cs"/>
+              </a:defRPr>
+            </a:lvl5pPr>
+            <a:lvl6pPr marL="2514600" indent="-228600" algn="l" defTabSz="457200" rtl="0" eaLnBrk="1" latinLnBrk="0" hangingPunct="1">
+              <a:spcBef>
+                <a:spcPct val="20000"/>
+              </a:spcBef>
+              <a:spcAft>
+                <a:spcPts val="600"/>
+              </a:spcAft>
+              <a:buClr>
+                <a:schemeClr val="accent1">
+                  <a:lumMod val="75000"/>
+                </a:schemeClr>
+              </a:buClr>
+              <a:buSzPct val="145000"/>
+              <a:buFont typeface="Arial"/>
+              <a:buChar char="•"/>
+              <a:defRPr sz="1400" kern="1200" cap="none">
+                <a:solidFill>
+                  <a:schemeClr val="tx1"/>
+                </a:solidFill>
+                <a:effectLst/>
+                <a:latin typeface="+mn-lt"/>
+                <a:ea typeface="+mn-ea"/>
+                <a:cs typeface="+mn-cs"/>
+              </a:defRPr>
+            </a:lvl6pPr>
+            <a:lvl7pPr marL="2971800" indent="-228600" algn="l" defTabSz="457200" rtl="0" eaLnBrk="1" latinLnBrk="0" hangingPunct="1">
+              <a:spcBef>
+                <a:spcPct val="20000"/>
+              </a:spcBef>
+              <a:spcAft>
+                <a:spcPts val="600"/>
+              </a:spcAft>
+              <a:buClr>
+                <a:schemeClr val="accent1">
+                  <a:lumMod val="75000"/>
+                </a:schemeClr>
+              </a:buClr>
+              <a:buSzPct val="145000"/>
+              <a:buFont typeface="Arial"/>
+              <a:buChar char="•"/>
+              <a:defRPr sz="1400" kern="1200" cap="none">
+                <a:solidFill>
+                  <a:schemeClr val="tx1"/>
+                </a:solidFill>
+                <a:effectLst/>
+                <a:latin typeface="+mn-lt"/>
+                <a:ea typeface="+mn-ea"/>
+                <a:cs typeface="+mn-cs"/>
+              </a:defRPr>
+            </a:lvl7pPr>
+            <a:lvl8pPr marL="3429000" indent="-228600" algn="l" defTabSz="457200" rtl="0" eaLnBrk="1" latinLnBrk="0" hangingPunct="1">
+              <a:spcBef>
+                <a:spcPct val="20000"/>
+              </a:spcBef>
+              <a:spcAft>
+                <a:spcPts val="600"/>
+              </a:spcAft>
+              <a:buClr>
+                <a:schemeClr val="accent1">
+                  <a:lumMod val="75000"/>
+                </a:schemeClr>
+              </a:buClr>
+              <a:buSzPct val="145000"/>
+              <a:buFont typeface="Arial"/>
+              <a:buChar char="•"/>
+              <a:defRPr sz="1400" kern="1200" cap="none">
+                <a:solidFill>
+                  <a:schemeClr val="tx1"/>
+                </a:solidFill>
+                <a:effectLst/>
+                <a:latin typeface="+mn-lt"/>
+                <a:ea typeface="+mn-ea"/>
+                <a:cs typeface="+mn-cs"/>
+              </a:defRPr>
+            </a:lvl8pPr>
+            <a:lvl9pPr marL="3886200" indent="-228600" algn="l" defTabSz="457200" rtl="0" eaLnBrk="1" latinLnBrk="0" hangingPunct="1">
+              <a:spcBef>
+                <a:spcPct val="20000"/>
+              </a:spcBef>
+              <a:spcAft>
+                <a:spcPts val="600"/>
+              </a:spcAft>
+              <a:buClr>
+                <a:schemeClr val="accent1">
+                  <a:lumMod val="75000"/>
+                </a:schemeClr>
+              </a:buClr>
+              <a:buSzPct val="145000"/>
+              <a:buFont typeface="Arial"/>
+              <a:buChar char="•"/>
+              <a:defRPr sz="1400" kern="1200" cap="none">
+                <a:solidFill>
+                  <a:schemeClr val="tx1"/>
+                </a:solidFill>
+                <a:effectLst/>
+                <a:latin typeface="+mn-lt"/>
+                <a:ea typeface="+mn-ea"/>
+                <a:cs typeface="+mn-cs"/>
+              </a:defRPr>
+            </a:lvl9pPr>
+          </a:lstStyle>
+          <a:p>
+            <a:pPr marL="0" indent="0">
+              <a:buFont typeface="Arial"/>
+              <a:buNone/>
+            </a:pPr>
+            <a:r>
+              <a:rPr lang="cs-CZ" dirty="0"/>
+              <a:t>Vložit zkopírovaný link do tohoto pole</a:t>
+            </a:r>
+          </a:p>
+        </p:txBody>
+      </p:sp>
+    </p:spTree>
+    <p:extLst>
+      <p:ext uri="{BB962C8B-B14F-4D97-AF65-F5344CB8AC3E}">
+        <p14:creationId xmlns:p14="http://schemas.microsoft.com/office/powerpoint/2010/main" val="3528981594"/>
+      </p:ext>
+    </p:extLst>
+  </p:cSld>
+  <p:clrMapOvr>
+    <a:masterClrMapping/>
+  </p:clrMapOvr>
 </p:sld>
 </file>
 
@@ -13220,6 +13681,36 @@
           <a:chExt cx="0" cy="0"/>
         </a:xfrm>
       </p:grpSpPr>
+      <p:pic>
+        <p:nvPicPr>
+          <p:cNvPr id="8" name="Obrázek 7">
+            <a:extLst>
+              <a:ext uri="{FF2B5EF4-FFF2-40B4-BE49-F238E27FC236}">
+                <a16:creationId xmlns:a16="http://schemas.microsoft.com/office/drawing/2014/main" id="{3CC1616C-9F3B-4937-9763-053FEF56CA88}"/>
+              </a:ext>
+            </a:extLst>
+          </p:cNvPr>
+          <p:cNvPicPr>
+            <a:picLocks noChangeAspect="1"/>
+          </p:cNvPicPr>
+          <p:nvPr/>
+        </p:nvPicPr>
+        <p:blipFill>
+          <a:blip r:embed="rId3"/>
+          <a:stretch>
+            <a:fillRect/>
+          </a:stretch>
+        </p:blipFill>
+        <p:spPr>
+          <a:xfrm>
+            <a:off x="2328862" y="1555070"/>
+            <a:ext cx="7534275" cy="4276725"/>
+          </a:xfrm>
+          <a:prstGeom prst="rect">
+            <a:avLst/>
+          </a:prstGeom>
+        </p:spPr>
+      </p:pic>
       <p:sp>
         <p:nvSpPr>
           <p:cNvPr id="4" name="Zástupný symbol pro číslo snímku 3"/>
@@ -13344,10 +13835,9 @@
           </a:lstStyle>
           <a:p>
             <a:r>
-              <a:rPr lang="cs-CZ" dirty="0" smtClean="0"/>
-              <a:t>Zapojení součástek</a:t>
-            </a:r>
-            <a:endParaRPr lang="cs-CZ" dirty="0"/>
+              <a:rPr lang="cs-CZ" dirty="0"/>
+              <a:t>Instalace podpory pro ESP32 </a:t>
+            </a:r>
           </a:p>
         </p:txBody>
       </p:sp>
@@ -13363,8 +13853,764 @@
         </p:nvSpPr>
         <p:spPr>
           <a:xfrm>
-            <a:off x="7875683" y="6001103"/>
-            <a:ext cx="712135" cy="462306"/>
+            <a:off x="1484310" y="824123"/>
+            <a:ext cx="10018713" cy="745504"/>
+          </a:xfrm>
+        </p:spPr>
+        <p:txBody>
+          <a:bodyPr>
+            <a:normAutofit fontScale="92500"/>
+          </a:bodyPr>
+          <a:lstStyle/>
+          <a:p>
+            <a:pPr marL="0" indent="0">
+              <a:buNone/>
+            </a:pPr>
+            <a:r>
+              <a:rPr lang="cs-CZ" dirty="0"/>
+              <a:t>V </a:t>
+            </a:r>
+            <a:r>
+              <a:rPr lang="cs-CZ" dirty="0" err="1"/>
+              <a:t>Arduino</a:t>
+            </a:r>
+            <a:r>
+              <a:rPr lang="cs-CZ" dirty="0"/>
+              <a:t> IDE -&gt; Nástroje -&gt; Vývojová deska -&gt; Manažér desek -&gt; vyhledat „esp32“</a:t>
+            </a:r>
+          </a:p>
+        </p:txBody>
+      </p:sp>
+      <p:sp>
+        <p:nvSpPr>
+          <p:cNvPr id="5" name="Šipka doprava 4"/>
+          <p:cNvSpPr/>
+          <p:nvPr/>
+        </p:nvSpPr>
+        <p:spPr>
+          <a:xfrm rot="10800000">
+            <a:off x="4263468" y="1966478"/>
+            <a:ext cx="480767" cy="197963"/>
+          </a:xfrm>
+          <a:prstGeom prst="rightArrow">
+            <a:avLst/>
+          </a:prstGeom>
+          <a:solidFill>
+            <a:srgbClr val="FF0000"/>
+          </a:solidFill>
+          <a:ln>
+            <a:solidFill>
+              <a:srgbClr val="FF0000"/>
+            </a:solidFill>
+          </a:ln>
+        </p:spPr>
+        <p:style>
+          <a:lnRef idx="2">
+            <a:schemeClr val="accent1">
+              <a:shade val="50000"/>
+            </a:schemeClr>
+          </a:lnRef>
+          <a:fillRef idx="1">
+            <a:schemeClr val="accent1"/>
+          </a:fillRef>
+          <a:effectRef idx="0">
+            <a:schemeClr val="accent1"/>
+          </a:effectRef>
+          <a:fontRef idx="minor">
+            <a:schemeClr val="lt1"/>
+          </a:fontRef>
+        </p:style>
+        <p:txBody>
+          <a:bodyPr rtlCol="0" anchor="ctr"/>
+          <a:lstStyle/>
+          <a:p>
+            <a:pPr algn="ctr"/>
+            <a:endParaRPr lang="cs-CZ"/>
+          </a:p>
+        </p:txBody>
+      </p:sp>
+      <p:sp>
+        <p:nvSpPr>
+          <p:cNvPr id="12" name="Šipka doprava 4">
+            <a:extLst>
+              <a:ext uri="{FF2B5EF4-FFF2-40B4-BE49-F238E27FC236}">
+                <a16:creationId xmlns:a16="http://schemas.microsoft.com/office/drawing/2014/main" id="{B5E15F1B-175F-46B3-BC82-22CEF817F8CF}"/>
+              </a:ext>
+            </a:extLst>
+          </p:cNvPr>
+          <p:cNvSpPr/>
+          <p:nvPr/>
+        </p:nvSpPr>
+        <p:spPr>
+          <a:xfrm>
+            <a:off x="7928891" y="3040599"/>
+            <a:ext cx="480767" cy="197963"/>
+          </a:xfrm>
+          <a:prstGeom prst="rightArrow">
+            <a:avLst/>
+          </a:prstGeom>
+          <a:solidFill>
+            <a:srgbClr val="FF0000"/>
+          </a:solidFill>
+          <a:ln>
+            <a:solidFill>
+              <a:srgbClr val="FF0000"/>
+            </a:solidFill>
+          </a:ln>
+        </p:spPr>
+        <p:style>
+          <a:lnRef idx="2">
+            <a:schemeClr val="accent1">
+              <a:shade val="50000"/>
+            </a:schemeClr>
+          </a:lnRef>
+          <a:fillRef idx="1">
+            <a:schemeClr val="accent1"/>
+          </a:fillRef>
+          <a:effectRef idx="0">
+            <a:schemeClr val="accent1"/>
+          </a:effectRef>
+          <a:fontRef idx="minor">
+            <a:schemeClr val="lt1"/>
+          </a:fontRef>
+        </p:style>
+        <p:txBody>
+          <a:bodyPr rtlCol="0" anchor="ctr"/>
+          <a:lstStyle/>
+          <a:p>
+            <a:pPr algn="ctr"/>
+            <a:endParaRPr lang="cs-CZ"/>
+          </a:p>
+        </p:txBody>
+      </p:sp>
+      <p:sp>
+        <p:nvSpPr>
+          <p:cNvPr id="14" name="Zástupný symbol pro obsah 1">
+            <a:extLst>
+              <a:ext uri="{FF2B5EF4-FFF2-40B4-BE49-F238E27FC236}">
+                <a16:creationId xmlns:a16="http://schemas.microsoft.com/office/drawing/2014/main" id="{59FA9318-BE3C-4A27-A25D-4309F9DF952E}"/>
+              </a:ext>
+            </a:extLst>
+          </p:cNvPr>
+          <p:cNvSpPr txBox="1">
+            <a:spLocks/>
+          </p:cNvSpPr>
+          <p:nvPr/>
+        </p:nvSpPr>
+        <p:spPr>
+          <a:xfrm>
+            <a:off x="2614611" y="3359316"/>
+            <a:ext cx="6962775" cy="745504"/>
+          </a:xfrm>
+          <a:prstGeom prst="rect">
+            <a:avLst/>
+          </a:prstGeom>
+        </p:spPr>
+        <p:txBody>
+          <a:bodyPr vert="horz" lIns="91440" tIns="45720" rIns="91440" bIns="45720" rtlCol="0" anchor="ctr">
+            <a:normAutofit/>
+          </a:bodyPr>
+          <a:lstStyle>
+            <a:lvl1pPr marL="285750" indent="-285750" algn="l" defTabSz="457200" rtl="0" eaLnBrk="1" latinLnBrk="0" hangingPunct="1">
+              <a:spcBef>
+                <a:spcPct val="20000"/>
+              </a:spcBef>
+              <a:spcAft>
+                <a:spcPts val="600"/>
+              </a:spcAft>
+              <a:buClr>
+                <a:schemeClr val="accent1">
+                  <a:lumMod val="75000"/>
+                </a:schemeClr>
+              </a:buClr>
+              <a:buSzPct val="145000"/>
+              <a:buFont typeface="Arial"/>
+              <a:buChar char="•"/>
+              <a:defRPr sz="2400" kern="1200" cap="none">
+                <a:solidFill>
+                  <a:schemeClr val="tx1"/>
+                </a:solidFill>
+                <a:effectLst/>
+                <a:latin typeface="+mn-lt"/>
+                <a:ea typeface="+mn-ea"/>
+                <a:cs typeface="+mn-cs"/>
+              </a:defRPr>
+            </a:lvl1pPr>
+            <a:lvl2pPr marL="742950" indent="-285750" algn="l" defTabSz="457200" rtl="0" eaLnBrk="1" latinLnBrk="0" hangingPunct="1">
+              <a:spcBef>
+                <a:spcPct val="20000"/>
+              </a:spcBef>
+              <a:spcAft>
+                <a:spcPts val="600"/>
+              </a:spcAft>
+              <a:buClr>
+                <a:schemeClr val="accent1">
+                  <a:lumMod val="75000"/>
+                </a:schemeClr>
+              </a:buClr>
+              <a:buSzPct val="145000"/>
+              <a:buFont typeface="Arial"/>
+              <a:buChar char="•"/>
+              <a:defRPr sz="2000" kern="1200" cap="none">
+                <a:solidFill>
+                  <a:schemeClr val="tx1"/>
+                </a:solidFill>
+                <a:effectLst/>
+                <a:latin typeface="+mn-lt"/>
+                <a:ea typeface="+mn-ea"/>
+                <a:cs typeface="+mn-cs"/>
+              </a:defRPr>
+            </a:lvl2pPr>
+            <a:lvl3pPr marL="1200150" indent="-285750" algn="l" defTabSz="457200" rtl="0" eaLnBrk="1" latinLnBrk="0" hangingPunct="1">
+              <a:spcBef>
+                <a:spcPct val="20000"/>
+              </a:spcBef>
+              <a:spcAft>
+                <a:spcPts val="600"/>
+              </a:spcAft>
+              <a:buClr>
+                <a:schemeClr val="accent1">
+                  <a:lumMod val="75000"/>
+                </a:schemeClr>
+              </a:buClr>
+              <a:buSzPct val="145000"/>
+              <a:buFont typeface="Arial"/>
+              <a:buChar char="•"/>
+              <a:defRPr sz="1800" kern="1200" cap="none">
+                <a:solidFill>
+                  <a:schemeClr val="tx1"/>
+                </a:solidFill>
+                <a:effectLst/>
+                <a:latin typeface="+mn-lt"/>
+                <a:ea typeface="+mn-ea"/>
+                <a:cs typeface="+mn-cs"/>
+              </a:defRPr>
+            </a:lvl3pPr>
+            <a:lvl4pPr marL="1543050" indent="-171450" algn="l" defTabSz="457200" rtl="0" eaLnBrk="1" latinLnBrk="0" hangingPunct="1">
+              <a:spcBef>
+                <a:spcPct val="20000"/>
+              </a:spcBef>
+              <a:spcAft>
+                <a:spcPts val="600"/>
+              </a:spcAft>
+              <a:buClr>
+                <a:schemeClr val="accent1">
+                  <a:lumMod val="75000"/>
+                </a:schemeClr>
+              </a:buClr>
+              <a:buSzPct val="145000"/>
+              <a:buFont typeface="Arial"/>
+              <a:buChar char="•"/>
+              <a:defRPr sz="1600" kern="1200" cap="none">
+                <a:solidFill>
+                  <a:schemeClr val="tx1"/>
+                </a:solidFill>
+                <a:effectLst/>
+                <a:latin typeface="+mn-lt"/>
+                <a:ea typeface="+mn-ea"/>
+                <a:cs typeface="+mn-cs"/>
+              </a:defRPr>
+            </a:lvl4pPr>
+            <a:lvl5pPr marL="2000250" indent="-171450" algn="l" defTabSz="457200" rtl="0" eaLnBrk="1" latinLnBrk="0" hangingPunct="1">
+              <a:spcBef>
+                <a:spcPct val="20000"/>
+              </a:spcBef>
+              <a:spcAft>
+                <a:spcPts val="600"/>
+              </a:spcAft>
+              <a:buClr>
+                <a:schemeClr val="accent1">
+                  <a:lumMod val="75000"/>
+                </a:schemeClr>
+              </a:buClr>
+              <a:buSzPct val="145000"/>
+              <a:buFont typeface="Arial"/>
+              <a:buChar char="•"/>
+              <a:defRPr sz="1400" kern="1200" cap="none">
+                <a:solidFill>
+                  <a:schemeClr val="tx1"/>
+                </a:solidFill>
+                <a:effectLst/>
+                <a:latin typeface="+mn-lt"/>
+                <a:ea typeface="+mn-ea"/>
+                <a:cs typeface="+mn-cs"/>
+              </a:defRPr>
+            </a:lvl5pPr>
+            <a:lvl6pPr marL="2514600" indent="-228600" algn="l" defTabSz="457200" rtl="0" eaLnBrk="1" latinLnBrk="0" hangingPunct="1">
+              <a:spcBef>
+                <a:spcPct val="20000"/>
+              </a:spcBef>
+              <a:spcAft>
+                <a:spcPts val="600"/>
+              </a:spcAft>
+              <a:buClr>
+                <a:schemeClr val="accent1">
+                  <a:lumMod val="75000"/>
+                </a:schemeClr>
+              </a:buClr>
+              <a:buSzPct val="145000"/>
+              <a:buFont typeface="Arial"/>
+              <a:buChar char="•"/>
+              <a:defRPr sz="1400" kern="1200" cap="none">
+                <a:solidFill>
+                  <a:schemeClr val="tx1"/>
+                </a:solidFill>
+                <a:effectLst/>
+                <a:latin typeface="+mn-lt"/>
+                <a:ea typeface="+mn-ea"/>
+                <a:cs typeface="+mn-cs"/>
+              </a:defRPr>
+            </a:lvl6pPr>
+            <a:lvl7pPr marL="2971800" indent="-228600" algn="l" defTabSz="457200" rtl="0" eaLnBrk="1" latinLnBrk="0" hangingPunct="1">
+              <a:spcBef>
+                <a:spcPct val="20000"/>
+              </a:spcBef>
+              <a:spcAft>
+                <a:spcPts val="600"/>
+              </a:spcAft>
+              <a:buClr>
+                <a:schemeClr val="accent1">
+                  <a:lumMod val="75000"/>
+                </a:schemeClr>
+              </a:buClr>
+              <a:buSzPct val="145000"/>
+              <a:buFont typeface="Arial"/>
+              <a:buChar char="•"/>
+              <a:defRPr sz="1400" kern="1200" cap="none">
+                <a:solidFill>
+                  <a:schemeClr val="tx1"/>
+                </a:solidFill>
+                <a:effectLst/>
+                <a:latin typeface="+mn-lt"/>
+                <a:ea typeface="+mn-ea"/>
+                <a:cs typeface="+mn-cs"/>
+              </a:defRPr>
+            </a:lvl7pPr>
+            <a:lvl8pPr marL="3429000" indent="-228600" algn="l" defTabSz="457200" rtl="0" eaLnBrk="1" latinLnBrk="0" hangingPunct="1">
+              <a:spcBef>
+                <a:spcPct val="20000"/>
+              </a:spcBef>
+              <a:spcAft>
+                <a:spcPts val="600"/>
+              </a:spcAft>
+              <a:buClr>
+                <a:schemeClr val="accent1">
+                  <a:lumMod val="75000"/>
+                </a:schemeClr>
+              </a:buClr>
+              <a:buSzPct val="145000"/>
+              <a:buFont typeface="Arial"/>
+              <a:buChar char="•"/>
+              <a:defRPr sz="1400" kern="1200" cap="none">
+                <a:solidFill>
+                  <a:schemeClr val="tx1"/>
+                </a:solidFill>
+                <a:effectLst/>
+                <a:latin typeface="+mn-lt"/>
+                <a:ea typeface="+mn-ea"/>
+                <a:cs typeface="+mn-cs"/>
+              </a:defRPr>
+            </a:lvl8pPr>
+            <a:lvl9pPr marL="3886200" indent="-228600" algn="l" defTabSz="457200" rtl="0" eaLnBrk="1" latinLnBrk="0" hangingPunct="1">
+              <a:spcBef>
+                <a:spcPct val="20000"/>
+              </a:spcBef>
+              <a:spcAft>
+                <a:spcPts val="600"/>
+              </a:spcAft>
+              <a:buClr>
+                <a:schemeClr val="accent1">
+                  <a:lumMod val="75000"/>
+                </a:schemeClr>
+              </a:buClr>
+              <a:buSzPct val="145000"/>
+              <a:buFont typeface="Arial"/>
+              <a:buChar char="•"/>
+              <a:defRPr sz="1400" kern="1200" cap="none">
+                <a:solidFill>
+                  <a:schemeClr val="tx1"/>
+                </a:solidFill>
+                <a:effectLst/>
+                <a:latin typeface="+mn-lt"/>
+                <a:ea typeface="+mn-ea"/>
+                <a:cs typeface="+mn-cs"/>
+              </a:defRPr>
+            </a:lvl9pPr>
+          </a:lstStyle>
+          <a:p>
+            <a:pPr marL="0" indent="0">
+              <a:buFont typeface="Arial"/>
+              <a:buNone/>
+            </a:pPr>
+            <a:r>
+              <a:rPr lang="cs-CZ" dirty="0"/>
+              <a:t>Kliknout na „Instalace“ a nechat pracovat. 😉</a:t>
+            </a:r>
+          </a:p>
+        </p:txBody>
+      </p:sp>
+      <p:pic>
+        <p:nvPicPr>
+          <p:cNvPr id="11" name="Obrázek 10">
+            <a:extLst>
+              <a:ext uri="{FF2B5EF4-FFF2-40B4-BE49-F238E27FC236}">
+                <a16:creationId xmlns:a16="http://schemas.microsoft.com/office/drawing/2014/main" id="{B1A5E53A-0CB0-41F6-849F-FDF741DEA364}"/>
+              </a:ext>
+            </a:extLst>
+          </p:cNvPr>
+          <p:cNvPicPr>
+            <a:picLocks noChangeAspect="1"/>
+          </p:cNvPicPr>
+          <p:nvPr/>
+        </p:nvPicPr>
+        <p:blipFill>
+          <a:blip r:embed="rId4"/>
+          <a:stretch>
+            <a:fillRect/>
+          </a:stretch>
+        </p:blipFill>
+        <p:spPr>
+          <a:xfrm>
+            <a:off x="8591550" y="3008900"/>
+            <a:ext cx="723900" cy="257175"/>
+          </a:xfrm>
+          <a:prstGeom prst="rect">
+            <a:avLst/>
+          </a:prstGeom>
+        </p:spPr>
+      </p:pic>
+      <p:sp>
+        <p:nvSpPr>
+          <p:cNvPr id="15" name="Zástupný symbol pro obsah 1">
+            <a:extLst>
+              <a:ext uri="{FF2B5EF4-FFF2-40B4-BE49-F238E27FC236}">
+                <a16:creationId xmlns:a16="http://schemas.microsoft.com/office/drawing/2014/main" id="{43E07D4F-2D76-42EA-B18D-FEC84193978D}"/>
+              </a:ext>
+            </a:extLst>
+          </p:cNvPr>
+          <p:cNvSpPr txBox="1">
+            <a:spLocks/>
+          </p:cNvSpPr>
+          <p:nvPr/>
+        </p:nvSpPr>
+        <p:spPr>
+          <a:xfrm>
+            <a:off x="2614611" y="3825309"/>
+            <a:ext cx="6962775" cy="745504"/>
+          </a:xfrm>
+          <a:prstGeom prst="rect">
+            <a:avLst/>
+          </a:prstGeom>
+        </p:spPr>
+        <p:txBody>
+          <a:bodyPr vert="horz" lIns="91440" tIns="45720" rIns="91440" bIns="45720" rtlCol="0" anchor="ctr">
+            <a:normAutofit/>
+          </a:bodyPr>
+          <a:lstStyle>
+            <a:lvl1pPr marL="285750" indent="-285750" algn="l" defTabSz="457200" rtl="0" eaLnBrk="1" latinLnBrk="0" hangingPunct="1">
+              <a:spcBef>
+                <a:spcPct val="20000"/>
+              </a:spcBef>
+              <a:spcAft>
+                <a:spcPts val="600"/>
+              </a:spcAft>
+              <a:buClr>
+                <a:schemeClr val="accent1">
+                  <a:lumMod val="75000"/>
+                </a:schemeClr>
+              </a:buClr>
+              <a:buSzPct val="145000"/>
+              <a:buFont typeface="Arial"/>
+              <a:buChar char="•"/>
+              <a:defRPr sz="2400" kern="1200" cap="none">
+                <a:solidFill>
+                  <a:schemeClr val="tx1"/>
+                </a:solidFill>
+                <a:effectLst/>
+                <a:latin typeface="+mn-lt"/>
+                <a:ea typeface="+mn-ea"/>
+                <a:cs typeface="+mn-cs"/>
+              </a:defRPr>
+            </a:lvl1pPr>
+            <a:lvl2pPr marL="742950" indent="-285750" algn="l" defTabSz="457200" rtl="0" eaLnBrk="1" latinLnBrk="0" hangingPunct="1">
+              <a:spcBef>
+                <a:spcPct val="20000"/>
+              </a:spcBef>
+              <a:spcAft>
+                <a:spcPts val="600"/>
+              </a:spcAft>
+              <a:buClr>
+                <a:schemeClr val="accent1">
+                  <a:lumMod val="75000"/>
+                </a:schemeClr>
+              </a:buClr>
+              <a:buSzPct val="145000"/>
+              <a:buFont typeface="Arial"/>
+              <a:buChar char="•"/>
+              <a:defRPr sz="2000" kern="1200" cap="none">
+                <a:solidFill>
+                  <a:schemeClr val="tx1"/>
+                </a:solidFill>
+                <a:effectLst/>
+                <a:latin typeface="+mn-lt"/>
+                <a:ea typeface="+mn-ea"/>
+                <a:cs typeface="+mn-cs"/>
+              </a:defRPr>
+            </a:lvl2pPr>
+            <a:lvl3pPr marL="1200150" indent="-285750" algn="l" defTabSz="457200" rtl="0" eaLnBrk="1" latinLnBrk="0" hangingPunct="1">
+              <a:spcBef>
+                <a:spcPct val="20000"/>
+              </a:spcBef>
+              <a:spcAft>
+                <a:spcPts val="600"/>
+              </a:spcAft>
+              <a:buClr>
+                <a:schemeClr val="accent1">
+                  <a:lumMod val="75000"/>
+                </a:schemeClr>
+              </a:buClr>
+              <a:buSzPct val="145000"/>
+              <a:buFont typeface="Arial"/>
+              <a:buChar char="•"/>
+              <a:defRPr sz="1800" kern="1200" cap="none">
+                <a:solidFill>
+                  <a:schemeClr val="tx1"/>
+                </a:solidFill>
+                <a:effectLst/>
+                <a:latin typeface="+mn-lt"/>
+                <a:ea typeface="+mn-ea"/>
+                <a:cs typeface="+mn-cs"/>
+              </a:defRPr>
+            </a:lvl3pPr>
+            <a:lvl4pPr marL="1543050" indent="-171450" algn="l" defTabSz="457200" rtl="0" eaLnBrk="1" latinLnBrk="0" hangingPunct="1">
+              <a:spcBef>
+                <a:spcPct val="20000"/>
+              </a:spcBef>
+              <a:spcAft>
+                <a:spcPts val="600"/>
+              </a:spcAft>
+              <a:buClr>
+                <a:schemeClr val="accent1">
+                  <a:lumMod val="75000"/>
+                </a:schemeClr>
+              </a:buClr>
+              <a:buSzPct val="145000"/>
+              <a:buFont typeface="Arial"/>
+              <a:buChar char="•"/>
+              <a:defRPr sz="1600" kern="1200" cap="none">
+                <a:solidFill>
+                  <a:schemeClr val="tx1"/>
+                </a:solidFill>
+                <a:effectLst/>
+                <a:latin typeface="+mn-lt"/>
+                <a:ea typeface="+mn-ea"/>
+                <a:cs typeface="+mn-cs"/>
+              </a:defRPr>
+            </a:lvl4pPr>
+            <a:lvl5pPr marL="2000250" indent="-171450" algn="l" defTabSz="457200" rtl="0" eaLnBrk="1" latinLnBrk="0" hangingPunct="1">
+              <a:spcBef>
+                <a:spcPct val="20000"/>
+              </a:spcBef>
+              <a:spcAft>
+                <a:spcPts val="600"/>
+              </a:spcAft>
+              <a:buClr>
+                <a:schemeClr val="accent1">
+                  <a:lumMod val="75000"/>
+                </a:schemeClr>
+              </a:buClr>
+              <a:buSzPct val="145000"/>
+              <a:buFont typeface="Arial"/>
+              <a:buChar char="•"/>
+              <a:defRPr sz="1400" kern="1200" cap="none">
+                <a:solidFill>
+                  <a:schemeClr val="tx1"/>
+                </a:solidFill>
+                <a:effectLst/>
+                <a:latin typeface="+mn-lt"/>
+                <a:ea typeface="+mn-ea"/>
+                <a:cs typeface="+mn-cs"/>
+              </a:defRPr>
+            </a:lvl5pPr>
+            <a:lvl6pPr marL="2514600" indent="-228600" algn="l" defTabSz="457200" rtl="0" eaLnBrk="1" latinLnBrk="0" hangingPunct="1">
+              <a:spcBef>
+                <a:spcPct val="20000"/>
+              </a:spcBef>
+              <a:spcAft>
+                <a:spcPts val="600"/>
+              </a:spcAft>
+              <a:buClr>
+                <a:schemeClr val="accent1">
+                  <a:lumMod val="75000"/>
+                </a:schemeClr>
+              </a:buClr>
+              <a:buSzPct val="145000"/>
+              <a:buFont typeface="Arial"/>
+              <a:buChar char="•"/>
+              <a:defRPr sz="1400" kern="1200" cap="none">
+                <a:solidFill>
+                  <a:schemeClr val="tx1"/>
+                </a:solidFill>
+                <a:effectLst/>
+                <a:latin typeface="+mn-lt"/>
+                <a:ea typeface="+mn-ea"/>
+                <a:cs typeface="+mn-cs"/>
+              </a:defRPr>
+            </a:lvl6pPr>
+            <a:lvl7pPr marL="2971800" indent="-228600" algn="l" defTabSz="457200" rtl="0" eaLnBrk="1" latinLnBrk="0" hangingPunct="1">
+              <a:spcBef>
+                <a:spcPct val="20000"/>
+              </a:spcBef>
+              <a:spcAft>
+                <a:spcPts val="600"/>
+              </a:spcAft>
+              <a:buClr>
+                <a:schemeClr val="accent1">
+                  <a:lumMod val="75000"/>
+                </a:schemeClr>
+              </a:buClr>
+              <a:buSzPct val="145000"/>
+              <a:buFont typeface="Arial"/>
+              <a:buChar char="•"/>
+              <a:defRPr sz="1400" kern="1200" cap="none">
+                <a:solidFill>
+                  <a:schemeClr val="tx1"/>
+                </a:solidFill>
+                <a:effectLst/>
+                <a:latin typeface="+mn-lt"/>
+                <a:ea typeface="+mn-ea"/>
+                <a:cs typeface="+mn-cs"/>
+              </a:defRPr>
+            </a:lvl7pPr>
+            <a:lvl8pPr marL="3429000" indent="-228600" algn="l" defTabSz="457200" rtl="0" eaLnBrk="1" latinLnBrk="0" hangingPunct="1">
+              <a:spcBef>
+                <a:spcPct val="20000"/>
+              </a:spcBef>
+              <a:spcAft>
+                <a:spcPts val="600"/>
+              </a:spcAft>
+              <a:buClr>
+                <a:schemeClr val="accent1">
+                  <a:lumMod val="75000"/>
+                </a:schemeClr>
+              </a:buClr>
+              <a:buSzPct val="145000"/>
+              <a:buFont typeface="Arial"/>
+              <a:buChar char="•"/>
+              <a:defRPr sz="1400" kern="1200" cap="none">
+                <a:solidFill>
+                  <a:schemeClr val="tx1"/>
+                </a:solidFill>
+                <a:effectLst/>
+                <a:latin typeface="+mn-lt"/>
+                <a:ea typeface="+mn-ea"/>
+                <a:cs typeface="+mn-cs"/>
+              </a:defRPr>
+            </a:lvl8pPr>
+            <a:lvl9pPr marL="3886200" indent="-228600" algn="l" defTabSz="457200" rtl="0" eaLnBrk="1" latinLnBrk="0" hangingPunct="1">
+              <a:spcBef>
+                <a:spcPct val="20000"/>
+              </a:spcBef>
+              <a:spcAft>
+                <a:spcPts val="600"/>
+              </a:spcAft>
+              <a:buClr>
+                <a:schemeClr val="accent1">
+                  <a:lumMod val="75000"/>
+                </a:schemeClr>
+              </a:buClr>
+              <a:buSzPct val="145000"/>
+              <a:buFont typeface="Arial"/>
+              <a:buChar char="•"/>
+              <a:defRPr sz="1400" kern="1200" cap="none">
+                <a:solidFill>
+                  <a:schemeClr val="tx1"/>
+                </a:solidFill>
+                <a:effectLst/>
+                <a:latin typeface="+mn-lt"/>
+                <a:ea typeface="+mn-ea"/>
+                <a:cs typeface="+mn-cs"/>
+              </a:defRPr>
+            </a:lvl9pPr>
+          </a:lstStyle>
+          <a:p>
+            <a:pPr marL="0" indent="0">
+              <a:buFont typeface="Arial"/>
+              <a:buNone/>
+            </a:pPr>
+            <a:r>
+              <a:rPr lang="cs-CZ" dirty="0"/>
+              <a:t>Po dokončení kliknout na „Zavřít“.</a:t>
+            </a:r>
+          </a:p>
+        </p:txBody>
+      </p:sp>
+    </p:spTree>
+    <p:extLst>
+      <p:ext uri="{BB962C8B-B14F-4D97-AF65-F5344CB8AC3E}">
+        <p14:creationId xmlns:p14="http://schemas.microsoft.com/office/powerpoint/2010/main" val="1391678017"/>
+      </p:ext>
+    </p:extLst>
+  </p:cSld>
+  <p:clrMapOvr>
+    <a:masterClrMapping/>
+  </p:clrMapOvr>
+</p:sld>
+</file>
+
+<file path=ppt/slides/slide22.xml><?xml version="1.0" encoding="utf-8"?>
+<p:sld xmlns:a="http://schemas.openxmlformats.org/drawingml/2006/main" xmlns:r="http://schemas.openxmlformats.org/officeDocument/2006/relationships" xmlns:p="http://schemas.openxmlformats.org/presentationml/2006/main">
+  <p:cSld>
+    <p:spTree>
+      <p:nvGrpSpPr>
+        <p:cNvPr id="1" name=""/>
+        <p:cNvGrpSpPr/>
+        <p:nvPr/>
+      </p:nvGrpSpPr>
+      <p:grpSpPr>
+        <a:xfrm>
+          <a:off x="0" y="0"/>
+          <a:ext cx="0" cy="0"/>
+          <a:chOff x="0" y="0"/>
+          <a:chExt cx="0" cy="0"/>
+        </a:xfrm>
+      </p:grpSpPr>
+      <p:sp>
+        <p:nvSpPr>
+          <p:cNvPr id="2" name="Nadpis 1"/>
+          <p:cNvSpPr>
+            <a:spLocks noGrp="1"/>
+          </p:cNvSpPr>
+          <p:nvPr>
+            <p:ph type="title"/>
+          </p:nvPr>
+        </p:nvSpPr>
+        <p:spPr/>
+        <p:txBody>
+          <a:bodyPr/>
+          <a:lstStyle/>
+          <a:p>
+            <a:r>
+              <a:rPr lang="cs-CZ" dirty="0"/>
+              <a:t>Arduino Workshop 4</a:t>
+            </a:r>
+          </a:p>
+        </p:txBody>
+      </p:sp>
+      <p:sp>
+        <p:nvSpPr>
+          <p:cNvPr id="3" name="Zástupný symbol pro obsah 2"/>
+          <p:cNvSpPr>
+            <a:spLocks noGrp="1"/>
+          </p:cNvSpPr>
+          <p:nvPr>
+            <p:ph idx="1"/>
+          </p:nvPr>
+        </p:nvSpPr>
+        <p:spPr>
+          <a:xfrm>
+            <a:off x="1484310" y="1974273"/>
+            <a:ext cx="10018713" cy="4572000"/>
           </a:xfrm>
         </p:spPr>
         <p:txBody>
@@ -13373,17 +14619,794 @@
           </a:bodyPr>
           <a:lstStyle/>
           <a:p>
-            <a:pPr marL="0" indent="0">
+            <a:r>
+              <a:rPr lang="cs-CZ" dirty="0"/>
+              <a:t>Co je to </a:t>
+            </a:r>
+            <a:r>
+              <a:rPr lang="cs-CZ" dirty="0" err="1"/>
+              <a:t>Blynk</a:t>
+            </a:r>
+            <a:r>
+              <a:rPr lang="cs-CZ" dirty="0"/>
+              <a:t>?</a:t>
+            </a:r>
+          </a:p>
+          <a:p>
+            <a:pPr lvl="1"/>
+            <a:r>
+              <a:rPr lang="cs-CZ" dirty="0"/>
+              <a:t>Podporované HW platformy</a:t>
+            </a:r>
+          </a:p>
+          <a:p>
+            <a:pPr lvl="1"/>
+            <a:r>
+              <a:rPr lang="cs-CZ" dirty="0"/>
+              <a:t>Příklady projektů</a:t>
+            </a:r>
+          </a:p>
+          <a:p>
+            <a:pPr lvl="1"/>
+            <a:r>
+              <a:rPr lang="cs-CZ" dirty="0" err="1"/>
+              <a:t>Blynk</a:t>
+            </a:r>
+            <a:r>
+              <a:rPr lang="cs-CZ" dirty="0"/>
+              <a:t> server &amp; instalace aplikace</a:t>
+            </a:r>
+          </a:p>
+          <a:p>
+            <a:r>
+              <a:rPr lang="cs-CZ" dirty="0"/>
+              <a:t>ESP8266 &amp; ESP32</a:t>
+            </a:r>
+          </a:p>
+          <a:p>
+            <a:r>
+              <a:rPr lang="cs-CZ" dirty="0"/>
+              <a:t>Praktická část 	</a:t>
+            </a:r>
+          </a:p>
+          <a:p>
+            <a:pPr lvl="1"/>
+            <a:r>
+              <a:rPr lang="cs-CZ" dirty="0"/>
+              <a:t>Instalace podpory pro ESP32</a:t>
+            </a:r>
+          </a:p>
+          <a:p>
+            <a:pPr lvl="1"/>
+            <a:r>
+              <a:rPr lang="cs-CZ" b="1" dirty="0"/>
+              <a:t>Instalace knihoven a kopírování </a:t>
+            </a:r>
+            <a:r>
+              <a:rPr lang="cs-CZ" b="1" dirty="0" err="1"/>
+              <a:t>sketche</a:t>
+            </a:r>
+            <a:endParaRPr lang="cs-CZ" b="1" dirty="0"/>
+          </a:p>
+          <a:p>
+            <a:pPr lvl="1"/>
+            <a:r>
+              <a:rPr lang="cs-CZ" dirty="0"/>
+              <a:t>Zapojení HW a práce s aplikací</a:t>
+            </a:r>
+          </a:p>
+        </p:txBody>
+      </p:sp>
+      <p:sp>
+        <p:nvSpPr>
+          <p:cNvPr id="6" name="Zástupný symbol pro číslo snímku 5"/>
+          <p:cNvSpPr>
+            <a:spLocks noGrp="1"/>
+          </p:cNvSpPr>
+          <p:nvPr>
+            <p:ph type="sldNum" sz="quarter" idx="12"/>
+          </p:nvPr>
+        </p:nvSpPr>
+        <p:spPr/>
+        <p:txBody>
+          <a:bodyPr/>
+          <a:lstStyle/>
+          <a:p>
+            <a:fld id="{D57F1E4F-1CFF-5643-939E-217C01CDF565}" type="slidenum">
+              <a:rPr lang="en-US" smtClean="0"/>
+              <a:pPr/>
+              <a:t>22</a:t>
+            </a:fld>
+            <a:endParaRPr lang="en-US" dirty="0"/>
+          </a:p>
+        </p:txBody>
+      </p:sp>
+    </p:spTree>
+    <p:extLst>
+      <p:ext uri="{BB962C8B-B14F-4D97-AF65-F5344CB8AC3E}">
+        <p14:creationId xmlns:p14="http://schemas.microsoft.com/office/powerpoint/2010/main" val="3935052410"/>
+      </p:ext>
+    </p:extLst>
+  </p:cSld>
+  <p:clrMapOvr>
+    <a:masterClrMapping/>
+  </p:clrMapOvr>
+</p:sld>
+</file>
+
+<file path=ppt/slides/slide23.xml><?xml version="1.0" encoding="utf-8"?>
+<p:sld xmlns:a="http://schemas.openxmlformats.org/drawingml/2006/main" xmlns:r="http://schemas.openxmlformats.org/officeDocument/2006/relationships" xmlns:p="http://schemas.openxmlformats.org/presentationml/2006/main">
+  <p:cSld>
+    <p:spTree>
+      <p:nvGrpSpPr>
+        <p:cNvPr id="1" name=""/>
+        <p:cNvGrpSpPr/>
+        <p:nvPr/>
+      </p:nvGrpSpPr>
+      <p:grpSpPr>
+        <a:xfrm>
+          <a:off x="0" y="0"/>
+          <a:ext cx="0" cy="0"/>
+          <a:chOff x="0" y="0"/>
+          <a:chExt cx="0" cy="0"/>
+        </a:xfrm>
+      </p:grpSpPr>
+      <p:sp>
+        <p:nvSpPr>
+          <p:cNvPr id="4" name="Zástupný symbol pro číslo snímku 3"/>
+          <p:cNvSpPr>
+            <a:spLocks noGrp="1"/>
+          </p:cNvSpPr>
+          <p:nvPr>
+            <p:ph type="sldNum" sz="quarter" idx="12"/>
+          </p:nvPr>
+        </p:nvSpPr>
+        <p:spPr/>
+        <p:txBody>
+          <a:bodyPr/>
+          <a:lstStyle/>
+          <a:p>
+            <a:fld id="{D57F1E4F-1CFF-5643-939E-217C01CDF565}" type="slidenum">
+              <a:rPr lang="en-US" smtClean="0"/>
+              <a:pPr/>
+              <a:t>23</a:t>
+            </a:fld>
+            <a:endParaRPr lang="en-US" dirty="0"/>
+          </a:p>
+        </p:txBody>
+      </p:sp>
+      <p:sp>
+        <p:nvSpPr>
+          <p:cNvPr id="6" name="Nadpis 1"/>
+          <p:cNvSpPr txBox="1">
+            <a:spLocks/>
+          </p:cNvSpPr>
+          <p:nvPr/>
+        </p:nvSpPr>
+        <p:spPr>
+          <a:xfrm>
+            <a:off x="1790700" y="109549"/>
+            <a:ext cx="8916990" cy="724396"/>
+          </a:xfrm>
+          <a:prstGeom prst="rect">
+            <a:avLst/>
+          </a:prstGeom>
+          <a:effectLst/>
+        </p:spPr>
+        <p:txBody>
+          <a:bodyPr vert="horz" lIns="91440" tIns="45720" rIns="91440" bIns="45720" rtlCol="0" anchor="ctr">
+            <a:normAutofit/>
+          </a:bodyPr>
+          <a:lstStyle>
+            <a:lvl1pPr algn="ctr" defTabSz="457200" rtl="0" eaLnBrk="1" latinLnBrk="0" hangingPunct="1">
+              <a:spcBef>
+                <a:spcPct val="0"/>
+              </a:spcBef>
+              <a:buNone/>
+              <a:defRPr sz="4000" kern="1200" cap="none">
+                <a:ln w="3175" cmpd="sng">
+                  <a:noFill/>
+                </a:ln>
+                <a:solidFill>
+                  <a:schemeClr val="tx1"/>
+                </a:solidFill>
+                <a:effectLst/>
+                <a:latin typeface="+mj-lt"/>
+                <a:ea typeface="+mj-ea"/>
+                <a:cs typeface="+mj-cs"/>
+              </a:defRPr>
+            </a:lvl1pPr>
+            <a:lvl2pPr eaLnBrk="1" hangingPunct="1">
+              <a:defRPr>
+                <a:solidFill>
+                  <a:schemeClr val="tx2"/>
+                </a:solidFill>
+              </a:defRPr>
+            </a:lvl2pPr>
+            <a:lvl3pPr eaLnBrk="1" hangingPunct="1">
+              <a:defRPr>
+                <a:solidFill>
+                  <a:schemeClr val="tx2"/>
+                </a:solidFill>
+              </a:defRPr>
+            </a:lvl3pPr>
+            <a:lvl4pPr eaLnBrk="1" hangingPunct="1">
+              <a:defRPr>
+                <a:solidFill>
+                  <a:schemeClr val="tx2"/>
+                </a:solidFill>
+              </a:defRPr>
+            </a:lvl4pPr>
+            <a:lvl5pPr eaLnBrk="1" hangingPunct="1">
+              <a:defRPr>
+                <a:solidFill>
+                  <a:schemeClr val="tx2"/>
+                </a:solidFill>
+              </a:defRPr>
+            </a:lvl5pPr>
+            <a:lvl6pPr eaLnBrk="1" hangingPunct="1">
+              <a:defRPr>
+                <a:solidFill>
+                  <a:schemeClr val="tx2"/>
+                </a:solidFill>
+              </a:defRPr>
+            </a:lvl6pPr>
+            <a:lvl7pPr eaLnBrk="1" hangingPunct="1">
+              <a:defRPr>
+                <a:solidFill>
+                  <a:schemeClr val="tx2"/>
+                </a:solidFill>
+              </a:defRPr>
+            </a:lvl7pPr>
+            <a:lvl8pPr eaLnBrk="1" hangingPunct="1">
+              <a:defRPr>
+                <a:solidFill>
+                  <a:schemeClr val="tx2"/>
+                </a:solidFill>
+              </a:defRPr>
+            </a:lvl8pPr>
+            <a:lvl9pPr eaLnBrk="1" hangingPunct="1">
+              <a:defRPr>
+                <a:solidFill>
+                  <a:schemeClr val="tx2"/>
+                </a:solidFill>
+              </a:defRPr>
+            </a:lvl9pPr>
+          </a:lstStyle>
+          <a:p>
+            <a:r>
+              <a:rPr lang="cs-CZ" sz="3200" dirty="0" err="1"/>
+              <a:t>Arduino</a:t>
+            </a:r>
+            <a:r>
+              <a:rPr lang="cs-CZ" sz="3200" dirty="0"/>
+              <a:t> IDE – knihovny a </a:t>
+            </a:r>
+            <a:r>
+              <a:rPr lang="cs-CZ" sz="3200" dirty="0" err="1"/>
+              <a:t>sketch</a:t>
+            </a:r>
+            <a:r>
+              <a:rPr lang="cs-CZ" sz="3200" dirty="0"/>
+              <a:t> </a:t>
+            </a:r>
+          </a:p>
+        </p:txBody>
+      </p:sp>
+      <p:sp>
+        <p:nvSpPr>
+          <p:cNvPr id="2" name="Zástupný symbol pro obsah 1"/>
+          <p:cNvSpPr>
+            <a:spLocks noGrp="1"/>
+          </p:cNvSpPr>
+          <p:nvPr>
+            <p:ph idx="1"/>
+          </p:nvPr>
+        </p:nvSpPr>
+        <p:spPr>
+          <a:xfrm>
+            <a:off x="1484310" y="715651"/>
+            <a:ext cx="10018713" cy="5666295"/>
+          </a:xfrm>
+        </p:spPr>
+        <p:txBody>
+          <a:bodyPr>
+            <a:normAutofit/>
+          </a:bodyPr>
+          <a:lstStyle/>
+          <a:p>
+            <a:r>
+              <a:rPr lang="cs-CZ" dirty="0"/>
+              <a:t>Knihovny které je potřeba nainstalovat:</a:t>
+            </a:r>
+          </a:p>
+          <a:p>
+            <a:pPr lvl="1"/>
+            <a:r>
+              <a:rPr lang="cs-CZ" dirty="0">
+                <a:hlinkClick r:id="rId3"/>
+              </a:rPr>
+              <a:t>https://github.com/beegee-tokyo/DHTesp</a:t>
+            </a:r>
+            <a:r>
+              <a:rPr lang="cs-CZ" dirty="0"/>
+              <a:t> (manažer knihoven: </a:t>
+            </a:r>
+            <a:r>
+              <a:rPr lang="cs-CZ" b="1" dirty="0"/>
+              <a:t>DHT sensor </a:t>
+            </a:r>
+            <a:r>
+              <a:rPr lang="cs-CZ" b="1" dirty="0" err="1"/>
+              <a:t>library</a:t>
+            </a:r>
+            <a:r>
+              <a:rPr lang="cs-CZ" b="1" dirty="0"/>
+              <a:t> </a:t>
+            </a:r>
+            <a:r>
+              <a:rPr lang="cs-CZ" b="1" dirty="0" err="1"/>
+              <a:t>for</a:t>
+            </a:r>
+            <a:r>
+              <a:rPr lang="cs-CZ" b="1" dirty="0"/>
+              <a:t> </a:t>
+            </a:r>
+            <a:r>
+              <a:rPr lang="cs-CZ" b="1" dirty="0" err="1"/>
+              <a:t>ESPx</a:t>
+            </a:r>
+            <a:r>
+              <a:rPr lang="cs-CZ" dirty="0"/>
+              <a:t>)</a:t>
+            </a:r>
+          </a:p>
+          <a:p>
+            <a:pPr lvl="1"/>
+            <a:r>
+              <a:rPr lang="cs-CZ" b="1" dirty="0"/>
+              <a:t>Blynk</a:t>
+            </a:r>
+            <a:r>
+              <a:rPr lang="cs-CZ" dirty="0"/>
+              <a:t> (manažer knihoven: Blynk) – </a:t>
+            </a:r>
+            <a:r>
+              <a:rPr lang="cs-CZ" b="1" dirty="0">
+                <a:solidFill>
+                  <a:srgbClr val="FF0000"/>
+                </a:solidFill>
+              </a:rPr>
+              <a:t>NEZAPOMENOUT NAINSTALOVAT</a:t>
+            </a:r>
+          </a:p>
+          <a:p>
+            <a:pPr marL="457200" lvl="1" indent="0">
               <a:buNone/>
             </a:pPr>
-            <a:r>
-              <a:rPr lang="cs-CZ" sz="1600" dirty="0" smtClean="0"/>
-              <a:t>Pin 14</a:t>
-            </a:r>
-            <a:endParaRPr lang="cs-CZ" sz="1600" dirty="0"/>
-          </a:p>
-        </p:txBody>
-      </p:sp>
+            <a:endParaRPr lang="cs-CZ" dirty="0"/>
+          </a:p>
+          <a:p>
+            <a:pPr lvl="1"/>
+            <a:r>
+              <a:rPr lang="cs-CZ" dirty="0" err="1"/>
+              <a:t>Sketch</a:t>
+            </a:r>
+            <a:r>
+              <a:rPr lang="cs-CZ" dirty="0"/>
+              <a:t> si stáhněte z webové stránky:</a:t>
+            </a:r>
+          </a:p>
+          <a:p>
+            <a:pPr lvl="2"/>
+            <a:r>
+              <a:rPr lang="cs-CZ" dirty="0">
+                <a:hlinkClick r:id="rId4"/>
+              </a:rPr>
+              <a:t>https://github.com/fablab-brno/Arduino-Akademie</a:t>
+            </a:r>
+            <a:r>
+              <a:rPr lang="cs-CZ" dirty="0"/>
+              <a:t> -&gt; Workshop 4 -&gt; Blynk_Workshop_V2</a:t>
+            </a:r>
+          </a:p>
+          <a:p>
+            <a:pPr marL="914400" lvl="2" indent="0">
+              <a:buNone/>
+            </a:pPr>
+            <a:r>
+              <a:rPr lang="cs-CZ" dirty="0"/>
+              <a:t>nebo Google -&gt; „fablab </a:t>
+            </a:r>
+            <a:r>
+              <a:rPr lang="cs-CZ" dirty="0" err="1"/>
+              <a:t>brno</a:t>
+            </a:r>
+            <a:r>
+              <a:rPr lang="cs-CZ" dirty="0"/>
+              <a:t> </a:t>
+            </a:r>
+            <a:r>
+              <a:rPr lang="cs-CZ" dirty="0" err="1"/>
+              <a:t>github</a:t>
+            </a:r>
+            <a:r>
+              <a:rPr lang="cs-CZ" dirty="0"/>
+              <a:t>“ -&gt; „</a:t>
+            </a:r>
+            <a:r>
+              <a:rPr lang="cs-CZ" dirty="0" err="1"/>
+              <a:t>Arduino</a:t>
+            </a:r>
+            <a:r>
+              <a:rPr lang="cs-CZ" dirty="0"/>
+              <a:t>-Akademie“ </a:t>
+            </a:r>
+            <a:r>
+              <a:rPr lang="cs-CZ" dirty="0" err="1"/>
+              <a:t>repo</a:t>
+            </a:r>
+            <a:r>
+              <a:rPr lang="cs-CZ" dirty="0"/>
+              <a:t> -&gt; Workshop 4 -&gt; Blynk_Workshop_V2 -&gt; Blynk_Workshop_V2.ino -&gt; „</a:t>
+            </a:r>
+            <a:r>
+              <a:rPr lang="cs-CZ" dirty="0" err="1"/>
+              <a:t>Raw</a:t>
+            </a:r>
+            <a:r>
+              <a:rPr lang="cs-CZ" dirty="0"/>
+              <a:t>“</a:t>
+            </a:r>
+          </a:p>
+          <a:p>
+            <a:pPr marL="914400" lvl="2" indent="0">
+              <a:buNone/>
+            </a:pPr>
+            <a:r>
+              <a:rPr lang="cs-CZ" dirty="0"/>
+              <a:t>-&gt; „</a:t>
+            </a:r>
+            <a:r>
+              <a:rPr lang="cs-CZ" dirty="0" err="1"/>
+              <a:t>Ctrl+A</a:t>
+            </a:r>
+            <a:r>
+              <a:rPr lang="cs-CZ" dirty="0"/>
+              <a:t>“ -&gt; „</a:t>
+            </a:r>
+            <a:r>
+              <a:rPr lang="cs-CZ" dirty="0" err="1"/>
+              <a:t>Ctrl+C</a:t>
+            </a:r>
+            <a:r>
+              <a:rPr lang="cs-CZ" dirty="0"/>
+              <a:t>“ (cizí) -&gt; </a:t>
+            </a:r>
+            <a:r>
+              <a:rPr lang="cs-CZ" dirty="0" err="1"/>
+              <a:t>Arduino</a:t>
+            </a:r>
+            <a:r>
+              <a:rPr lang="cs-CZ" dirty="0"/>
+              <a:t> IDE -&gt; Soubor -&gt;</a:t>
+            </a:r>
+          </a:p>
+          <a:p>
+            <a:pPr marL="914400" lvl="2" indent="0">
+              <a:buNone/>
+            </a:pPr>
+            <a:r>
+              <a:rPr lang="cs-CZ" dirty="0"/>
+              <a:t>„Nový“ -&gt; „</a:t>
+            </a:r>
+            <a:r>
+              <a:rPr lang="cs-CZ" dirty="0" err="1"/>
+              <a:t>Ctrl+A</a:t>
+            </a:r>
+            <a:r>
+              <a:rPr lang="cs-CZ" dirty="0"/>
+              <a:t>“ -&gt; „</a:t>
+            </a:r>
+            <a:r>
+              <a:rPr lang="cs-CZ" dirty="0" err="1"/>
+              <a:t>Ctrl+V</a:t>
+            </a:r>
+            <a:r>
+              <a:rPr lang="cs-CZ" dirty="0"/>
+              <a:t>“ (vlastní) </a:t>
+            </a:r>
+          </a:p>
+        </p:txBody>
+      </p:sp>
+      <p:pic>
+        <p:nvPicPr>
+          <p:cNvPr id="9" name="Obrázek 8">
+            <a:extLst>
+              <a:ext uri="{FF2B5EF4-FFF2-40B4-BE49-F238E27FC236}">
+                <a16:creationId xmlns:a16="http://schemas.microsoft.com/office/drawing/2014/main" id="{5BA45874-024E-41C3-AF71-501277C36A3B}"/>
+              </a:ext>
+            </a:extLst>
+          </p:cNvPr>
+          <p:cNvPicPr>
+            <a:picLocks noChangeAspect="1"/>
+          </p:cNvPicPr>
+          <p:nvPr/>
+        </p:nvPicPr>
+        <p:blipFill>
+          <a:blip r:embed="rId5"/>
+          <a:stretch>
+            <a:fillRect/>
+          </a:stretch>
+        </p:blipFill>
+        <p:spPr>
+          <a:xfrm>
+            <a:off x="8458378" y="4952999"/>
+            <a:ext cx="2514600" cy="466725"/>
+          </a:xfrm>
+          <a:prstGeom prst="rect">
+            <a:avLst/>
+          </a:prstGeom>
+        </p:spPr>
+      </p:pic>
+      <p:sp>
+        <p:nvSpPr>
+          <p:cNvPr id="10" name="Obdélník 9">
+            <a:extLst>
+              <a:ext uri="{FF2B5EF4-FFF2-40B4-BE49-F238E27FC236}">
+                <a16:creationId xmlns:a16="http://schemas.microsoft.com/office/drawing/2014/main" id="{9789379E-CBF7-43E0-8593-7D5D94F50310}"/>
+              </a:ext>
+            </a:extLst>
+          </p:cNvPr>
+          <p:cNvSpPr/>
+          <p:nvPr/>
+        </p:nvSpPr>
+        <p:spPr>
+          <a:xfrm>
+            <a:off x="8505825" y="4983955"/>
+            <a:ext cx="523875" cy="376238"/>
+          </a:xfrm>
+          <a:prstGeom prst="rect">
+            <a:avLst/>
+          </a:prstGeom>
+          <a:noFill/>
+          <a:ln>
+            <a:solidFill>
+              <a:srgbClr val="FF0000"/>
+            </a:solidFill>
+          </a:ln>
+        </p:spPr>
+        <p:style>
+          <a:lnRef idx="2">
+            <a:schemeClr val="accent1">
+              <a:shade val="50000"/>
+            </a:schemeClr>
+          </a:lnRef>
+          <a:fillRef idx="1">
+            <a:schemeClr val="accent1"/>
+          </a:fillRef>
+          <a:effectRef idx="0">
+            <a:schemeClr val="accent1"/>
+          </a:effectRef>
+          <a:fontRef idx="minor">
+            <a:schemeClr val="lt1"/>
+          </a:fontRef>
+        </p:style>
+        <p:txBody>
+          <a:bodyPr rtlCol="0" anchor="ctr"/>
+          <a:lstStyle/>
+          <a:p>
+            <a:pPr algn="ctr"/>
+            <a:endParaRPr lang="cs-CZ"/>
+          </a:p>
+        </p:txBody>
+      </p:sp>
+    </p:spTree>
+    <p:extLst>
+      <p:ext uri="{BB962C8B-B14F-4D97-AF65-F5344CB8AC3E}">
+        <p14:creationId xmlns:p14="http://schemas.microsoft.com/office/powerpoint/2010/main" val="2944603715"/>
+      </p:ext>
+    </p:extLst>
+  </p:cSld>
+  <p:clrMapOvr>
+    <a:masterClrMapping/>
+  </p:clrMapOvr>
+</p:sld>
+</file>
+
+<file path=ppt/slides/slide24.xml><?xml version="1.0" encoding="utf-8"?>
+<p:sld xmlns:a="http://schemas.openxmlformats.org/drawingml/2006/main" xmlns:r="http://schemas.openxmlformats.org/officeDocument/2006/relationships" xmlns:p="http://schemas.openxmlformats.org/presentationml/2006/main">
+  <p:cSld>
+    <p:spTree>
+      <p:nvGrpSpPr>
+        <p:cNvPr id="1" name=""/>
+        <p:cNvGrpSpPr/>
+        <p:nvPr/>
+      </p:nvGrpSpPr>
+      <p:grpSpPr>
+        <a:xfrm>
+          <a:off x="0" y="0"/>
+          <a:ext cx="0" cy="0"/>
+          <a:chOff x="0" y="0"/>
+          <a:chExt cx="0" cy="0"/>
+        </a:xfrm>
+      </p:grpSpPr>
+      <p:sp>
+        <p:nvSpPr>
+          <p:cNvPr id="2" name="Nadpis 1"/>
+          <p:cNvSpPr>
+            <a:spLocks noGrp="1"/>
+          </p:cNvSpPr>
+          <p:nvPr>
+            <p:ph type="title"/>
+          </p:nvPr>
+        </p:nvSpPr>
+        <p:spPr/>
+        <p:txBody>
+          <a:bodyPr/>
+          <a:lstStyle/>
+          <a:p>
+            <a:r>
+              <a:rPr lang="cs-CZ" dirty="0"/>
+              <a:t>Arduino Workshop 4</a:t>
+            </a:r>
+          </a:p>
+        </p:txBody>
+      </p:sp>
+      <p:sp>
+        <p:nvSpPr>
+          <p:cNvPr id="3" name="Zástupný symbol pro obsah 2"/>
+          <p:cNvSpPr>
+            <a:spLocks noGrp="1"/>
+          </p:cNvSpPr>
+          <p:nvPr>
+            <p:ph idx="1"/>
+          </p:nvPr>
+        </p:nvSpPr>
+        <p:spPr>
+          <a:xfrm>
+            <a:off x="1484310" y="1974273"/>
+            <a:ext cx="10018713" cy="4572000"/>
+          </a:xfrm>
+        </p:spPr>
+        <p:txBody>
+          <a:bodyPr>
+            <a:normAutofit/>
+          </a:bodyPr>
+          <a:lstStyle/>
+          <a:p>
+            <a:r>
+              <a:rPr lang="cs-CZ" dirty="0"/>
+              <a:t>Co je to </a:t>
+            </a:r>
+            <a:r>
+              <a:rPr lang="cs-CZ" dirty="0" err="1"/>
+              <a:t>Blynk</a:t>
+            </a:r>
+            <a:r>
+              <a:rPr lang="cs-CZ" dirty="0"/>
+              <a:t>?</a:t>
+            </a:r>
+          </a:p>
+          <a:p>
+            <a:pPr lvl="1"/>
+            <a:r>
+              <a:rPr lang="cs-CZ" dirty="0"/>
+              <a:t>Podporované HW platformy</a:t>
+            </a:r>
+          </a:p>
+          <a:p>
+            <a:pPr lvl="1"/>
+            <a:r>
+              <a:rPr lang="cs-CZ" dirty="0"/>
+              <a:t>Příklady projektů</a:t>
+            </a:r>
+          </a:p>
+          <a:p>
+            <a:pPr lvl="1"/>
+            <a:r>
+              <a:rPr lang="cs-CZ" dirty="0" err="1"/>
+              <a:t>Blynk</a:t>
+            </a:r>
+            <a:r>
+              <a:rPr lang="cs-CZ" dirty="0"/>
+              <a:t> server &amp; instalace aplikace</a:t>
+            </a:r>
+          </a:p>
+          <a:p>
+            <a:r>
+              <a:rPr lang="cs-CZ" dirty="0"/>
+              <a:t>ESP8266 &amp; ESP32</a:t>
+            </a:r>
+          </a:p>
+          <a:p>
+            <a:r>
+              <a:rPr lang="cs-CZ" dirty="0"/>
+              <a:t>Praktická část 	</a:t>
+            </a:r>
+          </a:p>
+          <a:p>
+            <a:pPr lvl="1"/>
+            <a:r>
+              <a:rPr lang="cs-CZ" dirty="0"/>
+              <a:t>Instalace podpory pro ESP32</a:t>
+            </a:r>
+          </a:p>
+          <a:p>
+            <a:pPr lvl="1"/>
+            <a:r>
+              <a:rPr lang="cs-CZ" dirty="0"/>
+              <a:t>Instalace knihoven a kopírování </a:t>
+            </a:r>
+            <a:r>
+              <a:rPr lang="cs-CZ" dirty="0" err="1"/>
+              <a:t>sketche</a:t>
+            </a:r>
+            <a:endParaRPr lang="cs-CZ" dirty="0"/>
+          </a:p>
+          <a:p>
+            <a:pPr lvl="1"/>
+            <a:r>
+              <a:rPr lang="cs-CZ" b="1" dirty="0"/>
+              <a:t>Zapojení HW a práce s aplikací</a:t>
+            </a:r>
+          </a:p>
+        </p:txBody>
+      </p:sp>
+      <p:sp>
+        <p:nvSpPr>
+          <p:cNvPr id="6" name="Zástupný symbol pro číslo snímku 5"/>
+          <p:cNvSpPr>
+            <a:spLocks noGrp="1"/>
+          </p:cNvSpPr>
+          <p:nvPr>
+            <p:ph type="sldNum" sz="quarter" idx="12"/>
+          </p:nvPr>
+        </p:nvSpPr>
+        <p:spPr/>
+        <p:txBody>
+          <a:bodyPr/>
+          <a:lstStyle/>
+          <a:p>
+            <a:fld id="{D57F1E4F-1CFF-5643-939E-217C01CDF565}" type="slidenum">
+              <a:rPr lang="en-US" smtClean="0"/>
+              <a:pPr/>
+              <a:t>24</a:t>
+            </a:fld>
+            <a:endParaRPr lang="en-US" dirty="0"/>
+          </a:p>
+        </p:txBody>
+      </p:sp>
+    </p:spTree>
+    <p:extLst>
+      <p:ext uri="{BB962C8B-B14F-4D97-AF65-F5344CB8AC3E}">
+        <p14:creationId xmlns:p14="http://schemas.microsoft.com/office/powerpoint/2010/main" val="15990146"/>
+      </p:ext>
+    </p:extLst>
+  </p:cSld>
+  <p:clrMapOvr>
+    <a:masterClrMapping/>
+  </p:clrMapOvr>
+</p:sld>
+</file>
+
+<file path=ppt/slides/slide25.xml><?xml version="1.0" encoding="utf-8"?>
+<p:sld xmlns:a="http://schemas.openxmlformats.org/drawingml/2006/main" xmlns:r="http://schemas.openxmlformats.org/officeDocument/2006/relationships" xmlns:p="http://schemas.openxmlformats.org/presentationml/2006/main">
+  <p:cSld>
+    <p:spTree>
+      <p:nvGrpSpPr>
+        <p:cNvPr id="1" name=""/>
+        <p:cNvGrpSpPr/>
+        <p:nvPr/>
+      </p:nvGrpSpPr>
+      <p:grpSpPr>
+        <a:xfrm>
+          <a:off x="0" y="0"/>
+          <a:ext cx="0" cy="0"/>
+          <a:chOff x="0" y="0"/>
+          <a:chExt cx="0" cy="0"/>
+        </a:xfrm>
+      </p:grpSpPr>
       <p:pic>
         <p:nvPicPr>
           <p:cNvPr id="3" name="Obrázek 2"/>
@@ -13416,6 +15439,168 @@
       </p:pic>
       <p:sp>
         <p:nvSpPr>
+          <p:cNvPr id="4" name="Zástupný symbol pro číslo snímku 3"/>
+          <p:cNvSpPr>
+            <a:spLocks noGrp="1"/>
+          </p:cNvSpPr>
+          <p:nvPr>
+            <p:ph type="sldNum" sz="quarter" idx="12"/>
+          </p:nvPr>
+        </p:nvSpPr>
+        <p:spPr/>
+        <p:txBody>
+          <a:bodyPr/>
+          <a:lstStyle/>
+          <a:p>
+            <a:fld id="{D57F1E4F-1CFF-5643-939E-217C01CDF565}" type="slidenum">
+              <a:rPr lang="en-US" smtClean="0"/>
+              <a:pPr/>
+              <a:t>25</a:t>
+            </a:fld>
+            <a:endParaRPr lang="en-US" dirty="0"/>
+          </a:p>
+        </p:txBody>
+      </p:sp>
+      <p:sp>
+        <p:nvSpPr>
+          <p:cNvPr id="6" name="Nadpis 1"/>
+          <p:cNvSpPr txBox="1">
+            <a:spLocks/>
+          </p:cNvSpPr>
+          <p:nvPr/>
+        </p:nvSpPr>
+        <p:spPr>
+          <a:xfrm>
+            <a:off x="3271654" y="109549"/>
+            <a:ext cx="6444024" cy="724396"/>
+          </a:xfrm>
+          <a:prstGeom prst="rect">
+            <a:avLst/>
+          </a:prstGeom>
+          <a:effectLst/>
+        </p:spPr>
+        <p:txBody>
+          <a:bodyPr vert="horz" lIns="91440" tIns="45720" rIns="91440" bIns="45720" rtlCol="0" anchor="ctr">
+            <a:normAutofit/>
+          </a:bodyPr>
+          <a:lstStyle>
+            <a:lvl1pPr algn="ctr" defTabSz="457200" rtl="0" eaLnBrk="1" latinLnBrk="0" hangingPunct="1">
+              <a:spcBef>
+                <a:spcPct val="0"/>
+              </a:spcBef>
+              <a:buNone/>
+              <a:defRPr sz="4000" kern="1200" cap="none">
+                <a:ln w="3175" cmpd="sng">
+                  <a:noFill/>
+                </a:ln>
+                <a:solidFill>
+                  <a:schemeClr val="tx1"/>
+                </a:solidFill>
+                <a:effectLst/>
+                <a:latin typeface="+mj-lt"/>
+                <a:ea typeface="+mj-ea"/>
+                <a:cs typeface="+mj-cs"/>
+              </a:defRPr>
+            </a:lvl1pPr>
+            <a:lvl2pPr eaLnBrk="1" hangingPunct="1">
+              <a:defRPr>
+                <a:solidFill>
+                  <a:schemeClr val="tx2"/>
+                </a:solidFill>
+              </a:defRPr>
+            </a:lvl2pPr>
+            <a:lvl3pPr eaLnBrk="1" hangingPunct="1">
+              <a:defRPr>
+                <a:solidFill>
+                  <a:schemeClr val="tx2"/>
+                </a:solidFill>
+              </a:defRPr>
+            </a:lvl3pPr>
+            <a:lvl4pPr eaLnBrk="1" hangingPunct="1">
+              <a:defRPr>
+                <a:solidFill>
+                  <a:schemeClr val="tx2"/>
+                </a:solidFill>
+              </a:defRPr>
+            </a:lvl4pPr>
+            <a:lvl5pPr eaLnBrk="1" hangingPunct="1">
+              <a:defRPr>
+                <a:solidFill>
+                  <a:schemeClr val="tx2"/>
+                </a:solidFill>
+              </a:defRPr>
+            </a:lvl5pPr>
+            <a:lvl6pPr eaLnBrk="1" hangingPunct="1">
+              <a:defRPr>
+                <a:solidFill>
+                  <a:schemeClr val="tx2"/>
+                </a:solidFill>
+              </a:defRPr>
+            </a:lvl6pPr>
+            <a:lvl7pPr eaLnBrk="1" hangingPunct="1">
+              <a:defRPr>
+                <a:solidFill>
+                  <a:schemeClr val="tx2"/>
+                </a:solidFill>
+              </a:defRPr>
+            </a:lvl7pPr>
+            <a:lvl8pPr eaLnBrk="1" hangingPunct="1">
+              <a:defRPr>
+                <a:solidFill>
+                  <a:schemeClr val="tx2"/>
+                </a:solidFill>
+              </a:defRPr>
+            </a:lvl8pPr>
+            <a:lvl9pPr eaLnBrk="1" hangingPunct="1">
+              <a:defRPr>
+                <a:solidFill>
+                  <a:schemeClr val="tx2"/>
+                </a:solidFill>
+              </a:defRPr>
+            </a:lvl9pPr>
+          </a:lstStyle>
+          <a:p>
+            <a:r>
+              <a:rPr lang="cs-CZ" sz="3200" dirty="0"/>
+              <a:t>Zapojení HW a práce s aplikací</a:t>
+            </a:r>
+          </a:p>
+        </p:txBody>
+      </p:sp>
+      <p:sp>
+        <p:nvSpPr>
+          <p:cNvPr id="2" name="Zástupný symbol pro obsah 1"/>
+          <p:cNvSpPr>
+            <a:spLocks noGrp="1"/>
+          </p:cNvSpPr>
+          <p:nvPr>
+            <p:ph idx="1"/>
+          </p:nvPr>
+        </p:nvSpPr>
+        <p:spPr>
+          <a:xfrm>
+            <a:off x="7351807" y="5272453"/>
+            <a:ext cx="712135" cy="462306"/>
+          </a:xfrm>
+        </p:spPr>
+        <p:txBody>
+          <a:bodyPr>
+            <a:normAutofit fontScale="92500"/>
+          </a:bodyPr>
+          <a:lstStyle/>
+          <a:p>
+            <a:pPr marL="0" indent="0">
+              <a:buNone/>
+            </a:pPr>
+            <a:r>
+              <a:rPr lang="cs-CZ" sz="1600" b="1" dirty="0"/>
+              <a:t>Pin 14</a:t>
+            </a:r>
+          </a:p>
+        </p:txBody>
+      </p:sp>
+      <p:sp>
+        <p:nvSpPr>
           <p:cNvPr id="7" name="Zástupný symbol pro obsah 1"/>
           <p:cNvSpPr txBox="1">
             <a:spLocks/>
@@ -13668,10 +15853,9 @@
               <a:buNone/>
             </a:pPr>
             <a:r>
-              <a:rPr lang="cs-CZ" sz="1600" dirty="0" smtClean="0"/>
+              <a:rPr lang="cs-CZ" sz="1600" b="1" dirty="0"/>
               <a:t>Pin 32</a:t>
             </a:r>
-            <a:endParaRPr lang="cs-CZ" sz="1600" dirty="0"/>
           </a:p>
         </p:txBody>
       </p:sp>
@@ -13929,10 +16113,9 @@
               <a:buNone/>
             </a:pPr>
             <a:r>
-              <a:rPr lang="cs-CZ" sz="1600" dirty="0" smtClean="0"/>
+              <a:rPr lang="cs-CZ" sz="1600" b="1" dirty="0"/>
               <a:t>Pin 12</a:t>
             </a:r>
-            <a:endParaRPr lang="cs-CZ" sz="1600" dirty="0"/>
           </a:p>
         </p:txBody>
       </p:sp>
@@ -14190,10 +16373,9 @@
               <a:buNone/>
             </a:pPr>
             <a:r>
-              <a:rPr lang="cs-CZ" sz="1600" dirty="0" smtClean="0"/>
+              <a:rPr lang="cs-CZ" sz="1600" b="1" dirty="0"/>
               <a:t>Pin 27</a:t>
             </a:r>
-            <a:endParaRPr lang="cs-CZ" sz="1600" dirty="0"/>
           </a:p>
         </p:txBody>
       </p:sp>
@@ -14251,7 +16433,7 @@
         </p:nvSpPr>
         <p:spPr>
           <a:xfrm>
-            <a:off x="7875682" y="6000549"/>
+            <a:off x="7351808" y="5277481"/>
             <a:ext cx="712135" cy="462306"/>
           </a:xfrm>
           <a:prstGeom prst="rect">
@@ -14285,7 +16467,7 @@
           <a:lstStyle/>
           <a:p>
             <a:pPr algn="ctr"/>
-            <a:endParaRPr lang="cs-CZ"/>
+            <a:endParaRPr lang="cs-CZ" b="1" dirty="0"/>
           </a:p>
         </p:txBody>
       </p:sp>
@@ -14331,7 +16513,7 @@
           <a:lstStyle/>
           <a:p>
             <a:pPr algn="ctr"/>
-            <a:endParaRPr lang="cs-CZ"/>
+            <a:endParaRPr lang="cs-CZ" b="1" dirty="0"/>
           </a:p>
         </p:txBody>
       </p:sp>
@@ -14381,343 +16563,30 @@
           </a:p>
         </p:txBody>
       </p:sp>
-    </p:spTree>
-    <p:extLst>
-      <p:ext uri="{BB962C8B-B14F-4D97-AF65-F5344CB8AC3E}">
-        <p14:creationId xmlns:p14="http://schemas.microsoft.com/office/powerpoint/2010/main" val="1620030877"/>
-      </p:ext>
-    </p:extLst>
-  </p:cSld>
-  <p:clrMapOvr>
-    <a:masterClrMapping/>
-  </p:clrMapOvr>
-  <p:timing>
-    <p:tnLst>
-      <p:par>
-        <p:cTn id="1" dur="indefinite" restart="never" nodeType="tmRoot"/>
-      </p:par>
-    </p:tnLst>
-  </p:timing>
-</p:sld>
-</file>
-
-<file path=ppt/slides/slide22.xml><?xml version="1.0" encoding="utf-8"?>
-<p:sld xmlns:a="http://schemas.openxmlformats.org/drawingml/2006/main" xmlns:r="http://schemas.openxmlformats.org/officeDocument/2006/relationships" xmlns:p="http://schemas.openxmlformats.org/presentationml/2006/main">
-  <p:cSld>
-    <p:spTree>
-      <p:nvGrpSpPr>
-        <p:cNvPr id="1" name=""/>
-        <p:cNvGrpSpPr/>
-        <p:nvPr/>
-      </p:nvGrpSpPr>
-      <p:grpSpPr>
-        <a:xfrm>
-          <a:off x="0" y="0"/>
-          <a:ext cx="0" cy="0"/>
-          <a:chOff x="0" y="0"/>
-          <a:chExt cx="0" cy="0"/>
-        </a:xfrm>
-      </p:grpSpPr>
-      <p:sp>
-        <p:nvSpPr>
-          <p:cNvPr id="4" name="Zástupný symbol pro číslo snímku 3"/>
-          <p:cNvSpPr>
-            <a:spLocks noGrp="1"/>
-          </p:cNvSpPr>
-          <p:nvPr>
-            <p:ph type="sldNum" sz="quarter" idx="12"/>
-          </p:nvPr>
-        </p:nvSpPr>
-        <p:spPr/>
-        <p:txBody>
-          <a:bodyPr/>
-          <a:lstStyle/>
-          <a:p>
-            <a:fld id="{D57F1E4F-1CFF-5643-939E-217C01CDF565}" type="slidenum">
-              <a:rPr lang="en-US" smtClean="0"/>
-              <a:pPr/>
-              <a:t>22</a:t>
-            </a:fld>
-            <a:endParaRPr lang="en-US" dirty="0"/>
-          </a:p>
-        </p:txBody>
-      </p:sp>
-      <p:sp>
-        <p:nvSpPr>
-          <p:cNvPr id="6" name="Nadpis 1"/>
-          <p:cNvSpPr txBox="1">
-            <a:spLocks/>
-          </p:cNvSpPr>
+      <p:sp>
+        <p:nvSpPr>
+          <p:cNvPr id="13" name="Šipka doprava 4">
+            <a:extLst>
+              <a:ext uri="{FF2B5EF4-FFF2-40B4-BE49-F238E27FC236}">
+                <a16:creationId xmlns:a16="http://schemas.microsoft.com/office/drawing/2014/main" id="{F90B4CE0-CFAB-4457-BA79-FD8FC896E580}"/>
+              </a:ext>
+            </a:extLst>
+          </p:cNvPr>
+          <p:cNvSpPr/>
           <p:nvPr/>
         </p:nvSpPr>
         <p:spPr>
-          <a:xfrm>
-            <a:off x="3271654" y="109549"/>
-            <a:ext cx="6444024" cy="724396"/>
+          <a:xfrm rot="5400000">
+            <a:off x="10028122" y="1750773"/>
+            <a:ext cx="480767" cy="197963"/>
           </a:xfrm>
-          <a:prstGeom prst="rect">
+          <a:prstGeom prst="rightArrow">
             <a:avLst/>
           </a:prstGeom>
-          <a:effectLst/>
-        </p:spPr>
-        <p:txBody>
-          <a:bodyPr vert="horz" lIns="91440" tIns="45720" rIns="91440" bIns="45720" rtlCol="0" anchor="ctr">
-            <a:normAutofit fontScale="62500" lnSpcReduction="20000"/>
-          </a:bodyPr>
-          <a:lstStyle>
-            <a:lvl1pPr algn="ctr" defTabSz="457200" rtl="0" eaLnBrk="1" latinLnBrk="0" hangingPunct="1">
-              <a:spcBef>
-                <a:spcPct val="0"/>
-              </a:spcBef>
-              <a:buNone/>
-              <a:defRPr sz="4000" kern="1200" cap="none">
-                <a:ln w="3175" cmpd="sng">
-                  <a:noFill/>
-                </a:ln>
-                <a:solidFill>
-                  <a:schemeClr val="tx1"/>
-                </a:solidFill>
-                <a:effectLst/>
-                <a:latin typeface="+mj-lt"/>
-                <a:ea typeface="+mj-ea"/>
-                <a:cs typeface="+mj-cs"/>
-              </a:defRPr>
-            </a:lvl1pPr>
-            <a:lvl2pPr eaLnBrk="1" hangingPunct="1">
-              <a:defRPr>
-                <a:solidFill>
-                  <a:schemeClr val="tx2"/>
-                </a:solidFill>
-              </a:defRPr>
-            </a:lvl2pPr>
-            <a:lvl3pPr eaLnBrk="1" hangingPunct="1">
-              <a:defRPr>
-                <a:solidFill>
-                  <a:schemeClr val="tx2"/>
-                </a:solidFill>
-              </a:defRPr>
-            </a:lvl3pPr>
-            <a:lvl4pPr eaLnBrk="1" hangingPunct="1">
-              <a:defRPr>
-                <a:solidFill>
-                  <a:schemeClr val="tx2"/>
-                </a:solidFill>
-              </a:defRPr>
-            </a:lvl4pPr>
-            <a:lvl5pPr eaLnBrk="1" hangingPunct="1">
-              <a:defRPr>
-                <a:solidFill>
-                  <a:schemeClr val="tx2"/>
-                </a:solidFill>
-              </a:defRPr>
-            </a:lvl5pPr>
-            <a:lvl6pPr eaLnBrk="1" hangingPunct="1">
-              <a:defRPr>
-                <a:solidFill>
-                  <a:schemeClr val="tx2"/>
-                </a:solidFill>
-              </a:defRPr>
-            </a:lvl6pPr>
-            <a:lvl7pPr eaLnBrk="1" hangingPunct="1">
-              <a:defRPr>
-                <a:solidFill>
-                  <a:schemeClr val="tx2"/>
-                </a:solidFill>
-              </a:defRPr>
-            </a:lvl7pPr>
-            <a:lvl8pPr eaLnBrk="1" hangingPunct="1">
-              <a:defRPr>
-                <a:solidFill>
-                  <a:schemeClr val="tx2"/>
-                </a:solidFill>
-              </a:defRPr>
-            </a:lvl8pPr>
-            <a:lvl9pPr eaLnBrk="1" hangingPunct="1">
-              <a:defRPr>
-                <a:solidFill>
-                  <a:schemeClr val="tx2"/>
-                </a:solidFill>
-              </a:defRPr>
-            </a:lvl9pPr>
-          </a:lstStyle>
-          <a:p>
-            <a:r>
-              <a:rPr lang="cs-CZ" dirty="0"/>
-              <a:t>Nastavení Blynk </a:t>
-            </a:r>
-            <a:r>
-              <a:rPr lang="cs-CZ" dirty="0" smtClean="0"/>
-              <a:t>aplikace pro Blynk server ve FL </a:t>
-            </a:r>
-            <a:endParaRPr lang="cs-CZ" dirty="0"/>
-          </a:p>
-        </p:txBody>
-      </p:sp>
-      <p:sp>
-        <p:nvSpPr>
-          <p:cNvPr id="2" name="Zástupný symbol pro obsah 1"/>
-          <p:cNvSpPr>
-            <a:spLocks noGrp="1"/>
-          </p:cNvSpPr>
-          <p:nvPr>
-            <p:ph idx="1"/>
-          </p:nvPr>
-        </p:nvSpPr>
-        <p:spPr>
-          <a:xfrm>
-            <a:off x="1484310" y="715652"/>
-            <a:ext cx="10018713" cy="1377099"/>
-          </a:xfrm>
-        </p:spPr>
-        <p:txBody>
-          <a:bodyPr>
-            <a:normAutofit/>
-          </a:bodyPr>
-          <a:lstStyle/>
-          <a:p>
-            <a:pPr lvl="1"/>
-            <a:r>
-              <a:rPr lang="cs-CZ" dirty="0" smtClean="0"/>
-              <a:t>mtm.fablabbrno.cz</a:t>
-            </a:r>
-          </a:p>
-          <a:p>
-            <a:pPr lvl="1"/>
-            <a:r>
-              <a:rPr lang="cs-CZ" dirty="0" smtClean="0"/>
-              <a:t>9443</a:t>
-            </a:r>
-          </a:p>
-          <a:p>
-            <a:pPr lvl="1"/>
-            <a:r>
-              <a:rPr lang="cs-CZ" dirty="0" err="1" smtClean="0"/>
-              <a:t>FabLab</a:t>
-            </a:r>
-            <a:r>
-              <a:rPr lang="cs-CZ" dirty="0" smtClean="0"/>
-              <a:t> : </a:t>
-            </a:r>
-            <a:r>
-              <a:rPr lang="cs-CZ" dirty="0" err="1" smtClean="0"/>
-              <a:t>wearemakers</a:t>
-            </a:r>
-            <a:endParaRPr lang="cs-CZ" dirty="0"/>
-          </a:p>
-        </p:txBody>
-      </p:sp>
-      <p:pic>
-        <p:nvPicPr>
-          <p:cNvPr id="3" name="Obrázek 2"/>
-          <p:cNvPicPr>
-            <a:picLocks noChangeAspect="1"/>
-          </p:cNvPicPr>
-          <p:nvPr/>
-        </p:nvPicPr>
-        <p:blipFill>
-          <a:blip r:embed="rId3"/>
-          <a:stretch>
-            <a:fillRect/>
-          </a:stretch>
-        </p:blipFill>
-        <p:spPr>
-          <a:xfrm>
-            <a:off x="1598967" y="2168156"/>
-            <a:ext cx="2146053" cy="3625409"/>
-          </a:xfrm>
-          <a:prstGeom prst="rect">
-            <a:avLst/>
-          </a:prstGeom>
-        </p:spPr>
-      </p:pic>
-      <p:pic>
-        <p:nvPicPr>
-          <p:cNvPr id="5" name="Obrázek 4"/>
-          <p:cNvPicPr>
-            <a:picLocks noChangeAspect="1"/>
-          </p:cNvPicPr>
-          <p:nvPr/>
-        </p:nvPicPr>
-        <p:blipFill>
-          <a:blip r:embed="rId4"/>
-          <a:stretch>
-            <a:fillRect/>
-          </a:stretch>
-        </p:blipFill>
-        <p:spPr>
-          <a:xfrm>
-            <a:off x="6493666" y="2167236"/>
-            <a:ext cx="2144007" cy="3625606"/>
-          </a:xfrm>
-          <a:prstGeom prst="rect">
-            <a:avLst/>
-          </a:prstGeom>
-        </p:spPr>
-      </p:pic>
-      <p:pic>
-        <p:nvPicPr>
-          <p:cNvPr id="7" name="Obrázek 6"/>
-          <p:cNvPicPr>
-            <a:picLocks noChangeAspect="1"/>
-          </p:cNvPicPr>
-          <p:nvPr/>
-        </p:nvPicPr>
-        <p:blipFill>
-          <a:blip r:embed="rId5"/>
-          <a:stretch>
-            <a:fillRect/>
-          </a:stretch>
-        </p:blipFill>
-        <p:spPr>
-          <a:xfrm>
-            <a:off x="3997299" y="2167236"/>
-            <a:ext cx="2308613" cy="3625409"/>
-          </a:xfrm>
-          <a:prstGeom prst="rect">
-            <a:avLst/>
-          </a:prstGeom>
-        </p:spPr>
-      </p:pic>
-      <p:pic>
-        <p:nvPicPr>
-          <p:cNvPr id="8" name="Obrázek 7"/>
-          <p:cNvPicPr>
-            <a:picLocks noChangeAspect="1"/>
-          </p:cNvPicPr>
-          <p:nvPr/>
-        </p:nvPicPr>
-        <p:blipFill>
-          <a:blip r:embed="rId6"/>
-          <a:stretch>
-            <a:fillRect/>
-          </a:stretch>
-        </p:blipFill>
-        <p:spPr>
-          <a:xfrm>
-            <a:off x="8914704" y="2168156"/>
-            <a:ext cx="2312735" cy="3624686"/>
-          </a:xfrm>
-          <a:prstGeom prst="rect">
-            <a:avLst/>
-          </a:prstGeom>
-        </p:spPr>
-      </p:pic>
-      <p:sp>
-        <p:nvSpPr>
-          <p:cNvPr id="9" name="Obdélník 8"/>
-          <p:cNvSpPr/>
-          <p:nvPr/>
-        </p:nvSpPr>
-        <p:spPr>
-          <a:xfrm>
-            <a:off x="1988343" y="3610466"/>
-            <a:ext cx="321469" cy="282804"/>
-          </a:xfrm>
-          <a:prstGeom prst="rect">
-            <a:avLst/>
-          </a:prstGeom>
-          <a:noFill/>
-          <a:ln w="38100">
+          <a:solidFill>
+            <a:srgbClr val="FF0000"/>
+          </a:solidFill>
+          <a:ln>
             <a:solidFill>
               <a:srgbClr val="FF0000"/>
             </a:solidFill>
@@ -14748,119 +16617,20 @@
           </a:p>
         </p:txBody>
       </p:sp>
-      <p:sp>
-        <p:nvSpPr>
-          <p:cNvPr id="10" name="Obdélník 9"/>
-          <p:cNvSpPr/>
-          <p:nvPr/>
-        </p:nvSpPr>
-        <p:spPr>
-          <a:xfrm>
-            <a:off x="4958608" y="5219700"/>
-            <a:ext cx="451592" cy="457200"/>
-          </a:xfrm>
-          <a:prstGeom prst="rect">
-            <a:avLst/>
-          </a:prstGeom>
-          <a:noFill/>
-          <a:ln w="38100">
-            <a:solidFill>
-              <a:srgbClr val="FF0000"/>
-            </a:solidFill>
-          </a:ln>
-        </p:spPr>
-        <p:style>
-          <a:lnRef idx="2">
-            <a:schemeClr val="accent1">
-              <a:shade val="50000"/>
-            </a:schemeClr>
-          </a:lnRef>
-          <a:fillRef idx="1">
-            <a:schemeClr val="accent1"/>
-          </a:fillRef>
-          <a:effectRef idx="0">
-            <a:schemeClr val="accent1"/>
-          </a:effectRef>
-          <a:fontRef idx="minor">
-            <a:schemeClr val="lt1"/>
-          </a:fontRef>
-        </p:style>
-        <p:txBody>
-          <a:bodyPr rtlCol="0" anchor="ctr"/>
-          <a:lstStyle/>
-          <a:p>
-            <a:pPr algn="ctr"/>
-            <a:endParaRPr lang="cs-CZ"/>
-          </a:p>
-        </p:txBody>
-      </p:sp>
-      <p:sp>
-        <p:nvSpPr>
-          <p:cNvPr id="12" name="Obdélník 11"/>
-          <p:cNvSpPr/>
-          <p:nvPr/>
-        </p:nvSpPr>
-        <p:spPr>
-          <a:xfrm>
-            <a:off x="6711208" y="5295900"/>
-            <a:ext cx="1265980" cy="381000"/>
-          </a:xfrm>
-          <a:prstGeom prst="rect">
-            <a:avLst/>
-          </a:prstGeom>
-          <a:noFill/>
-          <a:ln w="38100">
-            <a:solidFill>
-              <a:srgbClr val="FF0000"/>
-            </a:solidFill>
-          </a:ln>
-        </p:spPr>
-        <p:style>
-          <a:lnRef idx="2">
-            <a:schemeClr val="accent1">
-              <a:shade val="50000"/>
-            </a:schemeClr>
-          </a:lnRef>
-          <a:fillRef idx="1">
-            <a:schemeClr val="accent1"/>
-          </a:fillRef>
-          <a:effectRef idx="0">
-            <a:schemeClr val="accent1"/>
-          </a:effectRef>
-          <a:fontRef idx="minor">
-            <a:schemeClr val="lt1"/>
-          </a:fontRef>
-        </p:style>
-        <p:txBody>
-          <a:bodyPr rtlCol="0" anchor="ctr"/>
-          <a:lstStyle/>
-          <a:p>
-            <a:pPr algn="ctr"/>
-            <a:endParaRPr lang="cs-CZ"/>
-          </a:p>
-        </p:txBody>
-      </p:sp>
     </p:spTree>
     <p:extLst>
       <p:ext uri="{BB962C8B-B14F-4D97-AF65-F5344CB8AC3E}">
-        <p14:creationId xmlns:p14="http://schemas.microsoft.com/office/powerpoint/2010/main" val="2584475621"/>
+        <p14:creationId xmlns:p14="http://schemas.microsoft.com/office/powerpoint/2010/main" val="1620030877"/>
       </p:ext>
     </p:extLst>
   </p:cSld>
   <p:clrMapOvr>
     <a:masterClrMapping/>
   </p:clrMapOvr>
-  <p:timing>
-    <p:tnLst>
-      <p:par>
-        <p:cTn id="1" dur="indefinite" restart="never" nodeType="tmRoot"/>
-      </p:par>
-    </p:tnLst>
-  </p:timing>
 </p:sld>
 </file>
 
-<file path=ppt/slides/slide23.xml><?xml version="1.0" encoding="utf-8"?>
+<file path=ppt/slides/slide26.xml><?xml version="1.0" encoding="utf-8"?>
 <p:sld xmlns:a="http://schemas.openxmlformats.org/drawingml/2006/main" xmlns:r="http://schemas.openxmlformats.org/officeDocument/2006/relationships" xmlns:p="http://schemas.openxmlformats.org/presentationml/2006/main">
   <p:cSld>
     <p:spTree>
@@ -14915,12 +16685,8 @@
           <a:lstStyle/>
           <a:p>
             <a:r>
-              <a:rPr lang="cs-CZ" dirty="0" smtClean="0"/>
-              <a:t> </a:t>
-            </a:r>
-            <a:r>
               <a:rPr lang="cs-CZ" dirty="0"/>
-              <a:t>@</a:t>
+              <a:t> @</a:t>
             </a:r>
             <a:r>
               <a:rPr lang="cs-CZ" dirty="0" err="1"/>
@@ -14948,7 +16714,7 @@
             <a:fld id="{D57F1E4F-1CFF-5643-939E-217C01CDF565}" type="slidenum">
               <a:rPr lang="en-US" smtClean="0"/>
               <a:pPr/>
-              <a:t>23</a:t>
+              <a:t>26</a:t>
             </a:fld>
             <a:endParaRPr lang="en-US" dirty="0"/>
           </a:p>
@@ -14964,13 +16730,6 @@
   <p:clrMapOvr>
     <a:masterClrMapping/>
   </p:clrMapOvr>
-  <p:timing>
-    <p:tnLst>
-      <p:par>
-        <p:cTn id="1" dur="indefinite" restart="never" nodeType="tmRoot"/>
-      </p:par>
-    </p:tnLst>
-  </p:timing>
 </p:sld>
 </file>
 
@@ -15008,13 +16767,8 @@
           <a:p>
             <a:r>
               <a:rPr lang="cs-CZ" dirty="0"/>
-              <a:t>Arduino Workshop </a:t>
-            </a:r>
-            <a:r>
-              <a:rPr lang="cs-CZ" dirty="0" smtClean="0"/>
-              <a:t>4</a:t>
-            </a:r>
-            <a:endParaRPr lang="cs-CZ" dirty="0"/>
+              <a:t>Arduino Workshop 4</a:t>
+            </a:r>
           </a:p>
         </p:txBody>
       </p:sp>
@@ -15041,34 +16795,31 @@
           <a:lstStyle/>
           <a:p>
             <a:r>
-              <a:rPr lang="cs-CZ" b="1" dirty="0" smtClean="0"/>
+              <a:rPr lang="cs-CZ" b="1" dirty="0"/>
               <a:t>Co je to </a:t>
             </a:r>
             <a:r>
-              <a:rPr lang="cs-CZ" b="1" dirty="0" err="1" smtClean="0"/>
+              <a:rPr lang="cs-CZ" b="1" dirty="0" err="1"/>
               <a:t>Blynk</a:t>
             </a:r>
             <a:r>
-              <a:rPr lang="cs-CZ" b="1" dirty="0" smtClean="0"/>
+              <a:rPr lang="cs-CZ" b="1" dirty="0"/>
               <a:t>?</a:t>
             </a:r>
-            <a:endParaRPr lang="cs-CZ" b="1" dirty="0"/>
           </a:p>
           <a:p>
             <a:pPr lvl="1"/>
             <a:r>
-              <a:rPr lang="cs-CZ" dirty="0" smtClean="0"/>
+              <a:rPr lang="cs-CZ" dirty="0"/>
               <a:t>Podporované HW platformy</a:t>
             </a:r>
-            <a:endParaRPr lang="cs-CZ" dirty="0"/>
           </a:p>
           <a:p>
             <a:pPr lvl="1"/>
             <a:r>
-              <a:rPr lang="cs-CZ" dirty="0" smtClean="0"/>
+              <a:rPr lang="cs-CZ" dirty="0"/>
               <a:t>Příklady projektů</a:t>
             </a:r>
-            <a:endParaRPr lang="cs-CZ" dirty="0"/>
           </a:p>
           <a:p>
             <a:pPr lvl="1"/>
@@ -15083,31 +16834,39 @@
           </a:p>
           <a:p>
             <a:r>
-              <a:rPr lang="cs-CZ" dirty="0" smtClean="0"/>
+              <a:rPr lang="cs-CZ" dirty="0"/>
               <a:t>ESP8266 &amp; ESP32</a:t>
             </a:r>
           </a:p>
           <a:p>
             <a:r>
               <a:rPr lang="cs-CZ" dirty="0"/>
-              <a:t>Praktická </a:t>
-            </a:r>
-            <a:r>
-              <a:rPr lang="cs-CZ" dirty="0" smtClean="0"/>
-              <a:t>část 	</a:t>
+              <a:t>Praktická část 	</a:t>
             </a:r>
           </a:p>
           <a:p>
             <a:pPr lvl="1"/>
             <a:r>
-              <a:rPr lang="cs-CZ" dirty="0" smtClean="0"/>
+              <a:rPr lang="cs-CZ" dirty="0"/>
               <a:t>Instalace podpory pro ESP32</a:t>
             </a:r>
           </a:p>
           <a:p>
             <a:pPr lvl="1"/>
             <a:r>
-              <a:rPr lang="cs-CZ" dirty="0" smtClean="0"/>
+              <a:rPr lang="cs-CZ" dirty="0"/>
+              <a:t>Instalace knihoven a kopírování </a:t>
+            </a:r>
+            <a:r>
+              <a:rPr lang="cs-CZ" dirty="0" err="1"/>
+              <a:t>sketche</a:t>
+            </a:r>
+            <a:endParaRPr lang="cs-CZ" dirty="0"/>
+          </a:p>
+          <a:p>
+            <a:pPr lvl="1"/>
+            <a:r>
+              <a:rPr lang="cs-CZ" dirty="0"/>
               <a:t>Zapojení HW a práce s aplikací</a:t>
             </a:r>
           </a:p>
@@ -15147,13 +16906,6 @@
   <p:clrMapOvr>
     <a:masterClrMapping/>
   </p:clrMapOvr>
-  <p:timing>
-    <p:tnLst>
-      <p:par>
-        <p:cTn id="1" dur="indefinite" restart="never" nodeType="tmRoot"/>
-      </p:par>
-    </p:tnLst>
-  </p:timing>
 </p:sld>
 </file>
 
@@ -15195,18 +16947,17 @@
           <a:lstStyle/>
           <a:p>
             <a:r>
-              <a:rPr lang="cs-CZ" dirty="0" smtClean="0"/>
+              <a:rPr lang="cs-CZ" dirty="0"/>
               <a:t>Co je to </a:t>
             </a:r>
             <a:r>
-              <a:rPr lang="cs-CZ" dirty="0" err="1" smtClean="0"/>
+              <a:rPr lang="cs-CZ" dirty="0" err="1"/>
               <a:t>Blynk</a:t>
             </a:r>
             <a:r>
-              <a:rPr lang="cs-CZ" dirty="0" smtClean="0"/>
+              <a:rPr lang="cs-CZ" dirty="0"/>
               <a:t>?</a:t>
             </a:r>
-            <a:endParaRPr lang="cs-CZ" dirty="0"/>
           </a:p>
         </p:txBody>
       </p:sp>
@@ -15475,13 +17226,6 @@
   <p:clrMapOvr>
     <a:masterClrMapping/>
   </p:clrMapOvr>
-  <p:timing>
-    <p:tnLst>
-      <p:par>
-        <p:cTn id="1" dur="indefinite" restart="never" nodeType="tmRoot"/>
-      </p:par>
-    </p:tnLst>
-  </p:timing>
 </p:sld>
 </file>
 
@@ -15519,13 +17263,8 @@
           <a:p>
             <a:r>
               <a:rPr lang="cs-CZ" dirty="0"/>
-              <a:t>Arduino Workshop </a:t>
-            </a:r>
-            <a:r>
-              <a:rPr lang="cs-CZ" dirty="0" smtClean="0"/>
-              <a:t>4</a:t>
-            </a:r>
-            <a:endParaRPr lang="cs-CZ" dirty="0"/>
+              <a:t>Arduino Workshop 4</a:t>
+            </a:r>
           </a:p>
         </p:txBody>
       </p:sp>
@@ -15552,73 +17291,78 @@
           <a:lstStyle/>
           <a:p>
             <a:r>
-              <a:rPr lang="cs-CZ" dirty="0" smtClean="0"/>
+              <a:rPr lang="cs-CZ" dirty="0"/>
               <a:t>Co je to </a:t>
             </a:r>
-            <a:r>
-              <a:rPr lang="cs-CZ" dirty="0" err="1" smtClean="0"/>
-              <a:t>Blynk</a:t>
-            </a:r>
-            <a:r>
-              <a:rPr lang="cs-CZ" dirty="0" smtClean="0"/>
-              <a:t>?</a:t>
-            </a:r>
-            <a:endParaRPr lang="cs-CZ" dirty="0"/>
-          </a:p>
-          <a:p>
-            <a:pPr lvl="1"/>
-            <a:r>
-              <a:rPr lang="cs-CZ" b="1" dirty="0" smtClean="0"/>
-              <a:t>Podporované HW platformy</a:t>
-            </a:r>
-            <a:endParaRPr lang="cs-CZ" b="1" dirty="0"/>
-          </a:p>
-          <a:p>
-            <a:pPr lvl="1"/>
-            <a:r>
-              <a:rPr lang="cs-CZ" dirty="0" smtClean="0"/>
-              <a:t>Příklady projektů</a:t>
-            </a:r>
-            <a:endParaRPr lang="cs-CZ" dirty="0"/>
-          </a:p>
-          <a:p>
-            <a:pPr lvl="1"/>
             <a:r>
               <a:rPr lang="cs-CZ" dirty="0" err="1"/>
               <a:t>Blynk</a:t>
             </a:r>
             <a:r>
               <a:rPr lang="cs-CZ" dirty="0"/>
+              <a:t>?</a:t>
+            </a:r>
+          </a:p>
+          <a:p>
+            <a:pPr lvl="1"/>
+            <a:r>
+              <a:rPr lang="cs-CZ" b="1" dirty="0"/>
+              <a:t>Podporované HW platformy</a:t>
+            </a:r>
+          </a:p>
+          <a:p>
+            <a:pPr lvl="1"/>
+            <a:r>
+              <a:rPr lang="cs-CZ" dirty="0"/>
+              <a:t>Příklady projektů</a:t>
+            </a:r>
+          </a:p>
+          <a:p>
+            <a:pPr lvl="1"/>
+            <a:r>
+              <a:rPr lang="cs-CZ" dirty="0" err="1"/>
+              <a:t>Blynk</a:t>
+            </a:r>
+            <a:r>
+              <a:rPr lang="cs-CZ" dirty="0"/>
               <a:t> server &amp; instalace aplikace</a:t>
             </a:r>
           </a:p>
           <a:p>
             <a:r>
-              <a:rPr lang="cs-CZ" dirty="0" smtClean="0"/>
+              <a:rPr lang="cs-CZ" dirty="0"/>
               <a:t>ESP8266 &amp; ESP32</a:t>
             </a:r>
           </a:p>
           <a:p>
             <a:r>
               <a:rPr lang="cs-CZ" dirty="0"/>
-              <a:t>Praktická </a:t>
-            </a:r>
-            <a:r>
-              <a:rPr lang="cs-CZ" dirty="0" smtClean="0"/>
-              <a:t>část 	</a:t>
+              <a:t>Praktická část 	</a:t>
             </a:r>
           </a:p>
           <a:p>
             <a:pPr lvl="1"/>
             <a:r>
-              <a:rPr lang="cs-CZ" dirty="0" smtClean="0"/>
+              <a:rPr lang="cs-CZ" dirty="0"/>
               <a:t>Instalace podpory pro ESP32</a:t>
             </a:r>
           </a:p>
           <a:p>
             <a:pPr lvl="1"/>
             <a:r>
-              <a:rPr lang="cs-CZ" dirty="0" smtClean="0"/>
+              <a:rPr lang="cs-CZ" dirty="0"/>
+              <a:t>Instalace knihoven a kopírování </a:t>
+            </a:r>
+            <a:r>
+              <a:rPr lang="cs-CZ" dirty="0" err="1"/>
+              <a:t>sketche</a:t>
+            </a:r>
+            <a:endParaRPr lang="cs-CZ" dirty="0"/>
+          </a:p>
+          <a:p>
+            <a:pPr lvl="1"/>
+            <a:r>
+              <a:rPr lang="cs-CZ" dirty="0"/>
               <a:t>Zapojení HW a práce s aplikací</a:t>
             </a:r>
           </a:p>
@@ -15658,13 +17402,6 @@
   <p:clrMapOvr>
     <a:masterClrMapping/>
   </p:clrMapOvr>
-  <p:timing>
-    <p:tnLst>
-      <p:par>
-        <p:cTn id="1" dur="indefinite" restart="never" nodeType="tmRoot"/>
-      </p:par>
-    </p:tnLst>
-  </p:timing>
 </p:sld>
 </file>
 
@@ -15708,10 +17445,9 @@
           <a:lstStyle/>
           <a:p>
             <a:r>
-              <a:rPr lang="cs-CZ" dirty="0" smtClean="0"/>
+              <a:rPr lang="cs-CZ" dirty="0"/>
               <a:t>Podporované platformy</a:t>
             </a:r>
-            <a:endParaRPr lang="cs-CZ" dirty="0"/>
           </a:p>
         </p:txBody>
       </p:sp>
@@ -15749,12 +17485,72 @@
             <p:ph idx="1"/>
           </p:nvPr>
         </p:nvSpPr>
-        <p:spPr/>
+        <p:spPr>
+          <a:xfrm>
+            <a:off x="1462484" y="1080806"/>
+            <a:ext cx="9267031" cy="1529044"/>
+          </a:xfrm>
+        </p:spPr>
         <p:txBody>
           <a:bodyPr/>
           <a:lstStyle/>
           <a:p>
-            <a:endParaRPr lang="cs-CZ" dirty="0"/>
+            <a:r>
+              <a:rPr lang="en-US" dirty="0"/>
+              <a:t>Blynk supports more than 400 boards already, including support for Arduino, Particle, ARM </a:t>
+            </a:r>
+            <a:r>
+              <a:rPr lang="en-US" dirty="0" err="1"/>
+              <a:t>mbed</a:t>
+            </a:r>
+            <a:r>
+              <a:rPr lang="en-US" dirty="0"/>
+              <a:t>, TI </a:t>
+            </a:r>
+            <a:r>
+              <a:rPr lang="en-US" dirty="0" err="1"/>
+              <a:t>Energia</a:t>
+            </a:r>
+            <a:r>
+              <a:rPr lang="en-US" dirty="0"/>
+              <a:t>, </a:t>
+            </a:r>
+            <a:r>
+              <a:rPr lang="en-US" dirty="0" err="1"/>
+              <a:t>MicroPython</a:t>
+            </a:r>
+            <a:r>
+              <a:rPr lang="en-US" dirty="0"/>
+              <a:t>, Node.js, </a:t>
+            </a:r>
+            <a:r>
+              <a:rPr lang="en-US" dirty="0" err="1"/>
+              <a:t>OpenWRT</a:t>
+            </a:r>
+            <a:r>
+              <a:rPr lang="en-US" dirty="0"/>
+              <a:t> and many Single Board Computers.</a:t>
+            </a:r>
+            <a:r>
+              <a:rPr lang="cs-CZ" dirty="0"/>
+              <a:t> (by </a:t>
+            </a:r>
+            <a:r>
+              <a:rPr lang="cs-CZ" dirty="0" err="1"/>
+              <a:t>Blynk</a:t>
+            </a:r>
+            <a:r>
+              <a:rPr lang="cs-CZ" dirty="0"/>
+              <a:t> </a:t>
+            </a:r>
+            <a:r>
+              <a:rPr lang="cs-CZ" dirty="0" err="1"/>
+              <a:t>Github</a:t>
+            </a:r>
+            <a:r>
+              <a:rPr lang="cs-CZ" dirty="0"/>
+              <a:t>)</a:t>
+            </a:r>
           </a:p>
         </p:txBody>
       </p:sp>
@@ -15774,8 +17570,8 @@
         </p:blipFill>
         <p:spPr>
           <a:xfrm>
-            <a:off x="2512215" y="1123950"/>
-            <a:ext cx="7962900" cy="4610100"/>
+            <a:off x="2684856" y="2609850"/>
+            <a:ext cx="6822285" cy="3949744"/>
           </a:xfrm>
           <a:prstGeom prst="rect">
             <a:avLst/>
@@ -15792,13 +17588,6 @@
   <p:clrMapOvr>
     <a:masterClrMapping/>
   </p:clrMapOvr>
-  <p:timing>
-    <p:tnLst>
-      <p:par>
-        <p:cTn id="1" dur="indefinite" restart="never" nodeType="tmRoot"/>
-      </p:par>
-    </p:tnLst>
-  </p:timing>
 </p:sld>
 </file>
 
@@ -15836,13 +17625,8 @@
           <a:p>
             <a:r>
               <a:rPr lang="cs-CZ" dirty="0"/>
-              <a:t>Arduino Workshop </a:t>
-            </a:r>
-            <a:r>
-              <a:rPr lang="cs-CZ" dirty="0" smtClean="0"/>
-              <a:t>4</a:t>
-            </a:r>
-            <a:endParaRPr lang="cs-CZ" dirty="0"/>
+              <a:t>Arduino Workshop 4</a:t>
+            </a:r>
           </a:p>
         </p:txBody>
       </p:sp>
@@ -15869,73 +17653,78 @@
           <a:lstStyle/>
           <a:p>
             <a:r>
-              <a:rPr lang="cs-CZ" dirty="0" smtClean="0"/>
+              <a:rPr lang="cs-CZ" dirty="0"/>
               <a:t>Co je to </a:t>
             </a:r>
-            <a:r>
-              <a:rPr lang="cs-CZ" dirty="0" err="1" smtClean="0"/>
-              <a:t>Blynk</a:t>
-            </a:r>
-            <a:r>
-              <a:rPr lang="cs-CZ" dirty="0" smtClean="0"/>
-              <a:t>?</a:t>
-            </a:r>
-            <a:endParaRPr lang="cs-CZ" dirty="0"/>
-          </a:p>
-          <a:p>
-            <a:pPr lvl="1"/>
-            <a:r>
-              <a:rPr lang="cs-CZ" dirty="0" smtClean="0"/>
-              <a:t>Podporované HW platformy</a:t>
-            </a:r>
-            <a:endParaRPr lang="cs-CZ" dirty="0"/>
-          </a:p>
-          <a:p>
-            <a:pPr lvl="1"/>
-            <a:r>
-              <a:rPr lang="cs-CZ" b="1" dirty="0" smtClean="0"/>
-              <a:t>Příklady projektů</a:t>
-            </a:r>
-            <a:endParaRPr lang="cs-CZ" b="1" dirty="0"/>
-          </a:p>
-          <a:p>
-            <a:pPr lvl="1"/>
             <a:r>
               <a:rPr lang="cs-CZ" dirty="0" err="1"/>
               <a:t>Blynk</a:t>
             </a:r>
             <a:r>
               <a:rPr lang="cs-CZ" dirty="0"/>
+              <a:t>?</a:t>
+            </a:r>
+          </a:p>
+          <a:p>
+            <a:pPr lvl="1"/>
+            <a:r>
+              <a:rPr lang="cs-CZ" dirty="0"/>
+              <a:t>Podporované HW platformy</a:t>
+            </a:r>
+          </a:p>
+          <a:p>
+            <a:pPr lvl="1"/>
+            <a:r>
+              <a:rPr lang="cs-CZ" b="1" dirty="0"/>
+              <a:t>Příklady projektů</a:t>
+            </a:r>
+          </a:p>
+          <a:p>
+            <a:pPr lvl="1"/>
+            <a:r>
+              <a:rPr lang="cs-CZ" dirty="0" err="1"/>
+              <a:t>Blynk</a:t>
+            </a:r>
+            <a:r>
+              <a:rPr lang="cs-CZ" dirty="0"/>
               <a:t> server &amp; instalace aplikace</a:t>
             </a:r>
           </a:p>
           <a:p>
             <a:r>
-              <a:rPr lang="cs-CZ" dirty="0" smtClean="0"/>
+              <a:rPr lang="cs-CZ" dirty="0"/>
               <a:t>ESP8266 &amp; ESP32</a:t>
             </a:r>
           </a:p>
           <a:p>
             <a:r>
               <a:rPr lang="cs-CZ" dirty="0"/>
-              <a:t>Praktická </a:t>
-            </a:r>
-            <a:r>
-              <a:rPr lang="cs-CZ" dirty="0" smtClean="0"/>
-              <a:t>část 	</a:t>
+              <a:t>Praktická část 	</a:t>
             </a:r>
           </a:p>
           <a:p>
             <a:pPr lvl="1"/>
             <a:r>
-              <a:rPr lang="cs-CZ" dirty="0" smtClean="0"/>
+              <a:rPr lang="cs-CZ" dirty="0"/>
               <a:t>Instalace podpory pro ESP32</a:t>
             </a:r>
           </a:p>
           <a:p>
             <a:pPr lvl="1"/>
             <a:r>
-              <a:rPr lang="cs-CZ" dirty="0" smtClean="0"/>
+              <a:rPr lang="cs-CZ" dirty="0"/>
+              <a:t>Instalace knihoven a kopírování </a:t>
+            </a:r>
+            <a:r>
+              <a:rPr lang="cs-CZ" dirty="0" err="1"/>
+              <a:t>sketche</a:t>
+            </a:r>
+            <a:endParaRPr lang="cs-CZ" dirty="0"/>
+          </a:p>
+          <a:p>
+            <a:pPr lvl="1"/>
+            <a:r>
+              <a:rPr lang="cs-CZ" dirty="0"/>
               <a:t>Zapojení HW a práce s aplikací</a:t>
             </a:r>
           </a:p>
@@ -15975,13 +17764,6 @@
   <p:clrMapOvr>
     <a:masterClrMapping/>
   </p:clrMapOvr>
-  <p:timing>
-    <p:tnLst>
-      <p:par>
-        <p:cTn id="1" dur="indefinite" restart="never" nodeType="tmRoot"/>
-      </p:par>
-    </p:tnLst>
-  </p:timing>
 </p:sld>
 </file>
 
@@ -16126,10 +17908,9 @@
           </a:lstStyle>
           <a:p>
             <a:r>
-              <a:rPr lang="cs-CZ" dirty="0" smtClean="0"/>
+              <a:rPr lang="cs-CZ" dirty="0"/>
               <a:t>Příklady projektů:</a:t>
             </a:r>
-            <a:endParaRPr lang="cs-CZ" dirty="0"/>
           </a:p>
         </p:txBody>
       </p:sp>
@@ -16157,10 +17938,9 @@
               <a:buNone/>
             </a:pPr>
             <a:r>
-              <a:rPr lang="cs-CZ" dirty="0" smtClean="0"/>
+              <a:rPr lang="cs-CZ" dirty="0"/>
               <a:t>Termostat pro kotel</a:t>
             </a:r>
-            <a:endParaRPr lang="cs-CZ" dirty="0"/>
           </a:p>
         </p:txBody>
       </p:sp>
@@ -16222,13 +18002,6 @@
   <p:clrMapOvr>
     <a:masterClrMapping/>
   </p:clrMapOvr>
-  <p:timing>
-    <p:tnLst>
-      <p:par>
-        <p:cTn id="1" dur="indefinite" restart="never" nodeType="tmRoot"/>
-      </p:par>
-    </p:tnLst>
-  </p:timing>
 </p:sld>
 </file>
 
@@ -16373,10 +18146,9 @@
           </a:lstStyle>
           <a:p>
             <a:r>
-              <a:rPr lang="cs-CZ" dirty="0" smtClean="0"/>
+              <a:rPr lang="cs-CZ" dirty="0"/>
               <a:t>Příklady projektů:</a:t>
             </a:r>
-            <a:endParaRPr lang="cs-CZ" dirty="0"/>
           </a:p>
         </p:txBody>
       </p:sp>
@@ -16404,10 +18176,9 @@
               <a:buNone/>
             </a:pPr>
             <a:r>
-              <a:rPr lang="cs-CZ" dirty="0" smtClean="0"/>
+              <a:rPr lang="cs-CZ" dirty="0"/>
               <a:t>Ovládání skleníku</a:t>
             </a:r>
-            <a:endParaRPr lang="cs-CZ" dirty="0"/>
           </a:p>
         </p:txBody>
       </p:sp>
@@ -16568,13 +18339,6 @@
   <p:clrMapOvr>
     <a:masterClrMapping/>
   </p:clrMapOvr>
-  <p:timing>
-    <p:tnLst>
-      <p:par>
-        <p:cTn id="1" dur="indefinite" restart="never" nodeType="tmRoot"/>
-      </p:par>
-    </p:tnLst>
-  </p:timing>
 </p:sld>
 </file>
 
